--- a/Courses/Computer-Modeling-and-IT/Computer-Modeling-and-IT-6-Class/02-Operating-System/02-Operating-System.pptx
+++ b/Courses/Computer-Modeling-and-IT/Computer-Modeling-and-IT-6-Class/02-Operating-System/02-Operating-System.pptx
@@ -5,10 +5,10 @@
     <p:sldMasterId id="2147483675" r:id="rId1"/>
   </p:sldMasterIdLst>
   <p:notesMasterIdLst>
-    <p:notesMasterId r:id="rId16"/>
+    <p:notesMasterId r:id="rId22"/>
   </p:notesMasterIdLst>
   <p:handoutMasterIdLst>
-    <p:handoutMasterId r:id="rId17"/>
+    <p:handoutMasterId r:id="rId23"/>
   </p:handoutMasterIdLst>
   <p:sldIdLst>
     <p:sldId id="503" r:id="rId2"/>
@@ -22,9 +22,15 @@
     <p:sldId id="593" r:id="rId10"/>
     <p:sldId id="594" r:id="rId11"/>
     <p:sldId id="595" r:id="rId12"/>
-    <p:sldId id="586" r:id="rId13"/>
-    <p:sldId id="504" r:id="rId14"/>
-    <p:sldId id="505" r:id="rId15"/>
+    <p:sldId id="596" r:id="rId13"/>
+    <p:sldId id="597" r:id="rId14"/>
+    <p:sldId id="598" r:id="rId15"/>
+    <p:sldId id="599" r:id="rId16"/>
+    <p:sldId id="600" r:id="rId17"/>
+    <p:sldId id="601" r:id="rId18"/>
+    <p:sldId id="586" r:id="rId19"/>
+    <p:sldId id="504" r:id="rId20"/>
+    <p:sldId id="505" r:id="rId21"/>
   </p:sldIdLst>
   <p:sldSz cx="12192000" cy="6858000"/>
   <p:notesSz cx="6858000" cy="9144000"/>
@@ -147,6 +153,12 @@
             <p14:sldId id="593"/>
             <p14:sldId id="594"/>
             <p14:sldId id="595"/>
+            <p14:sldId id="596"/>
+            <p14:sldId id="597"/>
+            <p14:sldId id="598"/>
+            <p14:sldId id="599"/>
+            <p14:sldId id="600"/>
+            <p14:sldId id="601"/>
           </p14:sldIdLst>
         </p14:section>
         <p14:section name="Заключение" id="{E19D07F1-86E2-47E9-B2AB-7ADC4F89DC12}">
@@ -273,7 +285,7 @@
           <a:p>
             <a:fld id="{4E087215-0C8F-4762-A664-737A353EC9A4}" type="datetimeFigureOut">
               <a:rPr lang="bg-BG" smtClean="0"/>
-              <a:t>5.3.2024 г.</a:t>
+              <a:t>7.3.2024 г.</a:t>
             </a:fld>
             <a:endParaRPr lang="bg-BG"/>
           </a:p>
@@ -469,7 +481,7 @@
           <a:p>
             <a:fld id="{72D84649-876A-46C9-8472-14CB09C070D8}" type="datetimeFigureOut">
               <a:rPr lang="en-US" smtClean="0"/>
-              <a:t>3/5/2024</a:t>
+              <a:t>3/7/2024</a:t>
             </a:fld>
             <a:endParaRPr lang="en-US"/>
           </a:p>
@@ -1310,12 +1322,12 @@
       </p:sp>
       <p:sp>
         <p:nvSpPr>
-          <p:cNvPr id="4" name="Footer Placeholder 3"/>
+          <p:cNvPr id="4" name="Slide Number Placeholder 3"/>
           <p:cNvSpPr>
             <a:spLocks noGrp="1"/>
           </p:cNvSpPr>
           <p:nvPr>
-            <p:ph type="ftr" sz="quarter" idx="10"/>
+            <p:ph type="sldNum" sz="quarter" idx="10"/>
           </p:nvPr>
         </p:nvSpPr>
         <p:spPr/>
@@ -1323,48 +1335,22 @@
           <a:bodyPr/>
           <a:lstStyle/>
           <a:p>
-            <a:r>
-              <a:rPr lang="en-US" sz="1000" dirty="0"/>
-              <a:t>© Software University Foundation – </a:t>
-            </a:r>
-            <a:r>
-              <a:rPr lang="en-US" sz="1000" u="sng" dirty="0">
-                <a:hlinkClick r:id="rId3"/>
-              </a:rPr>
-              <a:t>http://softuni.org</a:t>
-            </a:r>
-            <a:endParaRPr lang="en-US" sz="1000" dirty="0"/>
-          </a:p>
-          <a:p>
-            <a:r>
-              <a:rPr lang="en-US" sz="1000" dirty="0"/>
-              <a:t>This work is licensed under the </a:t>
-            </a:r>
-            <a:r>
-              <a:rPr lang="en-US" sz="1000" u="sng" noProof="1">
-                <a:hlinkClick r:id="rId4"/>
-              </a:rPr>
-              <a:t>Creative Commons Attribution-NonCommercial-ShareAlike</a:t>
-            </a:r>
-            <a:r>
-              <a:rPr lang="en-US" sz="1000" noProof="1"/>
-              <a:t> </a:t>
-            </a:r>
-            <a:r>
-              <a:rPr lang="en-US" sz="1000" dirty="0"/>
-              <a:t>license.</a:t>
-            </a:r>
+            <a:fld id="{2BF067CD-8E6B-4360-9AA8-C5DF2A48A6D1}" type="slidenum">
+              <a:rPr lang="en-US" smtClean="0"/>
+              <a:t>17</a:t>
+            </a:fld>
+            <a:endParaRPr lang="en-US" dirty="0"/>
           </a:p>
         </p:txBody>
       </p:sp>
       <p:sp>
         <p:nvSpPr>
-          <p:cNvPr id="5" name="Slide Number Placeholder 4"/>
+          <p:cNvPr id="5" name="Footer Placeholder 4"/>
           <p:cNvSpPr>
             <a:spLocks noGrp="1"/>
           </p:cNvSpPr>
           <p:nvPr>
-            <p:ph type="sldNum" sz="quarter" idx="11"/>
+            <p:ph type="ftr" sz="quarter" idx="11"/>
           </p:nvPr>
         </p:nvSpPr>
         <p:spPr/>
@@ -1372,19 +1358,32 @@
           <a:bodyPr/>
           <a:lstStyle/>
           <a:p>
-            <a:fld id="{3EBA5BD7-F043-4D1B-AA17-CD412FC534DE}" type="slidenum">
-              <a:rPr lang="en-US" smtClean="0"/>
-              <a:pPr/>
-              <a:t>12</a:t>
-            </a:fld>
-            <a:endParaRPr lang="en-US" dirty="0"/>
+            <a:r>
+              <a:rPr lang="bg-BG" sz="1100" smtClean="0"/>
+              <a:t>Работна група </a:t>
+            </a:r>
+            <a:r>
+              <a:rPr lang="bg-BG" smtClean="0"/>
+              <a:t>"Образование по програмиране и ИТ"</a:t>
+            </a:r>
+            <a:r>
+              <a:rPr lang="bg-BG" sz="1100" smtClean="0"/>
+              <a:t>, с подкрепата на </a:t>
+            </a:r>
+            <a:r>
+              <a:rPr lang="en-US" sz="1100" smtClean="0">
+                <a:hlinkClick r:id="rId3"/>
+              </a:rPr>
+              <a:t>SoftUni</a:t>
+            </a:r>
+            <a:endParaRPr lang="en-US" sz="1100" dirty="0"/>
           </a:p>
         </p:txBody>
       </p:sp>
     </p:spTree>
     <p:extLst>
       <p:ext uri="{BB962C8B-B14F-4D97-AF65-F5344CB8AC3E}">
-        <p14:creationId xmlns:p14="http://schemas.microsoft.com/office/powerpoint/2010/main" val="2505804726"/>
+        <p14:creationId xmlns:p14="http://schemas.microsoft.com/office/powerpoint/2010/main" val="1690920167"/>
       </p:ext>
     </p:extLst>
   </p:cSld>
@@ -1444,148 +1443,12 @@
       </p:sp>
       <p:sp>
         <p:nvSpPr>
-          <p:cNvPr id="7" name="Slide Number Placeholder 5">
-            <a:extLst>
-              <a:ext uri="{FF2B5EF4-FFF2-40B4-BE49-F238E27FC236}">
-                <a16:creationId xmlns:a16="http://schemas.microsoft.com/office/drawing/2014/main" id="{5049B984-F964-47FF-8179-0A3007CE21CD}"/>
-              </a:ext>
-            </a:extLst>
-          </p:cNvPr>
-          <p:cNvSpPr txBox="1">
-            <a:spLocks/>
-          </p:cNvSpPr>
-          <p:nvPr/>
-        </p:nvSpPr>
-        <p:spPr>
-          <a:xfrm>
-            <a:off x="6488999" y="8847000"/>
-            <a:ext cx="367414" cy="297000"/>
-          </a:xfrm>
-          <a:prstGeom prst="rect">
-            <a:avLst/>
-          </a:prstGeom>
-        </p:spPr>
-        <p:txBody>
-          <a:bodyPr vert="horz" lIns="91440" tIns="45720" rIns="91440" bIns="45720" rtlCol="0" anchor="b"/>
-          <a:lstStyle>
-            <a:defPPr>
-              <a:defRPr lang="en-US"/>
-            </a:defPPr>
-            <a:lvl1pPr marL="0" algn="r" defTabSz="914400" rtl="0" eaLnBrk="1" latinLnBrk="0" hangingPunct="1">
-              <a:defRPr sz="1200" kern="1200">
-                <a:solidFill>
-                  <a:schemeClr val="tx1"/>
-                </a:solidFill>
-                <a:latin typeface="+mn-lt"/>
-                <a:ea typeface="+mn-ea"/>
-                <a:cs typeface="+mn-cs"/>
-              </a:defRPr>
-            </a:lvl1pPr>
-            <a:lvl2pPr marL="457200" algn="l" defTabSz="914400" rtl="0" eaLnBrk="1" latinLnBrk="0" hangingPunct="1">
-              <a:defRPr sz="1800" kern="1200">
-                <a:solidFill>
-                  <a:schemeClr val="tx1"/>
-                </a:solidFill>
-                <a:latin typeface="+mn-lt"/>
-                <a:ea typeface="+mn-ea"/>
-                <a:cs typeface="+mn-cs"/>
-              </a:defRPr>
-            </a:lvl2pPr>
-            <a:lvl3pPr marL="914400" algn="l" defTabSz="914400" rtl="0" eaLnBrk="1" latinLnBrk="0" hangingPunct="1">
-              <a:defRPr sz="1800" kern="1200">
-                <a:solidFill>
-                  <a:schemeClr val="tx1"/>
-                </a:solidFill>
-                <a:latin typeface="+mn-lt"/>
-                <a:ea typeface="+mn-ea"/>
-                <a:cs typeface="+mn-cs"/>
-              </a:defRPr>
-            </a:lvl3pPr>
-            <a:lvl4pPr marL="1371600" algn="l" defTabSz="914400" rtl="0" eaLnBrk="1" latinLnBrk="0" hangingPunct="1">
-              <a:defRPr sz="1800" kern="1200">
-                <a:solidFill>
-                  <a:schemeClr val="tx1"/>
-                </a:solidFill>
-                <a:latin typeface="+mn-lt"/>
-                <a:ea typeface="+mn-ea"/>
-                <a:cs typeface="+mn-cs"/>
-              </a:defRPr>
-            </a:lvl4pPr>
-            <a:lvl5pPr marL="1828800" algn="l" defTabSz="914400" rtl="0" eaLnBrk="1" latinLnBrk="0" hangingPunct="1">
-              <a:defRPr sz="1800" kern="1200">
-                <a:solidFill>
-                  <a:schemeClr val="tx1"/>
-                </a:solidFill>
-                <a:latin typeface="+mn-lt"/>
-                <a:ea typeface="+mn-ea"/>
-                <a:cs typeface="+mn-cs"/>
-              </a:defRPr>
-            </a:lvl5pPr>
-            <a:lvl6pPr marL="2286000" algn="l" defTabSz="914400" rtl="0" eaLnBrk="1" latinLnBrk="0" hangingPunct="1">
-              <a:defRPr sz="1800" kern="1200">
-                <a:solidFill>
-                  <a:schemeClr val="tx1"/>
-                </a:solidFill>
-                <a:latin typeface="+mn-lt"/>
-                <a:ea typeface="+mn-ea"/>
-                <a:cs typeface="+mn-cs"/>
-              </a:defRPr>
-            </a:lvl6pPr>
-            <a:lvl7pPr marL="2743200" algn="l" defTabSz="914400" rtl="0" eaLnBrk="1" latinLnBrk="0" hangingPunct="1">
-              <a:defRPr sz="1800" kern="1200">
-                <a:solidFill>
-                  <a:schemeClr val="tx1"/>
-                </a:solidFill>
-                <a:latin typeface="+mn-lt"/>
-                <a:ea typeface="+mn-ea"/>
-                <a:cs typeface="+mn-cs"/>
-              </a:defRPr>
-            </a:lvl7pPr>
-            <a:lvl8pPr marL="3200400" algn="l" defTabSz="914400" rtl="0" eaLnBrk="1" latinLnBrk="0" hangingPunct="1">
-              <a:defRPr sz="1800" kern="1200">
-                <a:solidFill>
-                  <a:schemeClr val="tx1"/>
-                </a:solidFill>
-                <a:latin typeface="+mn-lt"/>
-                <a:ea typeface="+mn-ea"/>
-                <a:cs typeface="+mn-cs"/>
-              </a:defRPr>
-            </a:lvl8pPr>
-            <a:lvl9pPr marL="3657600" algn="l" defTabSz="914400" rtl="0" eaLnBrk="1" latinLnBrk="0" hangingPunct="1">
-              <a:defRPr sz="1800" kern="1200">
-                <a:solidFill>
-                  <a:schemeClr val="tx1"/>
-                </a:solidFill>
-                <a:latin typeface="+mn-lt"/>
-                <a:ea typeface="+mn-ea"/>
-                <a:cs typeface="+mn-cs"/>
-              </a:defRPr>
-            </a:lvl9pPr>
-          </a:lstStyle>
-          <a:p>
-            <a:fld id="{3EBA5BD7-F043-4D1B-AA17-CD412FC534DE}" type="slidenum">
-              <a:rPr lang="en-US" smtClean="0"/>
-              <a:pPr/>
-              <a:t>13</a:t>
-            </a:fld>
-            <a:endParaRPr lang="en-US" dirty="0"/>
-          </a:p>
-        </p:txBody>
-      </p:sp>
-      <p:sp>
-        <p:nvSpPr>
-          <p:cNvPr id="4" name="Footer Placeholder 3">
-            <a:extLst>
-              <a:ext uri="{FF2B5EF4-FFF2-40B4-BE49-F238E27FC236}">
-                <a16:creationId xmlns:a16="http://schemas.microsoft.com/office/drawing/2014/main" id="{8E059BE0-D868-413B-AAA1-1CC88D1F52C5}"/>
-              </a:ext>
-            </a:extLst>
-          </p:cNvPr>
+          <p:cNvPr id="4" name="Footer Placeholder 3"/>
           <p:cNvSpPr>
             <a:spLocks noGrp="1"/>
           </p:cNvSpPr>
           <p:nvPr>
-            <p:ph type="ftr" sz="quarter" idx="4"/>
+            <p:ph type="ftr" sz="quarter" idx="10"/>
           </p:nvPr>
         </p:nvSpPr>
         <p:spPr/>
@@ -1594,19 +1457,59 @@
           <a:lstStyle/>
           <a:p>
             <a:r>
-              <a:rPr lang="en-US"/>
-              <a:t>© SoftUni – </a:t>
-            </a:r>
-            <a:r>
-              <a:rPr lang="en-US" u="sng">
+              <a:rPr lang="en-US" sz="1000" dirty="0"/>
+              <a:t>© Software University Foundation – </a:t>
+            </a:r>
+            <a:r>
+              <a:rPr lang="en-US" sz="1000" u="sng" dirty="0">
                 <a:hlinkClick r:id="rId3"/>
               </a:rPr>
-              <a:t>https://softuni.org</a:t>
-            </a:r>
-            <a:r>
-              <a:rPr lang="en-US"/>
-              <a:t>. Copyrighted document. Unauthorized copy or reproduction is not permitted.</a:t>
-            </a:r>
+              <a:t>http://softuni.org</a:t>
+            </a:r>
+            <a:endParaRPr lang="en-US" sz="1000" dirty="0"/>
+          </a:p>
+          <a:p>
+            <a:r>
+              <a:rPr lang="en-US" sz="1000" dirty="0"/>
+              <a:t>This work is licensed under the </a:t>
+            </a:r>
+            <a:r>
+              <a:rPr lang="en-US" sz="1000" u="sng" noProof="1">
+                <a:hlinkClick r:id="rId4"/>
+              </a:rPr>
+              <a:t>Creative Commons Attribution-NonCommercial-ShareAlike</a:t>
+            </a:r>
+            <a:r>
+              <a:rPr lang="en-US" sz="1000" noProof="1"/>
+              <a:t> </a:t>
+            </a:r>
+            <a:r>
+              <a:rPr lang="en-US" sz="1000" dirty="0"/>
+              <a:t>license.</a:t>
+            </a:r>
+          </a:p>
+        </p:txBody>
+      </p:sp>
+      <p:sp>
+        <p:nvSpPr>
+          <p:cNvPr id="5" name="Slide Number Placeholder 4"/>
+          <p:cNvSpPr>
+            <a:spLocks noGrp="1"/>
+          </p:cNvSpPr>
+          <p:nvPr>
+            <p:ph type="sldNum" sz="quarter" idx="11"/>
+          </p:nvPr>
+        </p:nvSpPr>
+        <p:spPr/>
+        <p:txBody>
+          <a:bodyPr/>
+          <a:lstStyle/>
+          <a:p>
+            <a:fld id="{3EBA5BD7-F043-4D1B-AA17-CD412FC534DE}" type="slidenum">
+              <a:rPr lang="en-US" smtClean="0"/>
+              <a:pPr/>
+              <a:t>18</a:t>
+            </a:fld>
             <a:endParaRPr lang="en-US" dirty="0"/>
           </a:p>
         </p:txBody>
@@ -1614,7 +1517,7 @@
     </p:spTree>
     <p:extLst>
       <p:ext uri="{BB962C8B-B14F-4D97-AF65-F5344CB8AC3E}">
-        <p14:creationId xmlns:p14="http://schemas.microsoft.com/office/powerpoint/2010/main" val="3466590374"/>
+        <p14:creationId xmlns:p14="http://schemas.microsoft.com/office/powerpoint/2010/main" val="2505804726"/>
       </p:ext>
     </p:extLst>
   </p:cSld>
@@ -1668,6 +1571,236 @@
           <a:bodyPr/>
           <a:lstStyle/>
           <a:p>
+            <a:endParaRPr lang="en-US" dirty="0"/>
+          </a:p>
+        </p:txBody>
+      </p:sp>
+      <p:sp>
+        <p:nvSpPr>
+          <p:cNvPr id="7" name="Slide Number Placeholder 5">
+            <a:extLst>
+              <a:ext uri="{FF2B5EF4-FFF2-40B4-BE49-F238E27FC236}">
+                <a16:creationId xmlns:a16="http://schemas.microsoft.com/office/drawing/2014/main" id="{5049B984-F964-47FF-8179-0A3007CE21CD}"/>
+              </a:ext>
+            </a:extLst>
+          </p:cNvPr>
+          <p:cNvSpPr txBox="1">
+            <a:spLocks/>
+          </p:cNvSpPr>
+          <p:nvPr/>
+        </p:nvSpPr>
+        <p:spPr>
+          <a:xfrm>
+            <a:off x="6488999" y="8847000"/>
+            <a:ext cx="367414" cy="297000"/>
+          </a:xfrm>
+          <a:prstGeom prst="rect">
+            <a:avLst/>
+          </a:prstGeom>
+        </p:spPr>
+        <p:txBody>
+          <a:bodyPr vert="horz" lIns="91440" tIns="45720" rIns="91440" bIns="45720" rtlCol="0" anchor="b"/>
+          <a:lstStyle>
+            <a:defPPr>
+              <a:defRPr lang="en-US"/>
+            </a:defPPr>
+            <a:lvl1pPr marL="0" algn="r" defTabSz="914400" rtl="0" eaLnBrk="1" latinLnBrk="0" hangingPunct="1">
+              <a:defRPr sz="1200" kern="1200">
+                <a:solidFill>
+                  <a:schemeClr val="tx1"/>
+                </a:solidFill>
+                <a:latin typeface="+mn-lt"/>
+                <a:ea typeface="+mn-ea"/>
+                <a:cs typeface="+mn-cs"/>
+              </a:defRPr>
+            </a:lvl1pPr>
+            <a:lvl2pPr marL="457200" algn="l" defTabSz="914400" rtl="0" eaLnBrk="1" latinLnBrk="0" hangingPunct="1">
+              <a:defRPr sz="1800" kern="1200">
+                <a:solidFill>
+                  <a:schemeClr val="tx1"/>
+                </a:solidFill>
+                <a:latin typeface="+mn-lt"/>
+                <a:ea typeface="+mn-ea"/>
+                <a:cs typeface="+mn-cs"/>
+              </a:defRPr>
+            </a:lvl2pPr>
+            <a:lvl3pPr marL="914400" algn="l" defTabSz="914400" rtl="0" eaLnBrk="1" latinLnBrk="0" hangingPunct="1">
+              <a:defRPr sz="1800" kern="1200">
+                <a:solidFill>
+                  <a:schemeClr val="tx1"/>
+                </a:solidFill>
+                <a:latin typeface="+mn-lt"/>
+                <a:ea typeface="+mn-ea"/>
+                <a:cs typeface="+mn-cs"/>
+              </a:defRPr>
+            </a:lvl3pPr>
+            <a:lvl4pPr marL="1371600" algn="l" defTabSz="914400" rtl="0" eaLnBrk="1" latinLnBrk="0" hangingPunct="1">
+              <a:defRPr sz="1800" kern="1200">
+                <a:solidFill>
+                  <a:schemeClr val="tx1"/>
+                </a:solidFill>
+                <a:latin typeface="+mn-lt"/>
+                <a:ea typeface="+mn-ea"/>
+                <a:cs typeface="+mn-cs"/>
+              </a:defRPr>
+            </a:lvl4pPr>
+            <a:lvl5pPr marL="1828800" algn="l" defTabSz="914400" rtl="0" eaLnBrk="1" latinLnBrk="0" hangingPunct="1">
+              <a:defRPr sz="1800" kern="1200">
+                <a:solidFill>
+                  <a:schemeClr val="tx1"/>
+                </a:solidFill>
+                <a:latin typeface="+mn-lt"/>
+                <a:ea typeface="+mn-ea"/>
+                <a:cs typeface="+mn-cs"/>
+              </a:defRPr>
+            </a:lvl5pPr>
+            <a:lvl6pPr marL="2286000" algn="l" defTabSz="914400" rtl="0" eaLnBrk="1" latinLnBrk="0" hangingPunct="1">
+              <a:defRPr sz="1800" kern="1200">
+                <a:solidFill>
+                  <a:schemeClr val="tx1"/>
+                </a:solidFill>
+                <a:latin typeface="+mn-lt"/>
+                <a:ea typeface="+mn-ea"/>
+                <a:cs typeface="+mn-cs"/>
+              </a:defRPr>
+            </a:lvl6pPr>
+            <a:lvl7pPr marL="2743200" algn="l" defTabSz="914400" rtl="0" eaLnBrk="1" latinLnBrk="0" hangingPunct="1">
+              <a:defRPr sz="1800" kern="1200">
+                <a:solidFill>
+                  <a:schemeClr val="tx1"/>
+                </a:solidFill>
+                <a:latin typeface="+mn-lt"/>
+                <a:ea typeface="+mn-ea"/>
+                <a:cs typeface="+mn-cs"/>
+              </a:defRPr>
+            </a:lvl7pPr>
+            <a:lvl8pPr marL="3200400" algn="l" defTabSz="914400" rtl="0" eaLnBrk="1" latinLnBrk="0" hangingPunct="1">
+              <a:defRPr sz="1800" kern="1200">
+                <a:solidFill>
+                  <a:schemeClr val="tx1"/>
+                </a:solidFill>
+                <a:latin typeface="+mn-lt"/>
+                <a:ea typeface="+mn-ea"/>
+                <a:cs typeface="+mn-cs"/>
+              </a:defRPr>
+            </a:lvl8pPr>
+            <a:lvl9pPr marL="3657600" algn="l" defTabSz="914400" rtl="0" eaLnBrk="1" latinLnBrk="0" hangingPunct="1">
+              <a:defRPr sz="1800" kern="1200">
+                <a:solidFill>
+                  <a:schemeClr val="tx1"/>
+                </a:solidFill>
+                <a:latin typeface="+mn-lt"/>
+                <a:ea typeface="+mn-ea"/>
+                <a:cs typeface="+mn-cs"/>
+              </a:defRPr>
+            </a:lvl9pPr>
+          </a:lstStyle>
+          <a:p>
+            <a:fld id="{3EBA5BD7-F043-4D1B-AA17-CD412FC534DE}" type="slidenum">
+              <a:rPr lang="en-US" smtClean="0"/>
+              <a:pPr/>
+              <a:t>19</a:t>
+            </a:fld>
+            <a:endParaRPr lang="en-US" dirty="0"/>
+          </a:p>
+        </p:txBody>
+      </p:sp>
+      <p:sp>
+        <p:nvSpPr>
+          <p:cNvPr id="4" name="Footer Placeholder 3">
+            <a:extLst>
+              <a:ext uri="{FF2B5EF4-FFF2-40B4-BE49-F238E27FC236}">
+                <a16:creationId xmlns:a16="http://schemas.microsoft.com/office/drawing/2014/main" id="{8E059BE0-D868-413B-AAA1-1CC88D1F52C5}"/>
+              </a:ext>
+            </a:extLst>
+          </p:cNvPr>
+          <p:cNvSpPr>
+            <a:spLocks noGrp="1"/>
+          </p:cNvSpPr>
+          <p:nvPr>
+            <p:ph type="ftr" sz="quarter" idx="4"/>
+          </p:nvPr>
+        </p:nvSpPr>
+        <p:spPr/>
+        <p:txBody>
+          <a:bodyPr/>
+          <a:lstStyle/>
+          <a:p>
+            <a:r>
+              <a:rPr lang="en-US"/>
+              <a:t>© SoftUni – </a:t>
+            </a:r>
+            <a:r>
+              <a:rPr lang="en-US" u="sng">
+                <a:hlinkClick r:id="rId3"/>
+              </a:rPr>
+              <a:t>https://softuni.org</a:t>
+            </a:r>
+            <a:r>
+              <a:rPr lang="en-US"/>
+              <a:t>. Copyrighted document. Unauthorized copy or reproduction is not permitted.</a:t>
+            </a:r>
+            <a:endParaRPr lang="en-US" dirty="0"/>
+          </a:p>
+        </p:txBody>
+      </p:sp>
+    </p:spTree>
+    <p:extLst>
+      <p:ext uri="{BB962C8B-B14F-4D97-AF65-F5344CB8AC3E}">
+        <p14:creationId xmlns:p14="http://schemas.microsoft.com/office/powerpoint/2010/main" val="3466590374"/>
+      </p:ext>
+    </p:extLst>
+  </p:cSld>
+  <p:clrMapOvr>
+    <a:masterClrMapping/>
+  </p:clrMapOvr>
+</p:notes>
+</file>
+
+<file path=ppt/notesSlides/notesSlide7.xml><?xml version="1.0" encoding="utf-8"?>
+<p:notes xmlns:a="http://schemas.openxmlformats.org/drawingml/2006/main" xmlns:r="http://schemas.openxmlformats.org/officeDocument/2006/relationships" xmlns:p="http://schemas.openxmlformats.org/presentationml/2006/main">
+  <p:cSld>
+    <p:spTree>
+      <p:nvGrpSpPr>
+        <p:cNvPr id="1" name=""/>
+        <p:cNvGrpSpPr/>
+        <p:nvPr/>
+      </p:nvGrpSpPr>
+      <p:grpSpPr>
+        <a:xfrm>
+          <a:off x="0" y="0"/>
+          <a:ext cx="0" cy="0"/>
+          <a:chOff x="0" y="0"/>
+          <a:chExt cx="0" cy="0"/>
+        </a:xfrm>
+      </p:grpSpPr>
+      <p:sp>
+        <p:nvSpPr>
+          <p:cNvPr id="2" name="Slide Image Placeholder 1"/>
+          <p:cNvSpPr>
+            <a:spLocks noGrp="1" noRot="1" noChangeAspect="1"/>
+          </p:cNvSpPr>
+          <p:nvPr>
+            <p:ph type="sldImg"/>
+          </p:nvPr>
+        </p:nvSpPr>
+        <p:spPr/>
+      </p:sp>
+      <p:sp>
+        <p:nvSpPr>
+          <p:cNvPr id="3" name="Notes Placeholder 2"/>
+          <p:cNvSpPr>
+            <a:spLocks noGrp="1"/>
+          </p:cNvSpPr>
+          <p:nvPr>
+            <p:ph type="body" idx="1"/>
+          </p:nvPr>
+        </p:nvSpPr>
+        <p:spPr/>
+        <p:txBody>
+          <a:bodyPr/>
+          <a:lstStyle/>
+          <a:p>
             <a:endParaRPr lang="en-US"/>
           </a:p>
         </p:txBody>
@@ -1796,7 +1929,7 @@
             <a:fld id="{3EBA5BD7-F043-4D1B-AA17-CD412FC534DE}" type="slidenum">
               <a:rPr lang="en-US" smtClean="0"/>
               <a:pPr/>
-              <a:t>14</a:t>
+              <a:t>20</a:t>
             </a:fld>
             <a:endParaRPr lang="en-US" dirty="0"/>
           </a:p>
@@ -7380,37 +7513,6 @@
       </p:sp>
       <p:pic>
         <p:nvPicPr>
-          <p:cNvPr id="5" name="Picture 4"/>
-          <p:cNvPicPr>
-            <a:picLocks noChangeAspect="1"/>
-          </p:cNvPicPr>
-          <p:nvPr/>
-        </p:nvPicPr>
-        <p:blipFill>
-          <a:blip r:embed="rId2"/>
-          <a:stretch>
-            <a:fillRect/>
-          </a:stretch>
-        </p:blipFill>
-        <p:spPr>
-          <a:xfrm>
-            <a:off x="4206000" y="3943125"/>
-            <a:ext cx="2873591" cy="2550525"/>
-          </a:xfrm>
-          <a:prstGeom prst="rect">
-            <a:avLst/>
-          </a:prstGeom>
-          <a:ln>
-            <a:solidFill>
-              <a:schemeClr val="bg2">
-                <a:lumMod val="75000"/>
-              </a:schemeClr>
-            </a:solidFill>
-          </a:ln>
-        </p:spPr>
-      </p:pic>
-      <p:pic>
-        <p:nvPicPr>
           <p:cNvPr id="6146" name="Picture 2" descr="https://cdn.pixabay.com/photo/2019/10/15/09/06/control-4551114_960_720.png"/>
           <p:cNvPicPr>
             <a:picLocks noChangeAspect="1" noChangeArrowheads="1"/>
@@ -7418,7 +7520,7 @@
           <p:nvPr/>
         </p:nvPicPr>
         <p:blipFill>
-          <a:blip r:embed="rId3">
+          <a:blip r:embed="rId2">
             <a:extLst>
               <a:ext uri="{28A0092B-C50C-407E-A947-70E740481C1C}">
                 <a14:useLocalDpi xmlns:a14="http://schemas.microsoft.com/office/drawing/2010/main" val="0"/>
@@ -7455,6 +7557,36 @@
               </a14:hiddenFill>
             </a:ext>
           </a:extLst>
+        </p:spPr>
+      </p:pic>
+      <p:pic>
+        <p:nvPicPr>
+          <p:cNvPr id="7" name="Picture 6"/>
+          <p:cNvPicPr>
+            <a:picLocks noChangeAspect="1"/>
+          </p:cNvPicPr>
+          <p:nvPr/>
+        </p:nvPicPr>
+        <p:blipFill rotWithShape="1">
+          <a:blip r:embed="rId3"/>
+          <a:srcRect t="55509" r="30321"/>
+          <a:stretch/>
+        </p:blipFill>
+        <p:spPr>
+          <a:xfrm>
+            <a:off x="4161000" y="3943125"/>
+            <a:ext cx="2906792" cy="2574915"/>
+          </a:xfrm>
+          <a:prstGeom prst="rect">
+            <a:avLst/>
+          </a:prstGeom>
+          <a:ln>
+            <a:solidFill>
+              <a:schemeClr val="bg2">
+                <a:lumMod val="75000"/>
+              </a:schemeClr>
+            </a:solidFill>
+          </a:ln>
         </p:spPr>
       </p:pic>
     </p:spTree>
@@ -7589,7 +7721,7 @@
                                           </p:stCondLst>
                                         </p:cTn>
                                         <p:tgtEl>
-                                          <p:spTgt spid="5"/>
+                                          <p:spTgt spid="7"/>
                                         </p:tgtEl>
                                         <p:attrNameLst>
                                           <p:attrName>style.visibility</p:attrName>
@@ -7728,136 +7860,107 @@
       </p:grpSpPr>
       <p:sp>
         <p:nvSpPr>
-          <p:cNvPr id="2" name="Slide Number Placeholder 1"/>
+          <p:cNvPr id="6" name="Title 5"/>
           <p:cNvSpPr>
             <a:spLocks noGrp="1"/>
           </p:cNvSpPr>
           <p:nvPr>
-            <p:ph type="sldNum" sz="quarter" idx="5"/>
+            <p:ph type="title" sz="quarter" idx="10"/>
           </p:nvPr>
         </p:nvSpPr>
-        <p:spPr/>
+        <p:spPr>
+          <a:xfrm>
+            <a:off x="5196000" y="2124000"/>
+            <a:ext cx="6065892" cy="1754333"/>
+          </a:xfrm>
+        </p:spPr>
         <p:txBody>
           <a:bodyPr/>
           <a:lstStyle/>
           <a:p>
-            <a:fld id="{2BF067CD-8E6B-4360-9AA8-C5DF2A48A6D1}" type="slidenum">
-              <a:rPr lang="en-US" noProof="0" smtClean="0"/>
-              <a:pPr/>
-              <a:t>11</a:t>
-            </a:fld>
-            <a:endParaRPr lang="en-US" noProof="0" dirty="0"/>
+            <a:r>
+              <a:rPr lang="bg-BG" dirty="0" smtClean="0"/>
+              <a:t>Промяна на изгледа на </a:t>
+            </a:r>
+            <a:r>
+              <a:rPr lang="en-US" dirty="0" smtClean="0"/>
+              <a:t>Taskbar</a:t>
+            </a:r>
+            <a:endParaRPr lang="en-US" dirty="0"/>
           </a:p>
         </p:txBody>
       </p:sp>
-      <p:sp>
-        <p:nvSpPr>
-          <p:cNvPr id="3" name="Text Placeholder 2"/>
-          <p:cNvSpPr>
-            <a:spLocks noGrp="1"/>
-          </p:cNvSpPr>
-          <p:nvPr>
-            <p:ph type="body" sz="quarter" idx="10"/>
-          </p:nvPr>
-        </p:nvSpPr>
-        <p:spPr/>
-        <p:txBody>
-          <a:bodyPr/>
-          <a:lstStyle/>
-          <a:p>
-            <a:endParaRPr lang="en-US" dirty="0"/>
-          </a:p>
-        </p:txBody>
-      </p:sp>
-      <p:sp>
-        <p:nvSpPr>
-          <p:cNvPr id="4" name="Title 3"/>
-          <p:cNvSpPr>
-            <a:spLocks noGrp="1"/>
-          </p:cNvSpPr>
-          <p:nvPr>
-            <p:ph type="title"/>
-          </p:nvPr>
-        </p:nvSpPr>
-        <p:spPr/>
-        <p:txBody>
-          <a:bodyPr/>
-          <a:lstStyle/>
-          <a:p>
-            <a:endParaRPr lang="en-US"/>
-          </a:p>
-        </p:txBody>
-      </p:sp>
-      <p:sp>
-        <p:nvSpPr>
-          <p:cNvPr id="5" name="Rectangle 4"/>
-          <p:cNvSpPr/>
+      <p:pic>
+        <p:nvPicPr>
+          <p:cNvPr id="1028" name="Picture 4" descr="https://upload.wikimedia.org/wikipedia/en/e/e0/Windows_10_Taskbar.png"/>
+          <p:cNvPicPr>
+            <a:picLocks noChangeAspect="1" noChangeArrowheads="1"/>
+          </p:cNvPicPr>
           <p:nvPr/>
-        </p:nvSpPr>
+        </p:nvPicPr>
+        <p:blipFill>
+          <a:blip r:embed="rId2">
+            <a:extLst>
+              <a:ext uri="{28A0092B-C50C-407E-A947-70E740481C1C}">
+                <a14:useLocalDpi xmlns:a14="http://schemas.microsoft.com/office/drawing/2010/main" val="0"/>
+              </a:ext>
+            </a:extLst>
+          </a:blip>
+          <a:srcRect/>
+          <a:stretch>
+            <a:fillRect/>
+          </a:stretch>
+        </p:blipFill>
         <p:spPr bwMode="auto">
           <a:xfrm>
-            <a:off x="1821000" y="1809000"/>
-            <a:ext cx="7425000" cy="2745000"/>
+            <a:off x="0" y="6476999"/>
+            <a:ext cx="12192000" cy="381001"/>
           </a:xfrm>
           <a:prstGeom prst="rect">
             <a:avLst/>
           </a:prstGeom>
-          <a:ln/>
+          <a:noFill/>
+          <a:extLst>
+            <a:ext uri="{909E8E84-426E-40DD-AFC4-6F175D3DCCD1}">
+              <a14:hiddenFill xmlns:a14="http://schemas.microsoft.com/office/drawing/2010/main">
+                <a:solidFill>
+                  <a:srgbClr val="FFFFFF"/>
+                </a:solidFill>
+              </a14:hiddenFill>
+            </a:ext>
+          </a:extLst>
         </p:spPr>
-        <p:style>
-          <a:lnRef idx="2">
-            <a:schemeClr val="accent4"/>
-          </a:lnRef>
-          <a:fillRef idx="1">
-            <a:schemeClr val="lt1"/>
-          </a:fillRef>
-          <a:effectRef idx="0">
-            <a:schemeClr val="accent4"/>
-          </a:effectRef>
-          <a:fontRef idx="minor">
-            <a:schemeClr val="dk1"/>
-          </a:fontRef>
-        </p:style>
-        <p:txBody>
-          <a:bodyPr rot="0" spcFirstLastPara="0" vertOverflow="overflow" horzOverflow="overflow" vert="horz" wrap="square" lIns="91440" tIns="45720" rIns="91440" bIns="45720" numCol="1" spcCol="0" rtlCol="0" fromWordArt="0" anchor="ctr" anchorCtr="0" forceAA="0" compatLnSpc="1">
-            <a:prstTxWarp prst="textNoShape">
-              <a:avLst/>
-            </a:prstTxWarp>
-            <a:noAutofit/>
-          </a:bodyPr>
-          <a:lstStyle/>
-          <a:p>
-            <a:pPr algn="ctr"/>
-            <a:r>
-              <a:rPr lang="bg-BG" sz="5400" b="1" dirty="0" smtClean="0">
-                <a:solidFill>
-                  <a:srgbClr val="FFFFFF"/>
-                </a:solidFill>
-                <a:effectLst>
-                  <a:outerShdw blurRad="38100" dist="38100" dir="2700000" algn="tl">
-                    <a:srgbClr val="000000">
-                      <a:alpha val="43137"/>
-                    </a:srgbClr>
-                  </a:outerShdw>
-                </a:effectLst>
-              </a:rPr>
-              <a:t>Даване на пример за персонализиране на ПИ</a:t>
-            </a:r>
-            <a:endParaRPr lang="en-US" sz="5400" b="1" dirty="0">
-              <a:solidFill>
-                <a:srgbClr val="FFFFFF"/>
-              </a:solidFill>
-              <a:effectLst>
-                <a:outerShdw blurRad="38100" dist="38100" dir="2700000" algn="tl">
-                  <a:srgbClr val="000000">
-                    <a:alpha val="43137"/>
-                  </a:srgbClr>
-                </a:outerShdw>
-              </a:effectLst>
-            </a:endParaRPr>
-          </a:p>
-        </p:txBody>
-      </p:sp>
+      </p:pic>
+      <p:pic>
+        <p:nvPicPr>
+          <p:cNvPr id="8" name="Picture 7"/>
+          <p:cNvPicPr>
+            <a:picLocks noChangeAspect="1"/>
+          </p:cNvPicPr>
+          <p:nvPr/>
+        </p:nvPicPr>
+        <p:blipFill>
+          <a:blip r:embed="rId3" cstate="hqprint">
+            <a:extLst>
+              <a:ext uri="{28A0092B-C50C-407E-A947-70E740481C1C}">
+                <a14:useLocalDpi xmlns:a14="http://schemas.microsoft.com/office/drawing/2010/main" val="0"/>
+              </a:ext>
+            </a:extLst>
+          </a:blip>
+          <a:stretch>
+            <a:fillRect/>
+          </a:stretch>
+        </p:blipFill>
+        <p:spPr>
+          <a:xfrm>
+            <a:off x="1866000" y="2127549"/>
+            <a:ext cx="1540712" cy="1539000"/>
+          </a:xfrm>
+          <a:prstGeom prst="rect">
+            <a:avLst/>
+          </a:prstGeom>
+        </p:spPr>
+      </p:pic>
     </p:spTree>
     <p:extLst>
       <p:ext uri="{BB962C8B-B14F-4D97-AF65-F5344CB8AC3E}">
@@ -7905,6 +8008,1982 @@
       </p:grpSpPr>
       <p:sp>
         <p:nvSpPr>
+          <p:cNvPr id="4" name="Title 3"/>
+          <p:cNvSpPr>
+            <a:spLocks noGrp="1"/>
+          </p:cNvSpPr>
+          <p:nvPr>
+            <p:ph type="title"/>
+          </p:nvPr>
+        </p:nvSpPr>
+        <p:spPr/>
+        <p:txBody>
+          <a:bodyPr/>
+          <a:lstStyle/>
+          <a:p>
+            <a:r>
+              <a:rPr lang="bg-BG" dirty="0"/>
+              <a:t>Промяна на изгледа на </a:t>
+            </a:r>
+            <a:r>
+              <a:rPr lang="en-US" dirty="0" smtClean="0"/>
+              <a:t>Taskbar</a:t>
+            </a:r>
+            <a:endParaRPr lang="en-US" dirty="0"/>
+          </a:p>
+        </p:txBody>
+      </p:sp>
+      <p:sp>
+        <p:nvSpPr>
+          <p:cNvPr id="7" name="Rounded Rectangular Callout 6"/>
+          <p:cNvSpPr/>
+          <p:nvPr/>
+        </p:nvSpPr>
+        <p:spPr bwMode="auto">
+          <a:xfrm>
+            <a:off x="203109" y="3744000"/>
+            <a:ext cx="3915000" cy="1215000"/>
+          </a:xfrm>
+          <a:prstGeom prst="wedgeRoundRectCallout">
+            <a:avLst>
+              <a:gd name="adj1" fmla="val 49778"/>
+              <a:gd name="adj2" fmla="val 117317"/>
+              <a:gd name="adj3" fmla="val 16667"/>
+            </a:avLst>
+          </a:prstGeom>
+          <a:solidFill>
+            <a:schemeClr val="dk2">
+              <a:alpha val="80000"/>
+            </a:schemeClr>
+          </a:solidFill>
+          <a:ln w="19050">
+            <a:solidFill>
+              <a:schemeClr val="tx1">
+                <a:lumMod val="75000"/>
+                <a:alpha val="80000"/>
+              </a:schemeClr>
+            </a:solidFill>
+          </a:ln>
+          <a:effectLst/>
+        </p:spPr>
+        <p:style>
+          <a:lnRef idx="2">
+            <a:schemeClr val="accent1">
+              <a:shade val="50000"/>
+            </a:schemeClr>
+          </a:lnRef>
+          <a:fillRef idx="1001">
+            <a:schemeClr val="dk2"/>
+          </a:fillRef>
+          <a:effectRef idx="0">
+            <a:schemeClr val="accent1"/>
+          </a:effectRef>
+          <a:fontRef idx="minor">
+            <a:schemeClr val="lt1"/>
+          </a:fontRef>
+        </p:style>
+        <p:txBody>
+          <a:bodyPr rot="0" spcFirstLastPara="0" vertOverflow="overflow" horzOverflow="overflow" vert="horz" wrap="square" lIns="91440" tIns="45720" rIns="91440" bIns="45720" numCol="1" spcCol="0" rtlCol="0" fromWordArt="0" anchor="ctr" anchorCtr="0" forceAA="0" compatLnSpc="1">
+            <a:prstTxWarp prst="textNoShape">
+              <a:avLst/>
+            </a:prstTxWarp>
+            <a:noAutofit/>
+          </a:bodyPr>
+          <a:lstStyle/>
+          <a:p>
+            <a:pPr algn="ctr"/>
+            <a:r>
+              <a:rPr lang="bg-BG" sz="2800" b="1" dirty="0" smtClean="0">
+                <a:solidFill>
+                  <a:srgbClr val="FFFFFF"/>
+                </a:solidFill>
+                <a:effectLst>
+                  <a:outerShdw blurRad="38100" dist="38100" dir="2700000" algn="tl">
+                    <a:srgbClr val="000000">
+                      <a:alpha val="43137"/>
+                    </a:srgbClr>
+                  </a:outerShdw>
+                </a:effectLst>
+              </a:rPr>
+              <a:t>Отваряме настройките през </a:t>
+            </a:r>
+            <a:r>
+              <a:rPr lang="en-US" sz="2800" b="1" dirty="0" smtClean="0">
+                <a:solidFill>
+                  <a:schemeClr val="bg1">
+                    <a:lumMod val="60000"/>
+                    <a:lumOff val="40000"/>
+                  </a:schemeClr>
+                </a:solidFill>
+                <a:effectLst>
+                  <a:outerShdw blurRad="38100" dist="38100" dir="2700000" algn="tl">
+                    <a:srgbClr val="000000">
+                      <a:alpha val="43137"/>
+                    </a:srgbClr>
+                  </a:outerShdw>
+                </a:effectLst>
+              </a:rPr>
+              <a:t>Start</a:t>
+            </a:r>
+            <a:r>
+              <a:rPr lang="en-US" sz="2800" b="1" dirty="0" smtClean="0">
+                <a:solidFill>
+                  <a:srgbClr val="FFFFFF"/>
+                </a:solidFill>
+                <a:effectLst>
+                  <a:outerShdw blurRad="38100" dist="38100" dir="2700000" algn="tl">
+                    <a:srgbClr val="000000">
+                      <a:alpha val="43137"/>
+                    </a:srgbClr>
+                  </a:outerShdw>
+                </a:effectLst>
+              </a:rPr>
+              <a:t> </a:t>
+            </a:r>
+            <a:r>
+              <a:rPr lang="bg-BG" sz="2800" b="1" dirty="0" smtClean="0">
+                <a:solidFill>
+                  <a:srgbClr val="FFFFFF"/>
+                </a:solidFill>
+                <a:effectLst>
+                  <a:outerShdw blurRad="38100" dist="38100" dir="2700000" algn="tl">
+                    <a:srgbClr val="000000">
+                      <a:alpha val="43137"/>
+                    </a:srgbClr>
+                  </a:outerShdw>
+                </a:effectLst>
+              </a:rPr>
+              <a:t>менюто</a:t>
+            </a:r>
+            <a:endParaRPr lang="en-US" sz="2800" b="1" dirty="0">
+              <a:solidFill>
+                <a:srgbClr val="FFFFFF"/>
+              </a:solidFill>
+              <a:effectLst>
+                <a:outerShdw blurRad="38100" dist="38100" dir="2700000" algn="tl">
+                  <a:srgbClr val="000000">
+                    <a:alpha val="43137"/>
+                  </a:srgbClr>
+                </a:outerShdw>
+              </a:effectLst>
+            </a:endParaRPr>
+          </a:p>
+        </p:txBody>
+      </p:sp>
+      <p:pic>
+        <p:nvPicPr>
+          <p:cNvPr id="8" name="Picture 7"/>
+          <p:cNvPicPr>
+            <a:picLocks noChangeAspect="1"/>
+          </p:cNvPicPr>
+          <p:nvPr/>
+        </p:nvPicPr>
+        <p:blipFill>
+          <a:blip r:embed="rId2"/>
+          <a:stretch>
+            <a:fillRect/>
+          </a:stretch>
+        </p:blipFill>
+        <p:spPr>
+          <a:xfrm>
+            <a:off x="4190812" y="1359000"/>
+            <a:ext cx="3810377" cy="5286117"/>
+          </a:xfrm>
+          <a:prstGeom prst="rect">
+            <a:avLst/>
+          </a:prstGeom>
+          <a:ln>
+            <a:solidFill>
+              <a:schemeClr val="bg2">
+                <a:lumMod val="75000"/>
+              </a:schemeClr>
+            </a:solidFill>
+          </a:ln>
+        </p:spPr>
+      </p:pic>
+    </p:spTree>
+    <p:extLst>
+      <p:ext uri="{BB962C8B-B14F-4D97-AF65-F5344CB8AC3E}">
+        <p14:creationId xmlns:p14="http://schemas.microsoft.com/office/powerpoint/2010/main" val="572479367"/>
+      </p:ext>
+    </p:extLst>
+  </p:cSld>
+  <p:clrMapOvr>
+    <a:masterClrMapping/>
+  </p:clrMapOvr>
+  <mc:AlternateContent xmlns:mc="http://schemas.openxmlformats.org/markup-compatibility/2006" xmlns:p14="http://schemas.microsoft.com/office/powerpoint/2010/main">
+    <mc:Choice Requires="p14">
+      <p:transition spd="slow" p14:dur="2000" advClick="0" advTm="5000"/>
+    </mc:Choice>
+    <mc:Fallback xmlns="">
+      <p:transition spd="slow" advClick="0" advTm="5000"/>
+    </mc:Fallback>
+  </mc:AlternateContent>
+  <p:timing>
+    <p:tnLst>
+      <p:par>
+        <p:cTn id="1" dur="indefinite" restart="never" nodeType="tmRoot">
+          <p:childTnLst>
+            <p:seq concurrent="1" nextAc="seek">
+              <p:cTn id="2" dur="indefinite" nodeType="mainSeq">
+                <p:childTnLst>
+                  <p:par>
+                    <p:cTn id="3" fill="hold">
+                      <p:stCondLst>
+                        <p:cond delay="indefinite"/>
+                      </p:stCondLst>
+                      <p:childTnLst>
+                        <p:par>
+                          <p:cTn id="4" fill="hold">
+                            <p:stCondLst>
+                              <p:cond delay="0"/>
+                            </p:stCondLst>
+                            <p:childTnLst>
+                              <p:par>
+                                <p:cTn id="5" presetID="1" presetClass="entr" presetSubtype="0" fill="hold" grpId="0" nodeType="clickEffect">
+                                  <p:stCondLst>
+                                    <p:cond delay="0"/>
+                                  </p:stCondLst>
+                                  <p:childTnLst>
+                                    <p:set>
+                                      <p:cBhvr>
+                                        <p:cTn id="6" dur="1" fill="hold">
+                                          <p:stCondLst>
+                                            <p:cond delay="0"/>
+                                          </p:stCondLst>
+                                        </p:cTn>
+                                        <p:tgtEl>
+                                          <p:spTgt spid="7"/>
+                                        </p:tgtEl>
+                                        <p:attrNameLst>
+                                          <p:attrName>style.visibility</p:attrName>
+                                        </p:attrNameLst>
+                                      </p:cBhvr>
+                                      <p:to>
+                                        <p:strVal val="visible"/>
+                                      </p:to>
+                                    </p:set>
+                                  </p:childTnLst>
+                                </p:cTn>
+                              </p:par>
+                            </p:childTnLst>
+                          </p:cTn>
+                        </p:par>
+                      </p:childTnLst>
+                    </p:cTn>
+                  </p:par>
+                </p:childTnLst>
+              </p:cTn>
+              <p:prevCondLst>
+                <p:cond evt="onPrev" delay="0">
+                  <p:tgtEl>
+                    <p:sldTgt/>
+                  </p:tgtEl>
+                </p:cond>
+              </p:prevCondLst>
+              <p:nextCondLst>
+                <p:cond evt="onNext" delay="0">
+                  <p:tgtEl>
+                    <p:sldTgt/>
+                  </p:tgtEl>
+                </p:cond>
+              </p:nextCondLst>
+            </p:seq>
+          </p:childTnLst>
+        </p:cTn>
+      </p:par>
+    </p:tnLst>
+    <p:bldLst>
+      <p:bldP spid="7" grpId="0" animBg="1"/>
+    </p:bldLst>
+  </p:timing>
+</p:sld>
+</file>
+
+<file path=ppt/slides/slide13.xml><?xml version="1.0" encoding="utf-8"?>
+<p:sld xmlns:a="http://schemas.openxmlformats.org/drawingml/2006/main" xmlns:r="http://schemas.openxmlformats.org/officeDocument/2006/relationships" xmlns:p="http://schemas.openxmlformats.org/presentationml/2006/main">
+  <p:cSld>
+    <p:spTree>
+      <p:nvGrpSpPr>
+        <p:cNvPr id="1" name=""/>
+        <p:cNvGrpSpPr/>
+        <p:nvPr/>
+      </p:nvGrpSpPr>
+      <p:grpSpPr>
+        <a:xfrm>
+          <a:off x="0" y="0"/>
+          <a:ext cx="0" cy="0"/>
+          <a:chOff x="0" y="0"/>
+          <a:chExt cx="0" cy="0"/>
+        </a:xfrm>
+      </p:grpSpPr>
+      <p:pic>
+        <p:nvPicPr>
+          <p:cNvPr id="9" name="Picture 8"/>
+          <p:cNvPicPr>
+            <a:picLocks noChangeAspect="1"/>
+          </p:cNvPicPr>
+          <p:nvPr/>
+        </p:nvPicPr>
+        <p:blipFill>
+          <a:blip r:embed="rId2"/>
+          <a:stretch>
+            <a:fillRect/>
+          </a:stretch>
+        </p:blipFill>
+        <p:spPr>
+          <a:xfrm>
+            <a:off x="1559128" y="1349518"/>
+            <a:ext cx="9073745" cy="5157482"/>
+          </a:xfrm>
+          <a:prstGeom prst="rect">
+            <a:avLst/>
+          </a:prstGeom>
+          <a:ln>
+            <a:solidFill>
+              <a:schemeClr val="bg2">
+                <a:lumMod val="75000"/>
+              </a:schemeClr>
+            </a:solidFill>
+          </a:ln>
+        </p:spPr>
+      </p:pic>
+      <p:sp>
+        <p:nvSpPr>
+          <p:cNvPr id="2" name="Slide Number Placeholder 1"/>
+          <p:cNvSpPr>
+            <a:spLocks noGrp="1"/>
+          </p:cNvSpPr>
+          <p:nvPr>
+            <p:ph type="sldNum" sz="quarter" idx="5"/>
+          </p:nvPr>
+        </p:nvSpPr>
+        <p:spPr/>
+        <p:txBody>
+          <a:bodyPr/>
+          <a:lstStyle/>
+          <a:p>
+            <a:fld id="{2BF067CD-8E6B-4360-9AA8-C5DF2A48A6D1}" type="slidenum">
+              <a:rPr lang="en-US" noProof="0" smtClean="0"/>
+              <a:pPr/>
+              <a:t>13</a:t>
+            </a:fld>
+            <a:endParaRPr lang="en-US" noProof="0" dirty="0"/>
+          </a:p>
+        </p:txBody>
+      </p:sp>
+      <p:sp>
+        <p:nvSpPr>
+          <p:cNvPr id="4" name="Title 3"/>
+          <p:cNvSpPr>
+            <a:spLocks noGrp="1"/>
+          </p:cNvSpPr>
+          <p:nvPr>
+            <p:ph type="title"/>
+          </p:nvPr>
+        </p:nvSpPr>
+        <p:spPr/>
+        <p:txBody>
+          <a:bodyPr/>
+          <a:lstStyle/>
+          <a:p>
+            <a:r>
+              <a:rPr lang="bg-BG" dirty="0"/>
+              <a:t>Промяна на изгледа на </a:t>
+            </a:r>
+            <a:r>
+              <a:rPr lang="en-US" dirty="0" smtClean="0"/>
+              <a:t>Taskbar</a:t>
+            </a:r>
+            <a:endParaRPr lang="en-US" dirty="0"/>
+          </a:p>
+        </p:txBody>
+      </p:sp>
+      <p:sp>
+        <p:nvSpPr>
+          <p:cNvPr id="7" name="Rounded Rectangular Callout 6"/>
+          <p:cNvSpPr/>
+          <p:nvPr/>
+        </p:nvSpPr>
+        <p:spPr bwMode="auto">
+          <a:xfrm>
+            <a:off x="4116000" y="2214000"/>
+            <a:ext cx="2880000" cy="1220050"/>
+          </a:xfrm>
+          <a:prstGeom prst="wedgeRoundRectCallout">
+            <a:avLst>
+              <a:gd name="adj1" fmla="val -43847"/>
+              <a:gd name="adj2" fmla="val 103479"/>
+              <a:gd name="adj3" fmla="val 16667"/>
+            </a:avLst>
+          </a:prstGeom>
+          <a:solidFill>
+            <a:schemeClr val="dk2">
+              <a:alpha val="80000"/>
+            </a:schemeClr>
+          </a:solidFill>
+          <a:ln w="19050">
+            <a:solidFill>
+              <a:schemeClr val="tx1">
+                <a:lumMod val="75000"/>
+                <a:alpha val="80000"/>
+              </a:schemeClr>
+            </a:solidFill>
+          </a:ln>
+          <a:effectLst/>
+        </p:spPr>
+        <p:style>
+          <a:lnRef idx="2">
+            <a:schemeClr val="accent1">
+              <a:shade val="50000"/>
+            </a:schemeClr>
+          </a:lnRef>
+          <a:fillRef idx="1001">
+            <a:schemeClr val="dk2"/>
+          </a:fillRef>
+          <a:effectRef idx="0">
+            <a:schemeClr val="accent1"/>
+          </a:effectRef>
+          <a:fontRef idx="minor">
+            <a:schemeClr val="lt1"/>
+          </a:fontRef>
+        </p:style>
+        <p:txBody>
+          <a:bodyPr rot="0" spcFirstLastPara="0" vertOverflow="overflow" horzOverflow="overflow" vert="horz" wrap="square" lIns="91440" tIns="45720" rIns="91440" bIns="45720" numCol="1" spcCol="0" rtlCol="0" fromWordArt="0" anchor="ctr" anchorCtr="0" forceAA="0" compatLnSpc="1">
+            <a:prstTxWarp prst="textNoShape">
+              <a:avLst/>
+            </a:prstTxWarp>
+            <a:noAutofit/>
+          </a:bodyPr>
+          <a:lstStyle/>
+          <a:p>
+            <a:pPr algn="ctr"/>
+            <a:r>
+              <a:rPr lang="bg-BG" sz="2800" b="1" dirty="0" smtClean="0">
+                <a:solidFill>
+                  <a:srgbClr val="FFFFFF"/>
+                </a:solidFill>
+                <a:effectLst>
+                  <a:outerShdw blurRad="38100" dist="38100" dir="2700000" algn="tl">
+                    <a:srgbClr val="000000">
+                      <a:alpha val="43137"/>
+                    </a:srgbClr>
+                  </a:outerShdw>
+                </a:effectLst>
+              </a:rPr>
+              <a:t>Избираме </a:t>
+            </a:r>
+            <a:r>
+              <a:rPr lang="en-US" sz="2800" b="1" dirty="0" smtClean="0">
+                <a:solidFill>
+                  <a:schemeClr val="bg1">
+                    <a:lumMod val="60000"/>
+                    <a:lumOff val="40000"/>
+                  </a:schemeClr>
+                </a:solidFill>
+                <a:effectLst>
+                  <a:outerShdw blurRad="38100" dist="38100" dir="2700000" algn="tl">
+                    <a:srgbClr val="000000">
+                      <a:alpha val="43137"/>
+                    </a:srgbClr>
+                  </a:outerShdw>
+                </a:effectLst>
+              </a:rPr>
+              <a:t>Personalization</a:t>
+            </a:r>
+            <a:endParaRPr lang="en-US" sz="2800" b="1" dirty="0">
+              <a:solidFill>
+                <a:schemeClr val="bg1">
+                  <a:lumMod val="60000"/>
+                  <a:lumOff val="40000"/>
+                </a:schemeClr>
+              </a:solidFill>
+              <a:effectLst>
+                <a:outerShdw blurRad="38100" dist="38100" dir="2700000" algn="tl">
+                  <a:srgbClr val="000000">
+                    <a:alpha val="43137"/>
+                  </a:srgbClr>
+                </a:outerShdw>
+              </a:effectLst>
+            </a:endParaRPr>
+          </a:p>
+        </p:txBody>
+      </p:sp>
+      <p:sp>
+        <p:nvSpPr>
+          <p:cNvPr id="10" name="Rectangle 9"/>
+          <p:cNvSpPr/>
+          <p:nvPr/>
+        </p:nvSpPr>
+        <p:spPr bwMode="auto">
+          <a:xfrm>
+            <a:off x="2226000" y="4149000"/>
+            <a:ext cx="1890000" cy="675000"/>
+          </a:xfrm>
+          <a:prstGeom prst="rect">
+            <a:avLst/>
+          </a:prstGeom>
+          <a:noFill/>
+          <a:ln w="38100">
+            <a:solidFill>
+              <a:schemeClr val="tx1">
+                <a:lumMod val="75000"/>
+                <a:alpha val="80000"/>
+              </a:schemeClr>
+            </a:solidFill>
+          </a:ln>
+          <a:effectLst/>
+        </p:spPr>
+        <p:style>
+          <a:lnRef idx="2">
+            <a:schemeClr val="accent1">
+              <a:shade val="50000"/>
+            </a:schemeClr>
+          </a:lnRef>
+          <a:fillRef idx="1001">
+            <a:schemeClr val="dk2"/>
+          </a:fillRef>
+          <a:effectRef idx="0">
+            <a:schemeClr val="accent1"/>
+          </a:effectRef>
+          <a:fontRef idx="minor">
+            <a:schemeClr val="lt1"/>
+          </a:fontRef>
+        </p:style>
+        <p:txBody>
+          <a:bodyPr rot="0" spcFirstLastPara="0" vertOverflow="overflow" horzOverflow="overflow" vert="horz" wrap="square" lIns="91440" tIns="45720" rIns="91440" bIns="45720" numCol="1" spcCol="0" rtlCol="0" fromWordArt="0" anchor="ctr" anchorCtr="0" forceAA="0" compatLnSpc="1">
+            <a:prstTxWarp prst="textNoShape">
+              <a:avLst/>
+            </a:prstTxWarp>
+            <a:noAutofit/>
+          </a:bodyPr>
+          <a:lstStyle/>
+          <a:p>
+            <a:pPr algn="ctr"/>
+            <a:endParaRPr lang="en-US" sz="2800" b="1" dirty="0">
+              <a:solidFill>
+                <a:srgbClr val="FFFFFF"/>
+              </a:solidFill>
+              <a:effectLst>
+                <a:outerShdw blurRad="38100" dist="38100" dir="2700000" algn="tl">
+                  <a:srgbClr val="000000">
+                    <a:alpha val="43137"/>
+                  </a:srgbClr>
+                </a:outerShdw>
+              </a:effectLst>
+            </a:endParaRPr>
+          </a:p>
+        </p:txBody>
+      </p:sp>
+    </p:spTree>
+    <p:extLst>
+      <p:ext uri="{BB962C8B-B14F-4D97-AF65-F5344CB8AC3E}">
+        <p14:creationId xmlns:p14="http://schemas.microsoft.com/office/powerpoint/2010/main" val="2490420190"/>
+      </p:ext>
+    </p:extLst>
+  </p:cSld>
+  <p:clrMapOvr>
+    <a:masterClrMapping/>
+  </p:clrMapOvr>
+  <mc:AlternateContent xmlns:mc="http://schemas.openxmlformats.org/markup-compatibility/2006" xmlns:p14="http://schemas.microsoft.com/office/powerpoint/2010/main">
+    <mc:Choice Requires="p14">
+      <p:transition spd="slow" p14:dur="2000" advClick="0" advTm="5000"/>
+    </mc:Choice>
+    <mc:Fallback xmlns="">
+      <p:transition spd="slow" advClick="0" advTm="5000"/>
+    </mc:Fallback>
+  </mc:AlternateContent>
+  <p:timing>
+    <p:tnLst>
+      <p:par>
+        <p:cTn id="1" dur="indefinite" restart="never" nodeType="tmRoot">
+          <p:childTnLst>
+            <p:seq concurrent="1" nextAc="seek">
+              <p:cTn id="2" dur="indefinite" nodeType="mainSeq">
+                <p:childTnLst>
+                  <p:par>
+                    <p:cTn id="3" fill="hold">
+                      <p:stCondLst>
+                        <p:cond delay="indefinite"/>
+                      </p:stCondLst>
+                      <p:childTnLst>
+                        <p:par>
+                          <p:cTn id="4" fill="hold">
+                            <p:stCondLst>
+                              <p:cond delay="0"/>
+                            </p:stCondLst>
+                            <p:childTnLst>
+                              <p:par>
+                                <p:cTn id="5" presetID="1" presetClass="entr" presetSubtype="0" fill="hold" grpId="0" nodeType="clickEffect">
+                                  <p:stCondLst>
+                                    <p:cond delay="0"/>
+                                  </p:stCondLst>
+                                  <p:childTnLst>
+                                    <p:set>
+                                      <p:cBhvr>
+                                        <p:cTn id="6" dur="1" fill="hold">
+                                          <p:stCondLst>
+                                            <p:cond delay="0"/>
+                                          </p:stCondLst>
+                                        </p:cTn>
+                                        <p:tgtEl>
+                                          <p:spTgt spid="10"/>
+                                        </p:tgtEl>
+                                        <p:attrNameLst>
+                                          <p:attrName>style.visibility</p:attrName>
+                                        </p:attrNameLst>
+                                      </p:cBhvr>
+                                      <p:to>
+                                        <p:strVal val="visible"/>
+                                      </p:to>
+                                    </p:set>
+                                  </p:childTnLst>
+                                </p:cTn>
+                              </p:par>
+                            </p:childTnLst>
+                          </p:cTn>
+                        </p:par>
+                      </p:childTnLst>
+                    </p:cTn>
+                  </p:par>
+                  <p:par>
+                    <p:cTn id="7" fill="hold">
+                      <p:stCondLst>
+                        <p:cond delay="indefinite"/>
+                      </p:stCondLst>
+                      <p:childTnLst>
+                        <p:par>
+                          <p:cTn id="8" fill="hold">
+                            <p:stCondLst>
+                              <p:cond delay="0"/>
+                            </p:stCondLst>
+                            <p:childTnLst>
+                              <p:par>
+                                <p:cTn id="9" presetID="1" presetClass="entr" presetSubtype="0" fill="hold" grpId="0" nodeType="clickEffect">
+                                  <p:stCondLst>
+                                    <p:cond delay="0"/>
+                                  </p:stCondLst>
+                                  <p:childTnLst>
+                                    <p:set>
+                                      <p:cBhvr>
+                                        <p:cTn id="10" dur="1" fill="hold">
+                                          <p:stCondLst>
+                                            <p:cond delay="0"/>
+                                          </p:stCondLst>
+                                        </p:cTn>
+                                        <p:tgtEl>
+                                          <p:spTgt spid="7"/>
+                                        </p:tgtEl>
+                                        <p:attrNameLst>
+                                          <p:attrName>style.visibility</p:attrName>
+                                        </p:attrNameLst>
+                                      </p:cBhvr>
+                                      <p:to>
+                                        <p:strVal val="visible"/>
+                                      </p:to>
+                                    </p:set>
+                                  </p:childTnLst>
+                                </p:cTn>
+                              </p:par>
+                            </p:childTnLst>
+                          </p:cTn>
+                        </p:par>
+                      </p:childTnLst>
+                    </p:cTn>
+                  </p:par>
+                </p:childTnLst>
+              </p:cTn>
+              <p:prevCondLst>
+                <p:cond evt="onPrev" delay="0">
+                  <p:tgtEl>
+                    <p:sldTgt/>
+                  </p:tgtEl>
+                </p:cond>
+              </p:prevCondLst>
+              <p:nextCondLst>
+                <p:cond evt="onNext" delay="0">
+                  <p:tgtEl>
+                    <p:sldTgt/>
+                  </p:tgtEl>
+                </p:cond>
+              </p:nextCondLst>
+            </p:seq>
+          </p:childTnLst>
+        </p:cTn>
+      </p:par>
+    </p:tnLst>
+    <p:bldLst>
+      <p:bldP spid="7" grpId="0" animBg="1"/>
+      <p:bldP spid="10" grpId="0" animBg="1"/>
+    </p:bldLst>
+  </p:timing>
+</p:sld>
+</file>
+
+<file path=ppt/slides/slide14.xml><?xml version="1.0" encoding="utf-8"?>
+<p:sld xmlns:a="http://schemas.openxmlformats.org/drawingml/2006/main" xmlns:r="http://schemas.openxmlformats.org/officeDocument/2006/relationships" xmlns:p="http://schemas.openxmlformats.org/presentationml/2006/main">
+  <p:cSld>
+    <p:spTree>
+      <p:nvGrpSpPr>
+        <p:cNvPr id="1" name=""/>
+        <p:cNvGrpSpPr/>
+        <p:nvPr/>
+      </p:nvGrpSpPr>
+      <p:grpSpPr>
+        <a:xfrm>
+          <a:off x="0" y="0"/>
+          <a:ext cx="0" cy="0"/>
+          <a:chOff x="0" y="0"/>
+          <a:chExt cx="0" cy="0"/>
+        </a:xfrm>
+      </p:grpSpPr>
+      <p:sp>
+        <p:nvSpPr>
+          <p:cNvPr id="2" name="Slide Number Placeholder 1"/>
+          <p:cNvSpPr>
+            <a:spLocks noGrp="1"/>
+          </p:cNvSpPr>
+          <p:nvPr>
+            <p:ph type="sldNum" sz="quarter" idx="5"/>
+          </p:nvPr>
+        </p:nvSpPr>
+        <p:spPr/>
+        <p:txBody>
+          <a:bodyPr/>
+          <a:lstStyle/>
+          <a:p>
+            <a:fld id="{2BF067CD-8E6B-4360-9AA8-C5DF2A48A6D1}" type="slidenum">
+              <a:rPr lang="en-US" noProof="0" smtClean="0"/>
+              <a:pPr/>
+              <a:t>14</a:t>
+            </a:fld>
+            <a:endParaRPr lang="en-US" noProof="0" dirty="0"/>
+          </a:p>
+        </p:txBody>
+      </p:sp>
+      <p:sp>
+        <p:nvSpPr>
+          <p:cNvPr id="4" name="Title 3"/>
+          <p:cNvSpPr>
+            <a:spLocks noGrp="1"/>
+          </p:cNvSpPr>
+          <p:nvPr>
+            <p:ph type="title"/>
+          </p:nvPr>
+        </p:nvSpPr>
+        <p:spPr/>
+        <p:txBody>
+          <a:bodyPr/>
+          <a:lstStyle/>
+          <a:p>
+            <a:r>
+              <a:rPr lang="bg-BG" dirty="0"/>
+              <a:t>Промяна на изгледа на </a:t>
+            </a:r>
+            <a:r>
+              <a:rPr lang="en-US" dirty="0" smtClean="0"/>
+              <a:t>Taskbar</a:t>
+            </a:r>
+            <a:endParaRPr lang="en-US" dirty="0"/>
+          </a:p>
+        </p:txBody>
+      </p:sp>
+      <p:pic>
+        <p:nvPicPr>
+          <p:cNvPr id="6" name="Picture 5"/>
+          <p:cNvPicPr>
+            <a:picLocks noChangeAspect="1"/>
+          </p:cNvPicPr>
+          <p:nvPr/>
+        </p:nvPicPr>
+        <p:blipFill>
+          <a:blip r:embed="rId2"/>
+          <a:stretch>
+            <a:fillRect/>
+          </a:stretch>
+        </p:blipFill>
+        <p:spPr>
+          <a:xfrm>
+            <a:off x="2023500" y="1359000"/>
+            <a:ext cx="8145000" cy="5313850"/>
+          </a:xfrm>
+          <a:prstGeom prst="rect">
+            <a:avLst/>
+          </a:prstGeom>
+          <a:ln>
+            <a:solidFill>
+              <a:schemeClr val="bg2">
+                <a:lumMod val="75000"/>
+              </a:schemeClr>
+            </a:solidFill>
+          </a:ln>
+        </p:spPr>
+      </p:pic>
+      <p:sp>
+        <p:nvSpPr>
+          <p:cNvPr id="7" name="Rounded Rectangular Callout 6"/>
+          <p:cNvSpPr/>
+          <p:nvPr/>
+        </p:nvSpPr>
+        <p:spPr bwMode="auto">
+          <a:xfrm>
+            <a:off x="6681000" y="2664000"/>
+            <a:ext cx="5072030" cy="2070000"/>
+          </a:xfrm>
+          <a:prstGeom prst="wedgeRoundRectCallout">
+            <a:avLst>
+              <a:gd name="adj1" fmla="val -17797"/>
+              <a:gd name="adj2" fmla="val 42040"/>
+              <a:gd name="adj3" fmla="val 16667"/>
+            </a:avLst>
+          </a:prstGeom>
+          <a:solidFill>
+            <a:schemeClr val="dk2">
+              <a:alpha val="80000"/>
+            </a:schemeClr>
+          </a:solidFill>
+          <a:ln w="19050">
+            <a:solidFill>
+              <a:schemeClr val="tx1">
+                <a:lumMod val="75000"/>
+                <a:alpha val="80000"/>
+              </a:schemeClr>
+            </a:solidFill>
+          </a:ln>
+          <a:effectLst/>
+        </p:spPr>
+        <p:style>
+          <a:lnRef idx="2">
+            <a:schemeClr val="accent1">
+              <a:shade val="50000"/>
+            </a:schemeClr>
+          </a:lnRef>
+          <a:fillRef idx="1001">
+            <a:schemeClr val="dk2"/>
+          </a:fillRef>
+          <a:effectRef idx="0">
+            <a:schemeClr val="accent1"/>
+          </a:effectRef>
+          <a:fontRef idx="minor">
+            <a:schemeClr val="lt1"/>
+          </a:fontRef>
+        </p:style>
+        <p:txBody>
+          <a:bodyPr rot="0" spcFirstLastPara="0" vertOverflow="overflow" horzOverflow="overflow" vert="horz" wrap="square" lIns="91440" tIns="45720" rIns="91440" bIns="45720" numCol="1" spcCol="0" rtlCol="0" fromWordArt="0" anchor="ctr" anchorCtr="0" forceAA="0" compatLnSpc="1">
+            <a:prstTxWarp prst="textNoShape">
+              <a:avLst/>
+            </a:prstTxWarp>
+            <a:noAutofit/>
+          </a:bodyPr>
+          <a:lstStyle/>
+          <a:p>
+            <a:pPr algn="ctr"/>
+            <a:r>
+              <a:rPr lang="bg-BG" sz="2800" b="1" dirty="0" smtClean="0">
+                <a:solidFill>
+                  <a:srgbClr val="FFFFFF"/>
+                </a:solidFill>
+                <a:effectLst>
+                  <a:outerShdw blurRad="38100" dist="38100" dir="2700000" algn="tl">
+                    <a:srgbClr val="000000">
+                      <a:alpha val="43137"/>
+                    </a:srgbClr>
+                  </a:outerShdw>
+                </a:effectLst>
+              </a:rPr>
+              <a:t>Оттук може да персонализираме различни неща на нашия компютър (Шрифт, теми, цветове и т.н.)</a:t>
+            </a:r>
+            <a:endParaRPr lang="en-US" sz="2800" b="1" dirty="0">
+              <a:solidFill>
+                <a:srgbClr val="FFFFFF"/>
+              </a:solidFill>
+              <a:effectLst>
+                <a:outerShdw blurRad="38100" dist="38100" dir="2700000" algn="tl">
+                  <a:srgbClr val="000000">
+                    <a:alpha val="43137"/>
+                  </a:srgbClr>
+                </a:outerShdw>
+              </a:effectLst>
+            </a:endParaRPr>
+          </a:p>
+        </p:txBody>
+      </p:sp>
+      <p:sp>
+        <p:nvSpPr>
+          <p:cNvPr id="8" name="Rounded Rectangular Callout 7"/>
+          <p:cNvSpPr/>
+          <p:nvPr/>
+        </p:nvSpPr>
+        <p:spPr bwMode="auto">
+          <a:xfrm>
+            <a:off x="291000" y="2717188"/>
+            <a:ext cx="3645000" cy="1755000"/>
+          </a:xfrm>
+          <a:prstGeom prst="wedgeRoundRectCallout">
+            <a:avLst>
+              <a:gd name="adj1" fmla="val -174"/>
+              <a:gd name="adj2" fmla="val 122775"/>
+              <a:gd name="adj3" fmla="val 16667"/>
+            </a:avLst>
+          </a:prstGeom>
+          <a:solidFill>
+            <a:schemeClr val="dk2">
+              <a:alpha val="80000"/>
+            </a:schemeClr>
+          </a:solidFill>
+          <a:ln w="19050">
+            <a:solidFill>
+              <a:schemeClr val="tx1">
+                <a:lumMod val="75000"/>
+                <a:alpha val="80000"/>
+              </a:schemeClr>
+            </a:solidFill>
+          </a:ln>
+          <a:effectLst/>
+        </p:spPr>
+        <p:style>
+          <a:lnRef idx="2">
+            <a:schemeClr val="accent1">
+              <a:shade val="50000"/>
+            </a:schemeClr>
+          </a:lnRef>
+          <a:fillRef idx="1001">
+            <a:schemeClr val="dk2"/>
+          </a:fillRef>
+          <a:effectRef idx="0">
+            <a:schemeClr val="accent1"/>
+          </a:effectRef>
+          <a:fontRef idx="minor">
+            <a:schemeClr val="lt1"/>
+          </a:fontRef>
+        </p:style>
+        <p:txBody>
+          <a:bodyPr rot="0" spcFirstLastPara="0" vertOverflow="overflow" horzOverflow="overflow" vert="horz" wrap="square" lIns="91440" tIns="45720" rIns="91440" bIns="45720" numCol="1" spcCol="0" rtlCol="0" fromWordArt="0" anchor="ctr" anchorCtr="0" forceAA="0" compatLnSpc="1">
+            <a:prstTxWarp prst="textNoShape">
+              <a:avLst/>
+            </a:prstTxWarp>
+            <a:noAutofit/>
+          </a:bodyPr>
+          <a:lstStyle/>
+          <a:p>
+            <a:pPr algn="ctr"/>
+            <a:r>
+              <a:rPr lang="bg-BG" sz="2800" b="1" dirty="0" smtClean="0">
+                <a:solidFill>
+                  <a:srgbClr val="FFFFFF"/>
+                </a:solidFill>
+                <a:effectLst>
+                  <a:outerShdw blurRad="38100" dist="38100" dir="2700000" algn="tl">
+                    <a:srgbClr val="000000">
+                      <a:alpha val="43137"/>
+                    </a:srgbClr>
+                  </a:outerShdw>
+                </a:effectLst>
+              </a:rPr>
+              <a:t>За да променим </a:t>
+            </a:r>
+            <a:r>
+              <a:rPr lang="en-US" sz="2800" b="1" dirty="0" smtClean="0">
+                <a:solidFill>
+                  <a:srgbClr val="FFFFFF"/>
+                </a:solidFill>
+                <a:effectLst>
+                  <a:outerShdw blurRad="38100" dist="38100" dir="2700000" algn="tl">
+                    <a:srgbClr val="000000">
+                      <a:alpha val="43137"/>
+                    </a:srgbClr>
+                  </a:outerShdw>
+                </a:effectLst>
+              </a:rPr>
+              <a:t>Taskbar-</a:t>
+            </a:r>
+            <a:r>
+              <a:rPr lang="bg-BG" sz="2800" b="1" dirty="0" smtClean="0">
+                <a:solidFill>
+                  <a:srgbClr val="FFFFFF"/>
+                </a:solidFill>
+                <a:effectLst>
+                  <a:outerShdw blurRad="38100" dist="38100" dir="2700000" algn="tl">
+                    <a:srgbClr val="000000">
+                      <a:alpha val="43137"/>
+                    </a:srgbClr>
+                  </a:outerShdw>
+                </a:effectLst>
+              </a:rPr>
+              <a:t>а, избираме менюто </a:t>
+            </a:r>
+            <a:r>
+              <a:rPr lang="en-US" sz="2800" b="1" dirty="0" smtClean="0">
+                <a:solidFill>
+                  <a:schemeClr val="bg1">
+                    <a:lumMod val="60000"/>
+                    <a:lumOff val="40000"/>
+                  </a:schemeClr>
+                </a:solidFill>
+                <a:effectLst>
+                  <a:outerShdw blurRad="38100" dist="38100" dir="2700000" algn="tl">
+                    <a:srgbClr val="000000">
+                      <a:alpha val="43137"/>
+                    </a:srgbClr>
+                  </a:outerShdw>
+                </a:effectLst>
+              </a:rPr>
+              <a:t>Taskbar</a:t>
+            </a:r>
+            <a:endParaRPr lang="en-US" sz="2800" b="1" dirty="0">
+              <a:solidFill>
+                <a:schemeClr val="bg1">
+                  <a:lumMod val="60000"/>
+                  <a:lumOff val="40000"/>
+                </a:schemeClr>
+              </a:solidFill>
+              <a:effectLst>
+                <a:outerShdw blurRad="38100" dist="38100" dir="2700000" algn="tl">
+                  <a:srgbClr val="000000">
+                    <a:alpha val="43137"/>
+                  </a:srgbClr>
+                </a:outerShdw>
+              </a:effectLst>
+            </a:endParaRPr>
+          </a:p>
+        </p:txBody>
+      </p:sp>
+    </p:spTree>
+    <p:extLst>
+      <p:ext uri="{BB962C8B-B14F-4D97-AF65-F5344CB8AC3E}">
+        <p14:creationId xmlns:p14="http://schemas.microsoft.com/office/powerpoint/2010/main" val="1735036778"/>
+      </p:ext>
+    </p:extLst>
+  </p:cSld>
+  <p:clrMapOvr>
+    <a:masterClrMapping/>
+  </p:clrMapOvr>
+  <mc:AlternateContent xmlns:mc="http://schemas.openxmlformats.org/markup-compatibility/2006" xmlns:p14="http://schemas.microsoft.com/office/powerpoint/2010/main">
+    <mc:Choice Requires="p14">
+      <p:transition spd="slow" p14:dur="2000" advClick="0" advTm="5000"/>
+    </mc:Choice>
+    <mc:Fallback xmlns="">
+      <p:transition spd="slow" advClick="0" advTm="5000"/>
+    </mc:Fallback>
+  </mc:AlternateContent>
+  <p:timing>
+    <p:tnLst>
+      <p:par>
+        <p:cTn id="1" dur="indefinite" restart="never" nodeType="tmRoot">
+          <p:childTnLst>
+            <p:seq concurrent="1" nextAc="seek">
+              <p:cTn id="2" dur="indefinite" nodeType="mainSeq">
+                <p:childTnLst>
+                  <p:par>
+                    <p:cTn id="3" fill="hold">
+                      <p:stCondLst>
+                        <p:cond delay="indefinite"/>
+                      </p:stCondLst>
+                      <p:childTnLst>
+                        <p:par>
+                          <p:cTn id="4" fill="hold">
+                            <p:stCondLst>
+                              <p:cond delay="0"/>
+                            </p:stCondLst>
+                            <p:childTnLst>
+                              <p:par>
+                                <p:cTn id="5" presetID="1" presetClass="entr" presetSubtype="0" fill="hold" grpId="0" nodeType="clickEffect">
+                                  <p:stCondLst>
+                                    <p:cond delay="0"/>
+                                  </p:stCondLst>
+                                  <p:childTnLst>
+                                    <p:set>
+                                      <p:cBhvr>
+                                        <p:cTn id="6" dur="1" fill="hold">
+                                          <p:stCondLst>
+                                            <p:cond delay="0"/>
+                                          </p:stCondLst>
+                                        </p:cTn>
+                                        <p:tgtEl>
+                                          <p:spTgt spid="7"/>
+                                        </p:tgtEl>
+                                        <p:attrNameLst>
+                                          <p:attrName>style.visibility</p:attrName>
+                                        </p:attrNameLst>
+                                      </p:cBhvr>
+                                      <p:to>
+                                        <p:strVal val="visible"/>
+                                      </p:to>
+                                    </p:set>
+                                  </p:childTnLst>
+                                </p:cTn>
+                              </p:par>
+                            </p:childTnLst>
+                          </p:cTn>
+                        </p:par>
+                      </p:childTnLst>
+                    </p:cTn>
+                  </p:par>
+                  <p:par>
+                    <p:cTn id="7" fill="hold">
+                      <p:stCondLst>
+                        <p:cond delay="indefinite"/>
+                      </p:stCondLst>
+                      <p:childTnLst>
+                        <p:par>
+                          <p:cTn id="8" fill="hold">
+                            <p:stCondLst>
+                              <p:cond delay="0"/>
+                            </p:stCondLst>
+                            <p:childTnLst>
+                              <p:par>
+                                <p:cTn id="9" presetID="1" presetClass="entr" presetSubtype="0" fill="hold" grpId="0" nodeType="clickEffect">
+                                  <p:stCondLst>
+                                    <p:cond delay="0"/>
+                                  </p:stCondLst>
+                                  <p:childTnLst>
+                                    <p:set>
+                                      <p:cBhvr>
+                                        <p:cTn id="10" dur="1" fill="hold">
+                                          <p:stCondLst>
+                                            <p:cond delay="0"/>
+                                          </p:stCondLst>
+                                        </p:cTn>
+                                        <p:tgtEl>
+                                          <p:spTgt spid="8"/>
+                                        </p:tgtEl>
+                                        <p:attrNameLst>
+                                          <p:attrName>style.visibility</p:attrName>
+                                        </p:attrNameLst>
+                                      </p:cBhvr>
+                                      <p:to>
+                                        <p:strVal val="visible"/>
+                                      </p:to>
+                                    </p:set>
+                                  </p:childTnLst>
+                                </p:cTn>
+                              </p:par>
+                            </p:childTnLst>
+                          </p:cTn>
+                        </p:par>
+                      </p:childTnLst>
+                    </p:cTn>
+                  </p:par>
+                </p:childTnLst>
+              </p:cTn>
+              <p:prevCondLst>
+                <p:cond evt="onPrev" delay="0">
+                  <p:tgtEl>
+                    <p:sldTgt/>
+                  </p:tgtEl>
+                </p:cond>
+              </p:prevCondLst>
+              <p:nextCondLst>
+                <p:cond evt="onNext" delay="0">
+                  <p:tgtEl>
+                    <p:sldTgt/>
+                  </p:tgtEl>
+                </p:cond>
+              </p:nextCondLst>
+            </p:seq>
+          </p:childTnLst>
+        </p:cTn>
+      </p:par>
+    </p:tnLst>
+    <p:bldLst>
+      <p:bldP spid="7" grpId="0" animBg="1"/>
+      <p:bldP spid="8" grpId="0" animBg="1"/>
+    </p:bldLst>
+  </p:timing>
+</p:sld>
+</file>
+
+<file path=ppt/slides/slide15.xml><?xml version="1.0" encoding="utf-8"?>
+<p:sld xmlns:a="http://schemas.openxmlformats.org/drawingml/2006/main" xmlns:r="http://schemas.openxmlformats.org/officeDocument/2006/relationships" xmlns:p="http://schemas.openxmlformats.org/presentationml/2006/main">
+  <p:cSld>
+    <p:spTree>
+      <p:nvGrpSpPr>
+        <p:cNvPr id="1" name=""/>
+        <p:cNvGrpSpPr/>
+        <p:nvPr/>
+      </p:nvGrpSpPr>
+      <p:grpSpPr>
+        <a:xfrm>
+          <a:off x="0" y="0"/>
+          <a:ext cx="0" cy="0"/>
+          <a:chOff x="0" y="0"/>
+          <a:chExt cx="0" cy="0"/>
+        </a:xfrm>
+      </p:grpSpPr>
+      <p:sp>
+        <p:nvSpPr>
+          <p:cNvPr id="2" name="Slide Number Placeholder 1"/>
+          <p:cNvSpPr>
+            <a:spLocks noGrp="1"/>
+          </p:cNvSpPr>
+          <p:nvPr>
+            <p:ph type="sldNum" sz="quarter" idx="5"/>
+          </p:nvPr>
+        </p:nvSpPr>
+        <p:spPr/>
+        <p:txBody>
+          <a:bodyPr/>
+          <a:lstStyle/>
+          <a:p>
+            <a:fld id="{2BF067CD-8E6B-4360-9AA8-C5DF2A48A6D1}" type="slidenum">
+              <a:rPr lang="en-US" noProof="0" smtClean="0"/>
+              <a:pPr/>
+              <a:t>15</a:t>
+            </a:fld>
+            <a:endParaRPr lang="en-US" noProof="0" dirty="0"/>
+          </a:p>
+        </p:txBody>
+      </p:sp>
+      <p:sp>
+        <p:nvSpPr>
+          <p:cNvPr id="4" name="Title 3"/>
+          <p:cNvSpPr>
+            <a:spLocks noGrp="1"/>
+          </p:cNvSpPr>
+          <p:nvPr>
+            <p:ph type="title"/>
+          </p:nvPr>
+        </p:nvSpPr>
+        <p:spPr/>
+        <p:txBody>
+          <a:bodyPr/>
+          <a:lstStyle/>
+          <a:p>
+            <a:r>
+              <a:rPr lang="bg-BG" dirty="0"/>
+              <a:t>Промяна на изгледа на </a:t>
+            </a:r>
+            <a:r>
+              <a:rPr lang="en-US" dirty="0"/>
+              <a:t>Taskbar</a:t>
+            </a:r>
+          </a:p>
+        </p:txBody>
+      </p:sp>
+      <p:pic>
+        <p:nvPicPr>
+          <p:cNvPr id="6" name="Picture 5"/>
+          <p:cNvPicPr>
+            <a:picLocks noChangeAspect="1"/>
+          </p:cNvPicPr>
+          <p:nvPr/>
+        </p:nvPicPr>
+        <p:blipFill>
+          <a:blip r:embed="rId2"/>
+          <a:stretch>
+            <a:fillRect/>
+          </a:stretch>
+        </p:blipFill>
+        <p:spPr>
+          <a:xfrm>
+            <a:off x="2023500" y="1367674"/>
+            <a:ext cx="8145000" cy="5305176"/>
+          </a:xfrm>
+          <a:prstGeom prst="rect">
+            <a:avLst/>
+          </a:prstGeom>
+        </p:spPr>
+      </p:pic>
+      <p:sp>
+        <p:nvSpPr>
+          <p:cNvPr id="7" name="Rounded Rectangular Callout 6"/>
+          <p:cNvSpPr/>
+          <p:nvPr/>
+        </p:nvSpPr>
+        <p:spPr bwMode="auto">
+          <a:xfrm>
+            <a:off x="741000" y="2304000"/>
+            <a:ext cx="3555000" cy="1980000"/>
+          </a:xfrm>
+          <a:prstGeom prst="wedgeRoundRectCallout">
+            <a:avLst>
+              <a:gd name="adj1" fmla="val -16798"/>
+              <a:gd name="adj2" fmla="val 43031"/>
+              <a:gd name="adj3" fmla="val 16667"/>
+            </a:avLst>
+          </a:prstGeom>
+          <a:solidFill>
+            <a:schemeClr val="dk2">
+              <a:alpha val="80000"/>
+            </a:schemeClr>
+          </a:solidFill>
+          <a:ln w="19050">
+            <a:solidFill>
+              <a:schemeClr val="tx1">
+                <a:lumMod val="75000"/>
+                <a:alpha val="80000"/>
+              </a:schemeClr>
+            </a:solidFill>
+          </a:ln>
+          <a:effectLst/>
+        </p:spPr>
+        <p:style>
+          <a:lnRef idx="2">
+            <a:schemeClr val="accent1">
+              <a:shade val="50000"/>
+            </a:schemeClr>
+          </a:lnRef>
+          <a:fillRef idx="1001">
+            <a:schemeClr val="dk2"/>
+          </a:fillRef>
+          <a:effectRef idx="0">
+            <a:schemeClr val="accent1"/>
+          </a:effectRef>
+          <a:fontRef idx="minor">
+            <a:schemeClr val="lt1"/>
+          </a:fontRef>
+        </p:style>
+        <p:txBody>
+          <a:bodyPr rot="0" spcFirstLastPara="0" vertOverflow="overflow" horzOverflow="overflow" vert="horz" wrap="square" lIns="91440" tIns="45720" rIns="91440" bIns="45720" numCol="1" spcCol="0" rtlCol="0" fromWordArt="0" anchor="ctr" anchorCtr="0" forceAA="0" compatLnSpc="1">
+            <a:prstTxWarp prst="textNoShape">
+              <a:avLst/>
+            </a:prstTxWarp>
+            <a:noAutofit/>
+          </a:bodyPr>
+          <a:lstStyle/>
+          <a:p>
+            <a:pPr algn="ctr"/>
+            <a:r>
+              <a:rPr lang="bg-BG" sz="2800" b="1" dirty="0" smtClean="0">
+                <a:solidFill>
+                  <a:srgbClr val="FFFFFF"/>
+                </a:solidFill>
+                <a:effectLst>
+                  <a:outerShdw blurRad="38100" dist="38100" dir="2700000" algn="tl">
+                    <a:srgbClr val="000000">
+                      <a:alpha val="43137"/>
+                    </a:srgbClr>
+                  </a:outerShdw>
+                </a:effectLst>
+              </a:rPr>
+              <a:t>Има много различни опции за персонализиране на </a:t>
+            </a:r>
+            <a:r>
+              <a:rPr lang="en-US" sz="2800" b="1" dirty="0" smtClean="0">
+                <a:solidFill>
+                  <a:srgbClr val="FFFFFF"/>
+                </a:solidFill>
+                <a:effectLst>
+                  <a:outerShdw blurRad="38100" dist="38100" dir="2700000" algn="tl">
+                    <a:srgbClr val="000000">
+                      <a:alpha val="43137"/>
+                    </a:srgbClr>
+                  </a:outerShdw>
+                </a:effectLst>
+              </a:rPr>
+              <a:t>Taskbar-</a:t>
+            </a:r>
+            <a:r>
+              <a:rPr lang="bg-BG" sz="2800" b="1" dirty="0" smtClean="0">
+                <a:solidFill>
+                  <a:srgbClr val="FFFFFF"/>
+                </a:solidFill>
+                <a:effectLst>
+                  <a:outerShdw blurRad="38100" dist="38100" dir="2700000" algn="tl">
+                    <a:srgbClr val="000000">
+                      <a:alpha val="43137"/>
+                    </a:srgbClr>
+                  </a:outerShdw>
+                </a:effectLst>
+              </a:rPr>
+              <a:t>а</a:t>
+            </a:r>
+            <a:endParaRPr lang="en-US" sz="2800" b="1" dirty="0">
+              <a:solidFill>
+                <a:srgbClr val="FFFFFF"/>
+              </a:solidFill>
+              <a:effectLst>
+                <a:outerShdw blurRad="38100" dist="38100" dir="2700000" algn="tl">
+                  <a:srgbClr val="000000">
+                    <a:alpha val="43137"/>
+                  </a:srgbClr>
+                </a:outerShdw>
+              </a:effectLst>
+            </a:endParaRPr>
+          </a:p>
+        </p:txBody>
+      </p:sp>
+      <p:sp>
+        <p:nvSpPr>
+          <p:cNvPr id="8" name="Rounded Rectangular Callout 7"/>
+          <p:cNvSpPr/>
+          <p:nvPr/>
+        </p:nvSpPr>
+        <p:spPr bwMode="auto">
+          <a:xfrm>
+            <a:off x="6996000" y="4779000"/>
+            <a:ext cx="4185000" cy="1305000"/>
+          </a:xfrm>
+          <a:prstGeom prst="wedgeRoundRectCallout">
+            <a:avLst>
+              <a:gd name="adj1" fmla="val -38647"/>
+              <a:gd name="adj2" fmla="val 76005"/>
+              <a:gd name="adj3" fmla="val 16667"/>
+            </a:avLst>
+          </a:prstGeom>
+          <a:solidFill>
+            <a:schemeClr val="dk2">
+              <a:alpha val="80000"/>
+            </a:schemeClr>
+          </a:solidFill>
+          <a:ln w="19050">
+            <a:solidFill>
+              <a:schemeClr val="tx1">
+                <a:lumMod val="75000"/>
+                <a:alpha val="80000"/>
+              </a:schemeClr>
+            </a:solidFill>
+          </a:ln>
+          <a:effectLst/>
+        </p:spPr>
+        <p:style>
+          <a:lnRef idx="2">
+            <a:schemeClr val="accent1">
+              <a:shade val="50000"/>
+            </a:schemeClr>
+          </a:lnRef>
+          <a:fillRef idx="1001">
+            <a:schemeClr val="dk2"/>
+          </a:fillRef>
+          <a:effectRef idx="0">
+            <a:schemeClr val="accent1"/>
+          </a:effectRef>
+          <a:fontRef idx="minor">
+            <a:schemeClr val="lt1"/>
+          </a:fontRef>
+        </p:style>
+        <p:txBody>
+          <a:bodyPr rot="0" spcFirstLastPara="0" vertOverflow="overflow" horzOverflow="overflow" vert="horz" wrap="square" lIns="91440" tIns="45720" rIns="91440" bIns="45720" numCol="1" spcCol="0" rtlCol="0" fromWordArt="0" anchor="ctr" anchorCtr="0" forceAA="0" compatLnSpc="1">
+            <a:prstTxWarp prst="textNoShape">
+              <a:avLst/>
+            </a:prstTxWarp>
+            <a:noAutofit/>
+          </a:bodyPr>
+          <a:lstStyle/>
+          <a:p>
+            <a:pPr algn="ctr"/>
+            <a:r>
+              <a:rPr lang="bg-BG" sz="2800" b="1" dirty="0" smtClean="0">
+                <a:solidFill>
+                  <a:srgbClr val="FFFFFF"/>
+                </a:solidFill>
+                <a:effectLst>
+                  <a:outerShdw blurRad="38100" dist="38100" dir="2700000" algn="tl">
+                    <a:srgbClr val="000000">
+                      <a:alpha val="43137"/>
+                    </a:srgbClr>
+                  </a:outerShdw>
+                </a:effectLst>
+              </a:rPr>
+              <a:t>Ние ще променим локацията му на екрана </a:t>
+            </a:r>
+            <a:endParaRPr lang="en-US" sz="2800" b="1" dirty="0">
+              <a:solidFill>
+                <a:srgbClr val="FFFFFF"/>
+              </a:solidFill>
+              <a:effectLst>
+                <a:outerShdw blurRad="38100" dist="38100" dir="2700000" algn="tl">
+                  <a:srgbClr val="000000">
+                    <a:alpha val="43137"/>
+                  </a:srgbClr>
+                </a:outerShdw>
+              </a:effectLst>
+            </a:endParaRPr>
+          </a:p>
+        </p:txBody>
+      </p:sp>
+    </p:spTree>
+    <p:extLst>
+      <p:ext uri="{BB962C8B-B14F-4D97-AF65-F5344CB8AC3E}">
+        <p14:creationId xmlns:p14="http://schemas.microsoft.com/office/powerpoint/2010/main" val="3285368172"/>
+      </p:ext>
+    </p:extLst>
+  </p:cSld>
+  <p:clrMapOvr>
+    <a:masterClrMapping/>
+  </p:clrMapOvr>
+  <mc:AlternateContent xmlns:mc="http://schemas.openxmlformats.org/markup-compatibility/2006" xmlns:p14="http://schemas.microsoft.com/office/powerpoint/2010/main">
+    <mc:Choice Requires="p14">
+      <p:transition spd="slow" p14:dur="2000" advClick="0" advTm="5000"/>
+    </mc:Choice>
+    <mc:Fallback xmlns="">
+      <p:transition spd="slow" advClick="0" advTm="5000"/>
+    </mc:Fallback>
+  </mc:AlternateContent>
+  <p:timing>
+    <p:tnLst>
+      <p:par>
+        <p:cTn id="1" dur="indefinite" restart="never" nodeType="tmRoot">
+          <p:childTnLst>
+            <p:seq concurrent="1" nextAc="seek">
+              <p:cTn id="2" dur="indefinite" nodeType="mainSeq">
+                <p:childTnLst>
+                  <p:par>
+                    <p:cTn id="3" fill="hold">
+                      <p:stCondLst>
+                        <p:cond delay="indefinite"/>
+                      </p:stCondLst>
+                      <p:childTnLst>
+                        <p:par>
+                          <p:cTn id="4" fill="hold">
+                            <p:stCondLst>
+                              <p:cond delay="0"/>
+                            </p:stCondLst>
+                            <p:childTnLst>
+                              <p:par>
+                                <p:cTn id="5" presetID="1" presetClass="entr" presetSubtype="0" fill="hold" grpId="0" nodeType="clickEffect">
+                                  <p:stCondLst>
+                                    <p:cond delay="0"/>
+                                  </p:stCondLst>
+                                  <p:childTnLst>
+                                    <p:set>
+                                      <p:cBhvr>
+                                        <p:cTn id="6" dur="1" fill="hold">
+                                          <p:stCondLst>
+                                            <p:cond delay="0"/>
+                                          </p:stCondLst>
+                                        </p:cTn>
+                                        <p:tgtEl>
+                                          <p:spTgt spid="7"/>
+                                        </p:tgtEl>
+                                        <p:attrNameLst>
+                                          <p:attrName>style.visibility</p:attrName>
+                                        </p:attrNameLst>
+                                      </p:cBhvr>
+                                      <p:to>
+                                        <p:strVal val="visible"/>
+                                      </p:to>
+                                    </p:set>
+                                  </p:childTnLst>
+                                </p:cTn>
+                              </p:par>
+                            </p:childTnLst>
+                          </p:cTn>
+                        </p:par>
+                      </p:childTnLst>
+                    </p:cTn>
+                  </p:par>
+                  <p:par>
+                    <p:cTn id="7" fill="hold">
+                      <p:stCondLst>
+                        <p:cond delay="indefinite"/>
+                      </p:stCondLst>
+                      <p:childTnLst>
+                        <p:par>
+                          <p:cTn id="8" fill="hold">
+                            <p:stCondLst>
+                              <p:cond delay="0"/>
+                            </p:stCondLst>
+                            <p:childTnLst>
+                              <p:par>
+                                <p:cTn id="9" presetID="1" presetClass="entr" presetSubtype="0" fill="hold" grpId="0" nodeType="clickEffect">
+                                  <p:stCondLst>
+                                    <p:cond delay="0"/>
+                                  </p:stCondLst>
+                                  <p:childTnLst>
+                                    <p:set>
+                                      <p:cBhvr>
+                                        <p:cTn id="10" dur="1" fill="hold">
+                                          <p:stCondLst>
+                                            <p:cond delay="0"/>
+                                          </p:stCondLst>
+                                        </p:cTn>
+                                        <p:tgtEl>
+                                          <p:spTgt spid="8"/>
+                                        </p:tgtEl>
+                                        <p:attrNameLst>
+                                          <p:attrName>style.visibility</p:attrName>
+                                        </p:attrNameLst>
+                                      </p:cBhvr>
+                                      <p:to>
+                                        <p:strVal val="visible"/>
+                                      </p:to>
+                                    </p:set>
+                                  </p:childTnLst>
+                                </p:cTn>
+                              </p:par>
+                            </p:childTnLst>
+                          </p:cTn>
+                        </p:par>
+                      </p:childTnLst>
+                    </p:cTn>
+                  </p:par>
+                </p:childTnLst>
+              </p:cTn>
+              <p:prevCondLst>
+                <p:cond evt="onPrev" delay="0">
+                  <p:tgtEl>
+                    <p:sldTgt/>
+                  </p:tgtEl>
+                </p:cond>
+              </p:prevCondLst>
+              <p:nextCondLst>
+                <p:cond evt="onNext" delay="0">
+                  <p:tgtEl>
+                    <p:sldTgt/>
+                  </p:tgtEl>
+                </p:cond>
+              </p:nextCondLst>
+            </p:seq>
+          </p:childTnLst>
+        </p:cTn>
+      </p:par>
+    </p:tnLst>
+    <p:bldLst>
+      <p:bldP spid="7" grpId="0" animBg="1"/>
+      <p:bldP spid="8" grpId="0" animBg="1"/>
+    </p:bldLst>
+  </p:timing>
+</p:sld>
+</file>
+
+<file path=ppt/slides/slide16.xml><?xml version="1.0" encoding="utf-8"?>
+<p:sld xmlns:a="http://schemas.openxmlformats.org/drawingml/2006/main" xmlns:r="http://schemas.openxmlformats.org/officeDocument/2006/relationships" xmlns:p="http://schemas.openxmlformats.org/presentationml/2006/main">
+  <p:cSld>
+    <p:spTree>
+      <p:nvGrpSpPr>
+        <p:cNvPr id="1" name=""/>
+        <p:cNvGrpSpPr/>
+        <p:nvPr/>
+      </p:nvGrpSpPr>
+      <p:grpSpPr>
+        <a:xfrm>
+          <a:off x="0" y="0"/>
+          <a:ext cx="0" cy="0"/>
+          <a:chOff x="0" y="0"/>
+          <a:chExt cx="0" cy="0"/>
+        </a:xfrm>
+      </p:grpSpPr>
+      <p:sp>
+        <p:nvSpPr>
+          <p:cNvPr id="2" name="Slide Number Placeholder 1"/>
+          <p:cNvSpPr>
+            <a:spLocks noGrp="1"/>
+          </p:cNvSpPr>
+          <p:nvPr>
+            <p:ph type="sldNum" sz="quarter" idx="5"/>
+          </p:nvPr>
+        </p:nvSpPr>
+        <p:spPr/>
+        <p:txBody>
+          <a:bodyPr/>
+          <a:lstStyle/>
+          <a:p>
+            <a:fld id="{2BF067CD-8E6B-4360-9AA8-C5DF2A48A6D1}" type="slidenum">
+              <a:rPr lang="en-US" noProof="0" smtClean="0"/>
+              <a:pPr/>
+              <a:t>16</a:t>
+            </a:fld>
+            <a:endParaRPr lang="en-US" noProof="0" dirty="0"/>
+          </a:p>
+        </p:txBody>
+      </p:sp>
+      <p:sp>
+        <p:nvSpPr>
+          <p:cNvPr id="4" name="Title 3"/>
+          <p:cNvSpPr>
+            <a:spLocks noGrp="1"/>
+          </p:cNvSpPr>
+          <p:nvPr>
+            <p:ph type="title"/>
+          </p:nvPr>
+        </p:nvSpPr>
+        <p:spPr/>
+        <p:txBody>
+          <a:bodyPr/>
+          <a:lstStyle/>
+          <a:p>
+            <a:r>
+              <a:rPr lang="bg-BG" dirty="0"/>
+              <a:t>Промяна на изгледа на </a:t>
+            </a:r>
+            <a:r>
+              <a:rPr lang="en-US" dirty="0"/>
+              <a:t>Taskbar</a:t>
+            </a:r>
+          </a:p>
+        </p:txBody>
+      </p:sp>
+      <p:pic>
+        <p:nvPicPr>
+          <p:cNvPr id="9" name="Picture 8"/>
+          <p:cNvPicPr>
+            <a:picLocks noChangeAspect="1"/>
+          </p:cNvPicPr>
+          <p:nvPr/>
+        </p:nvPicPr>
+        <p:blipFill>
+          <a:blip r:embed="rId2"/>
+          <a:stretch>
+            <a:fillRect/>
+          </a:stretch>
+        </p:blipFill>
+        <p:spPr>
+          <a:xfrm>
+            <a:off x="2023499" y="1367674"/>
+            <a:ext cx="8145001" cy="5305176"/>
+          </a:xfrm>
+          <a:prstGeom prst="rect">
+            <a:avLst/>
+          </a:prstGeom>
+          <a:ln>
+            <a:solidFill>
+              <a:schemeClr val="bg2">
+                <a:lumMod val="75000"/>
+              </a:schemeClr>
+            </a:solidFill>
+          </a:ln>
+        </p:spPr>
+      </p:pic>
+    </p:spTree>
+    <p:extLst>
+      <p:ext uri="{BB962C8B-B14F-4D97-AF65-F5344CB8AC3E}">
+        <p14:creationId xmlns:p14="http://schemas.microsoft.com/office/powerpoint/2010/main" val="3616300083"/>
+      </p:ext>
+    </p:extLst>
+  </p:cSld>
+  <p:clrMapOvr>
+    <a:masterClrMapping/>
+  </p:clrMapOvr>
+  <mc:AlternateContent xmlns:mc="http://schemas.openxmlformats.org/markup-compatibility/2006" xmlns:p14="http://schemas.microsoft.com/office/powerpoint/2010/main">
+    <mc:Choice Requires="p14">
+      <p:transition spd="slow" p14:dur="2000" advClick="0" advTm="5000"/>
+    </mc:Choice>
+    <mc:Fallback xmlns="">
+      <p:transition spd="slow" advClick="0" advTm="5000"/>
+    </mc:Fallback>
+  </mc:AlternateContent>
+  <p:timing>
+    <p:tnLst>
+      <p:par>
+        <p:cTn id="1" dur="indefinite" restart="never" nodeType="tmRoot"/>
+      </p:par>
+    </p:tnLst>
+  </p:timing>
+</p:sld>
+</file>
+
+<file path=ppt/slides/slide17.xml><?xml version="1.0" encoding="utf-8"?>
+<p:sld xmlns:a="http://schemas.openxmlformats.org/drawingml/2006/main" xmlns:r="http://schemas.openxmlformats.org/officeDocument/2006/relationships" xmlns:p="http://schemas.openxmlformats.org/presentationml/2006/main">
+  <p:cSld>
+    <p:spTree>
+      <p:nvGrpSpPr>
+        <p:cNvPr id="1" name=""/>
+        <p:cNvGrpSpPr/>
+        <p:nvPr/>
+      </p:nvGrpSpPr>
+      <p:grpSpPr>
+        <a:xfrm>
+          <a:off x="0" y="0"/>
+          <a:ext cx="0" cy="0"/>
+          <a:chOff x="0" y="0"/>
+          <a:chExt cx="0" cy="0"/>
+        </a:xfrm>
+      </p:grpSpPr>
+      <p:sp>
+        <p:nvSpPr>
+          <p:cNvPr id="2" name="Slide Number Placeholder 1"/>
+          <p:cNvSpPr>
+            <a:spLocks noGrp="1"/>
+          </p:cNvSpPr>
+          <p:nvPr>
+            <p:ph type="sldNum" sz="quarter" idx="4"/>
+          </p:nvPr>
+        </p:nvSpPr>
+        <p:spPr/>
+        <p:txBody>
+          <a:bodyPr/>
+          <a:lstStyle/>
+          <a:p>
+            <a:fld id="{2BF067CD-8E6B-4360-9AA8-C5DF2A48A6D1}" type="slidenum">
+              <a:rPr lang="en-US" noProof="0" smtClean="0"/>
+              <a:pPr/>
+              <a:t>17</a:t>
+            </a:fld>
+            <a:endParaRPr lang="en-US" noProof="0" dirty="0"/>
+          </a:p>
+        </p:txBody>
+      </p:sp>
+      <p:sp>
+        <p:nvSpPr>
+          <p:cNvPr id="7" name="Text Placeholder 6"/>
+          <p:cNvSpPr>
+            <a:spLocks noGrp="1"/>
+          </p:cNvSpPr>
+          <p:nvPr>
+            <p:ph type="body" sz="quarter" idx="11"/>
+          </p:nvPr>
+        </p:nvSpPr>
+        <p:spPr/>
+        <p:txBody>
+          <a:bodyPr/>
+          <a:lstStyle/>
+          <a:p>
+            <a:r>
+              <a:rPr lang="en-US" dirty="0" smtClean="0"/>
+              <a:t>Right:</a:t>
+            </a:r>
+            <a:endParaRPr lang="en-US" dirty="0"/>
+          </a:p>
+        </p:txBody>
+      </p:sp>
+      <p:sp>
+        <p:nvSpPr>
+          <p:cNvPr id="6" name="Text Placeholder 5"/>
+          <p:cNvSpPr>
+            <a:spLocks noGrp="1"/>
+          </p:cNvSpPr>
+          <p:nvPr>
+            <p:ph type="body" sz="quarter" idx="10"/>
+          </p:nvPr>
+        </p:nvSpPr>
+        <p:spPr/>
+        <p:txBody>
+          <a:bodyPr/>
+          <a:lstStyle/>
+          <a:p>
+            <a:r>
+              <a:rPr lang="en-US" dirty="0" smtClean="0"/>
+              <a:t>Bottom:</a:t>
+            </a:r>
+            <a:endParaRPr lang="en-US" dirty="0"/>
+          </a:p>
+        </p:txBody>
+      </p:sp>
+      <p:sp>
+        <p:nvSpPr>
+          <p:cNvPr id="5" name="Title 4"/>
+          <p:cNvSpPr>
+            <a:spLocks noGrp="1"/>
+          </p:cNvSpPr>
+          <p:nvPr>
+            <p:ph type="title"/>
+          </p:nvPr>
+        </p:nvSpPr>
+        <p:spPr/>
+        <p:txBody>
+          <a:bodyPr/>
+          <a:lstStyle/>
+          <a:p>
+            <a:r>
+              <a:rPr lang="bg-BG" dirty="0"/>
+              <a:t>Промяна на изгледа на </a:t>
+            </a:r>
+            <a:r>
+              <a:rPr lang="en-US" dirty="0"/>
+              <a:t>Taskbar</a:t>
+            </a:r>
+          </a:p>
+        </p:txBody>
+      </p:sp>
+      <p:pic>
+        <p:nvPicPr>
+          <p:cNvPr id="10" name="Picture 9"/>
+          <p:cNvPicPr>
+            <a:picLocks noChangeAspect="1"/>
+          </p:cNvPicPr>
+          <p:nvPr/>
+        </p:nvPicPr>
+        <p:blipFill rotWithShape="1">
+          <a:blip r:embed="rId3"/>
+          <a:srcRect t="24901" r="27615"/>
+          <a:stretch/>
+        </p:blipFill>
+        <p:spPr>
+          <a:xfrm>
+            <a:off x="561000" y="2663997"/>
+            <a:ext cx="4446024" cy="2864080"/>
+          </a:xfrm>
+          <a:prstGeom prst="rect">
+            <a:avLst/>
+          </a:prstGeom>
+          <a:ln>
+            <a:solidFill>
+              <a:schemeClr val="bg2">
+                <a:lumMod val="75000"/>
+              </a:schemeClr>
+            </a:solidFill>
+          </a:ln>
+        </p:spPr>
+      </p:pic>
+      <p:pic>
+        <p:nvPicPr>
+          <p:cNvPr id="11" name="Picture 10"/>
+          <p:cNvPicPr>
+            <a:picLocks noChangeAspect="1"/>
+          </p:cNvPicPr>
+          <p:nvPr/>
+        </p:nvPicPr>
+        <p:blipFill>
+          <a:blip r:embed="rId4"/>
+          <a:stretch>
+            <a:fillRect/>
+          </a:stretch>
+        </p:blipFill>
+        <p:spPr>
+          <a:xfrm>
+            <a:off x="7497083" y="2663997"/>
+            <a:ext cx="3325181" cy="2864080"/>
+          </a:xfrm>
+          <a:prstGeom prst="rect">
+            <a:avLst/>
+          </a:prstGeom>
+          <a:ln>
+            <a:solidFill>
+              <a:schemeClr val="bg2">
+                <a:lumMod val="75000"/>
+              </a:schemeClr>
+            </a:solidFill>
+          </a:ln>
+        </p:spPr>
+      </p:pic>
+    </p:spTree>
+    <p:extLst>
+      <p:ext uri="{BB962C8B-B14F-4D97-AF65-F5344CB8AC3E}">
+        <p14:creationId xmlns:p14="http://schemas.microsoft.com/office/powerpoint/2010/main" val="2683542892"/>
+      </p:ext>
+    </p:extLst>
+  </p:cSld>
+  <p:clrMapOvr>
+    <a:masterClrMapping/>
+  </p:clrMapOvr>
+  <mc:AlternateContent xmlns:mc="http://schemas.openxmlformats.org/markup-compatibility/2006" xmlns:p14="http://schemas.microsoft.com/office/powerpoint/2010/main">
+    <mc:Choice Requires="p14">
+      <p:transition spd="slow" p14:dur="2000" advClick="0" advTm="5000"/>
+    </mc:Choice>
+    <mc:Fallback xmlns="">
+      <p:transition spd="slow" advClick="0" advTm="5000"/>
+    </mc:Fallback>
+  </mc:AlternateContent>
+  <p:timing>
+    <p:tnLst>
+      <p:par>
+        <p:cTn id="1" dur="indefinite" restart="never" nodeType="tmRoot"/>
+      </p:par>
+    </p:tnLst>
+  </p:timing>
+</p:sld>
+</file>
+
+<file path=ppt/slides/slide18.xml><?xml version="1.0" encoding="utf-8"?>
+<p:sld xmlns:a="http://schemas.openxmlformats.org/drawingml/2006/main" xmlns:r="http://schemas.openxmlformats.org/officeDocument/2006/relationships" xmlns:p="http://schemas.openxmlformats.org/presentationml/2006/main">
+  <p:cSld>
+    <p:spTree>
+      <p:nvGrpSpPr>
+        <p:cNvPr id="1" name=""/>
+        <p:cNvGrpSpPr/>
+        <p:nvPr/>
+      </p:nvGrpSpPr>
+      <p:grpSpPr>
+        <a:xfrm>
+          <a:off x="0" y="0"/>
+          <a:ext cx="0" cy="0"/>
+          <a:chOff x="0" y="0"/>
+          <a:chExt cx="0" cy="0"/>
+        </a:xfrm>
+      </p:grpSpPr>
+      <p:sp>
+        <p:nvSpPr>
           <p:cNvPr id="14" name="Text Placeholder 4">
             <a:extLst>
               <a:ext uri="{FF2B5EF4-FFF2-40B4-BE49-F238E27FC236}">
@@ -8148,7 +10227,7 @@
             <a:fld id="{C014DD1E-5D91-48A3-AD6D-45FBA980D106}" type="slidenum">
               <a:rPr lang="en-US" smtClean="0"/>
               <a:pPr/>
-              <a:t>12</a:t>
+              <a:t>18</a:t>
             </a:fld>
             <a:endParaRPr lang="en-US" dirty="0"/>
           </a:p>
@@ -8554,7 +10633,7 @@
               </a:buClr>
             </a:pPr>
             <a:r>
-              <a:rPr lang="bg-BG" sz="3200" b="1" dirty="0" smtClean="0">
+              <a:rPr lang="bg-BG" sz="3200" b="1" dirty="0">
                 <a:solidFill>
                   <a:schemeClr val="bg1">
                     <a:lumMod val="60000"/>
@@ -8562,133 +10641,257 @@
                   </a:schemeClr>
                 </a:solidFill>
               </a:rPr>
-              <a:t>Информация</a:t>
-            </a:r>
-            <a:r>
-              <a:rPr lang="bg-BG" sz="2800" dirty="0" smtClean="0">
+              <a:t>Операционна </a:t>
+            </a:r>
+            <a:r>
+              <a:rPr lang="bg-BG" sz="3200" b="1" dirty="0" smtClean="0">
+                <a:solidFill>
+                  <a:schemeClr val="bg1">
+                    <a:lumMod val="60000"/>
+                    <a:lumOff val="40000"/>
+                  </a:schemeClr>
+                </a:solidFill>
+              </a:rPr>
+              <a:t>система</a:t>
+            </a:r>
+            <a:r>
+              <a:rPr lang="bg-BG" sz="3200" dirty="0" smtClean="0">
                 <a:solidFill>
                   <a:schemeClr val="bg2"/>
                 </a:solidFill>
               </a:rPr>
-              <a:t>:</a:t>
-            </a:r>
+              <a:t>– </a:t>
+            </a:r>
+            <a:r>
+              <a:rPr lang="bg-BG" sz="3200" dirty="0">
+                <a:solidFill>
+                  <a:schemeClr val="bg2"/>
+                </a:solidFill>
+              </a:rPr>
+              <a:t>набор от програми </a:t>
+            </a:r>
+            <a:r>
+              <a:rPr lang="bg-BG" sz="3200" dirty="0" smtClean="0">
+                <a:solidFill>
+                  <a:schemeClr val="bg2"/>
+                </a:solidFill>
+              </a:rPr>
+              <a:t>за, които управляват </a:t>
+            </a:r>
+            <a:r>
+              <a:rPr lang="bg-BG" sz="3200" b="1" dirty="0" smtClean="0">
+                <a:solidFill>
+                  <a:schemeClr val="bg2"/>
+                </a:solidFill>
+              </a:rPr>
+              <a:t>КС</a:t>
+            </a:r>
+            <a:endParaRPr lang="en-US" sz="3200" b="1" dirty="0" smtClean="0">
+              <a:solidFill>
+                <a:schemeClr val="bg2"/>
+              </a:solidFill>
+            </a:endParaRPr>
           </a:p>
           <a:p>
             <a:pPr lvl="1"/>
             <a:r>
-              <a:rPr lang="bg-BG" sz="2800" dirty="0">
+              <a:rPr lang="en-US" sz="2800" b="1" dirty="0">
                 <a:solidFill>
                   <a:schemeClr val="bg2"/>
                 </a:solidFill>
               </a:rPr>
-              <a:t>Събиране</a:t>
+              <a:t>Microsoft </a:t>
+            </a:r>
+            <a:r>
+              <a:rPr lang="en-US" sz="2800" b="1" dirty="0" smtClean="0">
+                <a:solidFill>
+                  <a:schemeClr val="bg2"/>
+                </a:solidFill>
+              </a:rPr>
+              <a:t>Windows</a:t>
+            </a:r>
+            <a:r>
+              <a:rPr lang="en-US" sz="2800" dirty="0" smtClean="0">
+                <a:solidFill>
+                  <a:schemeClr val="bg2"/>
+                </a:solidFill>
+              </a:rPr>
+              <a:t>, </a:t>
+            </a:r>
+            <a:r>
+              <a:rPr lang="en-US" sz="2800" b="1" dirty="0" smtClean="0">
+                <a:solidFill>
+                  <a:schemeClr val="bg2"/>
+                </a:solidFill>
+              </a:rPr>
+              <a:t>Linux</a:t>
+            </a:r>
+            <a:r>
+              <a:rPr lang="en-US" sz="2800" dirty="0" smtClean="0">
+                <a:solidFill>
+                  <a:schemeClr val="bg2"/>
+                </a:solidFill>
+              </a:rPr>
+              <a:t>, </a:t>
+            </a:r>
+            <a:r>
+              <a:rPr lang="en-US" sz="2800" b="1" dirty="0" smtClean="0">
+                <a:solidFill>
+                  <a:schemeClr val="bg2"/>
+                </a:solidFill>
+              </a:rPr>
+              <a:t>macOS</a:t>
+            </a:r>
+            <a:r>
+              <a:rPr lang="en-US" sz="2800" dirty="0" smtClean="0">
+                <a:solidFill>
+                  <a:schemeClr val="bg2"/>
+                </a:solidFill>
+              </a:rPr>
+              <a:t>, </a:t>
+            </a:r>
+            <a:r>
+              <a:rPr lang="en-US" sz="2800" b="1" dirty="0" smtClean="0">
+                <a:solidFill>
+                  <a:schemeClr val="bg2"/>
+                </a:solidFill>
+              </a:rPr>
+              <a:t>iOS</a:t>
+            </a:r>
+            <a:r>
+              <a:rPr lang="en-US" sz="2800" dirty="0" smtClean="0">
+                <a:solidFill>
+                  <a:schemeClr val="bg2"/>
+                </a:solidFill>
+              </a:rPr>
+              <a:t>, </a:t>
+            </a:r>
+            <a:r>
+              <a:rPr lang="en-US" sz="2800" b="1" dirty="0" smtClean="0">
+                <a:solidFill>
+                  <a:schemeClr val="bg2"/>
+                </a:solidFill>
+              </a:rPr>
+              <a:t>Android</a:t>
+            </a:r>
+          </a:p>
+          <a:p>
+            <a:r>
+              <a:rPr lang="bg-BG" sz="3200" b="1" dirty="0" smtClean="0">
+                <a:solidFill>
+                  <a:schemeClr val="bg2"/>
+                </a:solidFill>
+              </a:rPr>
+              <a:t>͏</a:t>
+            </a:r>
+            <a:r>
+              <a:rPr lang="bg-BG" sz="3200" b="1" dirty="0" smtClean="0">
+                <a:solidFill>
+                  <a:schemeClr val="bg1">
+                    <a:lumMod val="60000"/>
+                    <a:lumOff val="40000"/>
+                  </a:schemeClr>
+                </a:solidFill>
+              </a:rPr>
+              <a:t>Потребителски интерфейс </a:t>
+            </a:r>
+            <a:r>
+              <a:rPr lang="bg-BG" sz="3200" dirty="0" smtClean="0">
+                <a:solidFill>
+                  <a:schemeClr val="bg2"/>
+                </a:solidFill>
+              </a:rPr>
+              <a:t>– </a:t>
+            </a:r>
+            <a:r>
+              <a:rPr lang="bg-BG" sz="3200" dirty="0">
+                <a:solidFill>
+                  <a:schemeClr val="bg2"/>
+                </a:solidFill>
+              </a:rPr>
+              <a:t>п</a:t>
+            </a:r>
+            <a:r>
+              <a:rPr lang="ru-RU" sz="3200" dirty="0">
+                <a:solidFill>
+                  <a:schemeClr val="bg2"/>
+                </a:solidFill>
+              </a:rPr>
+              <a:t>рограмните средства, с помощта на които </a:t>
+            </a:r>
+            <a:r>
+              <a:rPr lang="ru-RU" sz="3200" b="1" dirty="0">
+                <a:solidFill>
+                  <a:schemeClr val="bg2"/>
+                </a:solidFill>
+              </a:rPr>
+              <a:t>потребителят общува </a:t>
+            </a:r>
+            <a:r>
+              <a:rPr lang="ru-RU" sz="3200" dirty="0">
+                <a:solidFill>
+                  <a:schemeClr val="bg2"/>
+                </a:solidFill>
+              </a:rPr>
+              <a:t>с </a:t>
+            </a:r>
+            <a:r>
+              <a:rPr lang="bg-BG" sz="3200" b="1" dirty="0" smtClean="0">
+                <a:solidFill>
+                  <a:schemeClr val="bg2"/>
+                </a:solidFill>
+              </a:rPr>
+              <a:t>КС</a:t>
+            </a:r>
+          </a:p>
+          <a:p>
+            <a:r>
+              <a:rPr lang="bg-BG" dirty="0">
+                <a:solidFill>
+                  <a:schemeClr val="bg2"/>
+                </a:solidFill>
+              </a:rPr>
+              <a:t>Интерфейсът може да бъде:</a:t>
             </a:r>
           </a:p>
           <a:p>
             <a:pPr lvl="1"/>
             <a:r>
-              <a:rPr lang="bg-BG" sz="2800" dirty="0">
+              <a:rPr lang="bg-BG" dirty="0">
                 <a:solidFill>
                   <a:schemeClr val="bg2"/>
                 </a:solidFill>
               </a:rPr>
-              <a:t>Съхраняване</a:t>
+              <a:t>͏</a:t>
+            </a:r>
+            <a:r>
+              <a:rPr lang="bg-BG" b="1" dirty="0" smtClean="0">
+                <a:solidFill>
+                  <a:schemeClr val="bg2"/>
+                </a:solidFill>
+              </a:rPr>
+              <a:t>Буквено-цифров</a:t>
+            </a:r>
+            <a:r>
+              <a:rPr lang="bg-BG" dirty="0" smtClean="0">
+                <a:solidFill>
+                  <a:schemeClr val="bg2"/>
+                </a:solidFill>
+              </a:rPr>
+              <a:t> </a:t>
             </a:r>
           </a:p>
           <a:p>
             <a:pPr lvl="1"/>
             <a:r>
-              <a:rPr lang="bg-BG" sz="2800" dirty="0">
+              <a:rPr lang="bg-BG" b="1" dirty="0" smtClean="0">
                 <a:solidFill>
                   <a:schemeClr val="bg2"/>
                 </a:solidFill>
               </a:rPr>
-              <a:t>Обработване</a:t>
-            </a:r>
-          </a:p>
-          <a:p>
-            <a:pPr lvl="1"/>
-            <a:r>
-              <a:rPr lang="bg-BG" sz="2800" dirty="0" smtClean="0">
-                <a:solidFill>
-                  <a:schemeClr val="bg2"/>
-                </a:solidFill>
-              </a:rPr>
-              <a:t>Разпространяване</a:t>
-            </a:r>
-          </a:p>
-          <a:p>
-            <a:r>
-              <a:rPr lang="ru-RU" sz="3200" dirty="0">
-                <a:solidFill>
-                  <a:schemeClr val="bg2"/>
-                </a:solidFill>
-              </a:rPr>
-              <a:t>Основни </a:t>
-            </a:r>
-            <a:r>
-              <a:rPr lang="ru-RU" sz="3200" b="1" dirty="0">
-                <a:solidFill>
-                  <a:schemeClr val="bg2"/>
-                </a:solidFill>
-              </a:rPr>
-              <a:t>единици </a:t>
-            </a:r>
-            <a:r>
-              <a:rPr lang="ru-RU" sz="3200" dirty="0">
-                <a:solidFill>
-                  <a:schemeClr val="bg2"/>
-                </a:solidFill>
-              </a:rPr>
-              <a:t>за</a:t>
-            </a:r>
-            <a:r>
-              <a:rPr lang="ru-RU" sz="3200" b="1" dirty="0">
-                <a:solidFill>
-                  <a:schemeClr val="bg2"/>
-                </a:solidFill>
-              </a:rPr>
-              <a:t> измерване </a:t>
-            </a:r>
-            <a:r>
-              <a:rPr lang="ru-RU" sz="3200" dirty="0">
-                <a:solidFill>
-                  <a:schemeClr val="bg2"/>
-                </a:solidFill>
-              </a:rPr>
-              <a:t>на </a:t>
-            </a:r>
-            <a:r>
-              <a:rPr lang="ru-RU" sz="3200" dirty="0" smtClean="0">
-                <a:solidFill>
-                  <a:schemeClr val="bg2"/>
-                </a:solidFill>
-              </a:rPr>
-              <a:t>информация</a:t>
-            </a:r>
-          </a:p>
-          <a:p>
-            <a:pPr lvl="1"/>
-            <a:r>
-              <a:rPr lang="bg-BG" sz="2800" dirty="0" smtClean="0">
-                <a:solidFill>
-                  <a:schemeClr val="bg2"/>
-                </a:solidFill>
-              </a:rPr>
-              <a:t>Бит</a:t>
-            </a:r>
-          </a:p>
-          <a:p>
-            <a:pPr lvl="1"/>
-            <a:r>
-              <a:rPr lang="bg-BG" sz="2800" dirty="0" smtClean="0">
-                <a:solidFill>
-                  <a:schemeClr val="bg2"/>
-                </a:solidFill>
-              </a:rPr>
-              <a:t>Байт</a:t>
-            </a:r>
-            <a:endParaRPr lang="bg-BG" sz="2800" dirty="0">
+              <a:t>Графичен</a:t>
+            </a:r>
+            <a:endParaRPr lang="en-US" sz="3000" b="1" dirty="0">
               <a:solidFill>
                 <a:schemeClr val="bg2"/>
               </a:solidFill>
@@ -8703,182 +10906,7 @@
                 <a:schemeClr val="bg2"/>
               </a:buClr>
             </a:pPr>
-            <a:endParaRPr lang="bg-BG" sz="2600" dirty="0">
-              <a:solidFill>
-                <a:schemeClr val="bg2"/>
-              </a:solidFill>
-            </a:endParaRPr>
-          </a:p>
-        </p:txBody>
-      </p:sp>
-      <p:sp>
-        <p:nvSpPr>
-          <p:cNvPr id="3" name="TextBox 2"/>
-          <p:cNvSpPr txBox="1"/>
-          <p:nvPr/>
-        </p:nvSpPr>
-        <p:spPr>
-          <a:xfrm>
-            <a:off x="3046754" y="5228081"/>
-            <a:ext cx="2565000" cy="1276861"/>
-          </a:xfrm>
-          <a:prstGeom prst="rect">
-            <a:avLst/>
-          </a:prstGeom>
-          <a:noFill/>
-          <a:ln w="12700">
-            <a:noFill/>
-          </a:ln>
-        </p:spPr>
-        <p:txBody>
-          <a:bodyPr vert="horz" wrap="square" lIns="144000" tIns="108000" rIns="144000" bIns="108000" rtlCol="0">
-            <a:spAutoFit/>
-          </a:bodyPr>
-          <a:lstStyle/>
-          <a:p>
-            <a:pPr marL="532781" indent="-380762" defTabSz="1218438">
-              <a:lnSpc>
-                <a:spcPct val="105000"/>
-              </a:lnSpc>
-              <a:spcBef>
-                <a:spcPts val="600"/>
-              </a:spcBef>
-              <a:spcAft>
-                <a:spcPts val="600"/>
-              </a:spcAft>
-              <a:buClr>
-                <a:schemeClr val="bg2"/>
-              </a:buClr>
-              <a:buSzPct val="100000"/>
-              <a:buFont typeface="Wingdings" panose="05000000000000000000" pitchFamily="2" charset="2"/>
-              <a:buChar char="§"/>
-            </a:pPr>
-            <a:r>
-              <a:rPr lang="bg-BG" sz="2800" dirty="0">
-                <a:solidFill>
-                  <a:schemeClr val="bg2"/>
-                </a:solidFill>
-              </a:rPr>
-              <a:t>Килобайт</a:t>
-            </a:r>
-          </a:p>
-          <a:p>
-            <a:pPr marL="532781" indent="-380762" defTabSz="1218438">
-              <a:lnSpc>
-                <a:spcPct val="105000"/>
-              </a:lnSpc>
-              <a:spcBef>
-                <a:spcPts val="600"/>
-              </a:spcBef>
-              <a:spcAft>
-                <a:spcPts val="600"/>
-              </a:spcAft>
-              <a:buClr>
-                <a:schemeClr val="bg2"/>
-              </a:buClr>
-              <a:buSzPct val="100000"/>
-              <a:buFont typeface="Wingdings" panose="05000000000000000000" pitchFamily="2" charset="2"/>
-              <a:buChar char="§"/>
-            </a:pPr>
-            <a:r>
-              <a:rPr lang="bg-BG" sz="2800" dirty="0">
-                <a:solidFill>
-                  <a:schemeClr val="bg2"/>
-                </a:solidFill>
-              </a:rPr>
-              <a:t>Мегабайт</a:t>
-            </a:r>
-            <a:endParaRPr lang="en-US" sz="2800" dirty="0">
-              <a:solidFill>
-                <a:schemeClr val="bg2"/>
-              </a:solidFill>
-            </a:endParaRPr>
-          </a:p>
-        </p:txBody>
-      </p:sp>
-      <p:sp>
-        <p:nvSpPr>
-          <p:cNvPr id="13" name="TextBox 12"/>
-          <p:cNvSpPr txBox="1"/>
-          <p:nvPr/>
-        </p:nvSpPr>
-        <p:spPr>
-          <a:xfrm>
-            <a:off x="5869768" y="5228080"/>
-            <a:ext cx="2565000" cy="1276861"/>
-          </a:xfrm>
-          <a:prstGeom prst="rect">
-            <a:avLst/>
-          </a:prstGeom>
-          <a:noFill/>
-          <a:ln w="12700">
-            <a:noFill/>
-          </a:ln>
-        </p:spPr>
-        <p:txBody>
-          <a:bodyPr vert="horz" wrap="square" lIns="144000" tIns="108000" rIns="144000" bIns="108000" rtlCol="0">
-            <a:spAutoFit/>
-          </a:bodyPr>
-          <a:lstStyle/>
-          <a:p>
-            <a:pPr marL="532781" indent="-380762" defTabSz="1218438">
-              <a:lnSpc>
-                <a:spcPct val="105000"/>
-              </a:lnSpc>
-              <a:spcBef>
-                <a:spcPts val="600"/>
-              </a:spcBef>
-              <a:spcAft>
-                <a:spcPts val="600"/>
-              </a:spcAft>
-              <a:buClr>
-                <a:schemeClr val="bg2"/>
-              </a:buClr>
-              <a:buSzPct val="100000"/>
-              <a:buFont typeface="Wingdings" panose="05000000000000000000" pitchFamily="2" charset="2"/>
-              <a:buChar char="§"/>
-            </a:pPr>
-            <a:r>
-              <a:rPr lang="bg-BG" sz="2800" dirty="0" smtClean="0">
-                <a:solidFill>
-                  <a:schemeClr val="bg2"/>
-                </a:solidFill>
-              </a:rPr>
-              <a:t>Гигабайт</a:t>
-            </a:r>
-            <a:endParaRPr lang="bg-BG" sz="2800" dirty="0">
-              <a:solidFill>
-                <a:schemeClr val="bg2"/>
-              </a:solidFill>
-            </a:endParaRPr>
-          </a:p>
-          <a:p>
-            <a:pPr marL="532781" indent="-380762" defTabSz="1218438">
-              <a:lnSpc>
-                <a:spcPct val="105000"/>
-              </a:lnSpc>
-              <a:spcBef>
-                <a:spcPts val="600"/>
-              </a:spcBef>
-              <a:spcAft>
-                <a:spcPts val="600"/>
-              </a:spcAft>
-              <a:buClr>
-                <a:schemeClr val="bg2"/>
-              </a:buClr>
-              <a:buSzPct val="100000"/>
-              <a:buFont typeface="Wingdings" panose="05000000000000000000" pitchFamily="2" charset="2"/>
-              <a:buChar char="§"/>
-            </a:pPr>
-            <a:r>
-              <a:rPr lang="bg-BG" sz="2800" dirty="0" smtClean="0">
-                <a:solidFill>
-                  <a:schemeClr val="bg2"/>
-                </a:solidFill>
-              </a:rPr>
-              <a:t>Терабайт</a:t>
-            </a:r>
-            <a:endParaRPr lang="en-US" sz="2800" dirty="0">
+            <a:endParaRPr lang="bg-BG" sz="2400" dirty="0">
               <a:solidFill>
                 <a:schemeClr val="bg2"/>
               </a:solidFill>
@@ -9157,300 +11185,6 @@
                       </p:childTnLst>
                     </p:cTn>
                   </p:par>
-                  <p:par>
-                    <p:cTn id="23" fill="hold">
-                      <p:stCondLst>
-                        <p:cond delay="indefinite"/>
-                      </p:stCondLst>
-                      <p:childTnLst>
-                        <p:par>
-                          <p:cTn id="24" fill="hold">
-                            <p:stCondLst>
-                              <p:cond delay="0"/>
-                            </p:stCondLst>
-                            <p:childTnLst>
-                              <p:par>
-                                <p:cTn id="25" presetID="1" presetClass="entr" presetSubtype="0" fill="hold" nodeType="clickEffect">
-                                  <p:stCondLst>
-                                    <p:cond delay="0"/>
-                                  </p:stCondLst>
-                                  <p:childTnLst>
-                                    <p:set>
-                                      <p:cBhvr>
-                                        <p:cTn id="26" dur="1" fill="hold">
-                                          <p:stCondLst>
-                                            <p:cond delay="0"/>
-                                          </p:stCondLst>
-                                        </p:cTn>
-                                        <p:tgtEl>
-                                          <p:spTgt spid="15">
-                                            <p:txEl>
-                                              <p:pRg st="6" end="6"/>
-                                            </p:txEl>
-                                          </p:spTgt>
-                                        </p:tgtEl>
-                                        <p:attrNameLst>
-                                          <p:attrName>style.visibility</p:attrName>
-                                        </p:attrNameLst>
-                                      </p:cBhvr>
-                                      <p:to>
-                                        <p:strVal val="visible"/>
-                                      </p:to>
-                                    </p:set>
-                                  </p:childTnLst>
-                                </p:cTn>
-                              </p:par>
-                            </p:childTnLst>
-                          </p:cTn>
-                        </p:par>
-                      </p:childTnLst>
-                    </p:cTn>
-                  </p:par>
-                  <p:par>
-                    <p:cTn id="27" fill="hold">
-                      <p:stCondLst>
-                        <p:cond delay="indefinite"/>
-                      </p:stCondLst>
-                      <p:childTnLst>
-                        <p:par>
-                          <p:cTn id="28" fill="hold">
-                            <p:stCondLst>
-                              <p:cond delay="0"/>
-                            </p:stCondLst>
-                            <p:childTnLst>
-                              <p:par>
-                                <p:cTn id="29" presetID="1" presetClass="entr" presetSubtype="0" fill="hold" nodeType="clickEffect">
-                                  <p:stCondLst>
-                                    <p:cond delay="0"/>
-                                  </p:stCondLst>
-                                  <p:childTnLst>
-                                    <p:set>
-                                      <p:cBhvr>
-                                        <p:cTn id="30" dur="1" fill="hold">
-                                          <p:stCondLst>
-                                            <p:cond delay="0"/>
-                                          </p:stCondLst>
-                                        </p:cTn>
-                                        <p:tgtEl>
-                                          <p:spTgt spid="15">
-                                            <p:txEl>
-                                              <p:pRg st="7" end="7"/>
-                                            </p:txEl>
-                                          </p:spTgt>
-                                        </p:tgtEl>
-                                        <p:attrNameLst>
-                                          <p:attrName>style.visibility</p:attrName>
-                                        </p:attrNameLst>
-                                      </p:cBhvr>
-                                      <p:to>
-                                        <p:strVal val="visible"/>
-                                      </p:to>
-                                    </p:set>
-                                  </p:childTnLst>
-                                </p:cTn>
-                              </p:par>
-                            </p:childTnLst>
-                          </p:cTn>
-                        </p:par>
-                      </p:childTnLst>
-                    </p:cTn>
-                  </p:par>
-                  <p:par>
-                    <p:cTn id="31" fill="hold">
-                      <p:stCondLst>
-                        <p:cond delay="indefinite"/>
-                      </p:stCondLst>
-                      <p:childTnLst>
-                        <p:par>
-                          <p:cTn id="32" fill="hold">
-                            <p:stCondLst>
-                              <p:cond delay="0"/>
-                            </p:stCondLst>
-                            <p:childTnLst>
-                              <p:par>
-                                <p:cTn id="33" presetID="1" presetClass="entr" presetSubtype="0" fill="hold" nodeType="clickEffect">
-                                  <p:stCondLst>
-                                    <p:cond delay="0"/>
-                                  </p:stCondLst>
-                                  <p:childTnLst>
-                                    <p:set>
-                                      <p:cBhvr>
-                                        <p:cTn id="34" dur="1" fill="hold">
-                                          <p:stCondLst>
-                                            <p:cond delay="0"/>
-                                          </p:stCondLst>
-                                        </p:cTn>
-                                        <p:tgtEl>
-                                          <p:spTgt spid="3">
-                                            <p:txEl>
-                                              <p:pRg st="0" end="0"/>
-                                            </p:txEl>
-                                          </p:spTgt>
-                                        </p:tgtEl>
-                                        <p:attrNameLst>
-                                          <p:attrName>style.visibility</p:attrName>
-                                        </p:attrNameLst>
-                                      </p:cBhvr>
-                                      <p:to>
-                                        <p:strVal val="visible"/>
-                                      </p:to>
-                                    </p:set>
-                                  </p:childTnLst>
-                                </p:cTn>
-                              </p:par>
-                            </p:childTnLst>
-                          </p:cTn>
-                        </p:par>
-                      </p:childTnLst>
-                    </p:cTn>
-                  </p:par>
-                  <p:par>
-                    <p:cTn id="35" fill="hold">
-                      <p:stCondLst>
-                        <p:cond delay="indefinite"/>
-                      </p:stCondLst>
-                      <p:childTnLst>
-                        <p:par>
-                          <p:cTn id="36" fill="hold">
-                            <p:stCondLst>
-                              <p:cond delay="0"/>
-                            </p:stCondLst>
-                            <p:childTnLst>
-                              <p:par>
-                                <p:cTn id="37" presetID="1" presetClass="entr" presetSubtype="0" fill="hold" nodeType="clickEffect">
-                                  <p:stCondLst>
-                                    <p:cond delay="0"/>
-                                  </p:stCondLst>
-                                  <p:childTnLst>
-                                    <p:set>
-                                      <p:cBhvr>
-                                        <p:cTn id="38" dur="1" fill="hold">
-                                          <p:stCondLst>
-                                            <p:cond delay="0"/>
-                                          </p:stCondLst>
-                                        </p:cTn>
-                                        <p:tgtEl>
-                                          <p:spTgt spid="3">
-                                            <p:txEl>
-                                              <p:pRg st="1" end="1"/>
-                                            </p:txEl>
-                                          </p:spTgt>
-                                        </p:tgtEl>
-                                        <p:attrNameLst>
-                                          <p:attrName>style.visibility</p:attrName>
-                                        </p:attrNameLst>
-                                      </p:cBhvr>
-                                      <p:to>
-                                        <p:strVal val="visible"/>
-                                      </p:to>
-                                    </p:set>
-                                  </p:childTnLst>
-                                </p:cTn>
-                              </p:par>
-                            </p:childTnLst>
-                          </p:cTn>
-                        </p:par>
-                      </p:childTnLst>
-                    </p:cTn>
-                  </p:par>
-                  <p:par>
-                    <p:cTn id="39" fill="hold">
-                      <p:stCondLst>
-                        <p:cond delay="indefinite"/>
-                      </p:stCondLst>
-                      <p:childTnLst>
-                        <p:par>
-                          <p:cTn id="40" fill="hold">
-                            <p:stCondLst>
-                              <p:cond delay="0"/>
-                            </p:stCondLst>
-                            <p:childTnLst>
-                              <p:par>
-                                <p:cTn id="41" presetID="1" presetClass="entr" presetSubtype="0" fill="hold" nodeType="clickEffect">
-                                  <p:stCondLst>
-                                    <p:cond delay="0"/>
-                                  </p:stCondLst>
-                                  <p:childTnLst>
-                                    <p:set>
-                                      <p:cBhvr>
-                                        <p:cTn id="42" dur="1" fill="hold">
-                                          <p:stCondLst>
-                                            <p:cond delay="0"/>
-                                          </p:stCondLst>
-                                        </p:cTn>
-                                        <p:tgtEl>
-                                          <p:spTgt spid="13">
-                                            <p:txEl>
-                                              <p:pRg st="0" end="0"/>
-                                            </p:txEl>
-                                          </p:spTgt>
-                                        </p:tgtEl>
-                                        <p:attrNameLst>
-                                          <p:attrName>style.visibility</p:attrName>
-                                        </p:attrNameLst>
-                                      </p:cBhvr>
-                                      <p:to>
-                                        <p:strVal val="visible"/>
-                                      </p:to>
-                                    </p:set>
-                                  </p:childTnLst>
-                                </p:cTn>
-                              </p:par>
-                            </p:childTnLst>
-                          </p:cTn>
-                        </p:par>
-                      </p:childTnLst>
-                    </p:cTn>
-                  </p:par>
-                  <p:par>
-                    <p:cTn id="43" fill="hold">
-                      <p:stCondLst>
-                        <p:cond delay="indefinite"/>
-                      </p:stCondLst>
-                      <p:childTnLst>
-                        <p:par>
-                          <p:cTn id="44" fill="hold">
-                            <p:stCondLst>
-                              <p:cond delay="0"/>
-                            </p:stCondLst>
-                            <p:childTnLst>
-                              <p:par>
-                                <p:cTn id="45" presetID="1" presetClass="entr" presetSubtype="0" fill="hold" nodeType="clickEffect">
-                                  <p:stCondLst>
-                                    <p:cond delay="0"/>
-                                  </p:stCondLst>
-                                  <p:childTnLst>
-                                    <p:set>
-                                      <p:cBhvr>
-                                        <p:cTn id="46" dur="1" fill="hold">
-                                          <p:stCondLst>
-                                            <p:cond delay="0"/>
-                                          </p:stCondLst>
-                                        </p:cTn>
-                                        <p:tgtEl>
-                                          <p:spTgt spid="13">
-                                            <p:txEl>
-                                              <p:pRg st="1" end="1"/>
-                                            </p:txEl>
-                                          </p:spTgt>
-                                        </p:tgtEl>
-                                        <p:attrNameLst>
-                                          <p:attrName>style.visibility</p:attrName>
-                                        </p:attrNameLst>
-                                      </p:cBhvr>
-                                      <p:to>
-                                        <p:strVal val="visible"/>
-                                      </p:to>
-                                    </p:set>
-                                  </p:childTnLst>
-                                </p:cTn>
-                              </p:par>
-                            </p:childTnLst>
-                          </p:cTn>
-                        </p:par>
-                      </p:childTnLst>
-                    </p:cTn>
-                  </p:par>
                 </p:childTnLst>
               </p:cTn>
               <p:prevCondLst>
@@ -9476,7 +11210,7 @@
 </p:sld>
 </file>
 
-<file path=ppt/slides/slide13.xml><?xml version="1.0" encoding="utf-8"?>
+<file path=ppt/slides/slide19.xml><?xml version="1.0" encoding="utf-8"?>
 <p:sld xmlns:a="http://schemas.openxmlformats.org/drawingml/2006/main" xmlns:r="http://schemas.openxmlformats.org/officeDocument/2006/relationships" xmlns:p="http://schemas.openxmlformats.org/presentationml/2006/main">
   <p:cSld>
     <p:spTree>
@@ -9590,7 +11324,7 @@
                 <a:hlinkClick r:id="rId3">
                   <a:extLst>
                     <a:ext uri="{A12FA001-AC4F-418D-AE19-62706E023703}">
-                      <ahyp:hlinkClr xmlns:ahyp="http://schemas.microsoft.com/office/drawing/2018/hyperlinkcolor" xmlns="" val="tx"/>
+                      <ahyp:hlinkClr xmlns="" xmlns:ahyp="http://schemas.microsoft.com/office/drawing/2018/hyperlinkcolor" val="tx"/>
                     </a:ext>
                   </a:extLst>
                 </a:hlinkClick>
@@ -9649,396 +11383,6 @@
     <p:extLst>
       <p:ext uri="{BB962C8B-B14F-4D97-AF65-F5344CB8AC3E}">
         <p14:creationId xmlns:p14="http://schemas.microsoft.com/office/powerpoint/2010/main" val="1472534970"/>
-      </p:ext>
-    </p:extLst>
-  </p:cSld>
-  <p:clrMapOvr>
-    <a:masterClrMapping/>
-  </p:clrMapOvr>
-  <mc:AlternateContent xmlns:mc="http://schemas.openxmlformats.org/markup-compatibility/2006" xmlns:p14="http://schemas.microsoft.com/office/powerpoint/2010/main">
-    <mc:Choice Requires="p14">
-      <p:transition spd="slow" p14:dur="2000" advClick="0" advTm="5000"/>
-    </mc:Choice>
-    <mc:Fallback xmlns="">
-      <p:transition spd="slow" advClick="0" advTm="5000"/>
-    </mc:Fallback>
-  </mc:AlternateContent>
-  <p:timing>
-    <p:tnLst>
-      <p:par>
-        <p:cTn id="1" dur="indefinite" restart="never" nodeType="tmRoot"/>
-      </p:par>
-    </p:tnLst>
-  </p:timing>
-</p:sld>
-</file>
-
-<file path=ppt/slides/slide14.xml><?xml version="1.0" encoding="utf-8"?>
-<p:sld xmlns:a="http://schemas.openxmlformats.org/drawingml/2006/main" xmlns:r="http://schemas.openxmlformats.org/officeDocument/2006/relationships" xmlns:p="http://schemas.openxmlformats.org/presentationml/2006/main">
-  <p:cSld>
-    <p:spTree>
-      <p:nvGrpSpPr>
-        <p:cNvPr id="1" name=""/>
-        <p:cNvGrpSpPr/>
-        <p:nvPr/>
-      </p:nvGrpSpPr>
-      <p:grpSpPr>
-        <a:xfrm>
-          <a:off x="0" y="0"/>
-          <a:ext cx="0" cy="0"/>
-          <a:chOff x="0" y="0"/>
-          <a:chExt cx="0" cy="0"/>
-        </a:xfrm>
-      </p:grpSpPr>
-      <p:sp>
-        <p:nvSpPr>
-          <p:cNvPr id="5" name="Slide Number">
-            <a:extLst>
-              <a:ext uri="{FF2B5EF4-FFF2-40B4-BE49-F238E27FC236}">
-                <a16:creationId xmlns:a16="http://schemas.microsoft.com/office/drawing/2014/main" id="{F48C3C93-90A1-4D31-BEA6-B54D1106CE31}"/>
-              </a:ext>
-            </a:extLst>
-          </p:cNvPr>
-          <p:cNvSpPr>
-            <a:spLocks noGrp="1"/>
-          </p:cNvSpPr>
-          <p:nvPr>
-            <p:ph type="sldNum" sz="quarter" idx="5"/>
-          </p:nvPr>
-        </p:nvSpPr>
-        <p:spPr>
-          <a:xfrm>
-            <a:off x="11753030" y="6507000"/>
-            <a:ext cx="367414" cy="297000"/>
-          </a:xfrm>
-          <a:prstGeom prst="rect">
-            <a:avLst/>
-          </a:prstGeom>
-        </p:spPr>
-        <p:txBody>
-          <a:bodyPr vert="horz" lIns="91440" tIns="45720" rIns="91440" bIns="45720" rtlCol="0" anchor="b"/>
-          <a:lstStyle>
-            <a:lvl1pPr algn="r">
-              <a:defRPr sz="1000"/>
-            </a:lvl1pPr>
-          </a:lstStyle>
-          <a:p>
-            <a:fld id="{2BF067CD-8E6B-4360-9AA8-C5DF2A48A6D1}" type="slidenum">
-              <a:rPr lang="en-US" smtClean="0"/>
-              <a:pPr/>
-              <a:t>14</a:t>
-            </a:fld>
-            <a:endParaRPr lang="en-US" dirty="0"/>
-          </a:p>
-        </p:txBody>
-      </p:sp>
-      <p:sp>
-        <p:nvSpPr>
-          <p:cNvPr id="2" name="Slide Body">
-            <a:extLst>
-              <a:ext uri="{FF2B5EF4-FFF2-40B4-BE49-F238E27FC236}">
-                <a16:creationId xmlns:a16="http://schemas.microsoft.com/office/drawing/2014/main" id="{980F49B1-E4BE-4389-A747-7AB9B71AD920}"/>
-              </a:ext>
-            </a:extLst>
-          </p:cNvPr>
-          <p:cNvSpPr>
-            <a:spLocks noGrp="1"/>
-          </p:cNvSpPr>
-          <p:nvPr>
-            <p:ph type="body" sz="quarter" idx="10"/>
-          </p:nvPr>
-        </p:nvSpPr>
-        <p:spPr>
-          <a:xfrm>
-            <a:off x="190402" y="1269001"/>
-            <a:ext cx="9865598" cy="2474999"/>
-          </a:xfrm>
-        </p:spPr>
-        <p:txBody>
-          <a:bodyPr>
-            <a:normAutofit/>
-          </a:bodyPr>
-          <a:lstStyle/>
-          <a:p>
-            <a:pPr>
-              <a:lnSpc>
-                <a:spcPct val="120000"/>
-              </a:lnSpc>
-            </a:pPr>
-            <a:r>
-              <a:rPr lang="bg-BG" sz="3200" dirty="0"/>
-              <a:t>Този курс</a:t>
-            </a:r>
-            <a:r>
-              <a:rPr lang="en-US" sz="3200" dirty="0"/>
-              <a:t> (</a:t>
-            </a:r>
-            <a:r>
-              <a:rPr lang="bg-BG" sz="3200" dirty="0"/>
-              <a:t>презентации, примери, демонстрационен код, упражнения, домашни, видео и други активи</a:t>
-            </a:r>
-            <a:r>
-              <a:rPr lang="en-US" sz="3200" dirty="0"/>
-              <a:t>) </a:t>
-            </a:r>
-            <a:r>
-              <a:rPr lang="bg-BG" sz="3200" dirty="0"/>
-              <a:t>представлява</a:t>
-            </a:r>
-            <a:r>
-              <a:rPr lang="en-US" sz="3200" dirty="0"/>
-              <a:t> </a:t>
-            </a:r>
-            <a:r>
-              <a:rPr lang="bg-BG" sz="3200" b="1" dirty="0"/>
-              <a:t>свободно учебно съдържание </a:t>
-            </a:r>
-            <a:r>
-              <a:rPr lang="bg-BG" sz="3200" dirty="0"/>
-              <a:t>и се разпространява под свободен лиценз </a:t>
-            </a:r>
-            <a:r>
-              <a:rPr lang="en-US" sz="3200" b="1" dirty="0"/>
-              <a:t>CC-BY-NC-SA</a:t>
-            </a:r>
-            <a:endParaRPr lang="bg-BG" sz="3200" dirty="0"/>
-          </a:p>
-        </p:txBody>
-      </p:sp>
-      <p:pic>
-        <p:nvPicPr>
-          <p:cNvPr id="6" name="Picture License" descr="License">
-            <a:extLst>
-              <a:ext uri="{FF2B5EF4-FFF2-40B4-BE49-F238E27FC236}">
-                <a16:creationId xmlns:a16="http://schemas.microsoft.com/office/drawing/2014/main" id="{82BA520F-A037-4E01-AA18-27D9F1E930A6}"/>
-              </a:ext>
-            </a:extLst>
-          </p:cNvPr>
-          <p:cNvPicPr>
-            <a:picLocks noChangeAspect="1"/>
-          </p:cNvPicPr>
-          <p:nvPr/>
-        </p:nvPicPr>
-        <p:blipFill>
-          <a:blip r:embed="rId3">
-            <a:clrChange>
-              <a:clrFrom>
-                <a:srgbClr val="FFFFFF"/>
-              </a:clrFrom>
-              <a:clrTo>
-                <a:srgbClr val="FFFFFF">
-                  <a:alpha val="0"/>
-                </a:srgbClr>
-              </a:clrTo>
-            </a:clrChange>
-          </a:blip>
-          <a:stretch>
-            <a:fillRect/>
-          </a:stretch>
-        </p:blipFill>
-        <p:spPr>
-          <a:xfrm>
-            <a:off x="10226175" y="1440120"/>
-            <a:ext cx="1198986" cy="1268880"/>
-          </a:xfrm>
-          <a:prstGeom prst="rect">
-            <a:avLst/>
-          </a:prstGeom>
-        </p:spPr>
-      </p:pic>
-      <p:sp>
-        <p:nvSpPr>
-          <p:cNvPr id="3" name="Slide Title">
-            <a:extLst>
-              <a:ext uri="{FF2B5EF4-FFF2-40B4-BE49-F238E27FC236}">
-                <a16:creationId xmlns:a16="http://schemas.microsoft.com/office/drawing/2014/main" id="{E5F1FB41-80C3-4816-BC47-CCC50632E6E8}"/>
-              </a:ext>
-            </a:extLst>
-          </p:cNvPr>
-          <p:cNvSpPr>
-            <a:spLocks noGrp="1"/>
-          </p:cNvSpPr>
-          <p:nvPr>
-            <p:ph type="title"/>
-          </p:nvPr>
-        </p:nvSpPr>
-        <p:spPr/>
-        <p:txBody>
-          <a:bodyPr/>
-          <a:lstStyle/>
-          <a:p>
-            <a:r>
-              <a:rPr lang="bg-BG" dirty="0"/>
-              <a:t>Лиценз</a:t>
-            </a:r>
-          </a:p>
-        </p:txBody>
-      </p:sp>
-      <p:sp>
-        <p:nvSpPr>
-          <p:cNvPr id="11" name="TextBox 10">
-            <a:extLst>
-              <a:ext uri="{FF2B5EF4-FFF2-40B4-BE49-F238E27FC236}">
-                <a16:creationId xmlns:a16="http://schemas.microsoft.com/office/drawing/2014/main" id="{0C18DF19-B750-4C88-975B-661A6BF61F5E}"/>
-              </a:ext>
-            </a:extLst>
-          </p:cNvPr>
-          <p:cNvSpPr txBox="1"/>
-          <p:nvPr/>
-        </p:nvSpPr>
-        <p:spPr>
-          <a:xfrm>
-            <a:off x="190401" y="3927519"/>
-            <a:ext cx="11710599" cy="1979644"/>
-          </a:xfrm>
-          <a:prstGeom prst="rect">
-            <a:avLst/>
-          </a:prstGeom>
-          <a:noFill/>
-          <a:ln w="12700">
-            <a:noFill/>
-          </a:ln>
-        </p:spPr>
-        <p:txBody>
-          <a:bodyPr wrap="square">
-            <a:spAutoFit/>
-          </a:bodyPr>
-          <a:lstStyle/>
-          <a:p>
-            <a:pPr marL="360363" indent="-360363" defTabSz="1218438">
-              <a:lnSpc>
-                <a:spcPct val="120000"/>
-              </a:lnSpc>
-              <a:spcBef>
-                <a:spcPts val="600"/>
-              </a:spcBef>
-              <a:spcAft>
-                <a:spcPts val="600"/>
-              </a:spcAft>
-              <a:buFont typeface="Wingdings" panose="05000000000000000000" pitchFamily="2" charset="2"/>
-              <a:buChar char="§"/>
-              <a:defRPr/>
-            </a:pPr>
-            <a:r>
-              <a:rPr lang="bg-BG" sz="3200" dirty="0"/>
-              <a:t>Проект "</a:t>
-            </a:r>
-            <a:r>
-              <a:rPr lang="bg-BG" sz="3200" b="1" dirty="0"/>
-              <a:t>Отворено учебно съдържание по програмиране и ИТ</a:t>
-            </a:r>
-            <a:r>
-              <a:rPr lang="bg-BG" sz="3200" dirty="0"/>
-              <a:t>" към Фондация "Софтуерен университет"</a:t>
-            </a:r>
-            <a:r>
-              <a:rPr lang="en-US" sz="3200" dirty="0"/>
-              <a:t>:</a:t>
-            </a:r>
-            <a:endParaRPr lang="bg-BG" sz="3200" dirty="0"/>
-          </a:p>
-          <a:p>
-            <a:pPr marL="817563" lvl="1" indent="-360363" defTabSz="1218438">
-              <a:lnSpc>
-                <a:spcPct val="120000"/>
-              </a:lnSpc>
-              <a:spcBef>
-                <a:spcPts val="600"/>
-              </a:spcBef>
-              <a:spcAft>
-                <a:spcPts val="600"/>
-              </a:spcAft>
-              <a:buFont typeface="Wingdings" panose="05000000000000000000" pitchFamily="2" charset="2"/>
-              <a:buChar char="§"/>
-              <a:defRPr/>
-            </a:pPr>
-            <a:r>
-              <a:rPr kumimoji="0" lang="en-US" sz="3200" b="0" i="0" u="none" strike="noStrike" kern="1200" cap="none" spc="0" normalizeH="0" baseline="0" noProof="0" dirty="0">
-                <a:ln>
-                  <a:noFill/>
-                </a:ln>
-                <a:solidFill>
-                  <a:srgbClr val="234465"/>
-                </a:solidFill>
-                <a:effectLst/>
-                <a:uLnTx/>
-                <a:uFillTx/>
-                <a:latin typeface="Calibri"/>
-                <a:ea typeface="+mn-ea"/>
-                <a:cs typeface="+mn-cs"/>
-                <a:hlinkClick r:id="rId4"/>
-              </a:rPr>
-              <a:t>https://github.com/BG-IT-Edu</a:t>
-            </a:r>
-            <a:endParaRPr kumimoji="0" lang="bg-BG" sz="3200" b="0" i="0" u="none" strike="noStrike" kern="1200" cap="none" spc="0" normalizeH="0" baseline="0" noProof="0" dirty="0">
-              <a:ln>
-                <a:noFill/>
-              </a:ln>
-              <a:solidFill>
-                <a:srgbClr val="234465"/>
-              </a:solidFill>
-              <a:effectLst/>
-              <a:uLnTx/>
-              <a:uFillTx/>
-              <a:latin typeface="Calibri"/>
-              <a:ea typeface="+mn-ea"/>
-              <a:cs typeface="+mn-cs"/>
-            </a:endParaRPr>
-          </a:p>
-        </p:txBody>
-      </p:sp>
-      <p:pic>
-        <p:nvPicPr>
-          <p:cNvPr id="7" name="Picture 6" title="CC-BY-NC-SA License">
-            <a:hlinkClick r:id="rId5" tooltip="This work is licensed under the &quot;Creative Commons Attribution-NonCommercial-ShareAlike 4.0 International&quot; license"/>
-            <a:extLst>
-              <a:ext uri="{FF2B5EF4-FFF2-40B4-BE49-F238E27FC236}">
-                <a16:creationId xmlns:a16="http://schemas.microsoft.com/office/drawing/2014/main" id="{F6C77C47-F7D8-A176-5C69-7FDE5C7E8003}"/>
-              </a:ext>
-            </a:extLst>
-          </p:cNvPr>
-          <p:cNvPicPr>
-            <a:picLocks noChangeAspect="1" noChangeArrowheads="1"/>
-          </p:cNvPicPr>
-          <p:nvPr/>
-        </p:nvPicPr>
-        <p:blipFill>
-          <a:blip r:embed="rId6">
-            <a:extLst>
-              <a:ext uri="{28A0092B-C50C-407E-A947-70E740481C1C}">
-                <a14:useLocalDpi xmlns:a14="http://schemas.microsoft.com/office/drawing/2010/main"/>
-              </a:ext>
-            </a:extLst>
-          </a:blip>
-          <a:srcRect/>
-          <a:stretch>
-            <a:fillRect/>
-          </a:stretch>
-        </p:blipFill>
-        <p:spPr bwMode="auto">
-          <a:xfrm>
-            <a:off x="9831000" y="2908593"/>
-            <a:ext cx="1989336" cy="696022"/>
-          </a:xfrm>
-          <a:prstGeom prst="roundRect">
-            <a:avLst>
-              <a:gd name="adj" fmla="val 3940"/>
-            </a:avLst>
-          </a:prstGeom>
-          <a:solidFill>
-            <a:srgbClr val="231F20">
-              <a:alpha val="50000"/>
-            </a:srgbClr>
-          </a:solidFill>
-          <a:ln>
-            <a:noFill/>
-          </a:ln>
-        </p:spPr>
-      </p:pic>
-    </p:spTree>
-    <p:extLst>
-      <p:ext uri="{BB962C8B-B14F-4D97-AF65-F5344CB8AC3E}">
-        <p14:creationId xmlns:p14="http://schemas.microsoft.com/office/powerpoint/2010/main" val="3879276042"/>
       </p:ext>
     </p:extLst>
   </p:cSld>
@@ -10426,6 +11770,396 @@
             </p:seq>
           </p:childTnLst>
         </p:cTn>
+      </p:par>
+    </p:tnLst>
+  </p:timing>
+</p:sld>
+</file>
+
+<file path=ppt/slides/slide20.xml><?xml version="1.0" encoding="utf-8"?>
+<p:sld xmlns:a="http://schemas.openxmlformats.org/drawingml/2006/main" xmlns:r="http://schemas.openxmlformats.org/officeDocument/2006/relationships" xmlns:p="http://schemas.openxmlformats.org/presentationml/2006/main">
+  <p:cSld>
+    <p:spTree>
+      <p:nvGrpSpPr>
+        <p:cNvPr id="1" name=""/>
+        <p:cNvGrpSpPr/>
+        <p:nvPr/>
+      </p:nvGrpSpPr>
+      <p:grpSpPr>
+        <a:xfrm>
+          <a:off x="0" y="0"/>
+          <a:ext cx="0" cy="0"/>
+          <a:chOff x="0" y="0"/>
+          <a:chExt cx="0" cy="0"/>
+        </a:xfrm>
+      </p:grpSpPr>
+      <p:sp>
+        <p:nvSpPr>
+          <p:cNvPr id="5" name="Slide Number">
+            <a:extLst>
+              <a:ext uri="{FF2B5EF4-FFF2-40B4-BE49-F238E27FC236}">
+                <a16:creationId xmlns:a16="http://schemas.microsoft.com/office/drawing/2014/main" id="{F48C3C93-90A1-4D31-BEA6-B54D1106CE31}"/>
+              </a:ext>
+            </a:extLst>
+          </p:cNvPr>
+          <p:cNvSpPr>
+            <a:spLocks noGrp="1"/>
+          </p:cNvSpPr>
+          <p:nvPr>
+            <p:ph type="sldNum" sz="quarter" idx="5"/>
+          </p:nvPr>
+        </p:nvSpPr>
+        <p:spPr>
+          <a:xfrm>
+            <a:off x="11753030" y="6507000"/>
+            <a:ext cx="367414" cy="297000"/>
+          </a:xfrm>
+          <a:prstGeom prst="rect">
+            <a:avLst/>
+          </a:prstGeom>
+        </p:spPr>
+        <p:txBody>
+          <a:bodyPr vert="horz" lIns="91440" tIns="45720" rIns="91440" bIns="45720" rtlCol="0" anchor="b"/>
+          <a:lstStyle>
+            <a:lvl1pPr algn="r">
+              <a:defRPr sz="1000"/>
+            </a:lvl1pPr>
+          </a:lstStyle>
+          <a:p>
+            <a:fld id="{2BF067CD-8E6B-4360-9AA8-C5DF2A48A6D1}" type="slidenum">
+              <a:rPr lang="en-US" smtClean="0"/>
+              <a:pPr/>
+              <a:t>20</a:t>
+            </a:fld>
+            <a:endParaRPr lang="en-US" dirty="0"/>
+          </a:p>
+        </p:txBody>
+      </p:sp>
+      <p:sp>
+        <p:nvSpPr>
+          <p:cNvPr id="2" name="Slide Body">
+            <a:extLst>
+              <a:ext uri="{FF2B5EF4-FFF2-40B4-BE49-F238E27FC236}">
+                <a16:creationId xmlns:a16="http://schemas.microsoft.com/office/drawing/2014/main" id="{980F49B1-E4BE-4389-A747-7AB9B71AD920}"/>
+              </a:ext>
+            </a:extLst>
+          </p:cNvPr>
+          <p:cNvSpPr>
+            <a:spLocks noGrp="1"/>
+          </p:cNvSpPr>
+          <p:nvPr>
+            <p:ph type="body" sz="quarter" idx="10"/>
+          </p:nvPr>
+        </p:nvSpPr>
+        <p:spPr>
+          <a:xfrm>
+            <a:off x="190402" y="1269001"/>
+            <a:ext cx="9865598" cy="2474999"/>
+          </a:xfrm>
+        </p:spPr>
+        <p:txBody>
+          <a:bodyPr>
+            <a:normAutofit/>
+          </a:bodyPr>
+          <a:lstStyle/>
+          <a:p>
+            <a:pPr>
+              <a:lnSpc>
+                <a:spcPct val="120000"/>
+              </a:lnSpc>
+            </a:pPr>
+            <a:r>
+              <a:rPr lang="bg-BG" sz="3200" dirty="0"/>
+              <a:t>Този курс</a:t>
+            </a:r>
+            <a:r>
+              <a:rPr lang="en-US" sz="3200" dirty="0"/>
+              <a:t> (</a:t>
+            </a:r>
+            <a:r>
+              <a:rPr lang="bg-BG" sz="3200" dirty="0"/>
+              <a:t>презентации, примери, демонстрационен код, упражнения, домашни, видео и други активи</a:t>
+            </a:r>
+            <a:r>
+              <a:rPr lang="en-US" sz="3200" dirty="0"/>
+              <a:t>) </a:t>
+            </a:r>
+            <a:r>
+              <a:rPr lang="bg-BG" sz="3200" dirty="0"/>
+              <a:t>представлява</a:t>
+            </a:r>
+            <a:r>
+              <a:rPr lang="en-US" sz="3200" dirty="0"/>
+              <a:t> </a:t>
+            </a:r>
+            <a:r>
+              <a:rPr lang="bg-BG" sz="3200" b="1" dirty="0"/>
+              <a:t>свободно учебно съдържание </a:t>
+            </a:r>
+            <a:r>
+              <a:rPr lang="bg-BG" sz="3200" dirty="0"/>
+              <a:t>и се разпространява под свободен лиценз </a:t>
+            </a:r>
+            <a:r>
+              <a:rPr lang="en-US" sz="3200" b="1" dirty="0"/>
+              <a:t>CC-BY-NC-SA</a:t>
+            </a:r>
+            <a:endParaRPr lang="bg-BG" sz="3200" dirty="0"/>
+          </a:p>
+        </p:txBody>
+      </p:sp>
+      <p:pic>
+        <p:nvPicPr>
+          <p:cNvPr id="6" name="Picture License" descr="License">
+            <a:extLst>
+              <a:ext uri="{FF2B5EF4-FFF2-40B4-BE49-F238E27FC236}">
+                <a16:creationId xmlns:a16="http://schemas.microsoft.com/office/drawing/2014/main" id="{82BA520F-A037-4E01-AA18-27D9F1E930A6}"/>
+              </a:ext>
+            </a:extLst>
+          </p:cNvPr>
+          <p:cNvPicPr>
+            <a:picLocks noChangeAspect="1"/>
+          </p:cNvPicPr>
+          <p:nvPr/>
+        </p:nvPicPr>
+        <p:blipFill>
+          <a:blip r:embed="rId3">
+            <a:clrChange>
+              <a:clrFrom>
+                <a:srgbClr val="FFFFFF"/>
+              </a:clrFrom>
+              <a:clrTo>
+                <a:srgbClr val="FFFFFF">
+                  <a:alpha val="0"/>
+                </a:srgbClr>
+              </a:clrTo>
+            </a:clrChange>
+          </a:blip>
+          <a:stretch>
+            <a:fillRect/>
+          </a:stretch>
+        </p:blipFill>
+        <p:spPr>
+          <a:xfrm>
+            <a:off x="10226175" y="1440120"/>
+            <a:ext cx="1198986" cy="1268880"/>
+          </a:xfrm>
+          <a:prstGeom prst="rect">
+            <a:avLst/>
+          </a:prstGeom>
+        </p:spPr>
+      </p:pic>
+      <p:sp>
+        <p:nvSpPr>
+          <p:cNvPr id="3" name="Slide Title">
+            <a:extLst>
+              <a:ext uri="{FF2B5EF4-FFF2-40B4-BE49-F238E27FC236}">
+                <a16:creationId xmlns:a16="http://schemas.microsoft.com/office/drawing/2014/main" id="{E5F1FB41-80C3-4816-BC47-CCC50632E6E8}"/>
+              </a:ext>
+            </a:extLst>
+          </p:cNvPr>
+          <p:cNvSpPr>
+            <a:spLocks noGrp="1"/>
+          </p:cNvSpPr>
+          <p:nvPr>
+            <p:ph type="title"/>
+          </p:nvPr>
+        </p:nvSpPr>
+        <p:spPr/>
+        <p:txBody>
+          <a:bodyPr/>
+          <a:lstStyle/>
+          <a:p>
+            <a:r>
+              <a:rPr lang="bg-BG" dirty="0"/>
+              <a:t>Лиценз</a:t>
+            </a:r>
+          </a:p>
+        </p:txBody>
+      </p:sp>
+      <p:sp>
+        <p:nvSpPr>
+          <p:cNvPr id="11" name="TextBox 10">
+            <a:extLst>
+              <a:ext uri="{FF2B5EF4-FFF2-40B4-BE49-F238E27FC236}">
+                <a16:creationId xmlns:a16="http://schemas.microsoft.com/office/drawing/2014/main" id="{0C18DF19-B750-4C88-975B-661A6BF61F5E}"/>
+              </a:ext>
+            </a:extLst>
+          </p:cNvPr>
+          <p:cNvSpPr txBox="1"/>
+          <p:nvPr/>
+        </p:nvSpPr>
+        <p:spPr>
+          <a:xfrm>
+            <a:off x="190401" y="3927519"/>
+            <a:ext cx="11710599" cy="1979644"/>
+          </a:xfrm>
+          <a:prstGeom prst="rect">
+            <a:avLst/>
+          </a:prstGeom>
+          <a:noFill/>
+          <a:ln w="12700">
+            <a:noFill/>
+          </a:ln>
+        </p:spPr>
+        <p:txBody>
+          <a:bodyPr wrap="square">
+            <a:spAutoFit/>
+          </a:bodyPr>
+          <a:lstStyle/>
+          <a:p>
+            <a:pPr marL="360363" indent="-360363" defTabSz="1218438">
+              <a:lnSpc>
+                <a:spcPct val="120000"/>
+              </a:lnSpc>
+              <a:spcBef>
+                <a:spcPts val="600"/>
+              </a:spcBef>
+              <a:spcAft>
+                <a:spcPts val="600"/>
+              </a:spcAft>
+              <a:buFont typeface="Wingdings" panose="05000000000000000000" pitchFamily="2" charset="2"/>
+              <a:buChar char="§"/>
+              <a:defRPr/>
+            </a:pPr>
+            <a:r>
+              <a:rPr lang="bg-BG" sz="3200" dirty="0"/>
+              <a:t>Проект "</a:t>
+            </a:r>
+            <a:r>
+              <a:rPr lang="bg-BG" sz="3200" b="1" dirty="0"/>
+              <a:t>Отворено учебно съдържание по програмиране и ИТ</a:t>
+            </a:r>
+            <a:r>
+              <a:rPr lang="bg-BG" sz="3200" dirty="0"/>
+              <a:t>" към Фондация "Софтуерен университет"</a:t>
+            </a:r>
+            <a:r>
+              <a:rPr lang="en-US" sz="3200" dirty="0"/>
+              <a:t>:</a:t>
+            </a:r>
+            <a:endParaRPr lang="bg-BG" sz="3200" dirty="0"/>
+          </a:p>
+          <a:p>
+            <a:pPr marL="817563" lvl="1" indent="-360363" defTabSz="1218438">
+              <a:lnSpc>
+                <a:spcPct val="120000"/>
+              </a:lnSpc>
+              <a:spcBef>
+                <a:spcPts val="600"/>
+              </a:spcBef>
+              <a:spcAft>
+                <a:spcPts val="600"/>
+              </a:spcAft>
+              <a:buFont typeface="Wingdings" panose="05000000000000000000" pitchFamily="2" charset="2"/>
+              <a:buChar char="§"/>
+              <a:defRPr/>
+            </a:pPr>
+            <a:r>
+              <a:rPr kumimoji="0" lang="en-US" sz="3200" b="0" i="0" u="none" strike="noStrike" kern="1200" cap="none" spc="0" normalizeH="0" baseline="0" noProof="0" dirty="0">
+                <a:ln>
+                  <a:noFill/>
+                </a:ln>
+                <a:solidFill>
+                  <a:srgbClr val="234465"/>
+                </a:solidFill>
+                <a:effectLst/>
+                <a:uLnTx/>
+                <a:uFillTx/>
+                <a:latin typeface="Calibri"/>
+                <a:ea typeface="+mn-ea"/>
+                <a:cs typeface="+mn-cs"/>
+                <a:hlinkClick r:id="rId4"/>
+              </a:rPr>
+              <a:t>https://github.com/BG-IT-Edu</a:t>
+            </a:r>
+            <a:endParaRPr kumimoji="0" lang="bg-BG" sz="3200" b="0" i="0" u="none" strike="noStrike" kern="1200" cap="none" spc="0" normalizeH="0" baseline="0" noProof="0" dirty="0">
+              <a:ln>
+                <a:noFill/>
+              </a:ln>
+              <a:solidFill>
+                <a:srgbClr val="234465"/>
+              </a:solidFill>
+              <a:effectLst/>
+              <a:uLnTx/>
+              <a:uFillTx/>
+              <a:latin typeface="Calibri"/>
+              <a:ea typeface="+mn-ea"/>
+              <a:cs typeface="+mn-cs"/>
+            </a:endParaRPr>
+          </a:p>
+        </p:txBody>
+      </p:sp>
+      <p:pic>
+        <p:nvPicPr>
+          <p:cNvPr id="7" name="Picture 6" title="CC-BY-NC-SA License">
+            <a:hlinkClick r:id="rId5" tooltip="This work is licensed under the &quot;Creative Commons Attribution-NonCommercial-ShareAlike 4.0 International&quot; license"/>
+            <a:extLst>
+              <a:ext uri="{FF2B5EF4-FFF2-40B4-BE49-F238E27FC236}">
+                <a16:creationId xmlns:a16="http://schemas.microsoft.com/office/drawing/2014/main" id="{F6C77C47-F7D8-A176-5C69-7FDE5C7E8003}"/>
+              </a:ext>
+            </a:extLst>
+          </p:cNvPr>
+          <p:cNvPicPr>
+            <a:picLocks noChangeAspect="1" noChangeArrowheads="1"/>
+          </p:cNvPicPr>
+          <p:nvPr/>
+        </p:nvPicPr>
+        <p:blipFill>
+          <a:blip r:embed="rId6">
+            <a:extLst>
+              <a:ext uri="{28A0092B-C50C-407E-A947-70E740481C1C}">
+                <a14:useLocalDpi xmlns:a14="http://schemas.microsoft.com/office/drawing/2010/main"/>
+              </a:ext>
+            </a:extLst>
+          </a:blip>
+          <a:srcRect/>
+          <a:stretch>
+            <a:fillRect/>
+          </a:stretch>
+        </p:blipFill>
+        <p:spPr bwMode="auto">
+          <a:xfrm>
+            <a:off x="9831000" y="2908593"/>
+            <a:ext cx="1989336" cy="696022"/>
+          </a:xfrm>
+          <a:prstGeom prst="roundRect">
+            <a:avLst>
+              <a:gd name="adj" fmla="val 3940"/>
+            </a:avLst>
+          </a:prstGeom>
+          <a:solidFill>
+            <a:srgbClr val="231F20">
+              <a:alpha val="50000"/>
+            </a:srgbClr>
+          </a:solidFill>
+          <a:ln>
+            <a:noFill/>
+          </a:ln>
+        </p:spPr>
+      </p:pic>
+    </p:spTree>
+    <p:extLst>
+      <p:ext uri="{BB962C8B-B14F-4D97-AF65-F5344CB8AC3E}">
+        <p14:creationId xmlns:p14="http://schemas.microsoft.com/office/powerpoint/2010/main" val="3879276042"/>
+      </p:ext>
+    </p:extLst>
+  </p:cSld>
+  <p:clrMapOvr>
+    <a:masterClrMapping/>
+  </p:clrMapOvr>
+  <mc:AlternateContent xmlns:mc="http://schemas.openxmlformats.org/markup-compatibility/2006" xmlns:p14="http://schemas.microsoft.com/office/powerpoint/2010/main">
+    <mc:Choice Requires="p14">
+      <p:transition spd="slow" p14:dur="2000" advClick="0" advTm="5000"/>
+    </mc:Choice>
+    <mc:Fallback xmlns="">
+      <p:transition spd="slow" advClick="0" advTm="5000"/>
+    </mc:Fallback>
+  </mc:AlternateContent>
+  <p:timing>
+    <p:tnLst>
+      <p:par>
+        <p:cTn id="1" dur="indefinite" restart="never" nodeType="tmRoot"/>
       </p:par>
     </p:tnLst>
   </p:timing>
@@ -12153,38 +13887,6 @@
               <a:t>интерфейс</a:t>
             </a:r>
             <a:endParaRPr lang="en-US" dirty="0"/>
-          </a:p>
-        </p:txBody>
-      </p:sp>
-      <p:sp>
-        <p:nvSpPr>
-          <p:cNvPr id="2" name="Slide Number Placeholder 1"/>
-          <p:cNvSpPr>
-            <a:spLocks noGrp="1"/>
-          </p:cNvSpPr>
-          <p:nvPr>
-            <p:ph type="sldNum" sz="quarter" idx="4294967295"/>
-          </p:nvPr>
-        </p:nvSpPr>
-        <p:spPr>
-          <a:xfrm>
-            <a:off x="11823700" y="6507163"/>
-            <a:ext cx="368300" cy="296862"/>
-          </a:xfrm>
-          <a:prstGeom prst="rect">
-            <a:avLst/>
-          </a:prstGeom>
-        </p:spPr>
-        <p:txBody>
-          <a:bodyPr/>
-          <a:lstStyle/>
-          <a:p>
-            <a:fld id="{2BF067CD-8E6B-4360-9AA8-C5DF2A48A6D1}" type="slidenum">
-              <a:rPr lang="en-US" noProof="0" smtClean="0"/>
-              <a:pPr/>
-              <a:t>7</a:t>
-            </a:fld>
-            <a:endParaRPr lang="en-US" noProof="0" dirty="0"/>
           </a:p>
         </p:txBody>
       </p:sp>

--- a/Courses/Computer-Modeling-and-IT/Computer-Modeling-and-IT-6-Class/02-Operating-System/02-Operating-System.pptx
+++ b/Courses/Computer-Modeling-and-IT/Computer-Modeling-and-IT-6-Class/02-Operating-System/02-Operating-System.pptx
@@ -5,10 +5,10 @@
     <p:sldMasterId id="2147483675" r:id="rId1"/>
   </p:sldMasterIdLst>
   <p:notesMasterIdLst>
-    <p:notesMasterId r:id="rId22"/>
+    <p:notesMasterId r:id="rId25"/>
   </p:notesMasterIdLst>
   <p:handoutMasterIdLst>
-    <p:handoutMasterId r:id="rId23"/>
+    <p:handoutMasterId r:id="rId26"/>
   </p:handoutMasterIdLst>
   <p:sldIdLst>
     <p:sldId id="503" r:id="rId2"/>
@@ -28,9 +28,12 @@
     <p:sldId id="599" r:id="rId16"/>
     <p:sldId id="600" r:id="rId17"/>
     <p:sldId id="601" r:id="rId18"/>
-    <p:sldId id="586" r:id="rId19"/>
-    <p:sldId id="504" r:id="rId20"/>
-    <p:sldId id="505" r:id="rId21"/>
+    <p:sldId id="602" r:id="rId19"/>
+    <p:sldId id="603" r:id="rId20"/>
+    <p:sldId id="604" r:id="rId21"/>
+    <p:sldId id="586" r:id="rId22"/>
+    <p:sldId id="504" r:id="rId23"/>
+    <p:sldId id="505" r:id="rId24"/>
   </p:sldIdLst>
   <p:sldSz cx="12192000" cy="6858000"/>
   <p:notesSz cx="6858000" cy="9144000"/>
@@ -159,6 +162,9 @@
             <p14:sldId id="599"/>
             <p14:sldId id="600"/>
             <p14:sldId id="601"/>
+            <p14:sldId id="602"/>
+            <p14:sldId id="603"/>
+            <p14:sldId id="604"/>
           </p14:sldIdLst>
         </p14:section>
         <p14:section name="Заключение" id="{E19D07F1-86E2-47E9-B2AB-7ADC4F89DC12}">
@@ -1508,7 +1514,7 @@
             <a:fld id="{3EBA5BD7-F043-4D1B-AA17-CD412FC534DE}" type="slidenum">
               <a:rPr lang="en-US" smtClean="0"/>
               <a:pPr/>
-              <a:t>18</a:t>
+              <a:t>21</a:t>
             </a:fld>
             <a:endParaRPr lang="en-US" dirty="0"/>
           </a:p>
@@ -1699,7 +1705,7 @@
             <a:fld id="{3EBA5BD7-F043-4D1B-AA17-CD412FC534DE}" type="slidenum">
               <a:rPr lang="en-US" smtClean="0"/>
               <a:pPr/>
-              <a:t>19</a:t>
+              <a:t>22</a:t>
             </a:fld>
             <a:endParaRPr lang="en-US" dirty="0"/>
           </a:p>
@@ -1929,7 +1935,7 @@
             <a:fld id="{3EBA5BD7-F043-4D1B-AA17-CD412FC534DE}" type="slidenum">
               <a:rPr lang="en-US" smtClean="0"/>
               <a:pPr/>
-              <a:t>20</a:t>
+              <a:t>23</a:t>
             </a:fld>
             <a:endParaRPr lang="en-US" dirty="0"/>
           </a:p>
@@ -9984,6 +9990,1621 @@
       </p:grpSpPr>
       <p:sp>
         <p:nvSpPr>
+          <p:cNvPr id="6" name="Title 5"/>
+          <p:cNvSpPr>
+            <a:spLocks noGrp="1"/>
+          </p:cNvSpPr>
+          <p:nvPr>
+            <p:ph type="title" sz="quarter" idx="10"/>
+          </p:nvPr>
+        </p:nvSpPr>
+        <p:spPr>
+          <a:xfrm>
+            <a:off x="5241000" y="1471047"/>
+            <a:ext cx="6065892" cy="2902953"/>
+          </a:xfrm>
+        </p:spPr>
+        <p:txBody>
+          <a:bodyPr/>
+          <a:lstStyle/>
+          <a:p>
+            <a:r>
+              <a:rPr lang="bg-BG" dirty="0" smtClean="0"/>
+              <a:t>Добавяне и премахване на програма в </a:t>
+            </a:r>
+            <a:r>
+              <a:rPr lang="en-US" dirty="0" smtClean="0"/>
+              <a:t>Taskbar</a:t>
+            </a:r>
+            <a:endParaRPr lang="en-US" dirty="0"/>
+          </a:p>
+        </p:txBody>
+      </p:sp>
+      <p:pic>
+        <p:nvPicPr>
+          <p:cNvPr id="10" name="Picture 9"/>
+          <p:cNvPicPr>
+            <a:picLocks noChangeAspect="1"/>
+          </p:cNvPicPr>
+          <p:nvPr/>
+        </p:nvPicPr>
+        <p:blipFill>
+          <a:blip r:embed="rId2">
+            <a:extLst>
+              <a:ext uri="{28A0092B-C50C-407E-A947-70E740481C1C}">
+                <a14:useLocalDpi xmlns:a14="http://schemas.microsoft.com/office/drawing/2010/main" val="0"/>
+              </a:ext>
+            </a:extLst>
+          </a:blip>
+          <a:stretch>
+            <a:fillRect/>
+          </a:stretch>
+        </p:blipFill>
+        <p:spPr>
+          <a:xfrm>
+            <a:off x="1506000" y="2023179"/>
+            <a:ext cx="1934722" cy="1798687"/>
+          </a:xfrm>
+          <a:prstGeom prst="rect">
+            <a:avLst/>
+          </a:prstGeom>
+        </p:spPr>
+      </p:pic>
+      <p:pic>
+        <p:nvPicPr>
+          <p:cNvPr id="1026" name="Picture 2" descr="Push pin Basic Miscellany Flat icon"/>
+          <p:cNvPicPr>
+            <a:picLocks noChangeAspect="1" noChangeArrowheads="1"/>
+          </p:cNvPicPr>
+          <p:nvPr/>
+        </p:nvPicPr>
+        <p:blipFill>
+          <a:blip r:embed="rId3">
+            <a:extLst>
+              <a:ext uri="{28A0092B-C50C-407E-A947-70E740481C1C}">
+                <a14:useLocalDpi xmlns:a14="http://schemas.microsoft.com/office/drawing/2010/main" val="0"/>
+              </a:ext>
+            </a:extLst>
+          </a:blip>
+          <a:srcRect/>
+          <a:stretch>
+            <a:fillRect/>
+          </a:stretch>
+        </p:blipFill>
+        <p:spPr bwMode="auto">
+          <a:xfrm>
+            <a:off x="2811000" y="1044000"/>
+            <a:ext cx="1665000" cy="1665000"/>
+          </a:xfrm>
+          <a:prstGeom prst="rect">
+            <a:avLst/>
+          </a:prstGeom>
+          <a:noFill/>
+          <a:extLst>
+            <a:ext uri="{909E8E84-426E-40DD-AFC4-6F175D3DCCD1}">
+              <a14:hiddenFill xmlns:a14="http://schemas.microsoft.com/office/drawing/2010/main">
+                <a:solidFill>
+                  <a:srgbClr val="FFFFFF"/>
+                </a:solidFill>
+              </a14:hiddenFill>
+            </a:ext>
+          </a:extLst>
+        </p:spPr>
+      </p:pic>
+    </p:spTree>
+    <p:extLst>
+      <p:ext uri="{BB962C8B-B14F-4D97-AF65-F5344CB8AC3E}">
+        <p14:creationId xmlns:p14="http://schemas.microsoft.com/office/powerpoint/2010/main" val="3643403046"/>
+      </p:ext>
+    </p:extLst>
+  </p:cSld>
+  <p:clrMapOvr>
+    <a:masterClrMapping/>
+  </p:clrMapOvr>
+  <mc:AlternateContent xmlns:mc="http://schemas.openxmlformats.org/markup-compatibility/2006" xmlns:p14="http://schemas.microsoft.com/office/powerpoint/2010/main">
+    <mc:Choice Requires="p14">
+      <p:transition spd="slow" p14:dur="2000" advClick="0" advTm="5000"/>
+    </mc:Choice>
+    <mc:Fallback xmlns="">
+      <p:transition spd="slow" advClick="0" advTm="5000"/>
+    </mc:Fallback>
+  </mc:AlternateContent>
+  <p:timing>
+    <p:tnLst>
+      <p:par>
+        <p:cTn id="1" dur="indefinite" restart="never" nodeType="tmRoot"/>
+      </p:par>
+    </p:tnLst>
+  </p:timing>
+</p:sld>
+</file>
+
+<file path=ppt/slides/slide19.xml><?xml version="1.0" encoding="utf-8"?>
+<p:sld xmlns:a="http://schemas.openxmlformats.org/drawingml/2006/main" xmlns:r="http://schemas.openxmlformats.org/officeDocument/2006/relationships" xmlns:p="http://schemas.openxmlformats.org/presentationml/2006/main">
+  <p:cSld>
+    <p:spTree>
+      <p:nvGrpSpPr>
+        <p:cNvPr id="1" name=""/>
+        <p:cNvGrpSpPr/>
+        <p:nvPr/>
+      </p:nvGrpSpPr>
+      <p:grpSpPr>
+        <a:xfrm>
+          <a:off x="0" y="0"/>
+          <a:ext cx="0" cy="0"/>
+          <a:chOff x="0" y="0"/>
+          <a:chExt cx="0" cy="0"/>
+        </a:xfrm>
+      </p:grpSpPr>
+      <p:pic>
+        <p:nvPicPr>
+          <p:cNvPr id="13" name="Picture 12"/>
+          <p:cNvPicPr>
+            <a:picLocks noChangeAspect="1"/>
+          </p:cNvPicPr>
+          <p:nvPr/>
+        </p:nvPicPr>
+        <p:blipFill>
+          <a:blip r:embed="rId2"/>
+          <a:stretch>
+            <a:fillRect/>
+          </a:stretch>
+        </p:blipFill>
+        <p:spPr>
+          <a:xfrm>
+            <a:off x="2698500" y="1269000"/>
+            <a:ext cx="6795000" cy="5459298"/>
+          </a:xfrm>
+          <a:prstGeom prst="rect">
+            <a:avLst/>
+          </a:prstGeom>
+          <a:ln>
+            <a:solidFill>
+              <a:schemeClr val="bg2">
+                <a:lumMod val="75000"/>
+              </a:schemeClr>
+            </a:solidFill>
+          </a:ln>
+        </p:spPr>
+      </p:pic>
+      <p:sp>
+        <p:nvSpPr>
+          <p:cNvPr id="6" name="Title 5"/>
+          <p:cNvSpPr>
+            <a:spLocks noGrp="1"/>
+          </p:cNvSpPr>
+          <p:nvPr>
+            <p:ph type="title"/>
+          </p:nvPr>
+        </p:nvSpPr>
+        <p:spPr/>
+        <p:txBody>
+          <a:bodyPr/>
+          <a:lstStyle/>
+          <a:p>
+            <a:r>
+              <a:rPr lang="bg-BG" dirty="0" smtClean="0"/>
+              <a:t>Добавяне на програма в </a:t>
+            </a:r>
+            <a:r>
+              <a:rPr lang="en-US" dirty="0" smtClean="0"/>
+              <a:t>Taskbar</a:t>
+            </a:r>
+            <a:endParaRPr lang="en-US" dirty="0"/>
+          </a:p>
+        </p:txBody>
+      </p:sp>
+      <p:sp>
+        <p:nvSpPr>
+          <p:cNvPr id="11" name="Rounded Rectangular Callout 10"/>
+          <p:cNvSpPr/>
+          <p:nvPr/>
+        </p:nvSpPr>
+        <p:spPr bwMode="auto">
+          <a:xfrm>
+            <a:off x="291000" y="3384000"/>
+            <a:ext cx="5130000" cy="1935000"/>
+          </a:xfrm>
+          <a:prstGeom prst="wedgeRoundRectCallout">
+            <a:avLst>
+              <a:gd name="adj1" fmla="val 19696"/>
+              <a:gd name="adj2" fmla="val 88271"/>
+              <a:gd name="adj3" fmla="val 16667"/>
+            </a:avLst>
+          </a:prstGeom>
+          <a:solidFill>
+            <a:schemeClr val="dk2">
+              <a:alpha val="80000"/>
+            </a:schemeClr>
+          </a:solidFill>
+          <a:ln w="19050">
+            <a:solidFill>
+              <a:schemeClr val="tx1">
+                <a:lumMod val="75000"/>
+                <a:alpha val="80000"/>
+              </a:schemeClr>
+            </a:solidFill>
+          </a:ln>
+          <a:effectLst/>
+        </p:spPr>
+        <p:style>
+          <a:lnRef idx="2">
+            <a:schemeClr val="accent1">
+              <a:shade val="50000"/>
+            </a:schemeClr>
+          </a:lnRef>
+          <a:fillRef idx="1001">
+            <a:schemeClr val="dk2"/>
+          </a:fillRef>
+          <a:effectRef idx="0">
+            <a:schemeClr val="accent1"/>
+          </a:effectRef>
+          <a:fontRef idx="minor">
+            <a:schemeClr val="lt1"/>
+          </a:fontRef>
+        </p:style>
+        <p:txBody>
+          <a:bodyPr rot="0" spcFirstLastPara="0" vertOverflow="overflow" horzOverflow="overflow" vert="horz" wrap="square" lIns="91440" tIns="45720" rIns="91440" bIns="45720" numCol="1" spcCol="0" rtlCol="0" fromWordArt="0" anchor="ctr" anchorCtr="0" forceAA="0" compatLnSpc="1">
+            <a:prstTxWarp prst="textNoShape">
+              <a:avLst/>
+            </a:prstTxWarp>
+            <a:noAutofit/>
+          </a:bodyPr>
+          <a:lstStyle/>
+          <a:p>
+            <a:pPr algn="ctr"/>
+            <a:r>
+              <a:rPr lang="bg-BG" sz="2800" b="1" dirty="0" smtClean="0">
+                <a:solidFill>
+                  <a:srgbClr val="FFFFFF"/>
+                </a:solidFill>
+                <a:effectLst>
+                  <a:outerShdw blurRad="38100" dist="38100" dir="2700000" algn="tl">
+                    <a:srgbClr val="000000">
+                      <a:alpha val="43137"/>
+                    </a:srgbClr>
+                  </a:outerShdw>
+                </a:effectLst>
+              </a:rPr>
+              <a:t>Отворяме </a:t>
+            </a:r>
+            <a:r>
+              <a:rPr lang="en-US" sz="2800" b="1" dirty="0" smtClean="0">
+                <a:solidFill>
+                  <a:schemeClr val="bg1">
+                    <a:lumMod val="60000"/>
+                    <a:lumOff val="40000"/>
+                  </a:schemeClr>
+                </a:solidFill>
+                <a:effectLst>
+                  <a:outerShdw blurRad="38100" dist="38100" dir="2700000" algn="tl">
+                    <a:srgbClr val="000000">
+                      <a:alpha val="43137"/>
+                    </a:srgbClr>
+                  </a:outerShdw>
+                </a:effectLst>
+              </a:rPr>
+              <a:t>Search </a:t>
+            </a:r>
+            <a:r>
+              <a:rPr lang="bg-BG" sz="2800" b="1" dirty="0" smtClean="0">
+                <a:solidFill>
+                  <a:schemeClr val="bg1">
+                    <a:lumMod val="60000"/>
+                    <a:lumOff val="40000"/>
+                  </a:schemeClr>
+                </a:solidFill>
+                <a:effectLst>
+                  <a:outerShdw blurRad="38100" dist="38100" dir="2700000" algn="tl">
+                    <a:srgbClr val="000000">
+                      <a:alpha val="43137"/>
+                    </a:srgbClr>
+                  </a:outerShdw>
+                </a:effectLst>
+              </a:rPr>
+              <a:t>бара  </a:t>
+            </a:r>
+            <a:r>
+              <a:rPr lang="bg-BG" sz="2800" b="1" dirty="0" smtClean="0">
+                <a:solidFill>
+                  <a:srgbClr val="FFFFFF"/>
+                </a:solidFill>
+                <a:effectLst>
+                  <a:outerShdw blurRad="38100" dist="38100" dir="2700000" algn="tl">
+                    <a:srgbClr val="000000">
+                      <a:alpha val="43137"/>
+                    </a:srgbClr>
+                  </a:outerShdw>
+                </a:effectLst>
+              </a:rPr>
+              <a:t>и пишем името на програмата, която искаме да добавим на </a:t>
+            </a:r>
+            <a:r>
+              <a:rPr lang="en-US" sz="2800" b="1" dirty="0" smtClean="0">
+                <a:solidFill>
+                  <a:srgbClr val="FFFFFF"/>
+                </a:solidFill>
+                <a:effectLst>
+                  <a:outerShdw blurRad="38100" dist="38100" dir="2700000" algn="tl">
+                    <a:srgbClr val="000000">
+                      <a:alpha val="43137"/>
+                    </a:srgbClr>
+                  </a:outerShdw>
+                </a:effectLst>
+              </a:rPr>
+              <a:t>Taskbar</a:t>
+            </a:r>
+            <a:endParaRPr lang="en-US" sz="2800" b="1" dirty="0">
+              <a:solidFill>
+                <a:srgbClr val="FFFFFF"/>
+              </a:solidFill>
+              <a:effectLst>
+                <a:outerShdw blurRad="38100" dist="38100" dir="2700000" algn="tl">
+                  <a:srgbClr val="000000">
+                    <a:alpha val="43137"/>
+                  </a:srgbClr>
+                </a:outerShdw>
+              </a:effectLst>
+            </a:endParaRPr>
+          </a:p>
+        </p:txBody>
+      </p:sp>
+      <p:sp>
+        <p:nvSpPr>
+          <p:cNvPr id="12" name="Rounded Rectangular Callout 11"/>
+          <p:cNvSpPr/>
+          <p:nvPr/>
+        </p:nvSpPr>
+        <p:spPr bwMode="auto">
+          <a:xfrm>
+            <a:off x="7536000" y="4869000"/>
+            <a:ext cx="2745000" cy="1170000"/>
+          </a:xfrm>
+          <a:prstGeom prst="wedgeRoundRectCallout">
+            <a:avLst>
+              <a:gd name="adj1" fmla="val -70959"/>
+              <a:gd name="adj2" fmla="val -72222"/>
+              <a:gd name="adj3" fmla="val 16667"/>
+            </a:avLst>
+          </a:prstGeom>
+          <a:solidFill>
+            <a:schemeClr val="dk2">
+              <a:alpha val="80000"/>
+            </a:schemeClr>
+          </a:solidFill>
+          <a:ln w="19050">
+            <a:solidFill>
+              <a:schemeClr val="tx1">
+                <a:lumMod val="75000"/>
+                <a:alpha val="80000"/>
+              </a:schemeClr>
+            </a:solidFill>
+          </a:ln>
+          <a:effectLst/>
+        </p:spPr>
+        <p:style>
+          <a:lnRef idx="2">
+            <a:schemeClr val="accent1">
+              <a:shade val="50000"/>
+            </a:schemeClr>
+          </a:lnRef>
+          <a:fillRef idx="1001">
+            <a:schemeClr val="dk2"/>
+          </a:fillRef>
+          <a:effectRef idx="0">
+            <a:schemeClr val="accent1"/>
+          </a:effectRef>
+          <a:fontRef idx="minor">
+            <a:schemeClr val="lt1"/>
+          </a:fontRef>
+        </p:style>
+        <p:txBody>
+          <a:bodyPr rot="0" spcFirstLastPara="0" vertOverflow="overflow" horzOverflow="overflow" vert="horz" wrap="square" lIns="91440" tIns="45720" rIns="91440" bIns="45720" numCol="1" spcCol="0" rtlCol="0" fromWordArt="0" anchor="ctr" anchorCtr="0" forceAA="0" compatLnSpc="1">
+            <a:prstTxWarp prst="textNoShape">
+              <a:avLst/>
+            </a:prstTxWarp>
+            <a:noAutofit/>
+          </a:bodyPr>
+          <a:lstStyle/>
+          <a:p>
+            <a:pPr algn="ctr"/>
+            <a:r>
+              <a:rPr lang="bg-BG" sz="2800" b="1" dirty="0" smtClean="0">
+                <a:solidFill>
+                  <a:srgbClr val="FFFFFF"/>
+                </a:solidFill>
+                <a:effectLst>
+                  <a:outerShdw blurRad="38100" dist="38100" dir="2700000" algn="tl">
+                    <a:srgbClr val="000000">
+                      <a:alpha val="43137"/>
+                    </a:srgbClr>
+                  </a:outerShdw>
+                </a:effectLst>
+              </a:rPr>
+              <a:t>Избираме </a:t>
+            </a:r>
+            <a:endParaRPr lang="en-US" sz="2800" b="1" dirty="0" smtClean="0">
+              <a:solidFill>
+                <a:srgbClr val="FFFFFF"/>
+              </a:solidFill>
+              <a:effectLst>
+                <a:outerShdw blurRad="38100" dist="38100" dir="2700000" algn="tl">
+                  <a:srgbClr val="000000">
+                    <a:alpha val="43137"/>
+                  </a:srgbClr>
+                </a:outerShdw>
+              </a:effectLst>
+            </a:endParaRPr>
+          </a:p>
+          <a:p>
+            <a:pPr algn="ctr"/>
+            <a:r>
+              <a:rPr lang="en-US" sz="2800" b="1" dirty="0" smtClean="0">
+                <a:solidFill>
+                  <a:schemeClr val="bg1">
+                    <a:lumMod val="60000"/>
+                    <a:lumOff val="40000"/>
+                  </a:schemeClr>
+                </a:solidFill>
+                <a:effectLst>
+                  <a:outerShdw blurRad="38100" dist="38100" dir="2700000" algn="tl">
+                    <a:srgbClr val="000000">
+                      <a:alpha val="43137"/>
+                    </a:srgbClr>
+                  </a:outerShdw>
+                </a:effectLst>
+              </a:rPr>
+              <a:t>Pin to taskbar</a:t>
+            </a:r>
+            <a:endParaRPr lang="en-US" sz="2800" b="1" dirty="0">
+              <a:solidFill>
+                <a:schemeClr val="bg1">
+                  <a:lumMod val="60000"/>
+                  <a:lumOff val="40000"/>
+                </a:schemeClr>
+              </a:solidFill>
+              <a:effectLst>
+                <a:outerShdw blurRad="38100" dist="38100" dir="2700000" algn="tl">
+                  <a:srgbClr val="000000">
+                    <a:alpha val="43137"/>
+                  </a:srgbClr>
+                </a:outerShdw>
+              </a:effectLst>
+            </a:endParaRPr>
+          </a:p>
+        </p:txBody>
+      </p:sp>
+      <p:sp>
+        <p:nvSpPr>
+          <p:cNvPr id="14" name="Rounded Rectangular Callout 13"/>
+          <p:cNvSpPr/>
+          <p:nvPr/>
+        </p:nvSpPr>
+        <p:spPr bwMode="auto">
+          <a:xfrm>
+            <a:off x="7536000" y="1944000"/>
+            <a:ext cx="3825000" cy="1665000"/>
+          </a:xfrm>
+          <a:prstGeom prst="wedgeRoundRectCallout">
+            <a:avLst>
+              <a:gd name="adj1" fmla="val -68227"/>
+              <a:gd name="adj2" fmla="val 92535"/>
+              <a:gd name="adj3" fmla="val 16667"/>
+            </a:avLst>
+          </a:prstGeom>
+          <a:solidFill>
+            <a:schemeClr val="dk2">
+              <a:alpha val="80000"/>
+            </a:schemeClr>
+          </a:solidFill>
+          <a:ln w="19050">
+            <a:solidFill>
+              <a:schemeClr val="tx1">
+                <a:lumMod val="75000"/>
+                <a:alpha val="80000"/>
+              </a:schemeClr>
+            </a:solidFill>
+          </a:ln>
+          <a:effectLst/>
+        </p:spPr>
+        <p:style>
+          <a:lnRef idx="2">
+            <a:schemeClr val="accent1">
+              <a:shade val="50000"/>
+            </a:schemeClr>
+          </a:lnRef>
+          <a:fillRef idx="1001">
+            <a:schemeClr val="dk2"/>
+          </a:fillRef>
+          <a:effectRef idx="0">
+            <a:schemeClr val="accent1"/>
+          </a:effectRef>
+          <a:fontRef idx="minor">
+            <a:schemeClr val="lt1"/>
+          </a:fontRef>
+        </p:style>
+        <p:txBody>
+          <a:bodyPr rot="0" spcFirstLastPara="0" vertOverflow="overflow" horzOverflow="overflow" vert="horz" wrap="square" lIns="91440" tIns="45720" rIns="91440" bIns="45720" numCol="1" spcCol="0" rtlCol="0" fromWordArt="0" anchor="ctr" anchorCtr="0" forceAA="0" compatLnSpc="1">
+            <a:prstTxWarp prst="textNoShape">
+              <a:avLst/>
+            </a:prstTxWarp>
+            <a:noAutofit/>
+          </a:bodyPr>
+          <a:lstStyle/>
+          <a:p>
+            <a:pPr algn="ctr"/>
+            <a:r>
+              <a:rPr lang="bg-BG" sz="2800" b="1" dirty="0" smtClean="0">
+                <a:solidFill>
+                  <a:srgbClr val="FFFFFF"/>
+                </a:solidFill>
+                <a:effectLst>
+                  <a:outerShdw blurRad="38100" dist="38100" dir="2700000" algn="tl">
+                    <a:srgbClr val="000000">
+                      <a:alpha val="43137"/>
+                    </a:srgbClr>
+                  </a:outerShdw>
+                </a:effectLst>
+              </a:rPr>
+              <a:t>Оттук може и да добавим програмата в </a:t>
+            </a:r>
+            <a:r>
+              <a:rPr lang="bg-BG" sz="2800" b="1" dirty="0" smtClean="0">
+                <a:solidFill>
+                  <a:schemeClr val="bg1">
+                    <a:lumMod val="60000"/>
+                    <a:lumOff val="40000"/>
+                  </a:schemeClr>
+                </a:solidFill>
+                <a:effectLst>
+                  <a:outerShdw blurRad="38100" dist="38100" dir="2700000" algn="tl">
+                    <a:srgbClr val="000000">
+                      <a:alpha val="43137"/>
+                    </a:srgbClr>
+                  </a:outerShdw>
+                </a:effectLst>
+              </a:rPr>
+              <a:t>стартовото меню</a:t>
+            </a:r>
+            <a:endParaRPr lang="en-US" sz="2800" b="1" dirty="0">
+              <a:solidFill>
+                <a:schemeClr val="bg1">
+                  <a:lumMod val="60000"/>
+                  <a:lumOff val="40000"/>
+                </a:schemeClr>
+              </a:solidFill>
+              <a:effectLst>
+                <a:outerShdw blurRad="38100" dist="38100" dir="2700000" algn="tl">
+                  <a:srgbClr val="000000">
+                    <a:alpha val="43137"/>
+                  </a:srgbClr>
+                </a:outerShdw>
+              </a:effectLst>
+            </a:endParaRPr>
+          </a:p>
+        </p:txBody>
+      </p:sp>
+    </p:spTree>
+    <p:extLst>
+      <p:ext uri="{BB962C8B-B14F-4D97-AF65-F5344CB8AC3E}">
+        <p14:creationId xmlns:p14="http://schemas.microsoft.com/office/powerpoint/2010/main" val="2698112940"/>
+      </p:ext>
+    </p:extLst>
+  </p:cSld>
+  <p:clrMapOvr>
+    <a:masterClrMapping/>
+  </p:clrMapOvr>
+  <mc:AlternateContent xmlns:mc="http://schemas.openxmlformats.org/markup-compatibility/2006" xmlns:p14="http://schemas.microsoft.com/office/powerpoint/2010/main">
+    <mc:Choice Requires="p14">
+      <p:transition spd="slow" p14:dur="2000" advClick="0" advTm="5000"/>
+    </mc:Choice>
+    <mc:Fallback xmlns="">
+      <p:transition spd="slow" advClick="0" advTm="5000"/>
+    </mc:Fallback>
+  </mc:AlternateContent>
+  <p:timing>
+    <p:tnLst>
+      <p:par>
+        <p:cTn id="1" dur="indefinite" restart="never" nodeType="tmRoot">
+          <p:childTnLst>
+            <p:seq concurrent="1" nextAc="seek">
+              <p:cTn id="2" dur="indefinite" nodeType="mainSeq">
+                <p:childTnLst>
+                  <p:par>
+                    <p:cTn id="3" fill="hold">
+                      <p:stCondLst>
+                        <p:cond delay="indefinite"/>
+                      </p:stCondLst>
+                      <p:childTnLst>
+                        <p:par>
+                          <p:cTn id="4" fill="hold">
+                            <p:stCondLst>
+                              <p:cond delay="0"/>
+                            </p:stCondLst>
+                            <p:childTnLst>
+                              <p:par>
+                                <p:cTn id="5" presetID="1" presetClass="entr" presetSubtype="0" fill="hold" grpId="0" nodeType="clickEffect">
+                                  <p:stCondLst>
+                                    <p:cond delay="0"/>
+                                  </p:stCondLst>
+                                  <p:childTnLst>
+                                    <p:set>
+                                      <p:cBhvr>
+                                        <p:cTn id="6" dur="1" fill="hold">
+                                          <p:stCondLst>
+                                            <p:cond delay="0"/>
+                                          </p:stCondLst>
+                                        </p:cTn>
+                                        <p:tgtEl>
+                                          <p:spTgt spid="11"/>
+                                        </p:tgtEl>
+                                        <p:attrNameLst>
+                                          <p:attrName>style.visibility</p:attrName>
+                                        </p:attrNameLst>
+                                      </p:cBhvr>
+                                      <p:to>
+                                        <p:strVal val="visible"/>
+                                      </p:to>
+                                    </p:set>
+                                  </p:childTnLst>
+                                </p:cTn>
+                              </p:par>
+                            </p:childTnLst>
+                          </p:cTn>
+                        </p:par>
+                      </p:childTnLst>
+                    </p:cTn>
+                  </p:par>
+                  <p:par>
+                    <p:cTn id="7" fill="hold">
+                      <p:stCondLst>
+                        <p:cond delay="indefinite"/>
+                      </p:stCondLst>
+                      <p:childTnLst>
+                        <p:par>
+                          <p:cTn id="8" fill="hold">
+                            <p:stCondLst>
+                              <p:cond delay="0"/>
+                            </p:stCondLst>
+                            <p:childTnLst>
+                              <p:par>
+                                <p:cTn id="9" presetID="1" presetClass="entr" presetSubtype="0" fill="hold" grpId="0" nodeType="clickEffect">
+                                  <p:stCondLst>
+                                    <p:cond delay="0"/>
+                                  </p:stCondLst>
+                                  <p:childTnLst>
+                                    <p:set>
+                                      <p:cBhvr>
+                                        <p:cTn id="10" dur="1" fill="hold">
+                                          <p:stCondLst>
+                                            <p:cond delay="0"/>
+                                          </p:stCondLst>
+                                        </p:cTn>
+                                        <p:tgtEl>
+                                          <p:spTgt spid="12"/>
+                                        </p:tgtEl>
+                                        <p:attrNameLst>
+                                          <p:attrName>style.visibility</p:attrName>
+                                        </p:attrNameLst>
+                                      </p:cBhvr>
+                                      <p:to>
+                                        <p:strVal val="visible"/>
+                                      </p:to>
+                                    </p:set>
+                                  </p:childTnLst>
+                                </p:cTn>
+                              </p:par>
+                            </p:childTnLst>
+                          </p:cTn>
+                        </p:par>
+                      </p:childTnLst>
+                    </p:cTn>
+                  </p:par>
+                  <p:par>
+                    <p:cTn id="11" fill="hold">
+                      <p:stCondLst>
+                        <p:cond delay="indefinite"/>
+                      </p:stCondLst>
+                      <p:childTnLst>
+                        <p:par>
+                          <p:cTn id="12" fill="hold">
+                            <p:stCondLst>
+                              <p:cond delay="0"/>
+                            </p:stCondLst>
+                            <p:childTnLst>
+                              <p:par>
+                                <p:cTn id="13" presetID="1" presetClass="entr" presetSubtype="0" fill="hold" grpId="0" nodeType="clickEffect">
+                                  <p:stCondLst>
+                                    <p:cond delay="0"/>
+                                  </p:stCondLst>
+                                  <p:childTnLst>
+                                    <p:set>
+                                      <p:cBhvr>
+                                        <p:cTn id="14" dur="1" fill="hold">
+                                          <p:stCondLst>
+                                            <p:cond delay="0"/>
+                                          </p:stCondLst>
+                                        </p:cTn>
+                                        <p:tgtEl>
+                                          <p:spTgt spid="14"/>
+                                        </p:tgtEl>
+                                        <p:attrNameLst>
+                                          <p:attrName>style.visibility</p:attrName>
+                                        </p:attrNameLst>
+                                      </p:cBhvr>
+                                      <p:to>
+                                        <p:strVal val="visible"/>
+                                      </p:to>
+                                    </p:set>
+                                  </p:childTnLst>
+                                </p:cTn>
+                              </p:par>
+                            </p:childTnLst>
+                          </p:cTn>
+                        </p:par>
+                      </p:childTnLst>
+                    </p:cTn>
+                  </p:par>
+                </p:childTnLst>
+              </p:cTn>
+              <p:prevCondLst>
+                <p:cond evt="onPrev" delay="0">
+                  <p:tgtEl>
+                    <p:sldTgt/>
+                  </p:tgtEl>
+                </p:cond>
+              </p:prevCondLst>
+              <p:nextCondLst>
+                <p:cond evt="onNext" delay="0">
+                  <p:tgtEl>
+                    <p:sldTgt/>
+                  </p:tgtEl>
+                </p:cond>
+              </p:nextCondLst>
+            </p:seq>
+          </p:childTnLst>
+        </p:cTn>
+      </p:par>
+    </p:tnLst>
+    <p:bldLst>
+      <p:bldP spid="11" grpId="0" animBg="1"/>
+      <p:bldP spid="12" grpId="0" animBg="1"/>
+      <p:bldP spid="14" grpId="0" animBg="1"/>
+    </p:bldLst>
+  </p:timing>
+</p:sld>
+</file>
+
+<file path=ppt/slides/slide2.xml><?xml version="1.0" encoding="utf-8"?>
+<p:sld xmlns:a="http://schemas.openxmlformats.org/drawingml/2006/main" xmlns:r="http://schemas.openxmlformats.org/officeDocument/2006/relationships" xmlns:p="http://schemas.openxmlformats.org/presentationml/2006/main">
+  <p:cSld>
+    <p:spTree>
+      <p:nvGrpSpPr>
+        <p:cNvPr id="1" name=""/>
+        <p:cNvGrpSpPr/>
+        <p:nvPr/>
+      </p:nvGrpSpPr>
+      <p:grpSpPr>
+        <a:xfrm>
+          <a:off x="0" y="0"/>
+          <a:ext cx="0" cy="0"/>
+          <a:chOff x="0" y="0"/>
+          <a:chExt cx="0" cy="0"/>
+        </a:xfrm>
+      </p:grpSpPr>
+      <p:sp>
+        <p:nvSpPr>
+          <p:cNvPr id="5" name="Slide Number">
+            <a:extLst>
+              <a:ext uri="{FF2B5EF4-FFF2-40B4-BE49-F238E27FC236}">
+                <a16:creationId xmlns:a16="http://schemas.microsoft.com/office/drawing/2014/main" id="{6A760D59-0056-4F39-B077-DBDBE3D2927E}"/>
+              </a:ext>
+            </a:extLst>
+          </p:cNvPr>
+          <p:cNvSpPr txBox="1">
+            <a:spLocks/>
+          </p:cNvSpPr>
+          <p:nvPr/>
+        </p:nvSpPr>
+        <p:spPr>
+          <a:xfrm>
+            <a:off x="11753030" y="6507000"/>
+            <a:ext cx="367414" cy="297000"/>
+          </a:xfrm>
+          <a:prstGeom prst="rect">
+            <a:avLst/>
+          </a:prstGeom>
+        </p:spPr>
+        <p:txBody>
+          <a:bodyPr vert="horz" lIns="91440" tIns="45720" rIns="91440" bIns="45720" rtlCol="0" anchor="b"/>
+          <a:lstStyle>
+            <a:defPPr>
+              <a:defRPr lang="en-US"/>
+            </a:defPPr>
+            <a:lvl1pPr marL="0" algn="r" defTabSz="914400" rtl="0" eaLnBrk="1" latinLnBrk="0" hangingPunct="1">
+              <a:defRPr sz="1000" kern="1200">
+                <a:solidFill>
+                  <a:schemeClr val="tx1"/>
+                </a:solidFill>
+                <a:latin typeface="+mn-lt"/>
+                <a:ea typeface="+mn-ea"/>
+                <a:cs typeface="+mn-cs"/>
+              </a:defRPr>
+            </a:lvl1pPr>
+            <a:lvl2pPr marL="457200" algn="l" defTabSz="914400" rtl="0" eaLnBrk="1" latinLnBrk="0" hangingPunct="1">
+              <a:defRPr sz="1800" kern="1200">
+                <a:solidFill>
+                  <a:schemeClr val="tx1"/>
+                </a:solidFill>
+                <a:latin typeface="+mn-lt"/>
+                <a:ea typeface="+mn-ea"/>
+                <a:cs typeface="+mn-cs"/>
+              </a:defRPr>
+            </a:lvl2pPr>
+            <a:lvl3pPr marL="914400" algn="l" defTabSz="914400" rtl="0" eaLnBrk="1" latinLnBrk="0" hangingPunct="1">
+              <a:defRPr sz="1800" kern="1200">
+                <a:solidFill>
+                  <a:schemeClr val="tx1"/>
+                </a:solidFill>
+                <a:latin typeface="+mn-lt"/>
+                <a:ea typeface="+mn-ea"/>
+                <a:cs typeface="+mn-cs"/>
+              </a:defRPr>
+            </a:lvl3pPr>
+            <a:lvl4pPr marL="1371600" algn="l" defTabSz="914400" rtl="0" eaLnBrk="1" latinLnBrk="0" hangingPunct="1">
+              <a:defRPr sz="1800" kern="1200">
+                <a:solidFill>
+                  <a:schemeClr val="tx1"/>
+                </a:solidFill>
+                <a:latin typeface="+mn-lt"/>
+                <a:ea typeface="+mn-ea"/>
+                <a:cs typeface="+mn-cs"/>
+              </a:defRPr>
+            </a:lvl4pPr>
+            <a:lvl5pPr marL="1828800" algn="l" defTabSz="914400" rtl="0" eaLnBrk="1" latinLnBrk="0" hangingPunct="1">
+              <a:defRPr sz="1800" kern="1200">
+                <a:solidFill>
+                  <a:schemeClr val="tx1"/>
+                </a:solidFill>
+                <a:latin typeface="+mn-lt"/>
+                <a:ea typeface="+mn-ea"/>
+                <a:cs typeface="+mn-cs"/>
+              </a:defRPr>
+            </a:lvl5pPr>
+            <a:lvl6pPr marL="2286000" algn="l" defTabSz="914400" rtl="0" eaLnBrk="1" latinLnBrk="0" hangingPunct="1">
+              <a:defRPr sz="1800" kern="1200">
+                <a:solidFill>
+                  <a:schemeClr val="tx1"/>
+                </a:solidFill>
+                <a:latin typeface="+mn-lt"/>
+                <a:ea typeface="+mn-ea"/>
+                <a:cs typeface="+mn-cs"/>
+              </a:defRPr>
+            </a:lvl6pPr>
+            <a:lvl7pPr marL="2743200" algn="l" defTabSz="914400" rtl="0" eaLnBrk="1" latinLnBrk="0" hangingPunct="1">
+              <a:defRPr sz="1800" kern="1200">
+                <a:solidFill>
+                  <a:schemeClr val="tx1"/>
+                </a:solidFill>
+                <a:latin typeface="+mn-lt"/>
+                <a:ea typeface="+mn-ea"/>
+                <a:cs typeface="+mn-cs"/>
+              </a:defRPr>
+            </a:lvl7pPr>
+            <a:lvl8pPr marL="3200400" algn="l" defTabSz="914400" rtl="0" eaLnBrk="1" latinLnBrk="0" hangingPunct="1">
+              <a:defRPr sz="1800" kern="1200">
+                <a:solidFill>
+                  <a:schemeClr val="tx1"/>
+                </a:solidFill>
+                <a:latin typeface="+mn-lt"/>
+                <a:ea typeface="+mn-ea"/>
+                <a:cs typeface="+mn-cs"/>
+              </a:defRPr>
+            </a:lvl8pPr>
+            <a:lvl9pPr marL="3657600" algn="l" defTabSz="914400" rtl="0" eaLnBrk="1" latinLnBrk="0" hangingPunct="1">
+              <a:defRPr sz="1800" kern="1200">
+                <a:solidFill>
+                  <a:schemeClr val="tx1"/>
+                </a:solidFill>
+                <a:latin typeface="+mn-lt"/>
+                <a:ea typeface="+mn-ea"/>
+                <a:cs typeface="+mn-cs"/>
+              </a:defRPr>
+            </a:lvl9pPr>
+          </a:lstStyle>
+          <a:p>
+            <a:fld id="{2BF067CD-8E6B-4360-9AA8-C5DF2A48A6D1}" type="slidenum">
+              <a:rPr lang="en-US" smtClean="0"/>
+              <a:pPr/>
+              <a:t>2</a:t>
+            </a:fld>
+            <a:endParaRPr lang="en-US" dirty="0"/>
+          </a:p>
+        </p:txBody>
+      </p:sp>
+      <p:sp>
+        <p:nvSpPr>
+          <p:cNvPr id="444419" name="Slide Body"/>
+          <p:cNvSpPr>
+            <a:spLocks noGrp="1" noChangeArrowheads="1"/>
+          </p:cNvSpPr>
+          <p:nvPr>
+            <p:ph type="body" sz="quarter" idx="13"/>
+          </p:nvPr>
+        </p:nvSpPr>
+        <p:spPr>
+          <a:xfrm>
+            <a:off x="196766" y="1371604"/>
+            <a:ext cx="9679234" cy="5207396"/>
+          </a:xfrm>
+        </p:spPr>
+        <p:txBody>
+          <a:bodyPr/>
+          <a:lstStyle/>
+          <a:p>
+            <a:r>
+              <a:rPr lang="bg-BG" dirty="0" smtClean="0"/>
+              <a:t>͏</a:t>
+            </a:r>
+            <a:r>
+              <a:rPr lang="bg-BG" b="1" dirty="0" smtClean="0"/>
+              <a:t>Операционна система</a:t>
+            </a:r>
+            <a:endParaRPr lang="bg-BG" dirty="0" smtClean="0"/>
+          </a:p>
+          <a:p>
+            <a:r>
+              <a:rPr lang="bg-BG" dirty="0" smtClean="0"/>
+              <a:t>Персонализиране на </a:t>
+            </a:r>
+            <a:r>
+              <a:rPr lang="bg-BG" b="1" dirty="0" smtClean="0"/>
+              <a:t>потребителски интерфейс</a:t>
+            </a:r>
+          </a:p>
+          <a:p>
+            <a:endParaRPr lang="en-US" dirty="0"/>
+          </a:p>
+        </p:txBody>
+      </p:sp>
+      <p:sp>
+        <p:nvSpPr>
+          <p:cNvPr id="444418" name="Slide Title"/>
+          <p:cNvSpPr>
+            <a:spLocks noGrp="1" noChangeArrowheads="1"/>
+          </p:cNvSpPr>
+          <p:nvPr>
+            <p:ph type="title"/>
+          </p:nvPr>
+        </p:nvSpPr>
+        <p:spPr>
+          <a:xfrm>
+            <a:off x="190406" y="100750"/>
+            <a:ext cx="10270594" cy="882654"/>
+          </a:xfrm>
+        </p:spPr>
+        <p:txBody>
+          <a:bodyPr/>
+          <a:lstStyle/>
+          <a:p>
+            <a:r>
+              <a:rPr lang="bg-BG"/>
+              <a:t>Съдържание</a:t>
+            </a:r>
+            <a:endParaRPr lang="bg-BG" dirty="0"/>
+          </a:p>
+        </p:txBody>
+      </p:sp>
+      <p:pic>
+        <p:nvPicPr>
+          <p:cNvPr id="4" name="Picture 3">
+            <a:extLst>
+              <a:ext uri="{FF2B5EF4-FFF2-40B4-BE49-F238E27FC236}">
+                <a16:creationId xmlns:a16="http://schemas.microsoft.com/office/drawing/2014/main" id="{8835CDFB-0E94-0132-177D-CD4B4F85BF89}"/>
+              </a:ext>
+            </a:extLst>
+          </p:cNvPr>
+          <p:cNvPicPr>
+            <a:picLocks noChangeAspect="1"/>
+          </p:cNvPicPr>
+          <p:nvPr/>
+        </p:nvPicPr>
+        <p:blipFill>
+          <a:blip r:embed="rId3">
+            <a:duotone>
+              <a:prstClr val="black"/>
+              <a:schemeClr val="accent1">
+                <a:tint val="45000"/>
+                <a:satMod val="400000"/>
+              </a:schemeClr>
+            </a:duotone>
+            <a:extLst>
+              <a:ext uri="{BEBA8EAE-BF5A-486C-A8C5-ECC9F3942E4B}">
+                <a14:imgProps xmlns:a14="http://schemas.microsoft.com/office/drawing/2010/main">
+                  <a14:imgLayer r:embed="rId4">
+                    <a14:imgEffect>
+                      <a14:brightnessContrast bright="30000"/>
+                    </a14:imgEffect>
+                  </a14:imgLayer>
+                </a14:imgProps>
+              </a:ext>
+            </a:extLst>
+          </a:blip>
+          <a:stretch>
+            <a:fillRect/>
+          </a:stretch>
+        </p:blipFill>
+        <p:spPr>
+          <a:xfrm>
+            <a:off x="10011000" y="1584000"/>
+            <a:ext cx="1581246" cy="2115000"/>
+          </a:xfrm>
+          <a:prstGeom prst="rect">
+            <a:avLst/>
+          </a:prstGeom>
+        </p:spPr>
+      </p:pic>
+    </p:spTree>
+    <p:extLst>
+      <p:ext uri="{BB962C8B-B14F-4D97-AF65-F5344CB8AC3E}">
+        <p14:creationId xmlns:p14="http://schemas.microsoft.com/office/powerpoint/2010/main" val="1646986932"/>
+      </p:ext>
+    </p:extLst>
+  </p:cSld>
+  <p:clrMapOvr>
+    <a:masterClrMapping/>
+  </p:clrMapOvr>
+  <mc:AlternateContent xmlns:mc="http://schemas.openxmlformats.org/markup-compatibility/2006" xmlns:p14="http://schemas.microsoft.com/office/powerpoint/2010/main">
+    <mc:Choice Requires="p14">
+      <p:transition spd="slow" p14:dur="2000" advClick="0" advTm="5000"/>
+    </mc:Choice>
+    <mc:Fallback xmlns="">
+      <p:transition spd="slow" advClick="0" advTm="5000"/>
+    </mc:Fallback>
+  </mc:AlternateContent>
+  <p:timing>
+    <p:tnLst>
+      <p:par>
+        <p:cTn id="1" dur="indefinite" restart="never" nodeType="tmRoot">
+          <p:childTnLst>
+            <p:seq concurrent="1" nextAc="seek">
+              <p:cTn id="2" dur="indefinite" nodeType="mainSeq">
+                <p:childTnLst>
+                  <p:par>
+                    <p:cTn id="3" fill="hold">
+                      <p:stCondLst>
+                        <p:cond delay="indefinite"/>
+                      </p:stCondLst>
+                      <p:childTnLst>
+                        <p:par>
+                          <p:cTn id="4" fill="hold">
+                            <p:stCondLst>
+                              <p:cond delay="0"/>
+                            </p:stCondLst>
+                            <p:childTnLst>
+                              <p:par>
+                                <p:cTn id="5" presetID="1" presetClass="entr" presetSubtype="0" fill="hold" nodeType="clickEffect">
+                                  <p:stCondLst>
+                                    <p:cond delay="0"/>
+                                  </p:stCondLst>
+                                  <p:childTnLst>
+                                    <p:set>
+                                      <p:cBhvr>
+                                        <p:cTn id="6" dur="1" fill="hold">
+                                          <p:stCondLst>
+                                            <p:cond delay="0"/>
+                                          </p:stCondLst>
+                                        </p:cTn>
+                                        <p:tgtEl>
+                                          <p:spTgt spid="444419">
+                                            <p:txEl>
+                                              <p:pRg st="1" end="1"/>
+                                            </p:txEl>
+                                          </p:spTgt>
+                                        </p:tgtEl>
+                                        <p:attrNameLst>
+                                          <p:attrName>style.visibility</p:attrName>
+                                        </p:attrNameLst>
+                                      </p:cBhvr>
+                                      <p:to>
+                                        <p:strVal val="visible"/>
+                                      </p:to>
+                                    </p:set>
+                                  </p:childTnLst>
+                                </p:cTn>
+                              </p:par>
+                            </p:childTnLst>
+                          </p:cTn>
+                        </p:par>
+                      </p:childTnLst>
+                    </p:cTn>
+                  </p:par>
+                </p:childTnLst>
+              </p:cTn>
+              <p:prevCondLst>
+                <p:cond evt="onPrev" delay="0">
+                  <p:tgtEl>
+                    <p:sldTgt/>
+                  </p:tgtEl>
+                </p:cond>
+              </p:prevCondLst>
+              <p:nextCondLst>
+                <p:cond evt="onNext" delay="0">
+                  <p:tgtEl>
+                    <p:sldTgt/>
+                  </p:tgtEl>
+                </p:cond>
+              </p:nextCondLst>
+            </p:seq>
+          </p:childTnLst>
+        </p:cTn>
+      </p:par>
+    </p:tnLst>
+  </p:timing>
+</p:sld>
+</file>
+
+<file path=ppt/slides/slide20.xml><?xml version="1.0" encoding="utf-8"?>
+<p:sld xmlns:a="http://schemas.openxmlformats.org/drawingml/2006/main" xmlns:r="http://schemas.openxmlformats.org/officeDocument/2006/relationships" xmlns:p="http://schemas.openxmlformats.org/presentationml/2006/main">
+  <p:cSld>
+    <p:spTree>
+      <p:nvGrpSpPr>
+        <p:cNvPr id="1" name=""/>
+        <p:cNvGrpSpPr/>
+        <p:nvPr/>
+      </p:nvGrpSpPr>
+      <p:grpSpPr>
+        <a:xfrm>
+          <a:off x="0" y="0"/>
+          <a:ext cx="0" cy="0"/>
+          <a:chOff x="0" y="0"/>
+          <a:chExt cx="0" cy="0"/>
+        </a:xfrm>
+      </p:grpSpPr>
+      <p:sp>
+        <p:nvSpPr>
+          <p:cNvPr id="2" name="Slide Number Placeholder 1"/>
+          <p:cNvSpPr>
+            <a:spLocks noGrp="1"/>
+          </p:cNvSpPr>
+          <p:nvPr>
+            <p:ph type="sldNum" sz="quarter" idx="5"/>
+          </p:nvPr>
+        </p:nvSpPr>
+        <p:spPr/>
+        <p:txBody>
+          <a:bodyPr/>
+          <a:lstStyle/>
+          <a:p>
+            <a:fld id="{2BF067CD-8E6B-4360-9AA8-C5DF2A48A6D1}" type="slidenum">
+              <a:rPr lang="en-US" noProof="0" smtClean="0"/>
+              <a:pPr/>
+              <a:t>20</a:t>
+            </a:fld>
+            <a:endParaRPr lang="en-US" noProof="0" dirty="0"/>
+          </a:p>
+        </p:txBody>
+      </p:sp>
+      <p:sp>
+        <p:nvSpPr>
+          <p:cNvPr id="4" name="Title 3"/>
+          <p:cNvSpPr>
+            <a:spLocks noGrp="1"/>
+          </p:cNvSpPr>
+          <p:nvPr>
+            <p:ph type="title"/>
+          </p:nvPr>
+        </p:nvSpPr>
+        <p:spPr/>
+        <p:txBody>
+          <a:bodyPr/>
+          <a:lstStyle/>
+          <a:p>
+            <a:r>
+              <a:rPr lang="bg-BG" dirty="0" smtClean="0"/>
+              <a:t>Премахване на програма от </a:t>
+            </a:r>
+            <a:r>
+              <a:rPr lang="en-US" dirty="0" smtClean="0"/>
+              <a:t>Taskbar</a:t>
+            </a:r>
+            <a:endParaRPr lang="en-US" dirty="0"/>
+          </a:p>
+        </p:txBody>
+      </p:sp>
+      <p:pic>
+        <p:nvPicPr>
+          <p:cNvPr id="5" name="Picture 4"/>
+          <p:cNvPicPr>
+            <a:picLocks noChangeAspect="1"/>
+          </p:cNvPicPr>
+          <p:nvPr/>
+        </p:nvPicPr>
+        <p:blipFill>
+          <a:blip r:embed="rId2"/>
+          <a:stretch>
+            <a:fillRect/>
+          </a:stretch>
+        </p:blipFill>
+        <p:spPr>
+          <a:xfrm>
+            <a:off x="2698500" y="1269000"/>
+            <a:ext cx="6795000" cy="5459298"/>
+          </a:xfrm>
+          <a:prstGeom prst="rect">
+            <a:avLst/>
+          </a:prstGeom>
+          <a:ln>
+            <a:solidFill>
+              <a:schemeClr val="bg2">
+                <a:lumMod val="75000"/>
+              </a:schemeClr>
+            </a:solidFill>
+          </a:ln>
+        </p:spPr>
+      </p:pic>
+      <p:sp>
+        <p:nvSpPr>
+          <p:cNvPr id="6" name="Rounded Rectangular Callout 5"/>
+          <p:cNvSpPr/>
+          <p:nvPr/>
+        </p:nvSpPr>
+        <p:spPr bwMode="auto">
+          <a:xfrm>
+            <a:off x="336000" y="3384000"/>
+            <a:ext cx="4725000" cy="1800000"/>
+          </a:xfrm>
+          <a:prstGeom prst="wedgeRoundRectCallout">
+            <a:avLst>
+              <a:gd name="adj1" fmla="val 6445"/>
+              <a:gd name="adj2" fmla="val 42664"/>
+              <a:gd name="adj3" fmla="val 16667"/>
+            </a:avLst>
+          </a:prstGeom>
+          <a:solidFill>
+            <a:schemeClr val="dk2">
+              <a:alpha val="80000"/>
+            </a:schemeClr>
+          </a:solidFill>
+          <a:ln w="19050">
+            <a:solidFill>
+              <a:schemeClr val="tx1">
+                <a:lumMod val="75000"/>
+                <a:alpha val="80000"/>
+              </a:schemeClr>
+            </a:solidFill>
+          </a:ln>
+          <a:effectLst/>
+        </p:spPr>
+        <p:style>
+          <a:lnRef idx="2">
+            <a:schemeClr val="accent1">
+              <a:shade val="50000"/>
+            </a:schemeClr>
+          </a:lnRef>
+          <a:fillRef idx="1001">
+            <a:schemeClr val="dk2"/>
+          </a:fillRef>
+          <a:effectRef idx="0">
+            <a:schemeClr val="accent1"/>
+          </a:effectRef>
+          <a:fontRef idx="minor">
+            <a:schemeClr val="lt1"/>
+          </a:fontRef>
+        </p:style>
+        <p:txBody>
+          <a:bodyPr rot="0" spcFirstLastPara="0" vertOverflow="overflow" horzOverflow="overflow" vert="horz" wrap="square" lIns="91440" tIns="45720" rIns="91440" bIns="45720" numCol="1" spcCol="0" rtlCol="0" fromWordArt="0" anchor="ctr" anchorCtr="0" forceAA="0" compatLnSpc="1">
+            <a:prstTxWarp prst="textNoShape">
+              <a:avLst/>
+            </a:prstTxWarp>
+            <a:noAutofit/>
+          </a:bodyPr>
+          <a:lstStyle/>
+          <a:p>
+            <a:pPr algn="ctr"/>
+            <a:r>
+              <a:rPr lang="bg-BG" sz="2800" b="1" dirty="0" smtClean="0">
+                <a:solidFill>
+                  <a:srgbClr val="FFFFFF"/>
+                </a:solidFill>
+                <a:effectLst>
+                  <a:outerShdw blurRad="38100" dist="38100" dir="2700000" algn="tl">
+                    <a:srgbClr val="000000">
+                      <a:alpha val="43137"/>
+                    </a:srgbClr>
+                  </a:outerShdw>
+                </a:effectLst>
+              </a:rPr>
+              <a:t>По същия начин намираме програмата, която искаме да премахнем от </a:t>
+            </a:r>
+            <a:r>
+              <a:rPr lang="en-US" sz="2800" b="1" dirty="0" smtClean="0">
+                <a:solidFill>
+                  <a:srgbClr val="FFFFFF"/>
+                </a:solidFill>
+                <a:effectLst>
+                  <a:outerShdw blurRad="38100" dist="38100" dir="2700000" algn="tl">
+                    <a:srgbClr val="000000">
+                      <a:alpha val="43137"/>
+                    </a:srgbClr>
+                  </a:outerShdw>
+                </a:effectLst>
+              </a:rPr>
+              <a:t>Taskbar-</a:t>
+            </a:r>
+            <a:r>
+              <a:rPr lang="bg-BG" sz="2800" b="1" dirty="0" smtClean="0">
+                <a:solidFill>
+                  <a:srgbClr val="FFFFFF"/>
+                </a:solidFill>
+                <a:effectLst>
+                  <a:outerShdw blurRad="38100" dist="38100" dir="2700000" algn="tl">
+                    <a:srgbClr val="000000">
+                      <a:alpha val="43137"/>
+                    </a:srgbClr>
+                  </a:outerShdw>
+                </a:effectLst>
+              </a:rPr>
+              <a:t>а</a:t>
+            </a:r>
+            <a:endParaRPr lang="en-US" sz="2800" b="1" dirty="0">
+              <a:solidFill>
+                <a:srgbClr val="FFFFFF"/>
+              </a:solidFill>
+              <a:effectLst>
+                <a:outerShdw blurRad="38100" dist="38100" dir="2700000" algn="tl">
+                  <a:srgbClr val="000000">
+                    <a:alpha val="43137"/>
+                  </a:srgbClr>
+                </a:outerShdw>
+              </a:effectLst>
+            </a:endParaRPr>
+          </a:p>
+        </p:txBody>
+      </p:sp>
+      <p:sp>
+        <p:nvSpPr>
+          <p:cNvPr id="7" name="Rounded Rectangular Callout 6"/>
+          <p:cNvSpPr/>
+          <p:nvPr/>
+        </p:nvSpPr>
+        <p:spPr bwMode="auto">
+          <a:xfrm>
+            <a:off x="7423500" y="4869000"/>
+            <a:ext cx="3307500" cy="1125000"/>
+          </a:xfrm>
+          <a:prstGeom prst="wedgeRoundRectCallout">
+            <a:avLst>
+              <a:gd name="adj1" fmla="val -57174"/>
+              <a:gd name="adj2" fmla="val -91663"/>
+              <a:gd name="adj3" fmla="val 16667"/>
+            </a:avLst>
+          </a:prstGeom>
+          <a:solidFill>
+            <a:schemeClr val="dk2">
+              <a:alpha val="80000"/>
+            </a:schemeClr>
+          </a:solidFill>
+          <a:ln w="19050">
+            <a:solidFill>
+              <a:schemeClr val="tx1">
+                <a:lumMod val="75000"/>
+                <a:alpha val="80000"/>
+              </a:schemeClr>
+            </a:solidFill>
+          </a:ln>
+          <a:effectLst/>
+        </p:spPr>
+        <p:style>
+          <a:lnRef idx="2">
+            <a:schemeClr val="accent1">
+              <a:shade val="50000"/>
+            </a:schemeClr>
+          </a:lnRef>
+          <a:fillRef idx="1001">
+            <a:schemeClr val="dk2"/>
+          </a:fillRef>
+          <a:effectRef idx="0">
+            <a:schemeClr val="accent1"/>
+          </a:effectRef>
+          <a:fontRef idx="minor">
+            <a:schemeClr val="lt1"/>
+          </a:fontRef>
+        </p:style>
+        <p:txBody>
+          <a:bodyPr rot="0" spcFirstLastPara="0" vertOverflow="overflow" horzOverflow="overflow" vert="horz" wrap="square" lIns="91440" tIns="45720" rIns="91440" bIns="45720" numCol="1" spcCol="0" rtlCol="0" fromWordArt="0" anchor="ctr" anchorCtr="0" forceAA="0" compatLnSpc="1">
+            <a:prstTxWarp prst="textNoShape">
+              <a:avLst/>
+            </a:prstTxWarp>
+            <a:noAutofit/>
+          </a:bodyPr>
+          <a:lstStyle/>
+          <a:p>
+            <a:pPr algn="ctr"/>
+            <a:r>
+              <a:rPr lang="bg-BG" sz="2800" b="1" dirty="0" smtClean="0">
+                <a:solidFill>
+                  <a:srgbClr val="FFFFFF"/>
+                </a:solidFill>
+                <a:effectLst>
+                  <a:outerShdw blurRad="38100" dist="38100" dir="2700000" algn="tl">
+                    <a:srgbClr val="000000">
+                      <a:alpha val="43137"/>
+                    </a:srgbClr>
+                  </a:outerShdw>
+                </a:effectLst>
+              </a:rPr>
+              <a:t>Избираме </a:t>
+            </a:r>
+            <a:endParaRPr lang="en-US" sz="2800" b="1" dirty="0" smtClean="0">
+              <a:solidFill>
+                <a:srgbClr val="FFFFFF"/>
+              </a:solidFill>
+              <a:effectLst>
+                <a:outerShdw blurRad="38100" dist="38100" dir="2700000" algn="tl">
+                  <a:srgbClr val="000000">
+                    <a:alpha val="43137"/>
+                  </a:srgbClr>
+                </a:outerShdw>
+              </a:effectLst>
+            </a:endParaRPr>
+          </a:p>
+          <a:p>
+            <a:pPr algn="ctr"/>
+            <a:r>
+              <a:rPr lang="en-US" sz="2800" b="1" dirty="0" smtClean="0">
+                <a:solidFill>
+                  <a:schemeClr val="bg1">
+                    <a:lumMod val="60000"/>
+                    <a:lumOff val="40000"/>
+                  </a:schemeClr>
+                </a:solidFill>
+                <a:effectLst>
+                  <a:outerShdw blurRad="38100" dist="38100" dir="2700000" algn="tl">
+                    <a:srgbClr val="000000">
+                      <a:alpha val="43137"/>
+                    </a:srgbClr>
+                  </a:outerShdw>
+                </a:effectLst>
+              </a:rPr>
+              <a:t>Unpin from taskbar</a:t>
+            </a:r>
+            <a:endParaRPr lang="en-US" sz="2800" b="1" dirty="0">
+              <a:solidFill>
+                <a:schemeClr val="bg1">
+                  <a:lumMod val="60000"/>
+                  <a:lumOff val="40000"/>
+                </a:schemeClr>
+              </a:solidFill>
+              <a:effectLst>
+                <a:outerShdw blurRad="38100" dist="38100" dir="2700000" algn="tl">
+                  <a:srgbClr val="000000">
+                    <a:alpha val="43137"/>
+                  </a:srgbClr>
+                </a:outerShdw>
+              </a:effectLst>
+            </a:endParaRPr>
+          </a:p>
+        </p:txBody>
+      </p:sp>
+    </p:spTree>
+    <p:extLst>
+      <p:ext uri="{BB962C8B-B14F-4D97-AF65-F5344CB8AC3E}">
+        <p14:creationId xmlns:p14="http://schemas.microsoft.com/office/powerpoint/2010/main" val="4208783660"/>
+      </p:ext>
+    </p:extLst>
+  </p:cSld>
+  <p:clrMapOvr>
+    <a:masterClrMapping/>
+  </p:clrMapOvr>
+  <mc:AlternateContent xmlns:mc="http://schemas.openxmlformats.org/markup-compatibility/2006" xmlns:p14="http://schemas.microsoft.com/office/powerpoint/2010/main">
+    <mc:Choice Requires="p14">
+      <p:transition spd="slow" p14:dur="2000" advClick="0" advTm="5000"/>
+    </mc:Choice>
+    <mc:Fallback xmlns="">
+      <p:transition spd="slow" advClick="0" advTm="5000"/>
+    </mc:Fallback>
+  </mc:AlternateContent>
+  <p:timing>
+    <p:tnLst>
+      <p:par>
+        <p:cTn id="1" dur="indefinite" restart="never" nodeType="tmRoot">
+          <p:childTnLst>
+            <p:seq concurrent="1" nextAc="seek">
+              <p:cTn id="2" dur="indefinite" nodeType="mainSeq">
+                <p:childTnLst>
+                  <p:par>
+                    <p:cTn id="3" fill="hold">
+                      <p:stCondLst>
+                        <p:cond delay="indefinite"/>
+                      </p:stCondLst>
+                      <p:childTnLst>
+                        <p:par>
+                          <p:cTn id="4" fill="hold">
+                            <p:stCondLst>
+                              <p:cond delay="0"/>
+                            </p:stCondLst>
+                            <p:childTnLst>
+                              <p:par>
+                                <p:cTn id="5" presetID="1" presetClass="entr" presetSubtype="0" fill="hold" grpId="0" nodeType="clickEffect">
+                                  <p:stCondLst>
+                                    <p:cond delay="0"/>
+                                  </p:stCondLst>
+                                  <p:childTnLst>
+                                    <p:set>
+                                      <p:cBhvr>
+                                        <p:cTn id="6" dur="1" fill="hold">
+                                          <p:stCondLst>
+                                            <p:cond delay="0"/>
+                                          </p:stCondLst>
+                                        </p:cTn>
+                                        <p:tgtEl>
+                                          <p:spTgt spid="7"/>
+                                        </p:tgtEl>
+                                        <p:attrNameLst>
+                                          <p:attrName>style.visibility</p:attrName>
+                                        </p:attrNameLst>
+                                      </p:cBhvr>
+                                      <p:to>
+                                        <p:strVal val="visible"/>
+                                      </p:to>
+                                    </p:set>
+                                  </p:childTnLst>
+                                </p:cTn>
+                              </p:par>
+                            </p:childTnLst>
+                          </p:cTn>
+                        </p:par>
+                      </p:childTnLst>
+                    </p:cTn>
+                  </p:par>
+                </p:childTnLst>
+              </p:cTn>
+              <p:prevCondLst>
+                <p:cond evt="onPrev" delay="0">
+                  <p:tgtEl>
+                    <p:sldTgt/>
+                  </p:tgtEl>
+                </p:cond>
+              </p:prevCondLst>
+              <p:nextCondLst>
+                <p:cond evt="onNext" delay="0">
+                  <p:tgtEl>
+                    <p:sldTgt/>
+                  </p:tgtEl>
+                </p:cond>
+              </p:nextCondLst>
+            </p:seq>
+          </p:childTnLst>
+        </p:cTn>
+      </p:par>
+    </p:tnLst>
+    <p:bldLst>
+      <p:bldP spid="7" grpId="0" animBg="1"/>
+    </p:bldLst>
+  </p:timing>
+</p:sld>
+</file>
+
+<file path=ppt/slides/slide21.xml><?xml version="1.0" encoding="utf-8"?>
+<p:sld xmlns:a="http://schemas.openxmlformats.org/drawingml/2006/main" xmlns:r="http://schemas.openxmlformats.org/officeDocument/2006/relationships" xmlns:p="http://schemas.openxmlformats.org/presentationml/2006/main">
+  <p:cSld>
+    <p:spTree>
+      <p:nvGrpSpPr>
+        <p:cNvPr id="1" name=""/>
+        <p:cNvGrpSpPr/>
+        <p:nvPr/>
+      </p:nvGrpSpPr>
+      <p:grpSpPr>
+        <a:xfrm>
+          <a:off x="0" y="0"/>
+          <a:ext cx="0" cy="0"/>
+          <a:chOff x="0" y="0"/>
+          <a:chExt cx="0" cy="0"/>
+        </a:xfrm>
+      </p:grpSpPr>
+      <p:sp>
+        <p:nvSpPr>
           <p:cNvPr id="14" name="Text Placeholder 4">
             <a:extLst>
               <a:ext uri="{FF2B5EF4-FFF2-40B4-BE49-F238E27FC236}">
@@ -10227,7 +11848,7 @@
             <a:fld id="{C014DD1E-5D91-48A3-AD6D-45FBA980D106}" type="slidenum">
               <a:rPr lang="en-US" smtClean="0"/>
               <a:pPr/>
-              <a:t>18</a:t>
+              <a:t>21</a:t>
             </a:fld>
             <a:endParaRPr lang="en-US" dirty="0"/>
           </a:p>
@@ -11210,7 +12831,7 @@
 </p:sld>
 </file>
 
-<file path=ppt/slides/slide19.xml><?xml version="1.0" encoding="utf-8"?>
+<file path=ppt/slides/slide22.xml><?xml version="1.0" encoding="utf-8"?>
 <p:sld xmlns:a="http://schemas.openxmlformats.org/drawingml/2006/main" xmlns:r="http://schemas.openxmlformats.org/officeDocument/2006/relationships" xmlns:p="http://schemas.openxmlformats.org/presentationml/2006/main">
   <p:cSld>
     <p:spTree>
@@ -11324,7 +12945,7 @@
                 <a:hlinkClick r:id="rId3">
                   <a:extLst>
                     <a:ext uri="{A12FA001-AC4F-418D-AE19-62706E023703}">
-                      <ahyp:hlinkClr xmlns="" xmlns:ahyp="http://schemas.microsoft.com/office/drawing/2018/hyperlinkcolor" val="tx"/>
+                      <ahyp:hlinkClr xmlns:ahyp="http://schemas.microsoft.com/office/drawing/2018/hyperlinkcolor" xmlns="" val="tx"/>
                     </a:ext>
                   </a:extLst>
                 </a:hlinkClick>
@@ -11407,376 +13028,7 @@
 </p:sld>
 </file>
 
-<file path=ppt/slides/slide2.xml><?xml version="1.0" encoding="utf-8"?>
-<p:sld xmlns:a="http://schemas.openxmlformats.org/drawingml/2006/main" xmlns:r="http://schemas.openxmlformats.org/officeDocument/2006/relationships" xmlns:p="http://schemas.openxmlformats.org/presentationml/2006/main">
-  <p:cSld>
-    <p:spTree>
-      <p:nvGrpSpPr>
-        <p:cNvPr id="1" name=""/>
-        <p:cNvGrpSpPr/>
-        <p:nvPr/>
-      </p:nvGrpSpPr>
-      <p:grpSpPr>
-        <a:xfrm>
-          <a:off x="0" y="0"/>
-          <a:ext cx="0" cy="0"/>
-          <a:chOff x="0" y="0"/>
-          <a:chExt cx="0" cy="0"/>
-        </a:xfrm>
-      </p:grpSpPr>
-      <p:sp>
-        <p:nvSpPr>
-          <p:cNvPr id="5" name="Slide Number">
-            <a:extLst>
-              <a:ext uri="{FF2B5EF4-FFF2-40B4-BE49-F238E27FC236}">
-                <a16:creationId xmlns:a16="http://schemas.microsoft.com/office/drawing/2014/main" id="{6A760D59-0056-4F39-B077-DBDBE3D2927E}"/>
-              </a:ext>
-            </a:extLst>
-          </p:cNvPr>
-          <p:cNvSpPr txBox="1">
-            <a:spLocks/>
-          </p:cNvSpPr>
-          <p:nvPr/>
-        </p:nvSpPr>
-        <p:spPr>
-          <a:xfrm>
-            <a:off x="11753030" y="6507000"/>
-            <a:ext cx="367414" cy="297000"/>
-          </a:xfrm>
-          <a:prstGeom prst="rect">
-            <a:avLst/>
-          </a:prstGeom>
-        </p:spPr>
-        <p:txBody>
-          <a:bodyPr vert="horz" lIns="91440" tIns="45720" rIns="91440" bIns="45720" rtlCol="0" anchor="b"/>
-          <a:lstStyle>
-            <a:defPPr>
-              <a:defRPr lang="en-US"/>
-            </a:defPPr>
-            <a:lvl1pPr marL="0" algn="r" defTabSz="914400" rtl="0" eaLnBrk="1" latinLnBrk="0" hangingPunct="1">
-              <a:defRPr sz="1000" kern="1200">
-                <a:solidFill>
-                  <a:schemeClr val="tx1"/>
-                </a:solidFill>
-                <a:latin typeface="+mn-lt"/>
-                <a:ea typeface="+mn-ea"/>
-                <a:cs typeface="+mn-cs"/>
-              </a:defRPr>
-            </a:lvl1pPr>
-            <a:lvl2pPr marL="457200" algn="l" defTabSz="914400" rtl="0" eaLnBrk="1" latinLnBrk="0" hangingPunct="1">
-              <a:defRPr sz="1800" kern="1200">
-                <a:solidFill>
-                  <a:schemeClr val="tx1"/>
-                </a:solidFill>
-                <a:latin typeface="+mn-lt"/>
-                <a:ea typeface="+mn-ea"/>
-                <a:cs typeface="+mn-cs"/>
-              </a:defRPr>
-            </a:lvl2pPr>
-            <a:lvl3pPr marL="914400" algn="l" defTabSz="914400" rtl="0" eaLnBrk="1" latinLnBrk="0" hangingPunct="1">
-              <a:defRPr sz="1800" kern="1200">
-                <a:solidFill>
-                  <a:schemeClr val="tx1"/>
-                </a:solidFill>
-                <a:latin typeface="+mn-lt"/>
-                <a:ea typeface="+mn-ea"/>
-                <a:cs typeface="+mn-cs"/>
-              </a:defRPr>
-            </a:lvl3pPr>
-            <a:lvl4pPr marL="1371600" algn="l" defTabSz="914400" rtl="0" eaLnBrk="1" latinLnBrk="0" hangingPunct="1">
-              <a:defRPr sz="1800" kern="1200">
-                <a:solidFill>
-                  <a:schemeClr val="tx1"/>
-                </a:solidFill>
-                <a:latin typeface="+mn-lt"/>
-                <a:ea typeface="+mn-ea"/>
-                <a:cs typeface="+mn-cs"/>
-              </a:defRPr>
-            </a:lvl4pPr>
-            <a:lvl5pPr marL="1828800" algn="l" defTabSz="914400" rtl="0" eaLnBrk="1" latinLnBrk="0" hangingPunct="1">
-              <a:defRPr sz="1800" kern="1200">
-                <a:solidFill>
-                  <a:schemeClr val="tx1"/>
-                </a:solidFill>
-                <a:latin typeface="+mn-lt"/>
-                <a:ea typeface="+mn-ea"/>
-                <a:cs typeface="+mn-cs"/>
-              </a:defRPr>
-            </a:lvl5pPr>
-            <a:lvl6pPr marL="2286000" algn="l" defTabSz="914400" rtl="0" eaLnBrk="1" latinLnBrk="0" hangingPunct="1">
-              <a:defRPr sz="1800" kern="1200">
-                <a:solidFill>
-                  <a:schemeClr val="tx1"/>
-                </a:solidFill>
-                <a:latin typeface="+mn-lt"/>
-                <a:ea typeface="+mn-ea"/>
-                <a:cs typeface="+mn-cs"/>
-              </a:defRPr>
-            </a:lvl6pPr>
-            <a:lvl7pPr marL="2743200" algn="l" defTabSz="914400" rtl="0" eaLnBrk="1" latinLnBrk="0" hangingPunct="1">
-              <a:defRPr sz="1800" kern="1200">
-                <a:solidFill>
-                  <a:schemeClr val="tx1"/>
-                </a:solidFill>
-                <a:latin typeface="+mn-lt"/>
-                <a:ea typeface="+mn-ea"/>
-                <a:cs typeface="+mn-cs"/>
-              </a:defRPr>
-            </a:lvl7pPr>
-            <a:lvl8pPr marL="3200400" algn="l" defTabSz="914400" rtl="0" eaLnBrk="1" latinLnBrk="0" hangingPunct="1">
-              <a:defRPr sz="1800" kern="1200">
-                <a:solidFill>
-                  <a:schemeClr val="tx1"/>
-                </a:solidFill>
-                <a:latin typeface="+mn-lt"/>
-                <a:ea typeface="+mn-ea"/>
-                <a:cs typeface="+mn-cs"/>
-              </a:defRPr>
-            </a:lvl8pPr>
-            <a:lvl9pPr marL="3657600" algn="l" defTabSz="914400" rtl="0" eaLnBrk="1" latinLnBrk="0" hangingPunct="1">
-              <a:defRPr sz="1800" kern="1200">
-                <a:solidFill>
-                  <a:schemeClr val="tx1"/>
-                </a:solidFill>
-                <a:latin typeface="+mn-lt"/>
-                <a:ea typeface="+mn-ea"/>
-                <a:cs typeface="+mn-cs"/>
-              </a:defRPr>
-            </a:lvl9pPr>
-          </a:lstStyle>
-          <a:p>
-            <a:fld id="{2BF067CD-8E6B-4360-9AA8-C5DF2A48A6D1}" type="slidenum">
-              <a:rPr lang="en-US" smtClean="0"/>
-              <a:pPr/>
-              <a:t>2</a:t>
-            </a:fld>
-            <a:endParaRPr lang="en-US" dirty="0"/>
-          </a:p>
-        </p:txBody>
-      </p:sp>
-      <p:sp>
-        <p:nvSpPr>
-          <p:cNvPr id="444419" name="Slide Body"/>
-          <p:cNvSpPr>
-            <a:spLocks noGrp="1" noChangeArrowheads="1"/>
-          </p:cNvSpPr>
-          <p:nvPr>
-            <p:ph type="body" sz="quarter" idx="13"/>
-          </p:nvPr>
-        </p:nvSpPr>
-        <p:spPr>
-          <a:xfrm>
-            <a:off x="196766" y="1371604"/>
-            <a:ext cx="9679234" cy="5207396"/>
-          </a:xfrm>
-        </p:spPr>
-        <p:txBody>
-          <a:bodyPr/>
-          <a:lstStyle/>
-          <a:p>
-            <a:r>
-              <a:rPr lang="bg-BG" dirty="0" smtClean="0"/>
-              <a:t>͏</a:t>
-            </a:r>
-            <a:r>
-              <a:rPr lang="bg-BG" b="1" dirty="0" smtClean="0"/>
-              <a:t>Операционна система</a:t>
-            </a:r>
-            <a:endParaRPr lang="bg-BG" dirty="0" smtClean="0"/>
-          </a:p>
-          <a:p>
-            <a:r>
-              <a:rPr lang="bg-BG" dirty="0" smtClean="0"/>
-              <a:t>Персонализиране на </a:t>
-            </a:r>
-            <a:r>
-              <a:rPr lang="bg-BG" b="1" dirty="0" smtClean="0"/>
-              <a:t>потребителски интерфейс</a:t>
-            </a:r>
-          </a:p>
-          <a:p>
-            <a:endParaRPr lang="en-US" dirty="0"/>
-          </a:p>
-        </p:txBody>
-      </p:sp>
-      <p:sp>
-        <p:nvSpPr>
-          <p:cNvPr id="444418" name="Slide Title"/>
-          <p:cNvSpPr>
-            <a:spLocks noGrp="1" noChangeArrowheads="1"/>
-          </p:cNvSpPr>
-          <p:nvPr>
-            <p:ph type="title"/>
-          </p:nvPr>
-        </p:nvSpPr>
-        <p:spPr>
-          <a:xfrm>
-            <a:off x="190406" y="100750"/>
-            <a:ext cx="10270594" cy="882654"/>
-          </a:xfrm>
-        </p:spPr>
-        <p:txBody>
-          <a:bodyPr/>
-          <a:lstStyle/>
-          <a:p>
-            <a:r>
-              <a:rPr lang="bg-BG"/>
-              <a:t>Съдържание</a:t>
-            </a:r>
-            <a:endParaRPr lang="bg-BG" dirty="0"/>
-          </a:p>
-        </p:txBody>
-      </p:sp>
-      <p:pic>
-        <p:nvPicPr>
-          <p:cNvPr id="4" name="Picture 3">
-            <a:extLst>
-              <a:ext uri="{FF2B5EF4-FFF2-40B4-BE49-F238E27FC236}">
-                <a16:creationId xmlns:a16="http://schemas.microsoft.com/office/drawing/2014/main" id="{8835CDFB-0E94-0132-177D-CD4B4F85BF89}"/>
-              </a:ext>
-            </a:extLst>
-          </p:cNvPr>
-          <p:cNvPicPr>
-            <a:picLocks noChangeAspect="1"/>
-          </p:cNvPicPr>
-          <p:nvPr/>
-        </p:nvPicPr>
-        <p:blipFill>
-          <a:blip r:embed="rId3">
-            <a:duotone>
-              <a:prstClr val="black"/>
-              <a:schemeClr val="accent1">
-                <a:tint val="45000"/>
-                <a:satMod val="400000"/>
-              </a:schemeClr>
-            </a:duotone>
-            <a:extLst>
-              <a:ext uri="{BEBA8EAE-BF5A-486C-A8C5-ECC9F3942E4B}">
-                <a14:imgProps xmlns:a14="http://schemas.microsoft.com/office/drawing/2010/main">
-                  <a14:imgLayer r:embed="rId4">
-                    <a14:imgEffect>
-                      <a14:brightnessContrast bright="30000"/>
-                    </a14:imgEffect>
-                  </a14:imgLayer>
-                </a14:imgProps>
-              </a:ext>
-            </a:extLst>
-          </a:blip>
-          <a:stretch>
-            <a:fillRect/>
-          </a:stretch>
-        </p:blipFill>
-        <p:spPr>
-          <a:xfrm>
-            <a:off x="10011000" y="1584000"/>
-            <a:ext cx="1581246" cy="2115000"/>
-          </a:xfrm>
-          <a:prstGeom prst="rect">
-            <a:avLst/>
-          </a:prstGeom>
-        </p:spPr>
-      </p:pic>
-    </p:spTree>
-    <p:extLst>
-      <p:ext uri="{BB962C8B-B14F-4D97-AF65-F5344CB8AC3E}">
-        <p14:creationId xmlns:p14="http://schemas.microsoft.com/office/powerpoint/2010/main" val="1646986932"/>
-      </p:ext>
-    </p:extLst>
-  </p:cSld>
-  <p:clrMapOvr>
-    <a:masterClrMapping/>
-  </p:clrMapOvr>
-  <mc:AlternateContent xmlns:mc="http://schemas.openxmlformats.org/markup-compatibility/2006" xmlns:p14="http://schemas.microsoft.com/office/powerpoint/2010/main">
-    <mc:Choice Requires="p14">
-      <p:transition spd="slow" p14:dur="2000" advClick="0" advTm="5000"/>
-    </mc:Choice>
-    <mc:Fallback xmlns="">
-      <p:transition spd="slow" advClick="0" advTm="5000"/>
-    </mc:Fallback>
-  </mc:AlternateContent>
-  <p:timing>
-    <p:tnLst>
-      <p:par>
-        <p:cTn id="1" dur="indefinite" restart="never" nodeType="tmRoot">
-          <p:childTnLst>
-            <p:seq concurrent="1" nextAc="seek">
-              <p:cTn id="2" dur="indefinite" nodeType="mainSeq">
-                <p:childTnLst>
-                  <p:par>
-                    <p:cTn id="3" fill="hold">
-                      <p:stCondLst>
-                        <p:cond delay="indefinite"/>
-                      </p:stCondLst>
-                      <p:childTnLst>
-                        <p:par>
-                          <p:cTn id="4" fill="hold">
-                            <p:stCondLst>
-                              <p:cond delay="0"/>
-                            </p:stCondLst>
-                            <p:childTnLst>
-                              <p:par>
-                                <p:cTn id="5" presetID="1" presetClass="entr" presetSubtype="0" fill="hold" nodeType="clickEffect">
-                                  <p:stCondLst>
-                                    <p:cond delay="0"/>
-                                  </p:stCondLst>
-                                  <p:childTnLst>
-                                    <p:set>
-                                      <p:cBhvr>
-                                        <p:cTn id="6" dur="1" fill="hold">
-                                          <p:stCondLst>
-                                            <p:cond delay="0"/>
-                                          </p:stCondLst>
-                                        </p:cTn>
-                                        <p:tgtEl>
-                                          <p:spTgt spid="444419">
-                                            <p:txEl>
-                                              <p:pRg st="1" end="1"/>
-                                            </p:txEl>
-                                          </p:spTgt>
-                                        </p:tgtEl>
-                                        <p:attrNameLst>
-                                          <p:attrName>style.visibility</p:attrName>
-                                        </p:attrNameLst>
-                                      </p:cBhvr>
-                                      <p:to>
-                                        <p:strVal val="visible"/>
-                                      </p:to>
-                                    </p:set>
-                                  </p:childTnLst>
-                                </p:cTn>
-                              </p:par>
-                            </p:childTnLst>
-                          </p:cTn>
-                        </p:par>
-                      </p:childTnLst>
-                    </p:cTn>
-                  </p:par>
-                </p:childTnLst>
-              </p:cTn>
-              <p:prevCondLst>
-                <p:cond evt="onPrev" delay="0">
-                  <p:tgtEl>
-                    <p:sldTgt/>
-                  </p:tgtEl>
-                </p:cond>
-              </p:prevCondLst>
-              <p:nextCondLst>
-                <p:cond evt="onNext" delay="0">
-                  <p:tgtEl>
-                    <p:sldTgt/>
-                  </p:tgtEl>
-                </p:cond>
-              </p:nextCondLst>
-            </p:seq>
-          </p:childTnLst>
-        </p:cTn>
-      </p:par>
-    </p:tnLst>
-  </p:timing>
-</p:sld>
-</file>
-
-<file path=ppt/slides/slide20.xml><?xml version="1.0" encoding="utf-8"?>
+<file path=ppt/slides/slide23.xml><?xml version="1.0" encoding="utf-8"?>
 <p:sld xmlns:a="http://schemas.openxmlformats.org/drawingml/2006/main" xmlns:r="http://schemas.openxmlformats.org/officeDocument/2006/relationships" xmlns:p="http://schemas.openxmlformats.org/presentationml/2006/main">
   <p:cSld>
     <p:spTree>
@@ -11829,7 +13081,7 @@
             <a:fld id="{2BF067CD-8E6B-4360-9AA8-C5DF2A48A6D1}" type="slidenum">
               <a:rPr lang="en-US" smtClean="0"/>
               <a:pPr/>
-              <a:t>20</a:t>
+              <a:t>23</a:t>
             </a:fld>
             <a:endParaRPr lang="en-US" dirty="0"/>
           </a:p>

--- a/Courses/Computer-Modeling-and-IT/Computer-Modeling-and-IT-6-Class/02-Operating-System/02-Operating-System.pptx
+++ b/Courses/Computer-Modeling-and-IT/Computer-Modeling-and-IT-6-Class/02-Operating-System/02-Operating-System.pptx
@@ -291,7 +291,7 @@
           <a:p>
             <a:fld id="{4E087215-0C8F-4762-A664-737A353EC9A4}" type="datetimeFigureOut">
               <a:rPr lang="bg-BG" smtClean="0"/>
-              <a:t>7.3.2024 г.</a:t>
+              <a:t>13.3.2024 г.</a:t>
             </a:fld>
             <a:endParaRPr lang="bg-BG"/>
           </a:p>
@@ -487,7 +487,7 @@
           <a:p>
             <a:fld id="{72D84649-876A-46C9-8472-14CB09C070D8}" type="datetimeFigureOut">
               <a:rPr lang="en-US" smtClean="0"/>
-              <a:t>3/7/2024</a:t>
+              <a:t>3/13/2024</a:t>
             </a:fld>
             <a:endParaRPr lang="en-US"/>
           </a:p>
@@ -10269,7 +10269,7 @@
               <a:t>Отворяме </a:t>
             </a:r>
             <a:r>
-              <a:rPr lang="en-US" sz="2800" b="1" dirty="0" smtClean="0">
+              <a:rPr lang="en-US" sz="2800" b="1" smtClean="0">
                 <a:solidFill>
                   <a:schemeClr val="bg1">
                     <a:lumMod val="60000"/>
@@ -10287,7 +10287,7 @@
               <a:t>Search </a:t>
             </a:r>
             <a:r>
-              <a:rPr lang="bg-BG" sz="2800" b="1" dirty="0" smtClean="0">
+              <a:rPr lang="en-US" sz="2800" b="1" smtClean="0">
                 <a:solidFill>
                   <a:schemeClr val="bg1">
                     <a:lumMod val="60000"/>
@@ -10302,7 +10302,25 @@
                   </a:outerShdw>
                 </a:effectLst>
               </a:rPr>
-              <a:t>бара  </a:t>
+              <a:t>bar-a</a:t>
+            </a:r>
+            <a:r>
+              <a:rPr lang="bg-BG" sz="2800" b="1" smtClean="0">
+                <a:solidFill>
+                  <a:schemeClr val="bg1">
+                    <a:lumMod val="60000"/>
+                    <a:lumOff val="40000"/>
+                  </a:schemeClr>
+                </a:solidFill>
+                <a:effectLst>
+                  <a:outerShdw blurRad="38100" dist="38100" dir="2700000" algn="tl">
+                    <a:srgbClr val="000000">
+                      <a:alpha val="43137"/>
+                    </a:srgbClr>
+                  </a:outerShdw>
+                </a:effectLst>
+              </a:rPr>
+              <a:t>  </a:t>
             </a:r>
             <a:r>
               <a:rPr lang="bg-BG" sz="2800" b="1" dirty="0" smtClean="0">
@@ -12945,7 +12963,7 @@
                 <a:hlinkClick r:id="rId3">
                   <a:extLst>
                     <a:ext uri="{A12FA001-AC4F-418D-AE19-62706E023703}">
-                      <ahyp:hlinkClr xmlns:ahyp="http://schemas.microsoft.com/office/drawing/2018/hyperlinkcolor" xmlns="" val="tx"/>
+                      <ahyp:hlinkClr xmlns="" xmlns:ahyp="http://schemas.microsoft.com/office/drawing/2018/hyperlinkcolor" val="tx"/>
                     </a:ext>
                   </a:extLst>
                 </a:hlinkClick>

--- a/Courses/Computer-Modeling-and-IT/Computer-Modeling-and-IT-6-Class/02-Operating-System/02-Operating-System.pptx
+++ b/Courses/Computer-Modeling-and-IT/Computer-Modeling-and-IT-6-Class/02-Operating-System/02-Operating-System.pptx
@@ -291,7 +291,7 @@
           <a:p>
             <a:fld id="{4E087215-0C8F-4762-A664-737A353EC9A4}" type="datetimeFigureOut">
               <a:rPr lang="bg-BG" smtClean="0"/>
-              <a:t>13.3.2024 г.</a:t>
+              <a:t>23.03.24 г.</a:t>
             </a:fld>
             <a:endParaRPr lang="bg-BG"/>
           </a:p>
@@ -487,7 +487,7 @@
           <a:p>
             <a:fld id="{72D84649-876A-46C9-8472-14CB09C070D8}" type="datetimeFigureOut">
               <a:rPr lang="en-US" smtClean="0"/>
-              <a:t>3/13/2024</a:t>
+              <a:t>3/23/24</a:t>
             </a:fld>
             <a:endParaRPr lang="en-US"/>
           </a:p>
@@ -1244,19 +1244,19 @@
           <a:lstStyle/>
           <a:p>
             <a:r>
-              <a:rPr lang="bg-BG" sz="1100" smtClean="0"/>
+              <a:rPr lang="bg-BG" sz="1100"/>
               <a:t>Работна група </a:t>
             </a:r>
             <a:r>
-              <a:rPr lang="bg-BG" smtClean="0"/>
+              <a:rPr lang="bg-BG"/>
               <a:t>"Образование по програмиране и ИТ"</a:t>
             </a:r>
             <a:r>
-              <a:rPr lang="bg-BG" sz="1100" smtClean="0"/>
+              <a:rPr lang="bg-BG" sz="1100"/>
               <a:t>, с подкрепата на </a:t>
             </a:r>
             <a:r>
-              <a:rPr lang="en-US" sz="1100" smtClean="0">
+              <a:rPr lang="en-US" sz="1100">
                 <a:hlinkClick r:id="rId3"/>
               </a:rPr>
               <a:t>SoftUni</a:t>
@@ -1365,19 +1365,19 @@
           <a:lstStyle/>
           <a:p>
             <a:r>
-              <a:rPr lang="bg-BG" sz="1100" smtClean="0"/>
+              <a:rPr lang="bg-BG" sz="1100"/>
               <a:t>Работна група </a:t>
             </a:r>
             <a:r>
-              <a:rPr lang="bg-BG" smtClean="0"/>
+              <a:rPr lang="bg-BG"/>
               <a:t>"Образование по програмиране и ИТ"</a:t>
             </a:r>
             <a:r>
-              <a:rPr lang="bg-BG" sz="1100" smtClean="0"/>
+              <a:rPr lang="bg-BG" sz="1100"/>
               <a:t>, с подкрепата на </a:t>
             </a:r>
             <a:r>
-              <a:rPr lang="en-US" sz="1100" smtClean="0">
+              <a:rPr lang="en-US" sz="1100">
                 <a:hlinkClick r:id="rId3"/>
               </a:rPr>
               <a:t>SoftUni</a:t>
@@ -7051,16 +7051,12 @@
           <a:lstStyle/>
           <a:p>
             <a:r>
-              <a:rPr lang="en-US" dirty="0" smtClean="0"/>
+              <a:rPr lang="en-US" dirty="0"/>
               <a:t>6</a:t>
             </a:r>
             <a:r>
-              <a:rPr lang="bg-BG" dirty="0" smtClean="0"/>
-              <a:t> </a:t>
-            </a:r>
-            <a:r>
               <a:rPr lang="bg-BG" dirty="0"/>
-              <a:t>клас</a:t>
+              <a:t> клас</a:t>
             </a:r>
           </a:p>
         </p:txBody>
@@ -7203,7 +7199,7 @@
           <a:lstStyle/>
           <a:p>
             <a:r>
-              <a:rPr lang="bg-BG" dirty="0" smtClean="0"/>
+              <a:rPr lang="bg-BG" dirty="0"/>
               <a:t>Потребителски интерфейс</a:t>
             </a:r>
             <a:endParaRPr lang="en-US" dirty="0"/>
@@ -7239,7 +7235,7 @@
           <a:lstStyle/>
           <a:p>
             <a:r>
-              <a:rPr lang="bg-BG" dirty="0" smtClean="0"/>
+              <a:rPr lang="bg-BG" dirty="0"/>
               <a:t>Операционна система</a:t>
             </a:r>
             <a:endParaRPr lang="en-US" dirty="0"/>
@@ -7331,13 +7327,6 @@
       <p:transition spd="slow" advClick="0" advTm="5000"/>
     </mc:Fallback>
   </mc:AlternateContent>
-  <p:timing>
-    <p:tnLst>
-      <p:par>
-        <p:cTn id="1" dur="indefinite" restart="never" nodeType="tmRoot"/>
-      </p:par>
-    </p:tnLst>
-  </p:timing>
 </p:sld>
 </file>
 
@@ -7398,55 +7387,55 @@
           <a:lstStyle/>
           <a:p>
             <a:r>
-              <a:rPr lang="bg-BG" dirty="0" smtClean="0"/>
+              <a:rPr lang="bg-BG" dirty="0"/>
               <a:t>Персонализирането и настройването на </a:t>
             </a:r>
             <a:r>
-              <a:rPr lang="bg-BG" b="1" dirty="0" smtClean="0"/>
+              <a:rPr lang="bg-BG" b="1" dirty="0"/>
               <a:t>ПИ</a:t>
             </a:r>
             <a:r>
-              <a:rPr lang="bg-BG" dirty="0" smtClean="0"/>
+              <a:rPr lang="bg-BG" dirty="0"/>
               <a:t> на </a:t>
             </a:r>
             <a:r>
-              <a:rPr lang="bg-BG" b="1" dirty="0" smtClean="0"/>
+              <a:rPr lang="bg-BG" b="1" dirty="0"/>
               <a:t>ОС</a:t>
             </a:r>
             <a:r>
-              <a:rPr lang="bg-BG" dirty="0" smtClean="0"/>
+              <a:rPr lang="bg-BG" dirty="0"/>
               <a:t>, </a:t>
             </a:r>
             <a:r>
-              <a:rPr lang="bg-BG" b="1" dirty="0" smtClean="0"/>
+              <a:rPr lang="bg-BG" b="1" dirty="0"/>
               <a:t>допълнителни устройства</a:t>
             </a:r>
             <a:r>
-              <a:rPr lang="bg-BG" dirty="0" smtClean="0"/>
+              <a:rPr lang="bg-BG" dirty="0"/>
               <a:t>, </a:t>
             </a:r>
             <a:r>
-              <a:rPr lang="bg-BG" b="1" dirty="0" smtClean="0"/>
+              <a:rPr lang="bg-BG" b="1" dirty="0"/>
               <a:t>помощни програми </a:t>
             </a:r>
             <a:r>
-              <a:rPr lang="bg-BG" dirty="0" smtClean="0"/>
+              <a:rPr lang="bg-BG" dirty="0"/>
               <a:t>и </a:t>
             </a:r>
             <a:r>
-              <a:rPr lang="bg-BG" b="1" dirty="0" smtClean="0"/>
+              <a:rPr lang="bg-BG" b="1" dirty="0"/>
               <a:t>др</a:t>
             </a:r>
             <a:r>
-              <a:rPr lang="bg-BG" dirty="0" smtClean="0"/>
+              <a:rPr lang="bg-BG" dirty="0"/>
               <a:t>., се извършва в</a:t>
             </a:r>
             <a:r>
-              <a:rPr lang="en-US" dirty="0" smtClean="0"/>
+              <a:rPr lang="en-US" dirty="0"/>
               <a:t> </a:t>
             </a:r>
             <a:r>
-              <a:rPr lang="bg-BG" b="1" dirty="0" smtClean="0">
+              <a:rPr lang="bg-BG" b="1" dirty="0">
                 <a:solidFill>
                   <a:schemeClr val="bg1"/>
                 </a:solidFill>
@@ -7454,43 +7443,42 @@
               <a:t>Настройки</a:t>
             </a:r>
             <a:r>
-              <a:rPr lang="bg-BG" dirty="0" smtClean="0"/>
+              <a:rPr lang="bg-BG" dirty="0"/>
               <a:t> (</a:t>
             </a:r>
             <a:r>
-              <a:rPr lang="en-US" b="1" dirty="0" smtClean="0"/>
+              <a:rPr lang="en-US" b="1" dirty="0"/>
               <a:t>Settings</a:t>
             </a:r>
             <a:r>
-              <a:rPr lang="bg-BG" dirty="0" smtClean="0"/>
+              <a:rPr lang="bg-BG" dirty="0"/>
               <a:t>)</a:t>
             </a:r>
-            <a:endParaRPr lang="en-US" dirty="0" smtClean="0"/>
-          </a:p>
-          <a:p>
-            <a:r>
-              <a:rPr lang="bg-BG" dirty="0" smtClean="0"/>
+            <a:endParaRPr lang="en-US" dirty="0"/>
+          </a:p>
+          <a:p>
+            <a:r>
+              <a:rPr lang="bg-BG" dirty="0"/>
               <a:t>Настройките могат да се стартират от:</a:t>
             </a:r>
           </a:p>
           <a:p>
             <a:pPr lvl="1"/>
             <a:r>
-              <a:rPr lang="en-US" dirty="0" smtClean="0"/>
+              <a:rPr lang="en-US" dirty="0"/>
               <a:t>Start </a:t>
             </a:r>
             <a:r>
-              <a:rPr lang="bg-BG" dirty="0" smtClean="0"/>
+              <a:rPr lang="bg-BG" dirty="0"/>
               <a:t>менюто</a:t>
             </a:r>
           </a:p>
           <a:p>
             <a:pPr lvl="1"/>
             <a:r>
-              <a:rPr lang="en-US" dirty="0" smtClean="0"/>
+              <a:rPr lang="en-US" dirty="0"/>
               <a:t>Control Panel</a:t>
             </a:r>
-            <a:endParaRPr lang="en-US" dirty="0"/>
           </a:p>
         </p:txBody>
       </p:sp>
@@ -7510,7 +7498,7 @@
           <a:lstStyle/>
           <a:p>
             <a:r>
-              <a:rPr lang="bg-BG" dirty="0" smtClean="0"/>
+              <a:rPr lang="bg-BG" dirty="0"/>
               <a:t>Персонализиране на ПИ</a:t>
             </a:r>
             <a:endParaRPr lang="en-US" dirty="0"/>
@@ -7595,6 +7583,68 @@
           </a:ln>
         </p:spPr>
       </p:pic>
+      <p:sp>
+        <p:nvSpPr>
+          <p:cNvPr id="5" name="TextBox 4">
+            <a:extLst>
+              <a:ext uri="{FF2B5EF4-FFF2-40B4-BE49-F238E27FC236}">
+                <a16:creationId xmlns:a16="http://schemas.microsoft.com/office/drawing/2014/main" id="{C6F72C17-4DCE-CD51-B918-0D1BFB22A516}"/>
+              </a:ext>
+            </a:extLst>
+          </p:cNvPr>
+          <p:cNvSpPr txBox="1"/>
+          <p:nvPr/>
+        </p:nvSpPr>
+        <p:spPr>
+          <a:xfrm>
+            <a:off x="6732922" y="3437792"/>
+            <a:ext cx="4726322" cy="861362"/>
+          </a:xfrm>
+          <a:prstGeom prst="rect">
+            <a:avLst/>
+          </a:prstGeom>
+          <a:ln/>
+        </p:spPr>
+        <p:style>
+          <a:lnRef idx="2">
+            <a:schemeClr val="accent2"/>
+          </a:lnRef>
+          <a:fillRef idx="1">
+            <a:schemeClr val="lt1"/>
+          </a:fillRef>
+          <a:effectRef idx="0">
+            <a:schemeClr val="accent2"/>
+          </a:effectRef>
+          <a:fontRef idx="minor">
+            <a:schemeClr val="dk1"/>
+          </a:fontRef>
+        </p:style>
+        <p:txBody>
+          <a:bodyPr vert="horz" wrap="none" lIns="144000" tIns="108000" rIns="144000" bIns="108000" rtlCol="0">
+            <a:spAutoFit/>
+          </a:bodyPr>
+          <a:lstStyle/>
+          <a:p>
+            <a:pPr algn="l" eaLnBrk="0" hangingPunct="0">
+              <a:lnSpc>
+                <a:spcPct val="110000"/>
+              </a:lnSpc>
+              <a:buClr>
+                <a:schemeClr val="accent5">
+                  <a:lumMod val="40000"/>
+                  <a:lumOff val="60000"/>
+                </a:schemeClr>
+              </a:buClr>
+              <a:buSzPct val="70000"/>
+            </a:pPr>
+            <a:r>
+              <a:rPr lang="en-US" sz="4000" b="1" dirty="0"/>
+              <a:t>TODO: change image</a:t>
+            </a:r>
+            <a:endParaRPr lang="bg-BG" sz="4000" b="1" dirty="0"/>
+          </a:p>
+        </p:txBody>
+      </p:sp>
     </p:spTree>
     <p:extLst>
       <p:ext uri="{BB962C8B-B14F-4D97-AF65-F5344CB8AC3E}">
@@ -7885,14 +7935,13 @@
           <a:lstStyle/>
           <a:p>
             <a:r>
-              <a:rPr lang="bg-BG" dirty="0" smtClean="0"/>
+              <a:rPr lang="bg-BG" dirty="0"/>
               <a:t>Промяна на изгледа на </a:t>
             </a:r>
             <a:r>
-              <a:rPr lang="en-US" dirty="0" smtClean="0"/>
+              <a:rPr lang="en-US" dirty="0"/>
               <a:t>Taskbar</a:t>
             </a:r>
-            <a:endParaRPr lang="en-US" dirty="0"/>
           </a:p>
         </p:txBody>
       </p:sp>
@@ -7985,13 +8034,6 @@
       <p:transition spd="slow" advClick="0" advTm="5000"/>
     </mc:Fallback>
   </mc:AlternateContent>
-  <p:timing>
-    <p:tnLst>
-      <p:par>
-        <p:cTn id="1" dur="indefinite" restart="never" nodeType="tmRoot"/>
-      </p:par>
-    </p:tnLst>
-  </p:timing>
 </p:sld>
 </file>
 
@@ -8032,13 +8074,41 @@
               <a:t>Промяна на изгледа на </a:t>
             </a:r>
             <a:r>
-              <a:rPr lang="en-US" dirty="0" smtClean="0"/>
+              <a:rPr lang="en-US" dirty="0"/>
               <a:t>Taskbar</a:t>
             </a:r>
-            <a:endParaRPr lang="en-US" dirty="0"/>
           </a:p>
         </p:txBody>
       </p:sp>
+      <p:pic>
+        <p:nvPicPr>
+          <p:cNvPr id="2" name="Picture 1">
+            <a:extLst>
+              <a:ext uri="{FF2B5EF4-FFF2-40B4-BE49-F238E27FC236}">
+                <a16:creationId xmlns:a16="http://schemas.microsoft.com/office/drawing/2014/main" id="{3BDA1712-ECAA-7998-8BB2-3A5B28892798}"/>
+              </a:ext>
+            </a:extLst>
+          </p:cNvPr>
+          <p:cNvPicPr>
+            <a:picLocks noChangeAspect="1"/>
+          </p:cNvPicPr>
+          <p:nvPr/>
+        </p:nvPicPr>
+        <p:blipFill rotWithShape="1">
+          <a:blip r:embed="rId2"/>
+          <a:srcRect l="1" r="38311"/>
+          <a:stretch/>
+        </p:blipFill>
+        <p:spPr>
+          <a:xfrm>
+            <a:off x="4325750" y="1314000"/>
+            <a:ext cx="3540500" cy="5174817"/>
+          </a:xfrm>
+          <a:prstGeom prst="rect">
+            <a:avLst/>
+          </a:prstGeom>
+        </p:spPr>
+      </p:pic>
       <p:sp>
         <p:nvSpPr>
           <p:cNvPr id="7" name="Rounded Rectangular Callout 6"/>
@@ -8047,7 +8117,7 @@
         </p:nvSpPr>
         <p:spPr bwMode="auto">
           <a:xfrm>
-            <a:off x="203109" y="3744000"/>
+            <a:off x="516000" y="3204000"/>
             <a:ext cx="3915000" cy="1215000"/>
           </a:xfrm>
           <a:prstGeom prst="wedgeRoundRectCallout">
@@ -8099,7 +8169,7 @@
           <a:p>
             <a:pPr algn="ctr"/>
             <a:r>
-              <a:rPr lang="bg-BG" sz="2800" b="1" dirty="0" smtClean="0">
+              <a:rPr lang="bg-BG" sz="2800" b="1" dirty="0">
                 <a:solidFill>
                   <a:srgbClr val="FFFFFF"/>
                 </a:solidFill>
@@ -8114,7 +8184,7 @@
               <a:t>Отваряме настройките през </a:t>
             </a:r>
             <a:r>
-              <a:rPr lang="en-US" sz="2800" b="1" dirty="0" smtClean="0">
+              <a:rPr lang="en-US" sz="2800" b="1" dirty="0">
                 <a:solidFill>
                   <a:schemeClr val="bg1">
                     <a:lumMod val="60000"/>
@@ -8132,7 +8202,7 @@
               <a:t>Start</a:t>
             </a:r>
             <a:r>
-              <a:rPr lang="en-US" sz="2800" b="1" dirty="0" smtClean="0">
+              <a:rPr lang="en-US" sz="2800" b="1" dirty="0">
                 <a:solidFill>
                   <a:srgbClr val="FFFFFF"/>
                 </a:solidFill>
@@ -8147,7 +8217,7 @@
               <a:t> </a:t>
             </a:r>
             <a:r>
-              <a:rPr lang="bg-BG" sz="2800" b="1" dirty="0" smtClean="0">
+              <a:rPr lang="bg-BG" sz="2800" b="1" dirty="0">
                 <a:solidFill>
                   <a:srgbClr val="FFFFFF"/>
                 </a:solidFill>
@@ -8176,37 +8246,6 @@
           </a:p>
         </p:txBody>
       </p:sp>
-      <p:pic>
-        <p:nvPicPr>
-          <p:cNvPr id="8" name="Picture 7"/>
-          <p:cNvPicPr>
-            <a:picLocks noChangeAspect="1"/>
-          </p:cNvPicPr>
-          <p:nvPr/>
-        </p:nvPicPr>
-        <p:blipFill>
-          <a:blip r:embed="rId2"/>
-          <a:stretch>
-            <a:fillRect/>
-          </a:stretch>
-        </p:blipFill>
-        <p:spPr>
-          <a:xfrm>
-            <a:off x="4190812" y="1359000"/>
-            <a:ext cx="3810377" cy="5286117"/>
-          </a:xfrm>
-          <a:prstGeom prst="rect">
-            <a:avLst/>
-          </a:prstGeom>
-          <a:ln>
-            <a:solidFill>
-              <a:schemeClr val="bg2">
-                <a:lumMod val="75000"/>
-              </a:schemeClr>
-            </a:solidFill>
-          </a:ln>
-        </p:spPr>
-      </p:pic>
     </p:spTree>
     <p:extLst>
       <p:ext uri="{BB962C8B-B14F-4D97-AF65-F5344CB8AC3E}">
@@ -8398,10 +8437,9 @@
               <a:t>Промяна на изгледа на </a:t>
             </a:r>
             <a:r>
-              <a:rPr lang="en-US" dirty="0" smtClean="0"/>
+              <a:rPr lang="en-US" dirty="0"/>
               <a:t>Taskbar</a:t>
             </a:r>
-            <a:endParaRPr lang="en-US" dirty="0"/>
           </a:p>
         </p:txBody>
       </p:sp>
@@ -8465,7 +8503,7 @@
           <a:p>
             <a:pPr algn="ctr"/>
             <a:r>
-              <a:rPr lang="bg-BG" sz="2800" b="1" dirty="0" smtClean="0">
+              <a:rPr lang="bg-BG" sz="2800" b="1" dirty="0">
                 <a:solidFill>
                   <a:srgbClr val="FFFFFF"/>
                 </a:solidFill>
@@ -8480,7 +8518,7 @@
               <a:t>Избираме </a:t>
             </a:r>
             <a:r>
-              <a:rPr lang="en-US" sz="2800" b="1" dirty="0" smtClean="0">
+              <a:rPr lang="en-US" sz="2800" b="1" dirty="0">
                 <a:solidFill>
                   <a:schemeClr val="bg1">
                     <a:lumMod val="60000"/>
@@ -8497,21 +8535,6 @@
               </a:rPr>
               <a:t>Personalization</a:t>
             </a:r>
-            <a:endParaRPr lang="en-US" sz="2800" b="1" dirty="0">
-              <a:solidFill>
-                <a:schemeClr val="bg1">
-                  <a:lumMod val="60000"/>
-                  <a:lumOff val="40000"/>
-                </a:schemeClr>
-              </a:solidFill>
-              <a:effectLst>
-                <a:outerShdw blurRad="38100" dist="38100" dir="2700000" algn="tl">
-                  <a:srgbClr val="000000">
-                    <a:alpha val="43137"/>
-                  </a:srgbClr>
-                </a:outerShdw>
-              </a:effectLst>
-            </a:endParaRPr>
           </a:p>
         </p:txBody>
       </p:sp>
@@ -8787,10 +8810,9 @@
               <a:t>Промяна на изгледа на </a:t>
             </a:r>
             <a:r>
-              <a:rPr lang="en-US" dirty="0" smtClean="0"/>
+              <a:rPr lang="en-US" dirty="0"/>
               <a:t>Taskbar</a:t>
             </a:r>
-            <a:endParaRPr lang="en-US" dirty="0"/>
           </a:p>
         </p:txBody>
       </p:sp>
@@ -8885,7 +8907,7 @@
           <a:p>
             <a:pPr algn="ctr"/>
             <a:r>
-              <a:rPr lang="bg-BG" sz="2800" b="1" dirty="0" smtClean="0">
+              <a:rPr lang="bg-BG" sz="2800" b="1" dirty="0">
                 <a:solidFill>
                   <a:srgbClr val="FFFFFF"/>
                 </a:solidFill>
@@ -8974,7 +8996,7 @@
           <a:p>
             <a:pPr algn="ctr"/>
             <a:r>
-              <a:rPr lang="bg-BG" sz="2800" b="1" dirty="0" smtClean="0">
+              <a:rPr lang="bg-BG" sz="2800" b="1" dirty="0">
                 <a:solidFill>
                   <a:srgbClr val="FFFFFF"/>
                 </a:solidFill>
@@ -8989,7 +9011,7 @@
               <a:t>За да променим </a:t>
             </a:r>
             <a:r>
-              <a:rPr lang="en-US" sz="2800" b="1" dirty="0" smtClean="0">
+              <a:rPr lang="en-US" sz="2800" b="1" dirty="0">
                 <a:solidFill>
                   <a:srgbClr val="FFFFFF"/>
                 </a:solidFill>
@@ -9004,7 +9026,7 @@
               <a:t>Taskbar-</a:t>
             </a:r>
             <a:r>
-              <a:rPr lang="bg-BG" sz="2800" b="1" dirty="0" smtClean="0">
+              <a:rPr lang="bg-BG" sz="2800" b="1" dirty="0">
                 <a:solidFill>
                   <a:srgbClr val="FFFFFF"/>
                 </a:solidFill>
@@ -9019,7 +9041,7 @@
               <a:t>а, избираме менюто </a:t>
             </a:r>
             <a:r>
-              <a:rPr lang="en-US" sz="2800" b="1" dirty="0" smtClean="0">
+              <a:rPr lang="en-US" sz="2800" b="1" dirty="0">
                 <a:solidFill>
                   <a:schemeClr val="bg1">
                     <a:lumMod val="60000"/>
@@ -9036,21 +9058,6 @@
               </a:rPr>
               <a:t>Taskbar</a:t>
             </a:r>
-            <a:endParaRPr lang="en-US" sz="2800" b="1" dirty="0">
-              <a:solidFill>
-                <a:schemeClr val="bg1">
-                  <a:lumMod val="60000"/>
-                  <a:lumOff val="40000"/>
-                </a:schemeClr>
-              </a:solidFill>
-              <a:effectLst>
-                <a:outerShdw blurRad="38100" dist="38100" dir="2700000" algn="tl">
-                  <a:srgbClr val="000000">
-                    <a:alpha val="43137"/>
-                  </a:srgbClr>
-                </a:outerShdw>
-              </a:effectLst>
-            </a:endParaRPr>
           </a:p>
         </p:txBody>
       </p:sp>
@@ -9350,7 +9357,7 @@
           <a:p>
             <a:pPr algn="ctr"/>
             <a:r>
-              <a:rPr lang="bg-BG" sz="2800" b="1" dirty="0" smtClean="0">
+              <a:rPr lang="bg-BG" sz="2800" b="1" dirty="0">
                 <a:solidFill>
                   <a:srgbClr val="FFFFFF"/>
                 </a:solidFill>
@@ -9365,7 +9372,7 @@
               <a:t>Има много различни опции за персонализиране на </a:t>
             </a:r>
             <a:r>
-              <a:rPr lang="en-US" sz="2800" b="1" dirty="0" smtClean="0">
+              <a:rPr lang="en-US" sz="2800" b="1" dirty="0">
                 <a:solidFill>
                   <a:srgbClr val="FFFFFF"/>
                 </a:solidFill>
@@ -9380,7 +9387,7 @@
               <a:t>Taskbar-</a:t>
             </a:r>
             <a:r>
-              <a:rPr lang="bg-BG" sz="2800" b="1" dirty="0" smtClean="0">
+              <a:rPr lang="bg-BG" sz="2800" b="1" dirty="0">
                 <a:solidFill>
                   <a:srgbClr val="FFFFFF"/>
                 </a:solidFill>
@@ -9469,7 +9476,7 @@
           <a:p>
             <a:pPr algn="ctr"/>
             <a:r>
-              <a:rPr lang="bg-BG" sz="2800" b="1" dirty="0" smtClean="0">
+              <a:rPr lang="bg-BG" sz="2800" b="1" dirty="0">
                 <a:solidFill>
                   <a:srgbClr val="FFFFFF"/>
                 </a:solidFill>
@@ -9759,13 +9766,6 @@
       <p:transition spd="slow" advClick="0" advTm="5000"/>
     </mc:Fallback>
   </mc:AlternateContent>
-  <p:timing>
-    <p:tnLst>
-      <p:par>
-        <p:cTn id="1" dur="indefinite" restart="never" nodeType="tmRoot"/>
-      </p:par>
-    </p:tnLst>
-  </p:timing>
 </p:sld>
 </file>
 
@@ -9822,14 +9822,16 @@
         </p:nvSpPr>
         <p:spPr/>
         <p:txBody>
-          <a:bodyPr/>
+          <a:bodyPr>
+            <a:normAutofit/>
+          </a:bodyPr>
           <a:lstStyle/>
           <a:p>
-            <a:r>
-              <a:rPr lang="en-US" dirty="0" smtClean="0"/>
+            <a:pPr lvl="1"/>
+            <a:r>
+              <a:rPr lang="en-US" sz="3400" dirty="0"/>
               <a:t>Right:</a:t>
             </a:r>
-            <a:endParaRPr lang="en-US" dirty="0"/>
           </a:p>
         </p:txBody>
       </p:sp>
@@ -9849,10 +9851,9 @@
           <a:lstStyle/>
           <a:p>
             <a:r>
-              <a:rPr lang="en-US" dirty="0" smtClean="0"/>
+              <a:rPr lang="en-US" dirty="0"/>
               <a:t>Bottom:</a:t>
             </a:r>
-            <a:endParaRPr lang="en-US" dirty="0"/>
           </a:p>
         </p:txBody>
       </p:sp>
@@ -9892,13 +9893,13 @@
         </p:nvPicPr>
         <p:blipFill rotWithShape="1">
           <a:blip r:embed="rId3"/>
-          <a:srcRect t="24901" r="27615"/>
+          <a:srcRect l="761" t="41189" r="43145" b="139"/>
           <a:stretch/>
         </p:blipFill>
         <p:spPr>
           <a:xfrm>
-            <a:off x="561000" y="2663997"/>
-            <a:ext cx="4446024" cy="2864080"/>
+            <a:off x="336000" y="2214000"/>
+            <a:ext cx="4825728" cy="3134077"/>
           </a:xfrm>
           <a:prstGeom prst="rect">
             <a:avLst/>
@@ -9928,8 +9929,8 @@
         </p:blipFill>
         <p:spPr>
           <a:xfrm>
-            <a:off x="7497083" y="2663997"/>
-            <a:ext cx="3325181" cy="2864080"/>
+            <a:off x="7356000" y="2214000"/>
+            <a:ext cx="3899870" cy="3359077"/>
           </a:xfrm>
           <a:prstGeom prst="rect">
             <a:avLst/>
@@ -9964,9 +9965,111 @@
   <p:timing>
     <p:tnLst>
       <p:par>
-        <p:cTn id="1" dur="indefinite" restart="never" nodeType="tmRoot"/>
+        <p:cTn id="1" dur="indefinite" restart="never" nodeType="tmRoot">
+          <p:childTnLst>
+            <p:seq concurrent="1" nextAc="seek">
+              <p:cTn id="2" dur="indefinite" nodeType="mainSeq">
+                <p:childTnLst>
+                  <p:par>
+                    <p:cTn id="3" fill="hold">
+                      <p:stCondLst>
+                        <p:cond delay="indefinite"/>
+                      </p:stCondLst>
+                      <p:childTnLst>
+                        <p:par>
+                          <p:cTn id="4" fill="hold">
+                            <p:stCondLst>
+                              <p:cond delay="0"/>
+                            </p:stCondLst>
+                            <p:childTnLst>
+                              <p:par>
+                                <p:cTn id="5" presetID="1" presetClass="entr" presetSubtype="0" fill="hold" nodeType="clickEffect">
+                                  <p:stCondLst>
+                                    <p:cond delay="0"/>
+                                  </p:stCondLst>
+                                  <p:childTnLst>
+                                    <p:set>
+                                      <p:cBhvr>
+                                        <p:cTn id="6" dur="1" fill="hold">
+                                          <p:stCondLst>
+                                            <p:cond delay="0"/>
+                                          </p:stCondLst>
+                                        </p:cTn>
+                                        <p:tgtEl>
+                                          <p:spTgt spid="11"/>
+                                        </p:tgtEl>
+                                        <p:attrNameLst>
+                                          <p:attrName>style.visibility</p:attrName>
+                                        </p:attrNameLst>
+                                      </p:cBhvr>
+                                      <p:to>
+                                        <p:strVal val="visible"/>
+                                      </p:to>
+                                    </p:set>
+                                  </p:childTnLst>
+                                </p:cTn>
+                              </p:par>
+                              <p:par>
+                                <p:cTn id="7" presetID="1" presetClass="entr" presetSubtype="0" fill="hold" grpId="0" nodeType="withEffect">
+                                  <p:stCondLst>
+                                    <p:cond delay="0"/>
+                                  </p:stCondLst>
+                                  <p:childTnLst>
+                                    <p:set>
+                                      <p:cBhvr>
+                                        <p:cTn id="8" dur="1" fill="hold">
+                                          <p:stCondLst>
+                                            <p:cond delay="0"/>
+                                          </p:stCondLst>
+                                        </p:cTn>
+                                        <p:tgtEl>
+                                          <p:spTgt spid="7">
+                                            <p:txEl>
+                                              <p:pRg st="0" end="0"/>
+                                            </p:txEl>
+                                          </p:spTgt>
+                                        </p:tgtEl>
+                                        <p:attrNameLst>
+                                          <p:attrName>style.visibility</p:attrName>
+                                        </p:attrNameLst>
+                                      </p:cBhvr>
+                                      <p:to>
+                                        <p:strVal val="visible"/>
+                                      </p:to>
+                                    </p:set>
+                                  </p:childTnLst>
+                                </p:cTn>
+                              </p:par>
+                            </p:childTnLst>
+                          </p:cTn>
+                        </p:par>
+                      </p:childTnLst>
+                    </p:cTn>
+                  </p:par>
+                </p:childTnLst>
+              </p:cTn>
+              <p:prevCondLst>
+                <p:cond evt="onPrev" delay="0">
+                  <p:tgtEl>
+                    <p:sldTgt/>
+                  </p:tgtEl>
+                </p:cond>
+              </p:prevCondLst>
+              <p:nextCondLst>
+                <p:cond evt="onNext" delay="0">
+                  <p:tgtEl>
+                    <p:sldTgt/>
+                  </p:tgtEl>
+                </p:cond>
+              </p:nextCondLst>
+            </p:seq>
+          </p:childTnLst>
+        </p:cTn>
       </p:par>
     </p:tnLst>
+    <p:bldLst>
+      <p:bldP spid="7" grpId="0" build="p"/>
+    </p:bldLst>
   </p:timing>
 </p:sld>
 </file>
@@ -10000,8 +10103,8 @@
         </p:nvSpPr>
         <p:spPr>
           <a:xfrm>
-            <a:off x="5241000" y="1471047"/>
-            <a:ext cx="6065892" cy="2902953"/>
+            <a:off x="5106000" y="1415023"/>
+            <a:ext cx="6695892" cy="3217953"/>
           </a:xfrm>
         </p:spPr>
         <p:txBody>
@@ -10009,14 +10112,13 @@
           <a:lstStyle/>
           <a:p>
             <a:r>
-              <a:rPr lang="bg-BG" dirty="0" smtClean="0"/>
-              <a:t>Добавяне и премахване на програма в </a:t>
-            </a:r>
-            <a:r>
-              <a:rPr lang="en-US" dirty="0" smtClean="0"/>
+              <a:rPr lang="bg-BG" dirty="0"/>
+              <a:t>Добавяне и премахване на програма от </a:t>
+            </a:r>
+            <a:r>
+              <a:rPr lang="en-US" dirty="0"/>
               <a:t>Taskbar</a:t>
             </a:r>
-            <a:endParaRPr lang="en-US" dirty="0"/>
           </a:p>
         </p:txBody>
       </p:sp>
@@ -10109,13 +10211,6 @@
       <p:transition spd="slow" advClick="0" advTm="5000"/>
     </mc:Fallback>
   </mc:AlternateContent>
-  <p:timing>
-    <p:tnLst>
-      <p:par>
-        <p:cTn id="1" dur="indefinite" restart="never" nodeType="tmRoot"/>
-      </p:par>
-    </p:tnLst>
-  </p:timing>
 </p:sld>
 </file>
 
@@ -10183,14 +10278,13 @@
           <a:lstStyle/>
           <a:p>
             <a:r>
-              <a:rPr lang="bg-BG" dirty="0" smtClean="0"/>
+              <a:rPr lang="bg-BG" dirty="0"/>
               <a:t>Добавяне на програма в </a:t>
             </a:r>
             <a:r>
-              <a:rPr lang="en-US" dirty="0" smtClean="0"/>
+              <a:rPr lang="en-US" dirty="0"/>
               <a:t>Taskbar</a:t>
             </a:r>
-            <a:endParaRPr lang="en-US" dirty="0"/>
           </a:p>
         </p:txBody>
       </p:sp>
@@ -10254,7 +10348,7 @@
           <a:p>
             <a:pPr algn="ctr"/>
             <a:r>
-              <a:rPr lang="bg-BG" sz="2800" b="1" dirty="0" smtClean="0">
+              <a:rPr lang="bg-BG" sz="2800" b="1" dirty="0">
                 <a:solidFill>
                   <a:srgbClr val="FFFFFF"/>
                 </a:solidFill>
@@ -10269,7 +10363,7 @@
               <a:t>Отворяме </a:t>
             </a:r>
             <a:r>
-              <a:rPr lang="en-US" sz="2800" b="1" smtClean="0">
+              <a:rPr lang="en-US" sz="2800" b="1">
                 <a:solidFill>
                   <a:schemeClr val="bg1">
                     <a:lumMod val="60000"/>
@@ -10284,28 +10378,10 @@
                   </a:outerShdw>
                 </a:effectLst>
               </a:rPr>
-              <a:t>Search </a:t>
-            </a:r>
-            <a:r>
-              <a:rPr lang="en-US" sz="2800" b="1" smtClean="0">
-                <a:solidFill>
-                  <a:schemeClr val="bg1">
-                    <a:lumMod val="60000"/>
-                    <a:lumOff val="40000"/>
-                  </a:schemeClr>
-                </a:solidFill>
-                <a:effectLst>
-                  <a:outerShdw blurRad="38100" dist="38100" dir="2700000" algn="tl">
-                    <a:srgbClr val="000000">
-                      <a:alpha val="43137"/>
-                    </a:srgbClr>
-                  </a:outerShdw>
-                </a:effectLst>
-              </a:rPr>
-              <a:t>bar-a</a:t>
-            </a:r>
-            <a:r>
-              <a:rPr lang="bg-BG" sz="2800" b="1" smtClean="0">
+              <a:t>Search bar-a</a:t>
+            </a:r>
+            <a:r>
+              <a:rPr lang="bg-BG" sz="2800" b="1">
                 <a:solidFill>
                   <a:schemeClr val="bg1">
                     <a:lumMod val="60000"/>
@@ -10323,7 +10399,7 @@
               <a:t>  </a:t>
             </a:r>
             <a:r>
-              <a:rPr lang="bg-BG" sz="2800" b="1" dirty="0" smtClean="0">
+              <a:rPr lang="bg-BG" sz="2800" b="1" dirty="0">
                 <a:solidFill>
                   <a:srgbClr val="FFFFFF"/>
                 </a:solidFill>
@@ -10338,7 +10414,7 @@
               <a:t>и пишем името на програмата, която искаме да добавим на </a:t>
             </a:r>
             <a:r>
-              <a:rPr lang="en-US" sz="2800" b="1" dirty="0" smtClean="0">
+              <a:rPr lang="en-US" sz="2800" b="1" dirty="0">
                 <a:solidFill>
                   <a:srgbClr val="FFFFFF"/>
                 </a:solidFill>
@@ -10352,18 +10428,6 @@
               </a:rPr>
               <a:t>Taskbar</a:t>
             </a:r>
-            <a:endParaRPr lang="en-US" sz="2800" b="1" dirty="0">
-              <a:solidFill>
-                <a:srgbClr val="FFFFFF"/>
-              </a:solidFill>
-              <a:effectLst>
-                <a:outerShdw blurRad="38100" dist="38100" dir="2700000" algn="tl">
-                  <a:srgbClr val="000000">
-                    <a:alpha val="43137"/>
-                  </a:srgbClr>
-                </a:outerShdw>
-              </a:effectLst>
-            </a:endParaRPr>
           </a:p>
         </p:txBody>
       </p:sp>
@@ -10427,7 +10491,7 @@
           <a:p>
             <a:pPr algn="ctr"/>
             <a:r>
-              <a:rPr lang="bg-BG" sz="2800" b="1" dirty="0" smtClean="0">
+              <a:rPr lang="bg-BG" sz="2800" b="1" dirty="0">
                 <a:solidFill>
                   <a:srgbClr val="FFFFFF"/>
                 </a:solidFill>
@@ -10441,7 +10505,7 @@
               </a:rPr>
               <a:t>Избираме </a:t>
             </a:r>
-            <a:endParaRPr lang="en-US" sz="2800" b="1" dirty="0" smtClean="0">
+            <a:endParaRPr lang="en-US" sz="2800" b="1" dirty="0">
               <a:solidFill>
                 <a:srgbClr val="FFFFFF"/>
               </a:solidFill>
@@ -10457,7 +10521,22 @@
           <a:p>
             <a:pPr algn="ctr"/>
             <a:r>
-              <a:rPr lang="en-US" sz="2800" b="1" dirty="0" smtClean="0">
+              <a:rPr lang="en-US" sz="2800" dirty="0">
+                <a:solidFill>
+                  <a:schemeClr val="bg2"/>
+                </a:solidFill>
+                <a:effectLst>
+                  <a:outerShdw blurRad="38100" dist="38100" dir="2700000" algn="tl">
+                    <a:srgbClr val="000000">
+                      <a:alpha val="43137"/>
+                    </a:srgbClr>
+                  </a:outerShdw>
+                </a:effectLst>
+              </a:rPr>
+              <a:t>[</a:t>
+            </a:r>
+            <a:r>
+              <a:rPr lang="en-US" sz="2800" b="1" dirty="0">
                 <a:solidFill>
                   <a:schemeClr val="bg1">
                     <a:lumMod val="60000"/>
@@ -10474,21 +10553,21 @@
               </a:rPr>
               <a:t>Pin to taskbar</a:t>
             </a:r>
-            <a:endParaRPr lang="en-US" sz="2800" b="1" dirty="0">
-              <a:solidFill>
-                <a:schemeClr val="bg1">
-                  <a:lumMod val="60000"/>
-                  <a:lumOff val="40000"/>
-                </a:schemeClr>
-              </a:solidFill>
-              <a:effectLst>
-                <a:outerShdw blurRad="38100" dist="38100" dir="2700000" algn="tl">
-                  <a:srgbClr val="000000">
-                    <a:alpha val="43137"/>
-                  </a:srgbClr>
-                </a:outerShdw>
-              </a:effectLst>
-            </a:endParaRPr>
+            <a:r>
+              <a:rPr lang="en-US" sz="2800" dirty="0">
+                <a:solidFill>
+                  <a:schemeClr val="bg2"/>
+                </a:solidFill>
+                <a:effectLst>
+                  <a:outerShdw blurRad="38100" dist="38100" dir="2700000" algn="tl">
+                    <a:srgbClr val="000000">
+                      <a:alpha val="43137"/>
+                    </a:srgbClr>
+                  </a:outerShdw>
+                </a:effectLst>
+              </a:rPr>
+              <a:t>]</a:t>
+            </a:r>
           </a:p>
         </p:txBody>
       </p:sp>
@@ -10505,8 +10584,8 @@
           </a:xfrm>
           <a:prstGeom prst="wedgeRoundRectCallout">
             <a:avLst>
-              <a:gd name="adj1" fmla="val -68227"/>
-              <a:gd name="adj2" fmla="val 92535"/>
+              <a:gd name="adj1" fmla="val -69146"/>
+              <a:gd name="adj2" fmla="val 90951"/>
               <a:gd name="adj3" fmla="val 16667"/>
             </a:avLst>
           </a:prstGeom>
@@ -10552,7 +10631,7 @@
           <a:p>
             <a:pPr algn="ctr"/>
             <a:r>
-              <a:rPr lang="bg-BG" sz="2800" b="1" dirty="0" smtClean="0">
+              <a:rPr lang="bg-BG" sz="2800" b="1" dirty="0">
                 <a:solidFill>
                   <a:srgbClr val="FFFFFF"/>
                 </a:solidFill>
@@ -10567,7 +10646,7 @@
               <a:t>Оттук може и да добавим програмата в </a:t>
             </a:r>
             <a:r>
-              <a:rPr lang="bg-BG" sz="2800" b="1" dirty="0" smtClean="0">
+              <a:rPr lang="bg-BG" sz="2800" b="1" dirty="0">
                 <a:solidFill>
                   <a:schemeClr val="bg1">
                     <a:lumMod val="60000"/>
@@ -10961,22 +11040,22 @@
           <a:lstStyle/>
           <a:p>
             <a:r>
-              <a:rPr lang="bg-BG" dirty="0" smtClean="0"/>
+              <a:rPr lang="bg-BG" dirty="0"/>
               <a:t>͏</a:t>
             </a:r>
             <a:r>
-              <a:rPr lang="bg-BG" b="1" dirty="0" smtClean="0"/>
+              <a:rPr lang="bg-BG" b="1" dirty="0"/>
               <a:t>Операционна система</a:t>
             </a:r>
-            <a:endParaRPr lang="bg-BG" dirty="0" smtClean="0"/>
-          </a:p>
-          <a:p>
-            <a:r>
-              <a:rPr lang="bg-BG" dirty="0" smtClean="0"/>
+            <a:endParaRPr lang="bg-BG" dirty="0"/>
+          </a:p>
+          <a:p>
+            <a:r>
+              <a:rPr lang="bg-BG" dirty="0"/>
               <a:t>Персонализиране на </a:t>
             </a:r>
             <a:r>
-              <a:rPr lang="bg-BG" b="1" dirty="0" smtClean="0"/>
+              <a:rPr lang="bg-BG" b="1" dirty="0"/>
               <a:t>потребителски интерфейс</a:t>
             </a:r>
           </a:p>
@@ -11219,14 +11298,13 @@
           <a:lstStyle/>
           <a:p>
             <a:r>
-              <a:rPr lang="bg-BG" dirty="0" smtClean="0"/>
+              <a:rPr lang="bg-BG" dirty="0"/>
               <a:t>Премахване на програма от </a:t>
             </a:r>
             <a:r>
-              <a:rPr lang="en-US" dirty="0" smtClean="0"/>
+              <a:rPr lang="en-US" dirty="0"/>
               <a:t>Taskbar</a:t>
             </a:r>
-            <a:endParaRPr lang="en-US" dirty="0"/>
           </a:p>
         </p:txBody>
       </p:sp>
@@ -11321,7 +11399,7 @@
           <a:p>
             <a:pPr algn="ctr"/>
             <a:r>
-              <a:rPr lang="bg-BG" sz="2800" b="1" dirty="0" smtClean="0">
+              <a:rPr lang="bg-BG" sz="2800" b="1" dirty="0">
                 <a:solidFill>
                   <a:srgbClr val="FFFFFF"/>
                 </a:solidFill>
@@ -11336,7 +11414,7 @@
               <a:t>По същия начин намираме програмата, която искаме да премахнем от </a:t>
             </a:r>
             <a:r>
-              <a:rPr lang="en-US" sz="2800" b="1" dirty="0" smtClean="0">
+              <a:rPr lang="en-US" sz="2800" b="1" dirty="0">
                 <a:solidFill>
                   <a:srgbClr val="FFFFFF"/>
                 </a:solidFill>
@@ -11351,7 +11429,7 @@
               <a:t>Taskbar-</a:t>
             </a:r>
             <a:r>
-              <a:rPr lang="bg-BG" sz="2800" b="1" dirty="0" smtClean="0">
+              <a:rPr lang="bg-BG" sz="2800" b="1" dirty="0">
                 <a:solidFill>
                   <a:srgbClr val="FFFFFF"/>
                 </a:solidFill>
@@ -11389,7 +11467,7 @@
         <p:spPr bwMode="auto">
           <a:xfrm>
             <a:off x="7423500" y="4869000"/>
-            <a:ext cx="3307500" cy="1125000"/>
+            <a:ext cx="3442500" cy="1125000"/>
           </a:xfrm>
           <a:prstGeom prst="wedgeRoundRectCallout">
             <a:avLst>
@@ -11440,7 +11518,7 @@
           <a:p>
             <a:pPr algn="ctr"/>
             <a:r>
-              <a:rPr lang="bg-BG" sz="2800" b="1" dirty="0" smtClean="0">
+              <a:rPr lang="bg-BG" sz="2800" b="1" dirty="0">
                 <a:solidFill>
                   <a:srgbClr val="FFFFFF"/>
                 </a:solidFill>
@@ -11454,7 +11532,7 @@
               </a:rPr>
               <a:t>Избираме </a:t>
             </a:r>
-            <a:endParaRPr lang="en-US" sz="2800" b="1" dirty="0" smtClean="0">
+            <a:endParaRPr lang="en-US" sz="2800" b="1" dirty="0">
               <a:solidFill>
                 <a:srgbClr val="FFFFFF"/>
               </a:solidFill>
@@ -11470,7 +11548,22 @@
           <a:p>
             <a:pPr algn="ctr"/>
             <a:r>
-              <a:rPr lang="en-US" sz="2800" b="1" dirty="0" smtClean="0">
+              <a:rPr lang="en-US" sz="2800" dirty="0">
+                <a:solidFill>
+                  <a:schemeClr val="bg2"/>
+                </a:solidFill>
+                <a:effectLst>
+                  <a:outerShdw blurRad="38100" dist="38100" dir="2700000" algn="tl">
+                    <a:srgbClr val="000000">
+                      <a:alpha val="43137"/>
+                    </a:srgbClr>
+                  </a:outerShdw>
+                </a:effectLst>
+              </a:rPr>
+              <a:t>[</a:t>
+            </a:r>
+            <a:r>
+              <a:rPr lang="en-US" sz="2800" b="1" dirty="0">
                 <a:solidFill>
                   <a:schemeClr val="bg1">
                     <a:lumMod val="60000"/>
@@ -11486,6 +11579,21 @@
                 </a:effectLst>
               </a:rPr>
               <a:t>Unpin from taskbar</a:t>
+            </a:r>
+            <a:r>
+              <a:rPr lang="en-US" sz="2800" dirty="0">
+                <a:solidFill>
+                  <a:schemeClr val="bg2"/>
+                </a:solidFill>
+                <a:effectLst>
+                  <a:outerShdw blurRad="38100" dist="38100" dir="2700000" algn="tl">
+                    <a:srgbClr val="000000">
+                      <a:alpha val="43137"/>
+                    </a:srgbClr>
+                  </a:outerShdw>
+                </a:effectLst>
+              </a:rPr>
+              <a:t>]</a:t>
             </a:r>
             <a:endParaRPr lang="en-US" sz="2800" b="1" dirty="0">
               <a:solidFill>
@@ -12280,10 +12388,116 @@
                   </a:schemeClr>
                 </a:solidFill>
               </a:rPr>
-              <a:t>Операционна </a:t>
-            </a:r>
-            <a:r>
-              <a:rPr lang="bg-BG" sz="3200" b="1" dirty="0" smtClean="0">
+              <a:t>Операционна система</a:t>
+            </a:r>
+            <a:r>
+              <a:rPr lang="bg-BG" sz="3200" dirty="0">
+                <a:solidFill>
+                  <a:schemeClr val="bg2"/>
+                </a:solidFill>
+              </a:rPr>
+              <a:t>– набор от програми за, които управляват </a:t>
+            </a:r>
+            <a:r>
+              <a:rPr lang="bg-BG" sz="3200" b="1" dirty="0">
+                <a:solidFill>
+                  <a:schemeClr val="bg2"/>
+                </a:solidFill>
+              </a:rPr>
+              <a:t>КС</a:t>
+            </a:r>
+            <a:endParaRPr lang="en-US" sz="3200" b="1" dirty="0">
+              <a:solidFill>
+                <a:schemeClr val="bg2"/>
+              </a:solidFill>
+            </a:endParaRPr>
+          </a:p>
+          <a:p>
+            <a:pPr lvl="1"/>
+            <a:r>
+              <a:rPr lang="en-US" sz="2800" b="1" dirty="0">
+                <a:solidFill>
+                  <a:schemeClr val="bg2"/>
+                </a:solidFill>
+              </a:rPr>
+              <a:t>Microsoft Windows</a:t>
+            </a:r>
+            <a:r>
+              <a:rPr lang="en-US" sz="2800" dirty="0">
+                <a:solidFill>
+                  <a:schemeClr val="bg2"/>
+                </a:solidFill>
+              </a:rPr>
+              <a:t>, </a:t>
+            </a:r>
+            <a:r>
+              <a:rPr lang="en-US" sz="2800" b="1" dirty="0">
+                <a:solidFill>
+                  <a:schemeClr val="bg2"/>
+                </a:solidFill>
+              </a:rPr>
+              <a:t>Linux</a:t>
+            </a:r>
+            <a:r>
+              <a:rPr lang="en-US" sz="2800" dirty="0">
+                <a:solidFill>
+                  <a:schemeClr val="bg2"/>
+                </a:solidFill>
+              </a:rPr>
+              <a:t>, </a:t>
+            </a:r>
+            <a:r>
+              <a:rPr lang="en-US" sz="2800" b="1" dirty="0">
+                <a:solidFill>
+                  <a:schemeClr val="bg2"/>
+                </a:solidFill>
+              </a:rPr>
+              <a:t>macOS</a:t>
+            </a:r>
+            <a:r>
+              <a:rPr lang="en-US" sz="2800" dirty="0">
+                <a:solidFill>
+                  <a:schemeClr val="bg2"/>
+                </a:solidFill>
+              </a:rPr>
+              <a:t>, </a:t>
+            </a:r>
+            <a:r>
+              <a:rPr lang="en-US" sz="2800" b="1" dirty="0">
+                <a:solidFill>
+                  <a:schemeClr val="bg2"/>
+                </a:solidFill>
+              </a:rPr>
+              <a:t>iOS</a:t>
+            </a:r>
+            <a:r>
+              <a:rPr lang="en-US" sz="2800" dirty="0">
+                <a:solidFill>
+                  <a:schemeClr val="bg2"/>
+                </a:solidFill>
+              </a:rPr>
+              <a:t>, </a:t>
+            </a:r>
+            <a:r>
+              <a:rPr lang="en-US" sz="2800" b="1" dirty="0">
+                <a:solidFill>
+                  <a:schemeClr val="bg2"/>
+                </a:solidFill>
+              </a:rPr>
+              <a:t>Android</a:t>
+            </a:r>
+          </a:p>
+          <a:p>
+            <a:r>
+              <a:rPr lang="bg-BG" sz="3200" b="1" dirty="0">
+                <a:solidFill>
+                  <a:schemeClr val="bg2"/>
+                </a:solidFill>
+              </a:rPr>
+              <a:t>͏</a:t>
+            </a:r>
+            <a:r>
+              <a:rPr lang="bg-BG" sz="3200" b="1" dirty="0">
                 <a:solidFill>
                   <a:schemeClr val="bg1">
                     <a:lumMod val="60000"/>
@@ -12291,132 +12505,63 @@
                   </a:schemeClr>
                 </a:solidFill>
               </a:rPr>
-              <a:t>система</a:t>
-            </a:r>
-            <a:r>
-              <a:rPr lang="bg-BG" sz="3200" dirty="0" smtClean="0">
+              <a:t>Потребителски интерфейс </a:t>
+            </a:r>
+            <a:r>
+              <a:rPr lang="bg-BG" sz="3200" dirty="0">
                 <a:solidFill>
                   <a:schemeClr val="bg2"/>
                 </a:solidFill>
               </a:rPr>
-              <a:t>– </a:t>
-            </a:r>
-            <a:r>
-              <a:rPr lang="bg-BG" sz="3200" dirty="0">
+              <a:t>– п</a:t>
+            </a:r>
+            <a:r>
+              <a:rPr lang="ru-RU" sz="3200" dirty="0">
                 <a:solidFill>
                   <a:schemeClr val="bg2"/>
                 </a:solidFill>
               </a:rPr>
-              <a:t>набор от програми </a:t>
-            </a:r>
-            <a:r>
-              <a:rPr lang="bg-BG" sz="3200" dirty="0" smtClean="0">
+              <a:t>рограмните средства, с помощта на които </a:t>
+            </a:r>
+            <a:r>
+              <a:rPr lang="ru-RU" sz="3200" b="1" dirty="0">
                 <a:solidFill>
                   <a:schemeClr val="bg2"/>
                 </a:solidFill>
               </a:rPr>
-              <a:t>за, които управляват </a:t>
-            </a:r>
-            <a:r>
-              <a:rPr lang="bg-BG" sz="3200" b="1" dirty="0" smtClean="0">
+              <a:t>потребителят общува </a:t>
+            </a:r>
+            <a:r>
+              <a:rPr lang="ru-RU" sz="3200" dirty="0">
+                <a:solidFill>
+                  <a:schemeClr val="bg2"/>
+                </a:solidFill>
+              </a:rPr>
+              <a:t>с </a:t>
+            </a:r>
+            <a:r>
+              <a:rPr lang="bg-BG" sz="3200" b="1" dirty="0">
                 <a:solidFill>
                   <a:schemeClr val="bg2"/>
                 </a:solidFill>
               </a:rPr>
               <a:t>КС</a:t>
             </a:r>
-            <a:endParaRPr lang="en-US" sz="3200" b="1" dirty="0" smtClean="0">
-              <a:solidFill>
-                <a:schemeClr val="bg2"/>
-              </a:solidFill>
-            </a:endParaRPr>
+          </a:p>
+          <a:p>
+            <a:r>
+              <a:rPr lang="bg-BG" dirty="0">
+                <a:solidFill>
+                  <a:schemeClr val="bg2"/>
+                </a:solidFill>
+              </a:rPr>
+              <a:t>Интерфейсът може да бъде:</a:t>
+            </a:r>
           </a:p>
           <a:p>
             <a:pPr lvl="1"/>
             <a:r>
-              <a:rPr lang="en-US" sz="2800" b="1" dirty="0">
-                <a:solidFill>
-                  <a:schemeClr val="bg2"/>
-                </a:solidFill>
-              </a:rPr>
-              <a:t>Microsoft </a:t>
-            </a:r>
-            <a:r>
-              <a:rPr lang="en-US" sz="2800" b="1" dirty="0" smtClean="0">
-                <a:solidFill>
-                  <a:schemeClr val="bg2"/>
-                </a:solidFill>
-              </a:rPr>
-              <a:t>Windows</a:t>
-            </a:r>
-            <a:r>
-              <a:rPr lang="en-US" sz="2800" dirty="0" smtClean="0">
-                <a:solidFill>
-                  <a:schemeClr val="bg2"/>
-                </a:solidFill>
-              </a:rPr>
-              <a:t>, </a:t>
-            </a:r>
-            <a:r>
-              <a:rPr lang="en-US" sz="2800" b="1" dirty="0" smtClean="0">
-                <a:solidFill>
-                  <a:schemeClr val="bg2"/>
-                </a:solidFill>
-              </a:rPr>
-              <a:t>Linux</a:t>
-            </a:r>
-            <a:r>
-              <a:rPr lang="en-US" sz="2800" dirty="0" smtClean="0">
-                <a:solidFill>
-                  <a:schemeClr val="bg2"/>
-                </a:solidFill>
-              </a:rPr>
-              <a:t>, </a:t>
-            </a:r>
-            <a:r>
-              <a:rPr lang="en-US" sz="2800" b="1" dirty="0" smtClean="0">
-                <a:solidFill>
-                  <a:schemeClr val="bg2"/>
-                </a:solidFill>
-              </a:rPr>
-              <a:t>macOS</a:t>
-            </a:r>
-            <a:r>
-              <a:rPr lang="en-US" sz="2800" dirty="0" smtClean="0">
-                <a:solidFill>
-                  <a:schemeClr val="bg2"/>
-                </a:solidFill>
-              </a:rPr>
-              <a:t>, </a:t>
-            </a:r>
-            <a:r>
-              <a:rPr lang="en-US" sz="2800" b="1" dirty="0" smtClean="0">
-                <a:solidFill>
-                  <a:schemeClr val="bg2"/>
-                </a:solidFill>
-              </a:rPr>
-              <a:t>iOS</a:t>
-            </a:r>
-            <a:r>
-              <a:rPr lang="en-US" sz="2800" dirty="0" smtClean="0">
-                <a:solidFill>
-                  <a:schemeClr val="bg2"/>
-                </a:solidFill>
-              </a:rPr>
-              <a:t>, </a:t>
-            </a:r>
-            <a:r>
-              <a:rPr lang="en-US" sz="2800" b="1" dirty="0" smtClean="0">
-                <a:solidFill>
-                  <a:schemeClr val="bg2"/>
-                </a:solidFill>
-              </a:rPr>
-              <a:t>Android</a:t>
-            </a:r>
-          </a:p>
-          <a:p>
-            <a:r>
-              <a:rPr lang="bg-BG" sz="3200" b="1" dirty="0" smtClean="0">
+              <a:rPr lang="bg-BG" dirty="0">
                 <a:solidFill>
                   <a:schemeClr val="bg2"/>
                 </a:solidFill>
@@ -12424,87 +12569,7 @@
               <a:t>͏</a:t>
             </a:r>
             <a:r>
-              <a:rPr lang="bg-BG" sz="3200" b="1" dirty="0" smtClean="0">
-                <a:solidFill>
-                  <a:schemeClr val="bg1">
-                    <a:lumMod val="60000"/>
-                    <a:lumOff val="40000"/>
-                  </a:schemeClr>
-                </a:solidFill>
-              </a:rPr>
-              <a:t>Потребителски интерфейс </a:t>
-            </a:r>
-            <a:r>
-              <a:rPr lang="bg-BG" sz="3200" dirty="0" smtClean="0">
-                <a:solidFill>
-                  <a:schemeClr val="bg2"/>
-                </a:solidFill>
-              </a:rPr>
-              <a:t>– </a:t>
-            </a:r>
-            <a:r>
-              <a:rPr lang="bg-BG" sz="3200" dirty="0">
-                <a:solidFill>
-                  <a:schemeClr val="bg2"/>
-                </a:solidFill>
-              </a:rPr>
-              <a:t>п</a:t>
-            </a:r>
-            <a:r>
-              <a:rPr lang="ru-RU" sz="3200" dirty="0">
-                <a:solidFill>
-                  <a:schemeClr val="bg2"/>
-                </a:solidFill>
-              </a:rPr>
-              <a:t>рограмните средства, с помощта на които </a:t>
-            </a:r>
-            <a:r>
-              <a:rPr lang="ru-RU" sz="3200" b="1" dirty="0">
-                <a:solidFill>
-                  <a:schemeClr val="bg2"/>
-                </a:solidFill>
-              </a:rPr>
-              <a:t>потребителят общува </a:t>
-            </a:r>
-            <a:r>
-              <a:rPr lang="ru-RU" sz="3200" dirty="0">
-                <a:solidFill>
-                  <a:schemeClr val="bg2"/>
-                </a:solidFill>
-              </a:rPr>
-              <a:t>с </a:t>
-            </a:r>
-            <a:r>
-              <a:rPr lang="bg-BG" sz="3200" b="1" dirty="0" smtClean="0">
-                <a:solidFill>
-                  <a:schemeClr val="bg2"/>
-                </a:solidFill>
-              </a:rPr>
-              <a:t>КС</a:t>
-            </a:r>
-          </a:p>
-          <a:p>
-            <a:r>
-              <a:rPr lang="bg-BG" dirty="0">
-                <a:solidFill>
-                  <a:schemeClr val="bg2"/>
-                </a:solidFill>
-              </a:rPr>
-              <a:t>Интерфейсът може да бъде:</a:t>
-            </a:r>
-          </a:p>
-          <a:p>
-            <a:pPr lvl="1"/>
-            <a:r>
-              <a:rPr lang="bg-BG" dirty="0">
-                <a:solidFill>
-                  <a:schemeClr val="bg2"/>
-                </a:solidFill>
-              </a:rPr>
-              <a:t>͏</a:t>
-            </a:r>
-            <a:r>
-              <a:rPr lang="bg-BG" b="1" dirty="0" smtClean="0">
+              <a:rPr lang="bg-BG" b="1" dirty="0">
                 <a:solidFill>
                   <a:schemeClr val="bg2"/>
                 </a:solidFill>
@@ -12512,7 +12577,7 @@
               <a:t>Буквено-цифров</a:t>
             </a:r>
             <a:r>
-              <a:rPr lang="bg-BG" dirty="0" smtClean="0">
+              <a:rPr lang="bg-BG" dirty="0">
                 <a:solidFill>
                   <a:schemeClr val="bg2"/>
                 </a:solidFill>
@@ -12523,7 +12588,7 @@
           <a:p>
             <a:pPr lvl="1"/>
             <a:r>
-              <a:rPr lang="bg-BG" b="1" dirty="0" smtClean="0">
+              <a:rPr lang="bg-BG" b="1" dirty="0">
                 <a:solidFill>
                   <a:schemeClr val="bg2"/>
                 </a:solidFill>
@@ -12963,7 +13028,7 @@
                 <a:hlinkClick r:id="rId3">
                   <a:extLst>
                     <a:ext uri="{A12FA001-AC4F-418D-AE19-62706E023703}">
-                      <ahyp:hlinkClr xmlns="" xmlns:ahyp="http://schemas.microsoft.com/office/drawing/2018/hyperlinkcolor" val="tx"/>
+                      <ahyp:hlinkClr xmlns:ahyp="http://schemas.microsoft.com/office/drawing/2018/hyperlinkcolor" val="tx"/>
                     </a:ext>
                   </a:extLst>
                 </a:hlinkClick>
@@ -13036,13 +13101,6 @@
       <p:transition spd="slow" advClick="0" advTm="5000"/>
     </mc:Fallback>
   </mc:AlternateContent>
-  <p:timing>
-    <p:tnLst>
-      <p:par>
-        <p:cTn id="1" dur="indefinite" restart="never" nodeType="tmRoot"/>
-      </p:par>
-    </p:tnLst>
-  </p:timing>
 </p:sld>
 </file>
 
@@ -13426,13 +13484,6 @@
       <p:transition spd="slow" advClick="0" advTm="5000"/>
     </mc:Fallback>
   </mc:AlternateContent>
-  <p:timing>
-    <p:tnLst>
-      <p:par>
-        <p:cTn id="1" dur="indefinite" restart="never" nodeType="tmRoot"/>
-      </p:par>
-    </p:tnLst>
-  </p:timing>
 </p:sld>
 </file>
 
@@ -13469,7 +13520,7 @@
           <a:lstStyle/>
           <a:p>
             <a:r>
-              <a:rPr lang="bg-BG" dirty="0" smtClean="0"/>
+              <a:rPr lang="bg-BG" dirty="0"/>
               <a:t>Основни функции</a:t>
             </a:r>
             <a:endParaRPr lang="en-US" dirty="0"/>
@@ -13493,11 +13544,7 @@
           <a:p>
             <a:r>
               <a:rPr lang="bg-BG" dirty="0"/>
-              <a:t>͏Операционна </a:t>
-            </a:r>
-            <a:r>
-              <a:rPr lang="bg-BG" dirty="0" smtClean="0"/>
-              <a:t>система</a:t>
+              <a:t>͏Операционна система</a:t>
             </a:r>
             <a:endParaRPr lang="en-US" dirty="0"/>
           </a:p>
@@ -13551,13 +13598,6 @@
       <p:transition spd="slow" advClick="0" advTm="5000"/>
     </mc:Fallback>
   </mc:AlternateContent>
-  <p:timing>
-    <p:tnLst>
-      <p:par>
-        <p:cTn id="1" dur="indefinite" restart="never" nodeType="tmRoot"/>
-      </p:par>
-    </p:tnLst>
-  </p:timing>
 </p:sld>
 </file>
 
@@ -13594,11 +13634,11 @@
           <a:lstStyle/>
           <a:p>
             <a:r>
-              <a:rPr lang="bg-BG" dirty="0" smtClean="0"/>
+              <a:rPr lang="bg-BG" dirty="0"/>
               <a:t>͏</a:t>
             </a:r>
             <a:r>
-              <a:rPr lang="bg-BG" b="1" dirty="0" smtClean="0">
+              <a:rPr lang="bg-BG" b="1" dirty="0">
                 <a:solidFill>
                   <a:schemeClr val="bg1"/>
                 </a:solidFill>
@@ -13606,15 +13646,15 @@
               <a:t>Операционна система </a:t>
             </a:r>
             <a:r>
-              <a:rPr lang="bg-BG" dirty="0" smtClean="0"/>
+              <a:rPr lang="bg-BG" dirty="0"/>
               <a:t>(</a:t>
             </a:r>
             <a:r>
-              <a:rPr lang="bg-BG" b="1" dirty="0" smtClean="0"/>
+              <a:rPr lang="bg-BG" b="1" dirty="0"/>
               <a:t>ОС</a:t>
             </a:r>
             <a:r>
-              <a:rPr lang="bg-BG" dirty="0" smtClean="0"/>
+              <a:rPr lang="bg-BG" dirty="0"/>
               <a:t>) – набор от програми за управление на компютърната система</a:t>
             </a:r>
           </a:p>
@@ -13622,19 +13662,7 @@
             <a:pPr lvl="1"/>
             <a:r>
               <a:rPr lang="ru-RU" dirty="0"/>
-              <a:t>Д</a:t>
-            </a:r>
-            <a:r>
-              <a:rPr lang="ru-RU" dirty="0" smtClean="0"/>
-              <a:t>ейства </a:t>
-            </a:r>
-            <a:r>
-              <a:rPr lang="ru-RU" dirty="0"/>
-              <a:t>като посредник между хардуерните компоненти на компютъра </a:t>
-            </a:r>
-            <a:r>
-              <a:rPr lang="ru-RU" dirty="0" smtClean="0"/>
-              <a:t>и софтуерните приложения</a:t>
+              <a:t>Действа като посредник между хардуерните компоненти на компютъра и софтуерните приложения</a:t>
             </a:r>
             <a:endParaRPr lang="en-US" dirty="0"/>
           </a:p>
@@ -13656,7 +13684,7 @@
           <a:lstStyle/>
           <a:p>
             <a:r>
-              <a:rPr lang="bg-BG" dirty="0" smtClean="0"/>
+              <a:rPr lang="bg-BG" dirty="0"/>
               <a:t>Какво е операционна система?</a:t>
             </a:r>
             <a:endParaRPr lang="en-US" dirty="0"/>
@@ -13915,15 +13943,15 @@
           <a:lstStyle/>
           <a:p>
             <a:r>
-              <a:rPr lang="bg-BG" dirty="0" smtClean="0"/>
+              <a:rPr lang="bg-BG" dirty="0"/>
               <a:t>Операционната система има няколко </a:t>
             </a:r>
             <a:r>
-              <a:rPr lang="bg-BG" b="1" dirty="0" smtClean="0"/>
+              <a:rPr lang="bg-BG" b="1" dirty="0"/>
               <a:t>основни функции</a:t>
             </a:r>
             <a:r>
-              <a:rPr lang="bg-BG" dirty="0" smtClean="0"/>
+              <a:rPr lang="bg-BG" dirty="0"/>
               <a:t>:</a:t>
             </a:r>
           </a:p>
@@ -13942,22 +13970,13 @@
               <a:t> на </a:t>
             </a:r>
             <a:r>
-              <a:rPr lang="ru-RU" b="1" dirty="0" smtClean="0"/>
+              <a:rPr lang="ru-RU" b="1" dirty="0"/>
               <a:t>софтуерни приложния</a:t>
             </a:r>
             <a:r>
-              <a:rPr lang="ru-RU" dirty="0" smtClean="0"/>
-              <a:t> </a:t>
-            </a:r>
-            <a:r>
               <a:rPr lang="ru-RU" dirty="0"/>
-              <a:t>от </a:t>
-            </a:r>
-            <a:r>
-              <a:rPr lang="ru-RU" dirty="0" smtClean="0"/>
-              <a:t>компютъра</a:t>
-            </a:r>
-            <a:endParaRPr lang="ru-RU" dirty="0"/>
+              <a:t> от компютъра</a:t>
+            </a:r>
           </a:p>
           <a:p>
             <a:pPr lvl="1"/>
@@ -13987,23 +14006,14 @@
             </a:r>
             <a:r>
               <a:rPr lang="ru-RU" dirty="0"/>
-              <a:t> от различните </a:t>
-            </a:r>
-            <a:r>
-              <a:rPr lang="ru-RU" dirty="0" smtClean="0"/>
-              <a:t>приложения</a:t>
-            </a:r>
-            <a:endParaRPr lang="ru-RU" dirty="0"/>
+              <a:t> от различните приложения</a:t>
+            </a:r>
           </a:p>
           <a:p>
             <a:pPr lvl="1"/>
             <a:r>
-              <a:rPr lang="ru-RU" dirty="0" smtClean="0"/>
-              <a:t>Позволява </a:t>
-            </a:r>
-            <a:r>
               <a:rPr lang="ru-RU" dirty="0"/>
-              <a:t>на </a:t>
+              <a:t>Позволява на </a:t>
             </a:r>
             <a:r>
               <a:rPr lang="ru-RU" b="1" dirty="0"/>
@@ -14019,13 +14029,8 @@
             </a:r>
             <a:r>
               <a:rPr lang="ru-RU" dirty="0"/>
-              <a:t>чрез </a:t>
-            </a:r>
-            <a:r>
-              <a:rPr lang="ru-RU" dirty="0" smtClean="0"/>
-              <a:t>потребителския интерфейс</a:t>
-            </a:r>
-            <a:endParaRPr lang="ru-RU" dirty="0"/>
+              <a:t>чрез потребителския интерфейс</a:t>
+            </a:r>
           </a:p>
           <a:p>
             <a:pPr lvl="1"/>
@@ -14037,21 +14042,12 @@
               <a:rPr lang="ru-RU" b="1" dirty="0"/>
               <a:t>периферните устройства </a:t>
             </a:r>
-            <a:endParaRPr lang="ru-RU" b="1" dirty="0" smtClean="0"/>
           </a:p>
           <a:p>
             <a:pPr lvl="2"/>
             <a:r>
-              <a:rPr lang="ru-RU" dirty="0" smtClean="0"/>
-              <a:t>Клавиатура</a:t>
-            </a:r>
-            <a:r>
               <a:rPr lang="ru-RU" dirty="0"/>
-              <a:t>, мишка, монитор, скенер, принтер и др</a:t>
-            </a:r>
-            <a:r>
-              <a:rPr lang="ru-RU" dirty="0" smtClean="0"/>
-              <a:t>.</a:t>
+              <a:t>Клавиатура, мишка, монитор, скенер, принтер и др.</a:t>
             </a:r>
             <a:endParaRPr lang="en-US" dirty="0"/>
           </a:p>
@@ -14073,7 +14069,7 @@
           <a:lstStyle/>
           <a:p>
             <a:r>
-              <a:rPr lang="bg-BG" dirty="0" smtClean="0"/>
+              <a:rPr lang="bg-BG" dirty="0"/>
               <a:t>Основни функции на ОС</a:t>
             </a:r>
             <a:endParaRPr lang="en-US" dirty="0"/>
@@ -14433,50 +14429,50 @@
           <a:lstStyle/>
           <a:p>
             <a:r>
-              <a:rPr lang="bg-BG" dirty="0" smtClean="0"/>
+              <a:rPr lang="bg-BG" dirty="0"/>
               <a:t>Едни от </a:t>
             </a:r>
             <a:r>
-              <a:rPr lang="bg-BG" b="1" dirty="0" smtClean="0"/>
+              <a:rPr lang="bg-BG" b="1" dirty="0"/>
               <a:t>най-известните ОС</a:t>
             </a:r>
             <a:r>
-              <a:rPr lang="bg-BG" dirty="0" smtClean="0"/>
+              <a:rPr lang="bg-BG" dirty="0"/>
               <a:t> са:</a:t>
             </a:r>
           </a:p>
           <a:p>
             <a:pPr lvl="1"/>
             <a:r>
-              <a:rPr lang="en-US" dirty="0" smtClean="0"/>
+              <a:rPr lang="en-US" dirty="0"/>
               <a:t>Microsoft Windows</a:t>
             </a:r>
           </a:p>
           <a:p>
             <a:pPr lvl="1"/>
             <a:r>
-              <a:rPr lang="en-US" dirty="0" smtClean="0"/>
+              <a:rPr lang="en-US" dirty="0"/>
               <a:t>Linux</a:t>
             </a:r>
           </a:p>
           <a:p>
             <a:pPr lvl="1"/>
             <a:r>
-              <a:rPr lang="en-US" dirty="0" smtClean="0"/>
+              <a:rPr lang="en-US" dirty="0"/>
               <a:t>macOS</a:t>
             </a:r>
           </a:p>
           <a:p>
             <a:pPr lvl="1"/>
             <a:r>
-              <a:rPr lang="en-US" dirty="0" smtClean="0"/>
+              <a:rPr lang="en-US" dirty="0"/>
               <a:t>iOS</a:t>
             </a:r>
           </a:p>
           <a:p>
             <a:pPr lvl="1"/>
             <a:r>
-              <a:rPr lang="en-US" dirty="0" smtClean="0"/>
+              <a:rPr lang="en-US" dirty="0"/>
               <a:t>Android</a:t>
             </a:r>
           </a:p>
@@ -14502,7 +14498,7 @@
           <a:lstStyle/>
           <a:p>
             <a:r>
-              <a:rPr lang="bg-BG" dirty="0" smtClean="0"/>
+              <a:rPr lang="bg-BG" dirty="0"/>
               <a:t>Най-известните ОС</a:t>
             </a:r>
             <a:endParaRPr lang="en-US" dirty="0"/>
@@ -15150,11 +15146,7 @@
           <a:p>
             <a:r>
               <a:rPr lang="bg-BG" dirty="0"/>
-              <a:t>Персонализиране на потребителски </a:t>
-            </a:r>
-            <a:r>
-              <a:rPr lang="bg-BG" dirty="0" smtClean="0"/>
-              <a:t>интерфейс</a:t>
+              <a:t>Персонализиране на потребителски интерфейс</a:t>
             </a:r>
             <a:endParaRPr lang="en-US" dirty="0"/>
           </a:p>
@@ -15208,13 +15200,6 @@
       <p:transition spd="slow" advClick="0" advTm="5000"/>
     </mc:Fallback>
   </mc:AlternateContent>
-  <p:timing>
-    <p:tnLst>
-      <p:par>
-        <p:cTn id="1" dur="indefinite" restart="never" nodeType="tmRoot"/>
-      </p:par>
-    </p:tnLst>
-  </p:timing>
 </p:sld>
 </file>
 
@@ -15251,11 +15236,11 @@
           <a:lstStyle/>
           <a:p>
             <a:r>
-              <a:rPr lang="bg-BG" dirty="0" smtClean="0"/>
+              <a:rPr lang="bg-BG" dirty="0"/>
               <a:t>͏</a:t>
             </a:r>
             <a:r>
-              <a:rPr lang="bg-BG" b="1" dirty="0" smtClean="0">
+              <a:rPr lang="bg-BG" b="1" dirty="0">
                 <a:solidFill>
                   <a:schemeClr val="bg1"/>
                 </a:solidFill>
@@ -15263,19 +15248,19 @@
               <a:t>Потребителски интерфейс </a:t>
             </a:r>
             <a:r>
-              <a:rPr lang="bg-BG" dirty="0" smtClean="0"/>
+              <a:rPr lang="bg-BG" dirty="0"/>
               <a:t>(</a:t>
             </a:r>
             <a:r>
-              <a:rPr lang="bg-BG" b="1" dirty="0" smtClean="0"/>
+              <a:rPr lang="bg-BG" b="1" dirty="0"/>
               <a:t>ПИ</a:t>
             </a:r>
             <a:r>
-              <a:rPr lang="bg-BG" dirty="0" smtClean="0"/>
+              <a:rPr lang="bg-BG" dirty="0"/>
               <a:t>)</a:t>
             </a:r>
             <a:r>
-              <a:rPr lang="bg-BG" b="1" dirty="0" smtClean="0">
+              <a:rPr lang="bg-BG" b="1" dirty="0">
                 <a:solidFill>
                   <a:schemeClr val="bg1"/>
                 </a:solidFill>
@@ -15283,24 +15268,16 @@
               <a:t> </a:t>
             </a:r>
             <a:r>
-              <a:rPr lang="bg-BG" dirty="0" smtClean="0"/>
+              <a:rPr lang="bg-BG" dirty="0"/>
               <a:t>– п</a:t>
             </a:r>
             <a:r>
-              <a:rPr lang="ru-RU" dirty="0" smtClean="0"/>
-              <a:t>рограмните </a:t>
-            </a:r>
-            <a:r>
               <a:rPr lang="ru-RU" dirty="0"/>
-              <a:t>средства, с помощта на които </a:t>
+              <a:t>рограмните средства, с помощта на които </a:t>
             </a:r>
             <a:r>
               <a:rPr lang="ru-RU" b="1" dirty="0"/>
-              <a:t>потребителят </a:t>
-            </a:r>
-            <a:r>
-              <a:rPr lang="ru-RU" b="1" dirty="0" smtClean="0"/>
-              <a:t>общува </a:t>
+              <a:t>потребителят общува </a:t>
             </a:r>
             <a:r>
               <a:rPr lang="ru-RU" dirty="0"/>
@@ -15315,11 +15292,11 @@
               <a:t> </a:t>
             </a:r>
             <a:r>
-              <a:rPr lang="ru-RU" b="1" dirty="0" smtClean="0"/>
+              <a:rPr lang="ru-RU" b="1" dirty="0"/>
               <a:t>система</a:t>
             </a:r>
             <a:r>
-              <a:rPr lang="ru-RU" dirty="0" smtClean="0"/>
+              <a:rPr lang="ru-RU" dirty="0"/>
               <a:t> </a:t>
             </a:r>
             <a:endParaRPr lang="en-US" dirty="0"/>
@@ -15342,7 +15319,7 @@
           <a:lstStyle/>
           <a:p>
             <a:r>
-              <a:rPr lang="bg-BG" dirty="0" smtClean="0"/>
+              <a:rPr lang="bg-BG" dirty="0"/>
               <a:t>Какво е потребителски интерфейс?</a:t>
             </a:r>
             <a:endParaRPr lang="en-US" dirty="0"/>
@@ -15371,8 +15348,8 @@
         </p:blipFill>
         <p:spPr>
           <a:xfrm>
-            <a:off x="2212969" y="3204000"/>
-            <a:ext cx="7766063" cy="3172054"/>
+            <a:off x="1627192" y="2979000"/>
+            <a:ext cx="8937615" cy="3650575"/>
           </a:xfrm>
           <a:prstGeom prst="rect">
             <a:avLst/>
@@ -15532,18 +15509,18 @@
           <a:lstStyle/>
           <a:p>
             <a:r>
-              <a:rPr lang="bg-BG" dirty="0" smtClean="0"/>
+              <a:rPr lang="bg-BG" dirty="0"/>
               <a:t>Интерфейсът може да бъде:</a:t>
             </a:r>
           </a:p>
           <a:p>
             <a:pPr lvl="1"/>
             <a:r>
-              <a:rPr lang="bg-BG" dirty="0" smtClean="0"/>
+              <a:rPr lang="bg-BG" dirty="0"/>
               <a:t>͏</a:t>
             </a:r>
             <a:r>
-              <a:rPr lang="bg-BG" b="1" dirty="0" smtClean="0">
+              <a:rPr lang="bg-BG" b="1" dirty="0">
                 <a:solidFill>
                   <a:schemeClr val="bg1"/>
                 </a:solidFill>
@@ -15551,22 +15528,22 @@
               <a:t>Буквено-цифров</a:t>
             </a:r>
             <a:r>
-              <a:rPr lang="bg-BG" dirty="0" smtClean="0"/>
+              <a:rPr lang="bg-BG" dirty="0"/>
               <a:t> – писане на </a:t>
             </a:r>
             <a:r>
-              <a:rPr lang="bg-BG" b="1" dirty="0" smtClean="0"/>
+              <a:rPr lang="bg-BG" b="1" dirty="0"/>
               <a:t>команди</a:t>
             </a:r>
           </a:p>
           <a:p>
             <a:pPr lvl="1"/>
             <a:r>
-              <a:rPr lang="bg-BG" dirty="0" smtClean="0"/>
+              <a:rPr lang="bg-BG" dirty="0"/>
               <a:t>͏</a:t>
             </a:r>
             <a:r>
-              <a:rPr lang="bg-BG" b="1" dirty="0" smtClean="0">
+              <a:rPr lang="bg-BG" b="1" dirty="0">
                 <a:solidFill>
                   <a:schemeClr val="bg1"/>
                 </a:solidFill>
@@ -15574,39 +15551,39 @@
               <a:t>Графичен</a:t>
             </a:r>
             <a:r>
-              <a:rPr lang="bg-BG" dirty="0" smtClean="0"/>
+              <a:rPr lang="bg-BG" dirty="0"/>
               <a:t> – използване на </a:t>
             </a:r>
             <a:r>
-              <a:rPr lang="bg-BG" b="1" dirty="0" smtClean="0"/>
+              <a:rPr lang="bg-BG" b="1" dirty="0"/>
               <a:t>видими обекти </a:t>
             </a:r>
             <a:r>
-              <a:rPr lang="bg-BG" dirty="0" smtClean="0"/>
+              <a:rPr lang="bg-BG" dirty="0"/>
               <a:t>на екрана с помощта на </a:t>
             </a:r>
             <a:r>
-              <a:rPr lang="bg-BG" b="1" dirty="0" smtClean="0"/>
+              <a:rPr lang="bg-BG" b="1" dirty="0"/>
               <a:t>клавиатура</a:t>
             </a:r>
             <a:r>
-              <a:rPr lang="bg-BG" dirty="0" smtClean="0"/>
+              <a:rPr lang="bg-BG" dirty="0"/>
               <a:t>, </a:t>
             </a:r>
             <a:r>
-              <a:rPr lang="bg-BG" b="1" dirty="0" smtClean="0"/>
+              <a:rPr lang="bg-BG" b="1" dirty="0"/>
               <a:t>мишка</a:t>
             </a:r>
             <a:r>
-              <a:rPr lang="bg-BG" dirty="0" smtClean="0"/>
+              <a:rPr lang="bg-BG" dirty="0"/>
               <a:t> и </a:t>
             </a:r>
             <a:r>
-              <a:rPr lang="bg-BG" b="1" dirty="0" smtClean="0"/>
+              <a:rPr lang="bg-BG" b="1" dirty="0"/>
               <a:t>др</a:t>
             </a:r>
             <a:r>
-              <a:rPr lang="bg-BG" dirty="0" smtClean="0"/>
+              <a:rPr lang="bg-BG" dirty="0"/>
               <a:t>.</a:t>
             </a:r>
             <a:endParaRPr lang="en-US" dirty="0"/>
@@ -15629,7 +15606,7 @@
           <a:lstStyle/>
           <a:p>
             <a:r>
-              <a:rPr lang="bg-BG" dirty="0" smtClean="0"/>
+              <a:rPr lang="bg-BG" dirty="0"/>
               <a:t>Потребителски интерфейс</a:t>
             </a:r>
             <a:endParaRPr lang="en-US" dirty="0"/>

--- a/Courses/Computer-Modeling-and-IT/Computer-Modeling-and-IT-6-Class/02-Operating-System/02-Operating-System.pptx
+++ b/Courses/Computer-Modeling-and-IT/Computer-Modeling-and-IT-6-Class/02-Operating-System/02-Operating-System.pptx
@@ -291,7 +291,7 @@
           <a:p>
             <a:fld id="{4E087215-0C8F-4762-A664-737A353EC9A4}" type="datetimeFigureOut">
               <a:rPr lang="bg-BG" smtClean="0"/>
-              <a:t>23.03.24 г.</a:t>
+              <a:t>23.3.2024 г.</a:t>
             </a:fld>
             <a:endParaRPr lang="bg-BG"/>
           </a:p>
@@ -487,7 +487,7 @@
           <a:p>
             <a:fld id="{72D84649-876A-46C9-8472-14CB09C070D8}" type="datetimeFigureOut">
               <a:rPr lang="en-US" smtClean="0"/>
-              <a:t>3/23/24</a:t>
+              <a:t>3/23/2024</a:t>
             </a:fld>
             <a:endParaRPr lang="en-US"/>
           </a:p>
@@ -7507,54 +7507,6 @@
       </p:sp>
       <p:pic>
         <p:nvPicPr>
-          <p:cNvPr id="6146" name="Picture 2" descr="https://cdn.pixabay.com/photo/2019/10/15/09/06/control-4551114_960_720.png"/>
-          <p:cNvPicPr>
-            <a:picLocks noChangeAspect="1" noChangeArrowheads="1"/>
-          </p:cNvPicPr>
-          <p:nvPr/>
-        </p:nvPicPr>
-        <p:blipFill>
-          <a:blip r:embed="rId2">
-            <a:extLst>
-              <a:ext uri="{28A0092B-C50C-407E-A947-70E740481C1C}">
-                <a14:useLocalDpi xmlns:a14="http://schemas.microsoft.com/office/drawing/2010/main" val="0"/>
-              </a:ext>
-            </a:extLst>
-          </a:blip>
-          <a:srcRect/>
-          <a:stretch>
-            <a:fillRect/>
-          </a:stretch>
-        </p:blipFill>
-        <p:spPr bwMode="auto">
-          <a:xfrm>
-            <a:off x="7803448" y="3943125"/>
-            <a:ext cx="3655796" cy="2555250"/>
-          </a:xfrm>
-          <a:prstGeom prst="rect">
-            <a:avLst/>
-          </a:prstGeom>
-          <a:noFill/>
-          <a:ln>
-            <a:solidFill>
-              <a:schemeClr val="bg2">
-                <a:lumMod val="75000"/>
-              </a:schemeClr>
-            </a:solidFill>
-          </a:ln>
-          <a:extLst>
-            <a:ext uri="{909E8E84-426E-40DD-AFC4-6F175D3DCCD1}">
-              <a14:hiddenFill xmlns:a14="http://schemas.microsoft.com/office/drawing/2010/main">
-                <a:solidFill>
-                  <a:srgbClr val="FFFFFF"/>
-                </a:solidFill>
-              </a14:hiddenFill>
-            </a:ext>
-          </a:extLst>
-        </p:spPr>
-      </p:pic>
-      <p:pic>
-        <p:nvPicPr>
           <p:cNvPr id="7" name="Picture 6"/>
           <p:cNvPicPr>
             <a:picLocks noChangeAspect="1"/>
@@ -7562,7 +7514,7 @@
           <p:nvPr/>
         </p:nvPicPr>
         <p:blipFill rotWithShape="1">
-          <a:blip r:embed="rId3"/>
+          <a:blip r:embed="rId2"/>
           <a:srcRect t="55509" r="30321"/>
           <a:stretch/>
         </p:blipFill>
@@ -7583,68 +7535,30 @@
           </a:ln>
         </p:spPr>
       </p:pic>
-      <p:sp>
-        <p:nvSpPr>
-          <p:cNvPr id="5" name="TextBox 4">
-            <a:extLst>
-              <a:ext uri="{FF2B5EF4-FFF2-40B4-BE49-F238E27FC236}">
-                <a16:creationId xmlns:a16="http://schemas.microsoft.com/office/drawing/2014/main" id="{C6F72C17-4DCE-CD51-B918-0D1BFB22A516}"/>
-              </a:ext>
-            </a:extLst>
-          </p:cNvPr>
-          <p:cNvSpPr txBox="1"/>
+      <p:pic>
+        <p:nvPicPr>
+          <p:cNvPr id="6" name="Picture 5"/>
+          <p:cNvPicPr>
+            <a:picLocks noChangeAspect="1"/>
+          </p:cNvPicPr>
           <p:nvPr/>
-        </p:nvSpPr>
+        </p:nvPicPr>
+        <p:blipFill>
+          <a:blip r:embed="rId3"/>
+          <a:stretch>
+            <a:fillRect/>
+          </a:stretch>
+        </p:blipFill>
         <p:spPr>
           <a:xfrm>
-            <a:off x="6732922" y="3437792"/>
-            <a:ext cx="4726322" cy="861362"/>
+            <a:off x="8031000" y="4104000"/>
+            <a:ext cx="3066595" cy="2295000"/>
           </a:xfrm>
           <a:prstGeom prst="rect">
             <a:avLst/>
           </a:prstGeom>
-          <a:ln/>
         </p:spPr>
-        <p:style>
-          <a:lnRef idx="2">
-            <a:schemeClr val="accent2"/>
-          </a:lnRef>
-          <a:fillRef idx="1">
-            <a:schemeClr val="lt1"/>
-          </a:fillRef>
-          <a:effectRef idx="0">
-            <a:schemeClr val="accent2"/>
-          </a:effectRef>
-          <a:fontRef idx="minor">
-            <a:schemeClr val="dk1"/>
-          </a:fontRef>
-        </p:style>
-        <p:txBody>
-          <a:bodyPr vert="horz" wrap="none" lIns="144000" tIns="108000" rIns="144000" bIns="108000" rtlCol="0">
-            <a:spAutoFit/>
-          </a:bodyPr>
-          <a:lstStyle/>
-          <a:p>
-            <a:pPr algn="l" eaLnBrk="0" hangingPunct="0">
-              <a:lnSpc>
-                <a:spcPct val="110000"/>
-              </a:lnSpc>
-              <a:buClr>
-                <a:schemeClr val="accent5">
-                  <a:lumMod val="40000"/>
-                  <a:lumOff val="60000"/>
-                </a:schemeClr>
-              </a:buClr>
-              <a:buSzPct val="70000"/>
-            </a:pPr>
-            <a:r>
-              <a:rPr lang="en-US" sz="4000" b="1" dirty="0"/>
-              <a:t>TODO: change image</a:t>
-            </a:r>
-            <a:endParaRPr lang="bg-BG" sz="4000" b="1" dirty="0"/>
-          </a:p>
-        </p:txBody>
-      </p:sp>
+      </p:pic>
     </p:spTree>
     <p:extLst>
       <p:ext uri="{BB962C8B-B14F-4D97-AF65-F5344CB8AC3E}">
@@ -7827,33 +7741,6 @@
                                               <p:pRg st="3" end="3"/>
                                             </p:txEl>
                                           </p:spTgt>
-                                        </p:tgtEl>
-                                        <p:attrNameLst>
-                                          <p:attrName>style.visibility</p:attrName>
-                                        </p:attrNameLst>
-                                      </p:cBhvr>
-                                      <p:to>
-                                        <p:strVal val="visible"/>
-                                      </p:to>
-                                    </p:set>
-                                  </p:childTnLst>
-                                </p:cTn>
-                              </p:par>
-                              <p:par>
-                                <p:cTn id="17" presetID="1" presetClass="entr" presetSubtype="0" fill="hold" nodeType="withEffect">
-                                  <p:stCondLst>
-                                    <p:cond delay="0"/>
-                                  </p:stCondLst>
-                                  <p:childTnLst>
-                                    <p:set>
-                                      <p:cBhvr>
-                                        <p:cTn id="18" dur="1" fill="hold">
-                                          <p:stCondLst>
-                                            <p:cond delay="0"/>
-                                          </p:stCondLst>
-                                        </p:cTn>
-                                        <p:tgtEl>
-                                          <p:spTgt spid="6146"/>
                                         </p:tgtEl>
                                         <p:attrNameLst>
                                           <p:attrName>style.visibility</p:attrName>
@@ -13028,7 +12915,7 @@
                 <a:hlinkClick r:id="rId3">
                   <a:extLst>
                     <a:ext uri="{A12FA001-AC4F-418D-AE19-62706E023703}">
-                      <ahyp:hlinkClr xmlns:ahyp="http://schemas.microsoft.com/office/drawing/2018/hyperlinkcolor" val="tx"/>
+                      <ahyp:hlinkClr xmlns:ahyp="http://schemas.microsoft.com/office/drawing/2018/hyperlinkcolor" xmlns="" val="tx"/>
                     </a:ext>
                   </a:extLst>
                 </a:hlinkClick>

--- a/Courses/Computer-Modeling-and-IT/Computer-Modeling-and-IT-6-Class/02-Operating-System/02-Operating-System.pptx
+++ b/Courses/Computer-Modeling-and-IT/Computer-Modeling-and-IT-6-Class/02-Operating-System/02-Operating-System.pptx
@@ -291,7 +291,7 @@
           <a:p>
             <a:fld id="{4E087215-0C8F-4762-A664-737A353EC9A4}" type="datetimeFigureOut">
               <a:rPr lang="bg-BG" smtClean="0"/>
-              <a:t>23.3.2024 г.</a:t>
+              <a:t>13.5.2024 г.</a:t>
             </a:fld>
             <a:endParaRPr lang="bg-BG"/>
           </a:p>
@@ -487,7 +487,7 @@
           <a:p>
             <a:fld id="{72D84649-876A-46C9-8472-14CB09C070D8}" type="datetimeFigureOut">
               <a:rPr lang="en-US" smtClean="0"/>
-              <a:t>3/23/2024</a:t>
+              <a:t>13-May-24</a:t>
             </a:fld>
             <a:endParaRPr lang="en-US"/>
           </a:p>
@@ -7188,8 +7188,8 @@
         </p:nvSpPr>
         <p:spPr>
           <a:xfrm>
-            <a:off x="554746" y="1692439"/>
-            <a:ext cx="11083636" cy="899999"/>
+            <a:off x="554746" y="1586499"/>
+            <a:ext cx="11083636" cy="1466561"/>
           </a:xfrm>
         </p:spPr>
         <p:txBody>
@@ -7200,7 +7200,13 @@
           <a:p>
             <a:r>
               <a:rPr lang="bg-BG" dirty="0"/>
-              <a:t>Потребителски интерфейс</a:t>
+              <a:t>Потребителски интерфейс на ОС</a:t>
+            </a:r>
+          </a:p>
+          <a:p>
+            <a:r>
+              <a:rPr lang="bg-BG" dirty="0"/>
+              <a:t>Настройки и персонализиране</a:t>
             </a:r>
             <a:endParaRPr lang="en-US" dirty="0"/>
           </a:p>
@@ -7224,7 +7230,7 @@
         </p:nvSpPr>
         <p:spPr>
           <a:xfrm>
-            <a:off x="554746" y="321501"/>
+            <a:off x="554746" y="279000"/>
             <a:ext cx="11083636" cy="1262499"/>
           </a:xfrm>
         </p:spPr>
@@ -7236,9 +7242,20 @@
           <a:p>
             <a:r>
               <a:rPr lang="bg-BG" dirty="0"/>
-              <a:t>Операционна система</a:t>
-            </a:r>
-            <a:endParaRPr lang="en-US" dirty="0"/>
+              <a:t>Операционна система </a:t>
+            </a:r>
+            <a:r>
+              <a:rPr lang="en-US" dirty="0"/>
+              <a:t>(</a:t>
+            </a:r>
+            <a:r>
+              <a:rPr lang="bg-BG" dirty="0"/>
+              <a:t>ОС</a:t>
+            </a:r>
+            <a:r>
+              <a:rPr lang="en-US" dirty="0"/>
+              <a:t>)</a:t>
+            </a:r>
           </a:p>
         </p:txBody>
       </p:sp>
@@ -7387,8 +7404,32 @@
           <a:lstStyle/>
           <a:p>
             <a:r>
+              <a:rPr lang="bg-BG" b="1" dirty="0">
+                <a:solidFill>
+                  <a:schemeClr val="bg1"/>
+                </a:solidFill>
+              </a:rPr>
+              <a:t>Настройки</a:t>
+            </a:r>
+            <a:r>
               <a:rPr lang="bg-BG" dirty="0"/>
-              <a:t>Персонализирането и настройването на </a:t>
+              <a:t> (</a:t>
+            </a:r>
+            <a:r>
+              <a:rPr lang="en-US" b="1" dirty="0"/>
+              <a:t>Settings</a:t>
+            </a:r>
+            <a:r>
+              <a:rPr lang="bg-BG" dirty="0"/>
+              <a:t>)</a:t>
+            </a:r>
+            <a:endParaRPr lang="en-US" dirty="0"/>
+          </a:p>
+          <a:p>
+            <a:pPr lvl="1"/>
+            <a:r>
+              <a:rPr lang="bg-BG" dirty="0"/>
+              <a:t>Позволява персонализиране и настройване на </a:t>
             </a:r>
             <a:r>
               <a:rPr lang="bg-BG" b="1" dirty="0"/>
@@ -7428,47 +7469,35 @@
             </a:r>
             <a:r>
               <a:rPr lang="bg-BG" dirty="0"/>
-              <a:t>., се извършва в</a:t>
+              <a:t>.</a:t>
+            </a:r>
+            <a:endParaRPr lang="en-US" dirty="0"/>
+          </a:p>
+          <a:p>
+            <a:r>
+              <a:rPr lang="bg-BG" dirty="0"/>
+              <a:t>В </a:t>
+            </a:r>
+            <a:r>
+              <a:rPr lang="en-US" dirty="0"/>
+              <a:t>Windows </a:t>
+            </a:r>
+            <a:r>
+              <a:rPr lang="bg-BG" dirty="0"/>
+              <a:t>настройките могат да се отворят от:</a:t>
+            </a:r>
+          </a:p>
+          <a:p>
+            <a:pPr lvl="1"/>
+            <a:r>
+              <a:rPr lang="en-US" b="1" dirty="0"/>
+              <a:t>Start</a:t>
             </a:r>
             <a:r>
               <a:rPr lang="en-US" dirty="0"/>
               <a:t> </a:t>
             </a:r>
             <a:r>
-              <a:rPr lang="bg-BG" b="1" dirty="0">
-                <a:solidFill>
-                  <a:schemeClr val="bg1"/>
-                </a:solidFill>
-              </a:rPr>
-              <a:t>Настройки</a:t>
-            </a:r>
-            <a:r>
-              <a:rPr lang="bg-BG" dirty="0"/>
-              <a:t> (</a:t>
-            </a:r>
-            <a:r>
-              <a:rPr lang="en-US" b="1" dirty="0"/>
-              <a:t>Settings</a:t>
-            </a:r>
-            <a:r>
-              <a:rPr lang="bg-BG" dirty="0"/>
-              <a:t>)</a:t>
-            </a:r>
-            <a:endParaRPr lang="en-US" dirty="0"/>
-          </a:p>
-          <a:p>
-            <a:r>
-              <a:rPr lang="bg-BG" dirty="0"/>
-              <a:t>Настройките могат да се стартират от:</a:t>
-            </a:r>
-          </a:p>
-          <a:p>
-            <a:pPr lvl="1"/>
-            <a:r>
-              <a:rPr lang="en-US" dirty="0"/>
-              <a:t>Start </a:t>
-            </a:r>
-            <a:r>
               <a:rPr lang="bg-BG" dirty="0"/>
               <a:t>менюто</a:t>
             </a:r>
@@ -7476,8 +7505,19 @@
           <a:p>
             <a:pPr lvl="1"/>
             <a:r>
+              <a:rPr lang="en-US" b="1" dirty="0"/>
+              <a:t>Control Panel</a:t>
+            </a:r>
+            <a:br>
+              <a:rPr lang="bg-BG" dirty="0"/>
+            </a:br>
+            <a:r>
+              <a:rPr lang="bg-BG" dirty="0"/>
+              <a:t>(контролен панел</a:t>
+            </a:r>
+            <a:r>
               <a:rPr lang="en-US" dirty="0"/>
-              <a:t>Control Panel</a:t>
+              <a:t>)</a:t>
             </a:r>
           </a:p>
         </p:txBody>
@@ -7520,7 +7560,7 @@
         </p:blipFill>
         <p:spPr>
           <a:xfrm>
-            <a:off x="4161000" y="3943125"/>
+            <a:off x="5061000" y="3943125"/>
             <a:ext cx="2906792" cy="2574915"/>
           </a:xfrm>
           <a:prstGeom prst="rect">
@@ -7551,7 +7591,7 @@
         </p:blipFill>
         <p:spPr>
           <a:xfrm>
-            <a:off x="8031000" y="4104000"/>
+            <a:off x="8346000" y="4059000"/>
             <a:ext cx="3066595" cy="2295000"/>
           </a:xfrm>
           <a:prstGeom prst="rect">
@@ -7613,7 +7653,7 @@
                                         <p:tgtEl>
                                           <p:spTgt spid="3">
                                             <p:txEl>
-                                              <p:pRg st="1" end="1"/>
+                                              <p:pRg st="2" end="2"/>
                                             </p:txEl>
                                           </p:spTgt>
                                         </p:tgtEl>
@@ -7662,7 +7702,7 @@
                                         <p:tgtEl>
                                           <p:spTgt spid="3">
                                             <p:txEl>
-                                              <p:pRg st="2" end="2"/>
+                                              <p:pRg st="3" end="3"/>
                                             </p:txEl>
                                           </p:spTgt>
                                         </p:tgtEl>
@@ -7738,9 +7778,36 @@
                                         <p:tgtEl>
                                           <p:spTgt spid="3">
                                             <p:txEl>
-                                              <p:pRg st="3" end="3"/>
+                                              <p:pRg st="4" end="4"/>
                                             </p:txEl>
                                           </p:spTgt>
+                                        </p:tgtEl>
+                                        <p:attrNameLst>
+                                          <p:attrName>style.visibility</p:attrName>
+                                        </p:attrNameLst>
+                                      </p:cBhvr>
+                                      <p:to>
+                                        <p:strVal val="visible"/>
+                                      </p:to>
+                                    </p:set>
+                                  </p:childTnLst>
+                                </p:cTn>
+                              </p:par>
+                              <p:par>
+                                <p:cTn id="17" presetID="1" presetClass="entr" presetSubtype="0" fill="hold" nodeType="withEffect">
+                                  <p:stCondLst>
+                                    <p:cond delay="0"/>
+                                  </p:stCondLst>
+                                  <p:childTnLst>
+                                    <p:set>
+                                      <p:cBhvr>
+                                        <p:cTn id="18" dur="1" fill="hold">
+                                          <p:stCondLst>
+                                            <p:cond delay="0"/>
+                                          </p:stCondLst>
+                                        </p:cTn>
+                                        <p:tgtEl>
+                                          <p:spTgt spid="6"/>
                                         </p:tgtEl>
                                         <p:attrNameLst>
                                           <p:attrName>style.visibility</p:attrName>
@@ -7803,6 +7870,44 @@
       </p:grpSpPr>
       <p:sp>
         <p:nvSpPr>
+          <p:cNvPr id="5" name="Subtitle 4">
+            <a:extLst>
+              <a:ext uri="{FF2B5EF4-FFF2-40B4-BE49-F238E27FC236}">
+                <a16:creationId xmlns:a16="http://schemas.microsoft.com/office/drawing/2014/main" id="{4B109491-C5ED-7C80-085E-8B76EB5F0DA1}"/>
+              </a:ext>
+            </a:extLst>
+          </p:cNvPr>
+          <p:cNvSpPr>
+            <a:spLocks noGrp="1"/>
+          </p:cNvSpPr>
+          <p:nvPr>
+            <p:ph type="subTitle" sz="quarter" idx="11"/>
+          </p:nvPr>
+        </p:nvSpPr>
+        <p:spPr>
+          <a:xfrm>
+            <a:off x="5241000" y="3420713"/>
+            <a:ext cx="6065892" cy="768084"/>
+          </a:xfrm>
+        </p:spPr>
+        <p:txBody>
+          <a:bodyPr/>
+          <a:lstStyle/>
+          <a:p>
+            <a:r>
+              <a:rPr lang="en-US"/>
+              <a:t>Taskbar = </a:t>
+            </a:r>
+            <a:r>
+              <a:rPr lang="bg-BG" dirty="0"/>
+              <a:t>лента за задачи</a:t>
+            </a:r>
+            <a:endParaRPr lang="en-US" dirty="0"/>
+          </a:p>
+        </p:txBody>
+      </p:sp>
+      <p:sp>
+        <p:nvSpPr>
           <p:cNvPr id="6" name="Title 5"/>
           <p:cNvSpPr>
             <a:spLocks noGrp="1"/>
@@ -7813,8 +7918,8 @@
         </p:nvSpPr>
         <p:spPr>
           <a:xfrm>
-            <a:off x="5196000" y="2124000"/>
-            <a:ext cx="6065892" cy="1754333"/>
+            <a:off x="5240338" y="1553939"/>
+            <a:ext cx="6065837" cy="1754187"/>
           </a:xfrm>
         </p:spPr>
         <p:txBody>
@@ -7897,6 +8002,36 @@
           <a:xfrm>
             <a:off x="1866000" y="2127549"/>
             <a:ext cx="1540712" cy="1539000"/>
+          </a:xfrm>
+          <a:prstGeom prst="rect">
+            <a:avLst/>
+          </a:prstGeom>
+        </p:spPr>
+      </p:pic>
+      <p:pic>
+        <p:nvPicPr>
+          <p:cNvPr id="3" name="Picture 2">
+            <a:extLst>
+              <a:ext uri="{FF2B5EF4-FFF2-40B4-BE49-F238E27FC236}">
+                <a16:creationId xmlns:a16="http://schemas.microsoft.com/office/drawing/2014/main" id="{8E2BAD06-89D4-6224-DFA7-45F1542D0CE3}"/>
+              </a:ext>
+            </a:extLst>
+          </p:cNvPr>
+          <p:cNvPicPr>
+            <a:picLocks noChangeAspect="1"/>
+          </p:cNvPicPr>
+          <p:nvPr/>
+        </p:nvPicPr>
+        <p:blipFill>
+          <a:blip r:embed="rId4"/>
+          <a:stretch>
+            <a:fillRect/>
+          </a:stretch>
+        </p:blipFill>
+        <p:spPr>
+          <a:xfrm>
+            <a:off x="5433358" y="4638450"/>
+            <a:ext cx="5591175" cy="590550"/>
           </a:xfrm>
           <a:prstGeom prst="rect">
             <a:avLst/>
@@ -7988,7 +8123,7 @@
         </p:blipFill>
         <p:spPr>
           <a:xfrm>
-            <a:off x="4325750" y="1314000"/>
+            <a:off x="4670500" y="1314000"/>
             <a:ext cx="3540500" cy="5174817"/>
           </a:xfrm>
           <a:prstGeom prst="rect">
@@ -8004,13 +8139,13 @@
         </p:nvSpPr>
         <p:spPr bwMode="auto">
           <a:xfrm>
-            <a:off x="516000" y="3204000"/>
-            <a:ext cx="3915000" cy="1215000"/>
+            <a:off x="535156" y="3114000"/>
+            <a:ext cx="4240594" cy="1305000"/>
           </a:xfrm>
           <a:prstGeom prst="wedgeRoundRectCallout">
             <a:avLst>
-              <a:gd name="adj1" fmla="val 49778"/>
-              <a:gd name="adj2" fmla="val 117317"/>
+              <a:gd name="adj1" fmla="val 50291"/>
+              <a:gd name="adj2" fmla="val 109810"/>
               <a:gd name="adj3" fmla="val 16667"/>
             </a:avLst>
           </a:prstGeom>
@@ -8068,7 +8203,40 @@
                   </a:outerShdw>
                 </a:effectLst>
               </a:rPr>
-              <a:t>Отваряме настройките през </a:t>
+              <a:t>Отваряме настройките (</a:t>
+            </a:r>
+            <a:r>
+              <a:rPr lang="en-US" sz="2800" b="1" dirty="0">
+                <a:solidFill>
+                  <a:schemeClr val="bg1">
+                    <a:lumMod val="60000"/>
+                    <a:lumOff val="40000"/>
+                  </a:schemeClr>
+                </a:solidFill>
+                <a:effectLst>
+                  <a:outerShdw blurRad="38100" dist="38100" dir="2700000" algn="tl">
+                    <a:srgbClr val="000000">
+                      <a:alpha val="43137"/>
+                    </a:srgbClr>
+                  </a:outerShdw>
+                </a:effectLst>
+              </a:rPr>
+              <a:t>Settings</a:t>
+            </a:r>
+            <a:r>
+              <a:rPr lang="bg-BG" sz="2800" b="1" dirty="0">
+                <a:solidFill>
+                  <a:srgbClr val="FFFFFF"/>
+                </a:solidFill>
+                <a:effectLst>
+                  <a:outerShdw blurRad="38100" dist="38100" dir="2700000" algn="tl">
+                    <a:srgbClr val="000000">
+                      <a:alpha val="43137"/>
+                    </a:srgbClr>
+                  </a:outerShdw>
+                </a:effectLst>
+              </a:rPr>
+              <a:t>) от </a:t>
             </a:r>
             <a:r>
               <a:rPr lang="en-US" sz="2800" b="1" dirty="0">
@@ -8556,33 +8724,15 @@
                                   </p:childTnLst>
                                 </p:cTn>
                               </p:par>
-                            </p:childTnLst>
-                          </p:cTn>
-                        </p:par>
-                      </p:childTnLst>
-                    </p:cTn>
-                  </p:par>
-                  <p:par>
-                    <p:cTn id="7" fill="hold">
-                      <p:stCondLst>
-                        <p:cond delay="indefinite"/>
-                      </p:stCondLst>
-                      <p:childTnLst>
-                        <p:par>
-                          <p:cTn id="8" fill="hold">
-                            <p:stCondLst>
-                              <p:cond delay="0"/>
-                            </p:stCondLst>
-                            <p:childTnLst>
                               <p:par>
-                                <p:cTn id="9" presetID="1" presetClass="entr" presetSubtype="0" fill="hold" grpId="0" nodeType="clickEffect">
+                                <p:cTn id="7" presetID="1" presetClass="entr" presetSubtype="0" fill="hold" grpId="0" nodeType="withEffect">
                                   <p:stCondLst>
                                     <p:cond delay="0"/>
                                   </p:stCondLst>
                                   <p:childTnLst>
                                     <p:set>
                                       <p:cBhvr>
-                                        <p:cTn id="10" dur="1" fill="hold">
+                                        <p:cTn id="8" dur="1" fill="hold">
                                           <p:stCondLst>
                                             <p:cond delay="0"/>
                                           </p:stCondLst>
@@ -8806,7 +8956,37 @@
                   </a:outerShdw>
                 </a:effectLst>
               </a:rPr>
-              <a:t>Оттук може да персонализираме различни неща на нашия компютър (Шрифт, теми, цветове и т.н.)</a:t>
+              <a:t>От</a:t>
+            </a:r>
+            <a:r>
+              <a:rPr lang="en-US" sz="2800" b="1" dirty="0">
+                <a:solidFill>
+                  <a:srgbClr val="FFFFFF"/>
+                </a:solidFill>
+                <a:effectLst>
+                  <a:outerShdw blurRad="38100" dist="38100" dir="2700000" algn="tl">
+                    <a:srgbClr val="000000">
+                      <a:alpha val="43137"/>
+                    </a:srgbClr>
+                  </a:outerShdw>
+                </a:effectLst>
+              </a:rPr>
+              <a:t> </a:t>
+            </a:r>
+            <a:r>
+              <a:rPr lang="bg-BG" sz="2800" b="1" dirty="0">
+                <a:solidFill>
+                  <a:srgbClr val="FFFFFF"/>
+                </a:solidFill>
+                <a:effectLst>
+                  <a:outerShdw blurRad="38100" dist="38100" dir="2700000" algn="tl">
+                    <a:srgbClr val="000000">
+                      <a:alpha val="43137"/>
+                    </a:srgbClr>
+                  </a:outerShdw>
+                </a:effectLst>
+              </a:rPr>
+              <a:t>тук може да персонализираме различни неща на нашия компютър (шрифт, теми, цветове и т.н.)</a:t>
             </a:r>
             <a:endParaRPr lang="en-US" sz="2800" b="1" dirty="0">
               <a:solidFill>
@@ -9192,8 +9372,8 @@
         </p:nvSpPr>
         <p:spPr bwMode="auto">
           <a:xfrm>
-            <a:off x="741000" y="2304000"/>
-            <a:ext cx="3555000" cy="1980000"/>
+            <a:off x="7478030" y="1649400"/>
+            <a:ext cx="4377970" cy="1800000"/>
           </a:xfrm>
           <a:prstGeom prst="wedgeRoundRectCallout">
             <a:avLst>
@@ -9256,7 +9436,7 @@
                   </a:outerShdw>
                 </a:effectLst>
               </a:rPr>
-              <a:t>Има много различни опции за персонализиране на </a:t>
+              <a:t>Имаме различни опции за персонализиране на </a:t>
             </a:r>
             <a:r>
               <a:rPr lang="en-US" sz="2800" b="1" dirty="0">
@@ -9271,7 +9451,7 @@
                   </a:outerShdw>
                 </a:effectLst>
               </a:rPr>
-              <a:t>Taskbar-</a:t>
+              <a:t>Taskbar (</a:t>
             </a:r>
             <a:r>
               <a:rPr lang="bg-BG" sz="2800" b="1" dirty="0">
@@ -9286,7 +9466,7 @@
                   </a:outerShdw>
                 </a:effectLst>
               </a:rPr>
-              <a:t>а</a:t>
+              <a:t>лента за задачи)</a:t>
             </a:r>
             <a:endParaRPr lang="en-US" sz="2800" b="1" dirty="0">
               <a:solidFill>
@@ -9311,13 +9491,13 @@
         </p:nvSpPr>
         <p:spPr bwMode="auto">
           <a:xfrm>
-            <a:off x="6996000" y="4779000"/>
-            <a:ext cx="4185000" cy="1305000"/>
+            <a:off x="8166000" y="4747826"/>
+            <a:ext cx="3172500" cy="1485000"/>
           </a:xfrm>
           <a:prstGeom prst="wedgeRoundRectCallout">
             <a:avLst>
-              <a:gd name="adj1" fmla="val -38647"/>
-              <a:gd name="adj2" fmla="val 76005"/>
+              <a:gd name="adj1" fmla="val -84283"/>
+              <a:gd name="adj2" fmla="val 60611"/>
               <a:gd name="adj3" fmla="val 16667"/>
             </a:avLst>
           </a:prstGeom>
@@ -9375,7 +9555,7 @@
                   </a:outerShdw>
                 </a:effectLst>
               </a:rPr>
-              <a:t>Ние ще променим локацията му на екрана </a:t>
+              <a:t>Ще променим локацията му на екрана </a:t>
             </a:r>
             <a:endParaRPr lang="en-US" sz="2800" b="1" dirty="0">
               <a:solidFill>
@@ -9707,7 +9887,12 @@
             <p:ph type="body" sz="quarter" idx="11"/>
           </p:nvPr>
         </p:nvSpPr>
-        <p:spPr/>
+        <p:spPr>
+          <a:xfrm>
+            <a:off x="6456000" y="1284923"/>
+            <a:ext cx="5545597" cy="4868081"/>
+          </a:xfrm>
+        </p:spPr>
         <p:txBody>
           <a:bodyPr>
             <a:normAutofit/>
@@ -9717,7 +9902,15 @@
             <a:pPr lvl="1"/>
             <a:r>
               <a:rPr lang="en-US" sz="3400" dirty="0"/>
-              <a:t>Right:</a:t>
+              <a:t>Right</a:t>
+            </a:r>
+            <a:r>
+              <a:rPr lang="bg-BG" sz="3400" dirty="0"/>
+              <a:t> (вдясно)</a:t>
+            </a:r>
+            <a:r>
+              <a:rPr lang="en-US" sz="3400" dirty="0"/>
+              <a:t>:</a:t>
             </a:r>
           </a:p>
         </p:txBody>
@@ -9732,14 +9925,27 @@
             <p:ph type="body" sz="quarter" idx="10"/>
           </p:nvPr>
         </p:nvSpPr>
-        <p:spPr/>
+        <p:spPr>
+          <a:xfrm>
+            <a:off x="190402" y="1284923"/>
+            <a:ext cx="5545598" cy="4868081"/>
+          </a:xfrm>
+        </p:spPr>
         <p:txBody>
           <a:bodyPr/>
           <a:lstStyle/>
           <a:p>
             <a:r>
               <a:rPr lang="en-US" dirty="0"/>
-              <a:t>Bottom:</a:t>
+              <a:t>Bottom </a:t>
+            </a:r>
+            <a:r>
+              <a:rPr lang="bg-BG" dirty="0"/>
+              <a:t>(отдолу)</a:t>
+            </a:r>
+            <a:r>
+              <a:rPr lang="en-US" dirty="0"/>
+              <a:t>:</a:t>
             </a:r>
           </a:p>
         </p:txBody>
@@ -10247,10 +10453,10 @@
                   </a:outerShdw>
                 </a:effectLst>
               </a:rPr>
-              <a:t>Отворяме </a:t>
-            </a:r>
-            <a:r>
-              <a:rPr lang="en-US" sz="2800" b="1">
+              <a:t>Отваряме лентата за търсене (</a:t>
+            </a:r>
+            <a:r>
+              <a:rPr lang="en-US" sz="2800" b="1" dirty="0">
                 <a:solidFill>
                   <a:schemeClr val="bg1">
                     <a:lumMod val="60000"/>
@@ -10265,15 +10471,12 @@
                   </a:outerShdw>
                 </a:effectLst>
               </a:rPr>
-              <a:t>Search bar-a</a:t>
-            </a:r>
-            <a:r>
-              <a:rPr lang="bg-BG" sz="2800" b="1">
-                <a:solidFill>
-                  <a:schemeClr val="bg1">
-                    <a:lumMod val="60000"/>
-                    <a:lumOff val="40000"/>
-                  </a:schemeClr>
+              <a:t>Search bar</a:t>
+            </a:r>
+            <a:r>
+              <a:rPr lang="bg-BG" sz="2800" b="1" dirty="0">
+                <a:solidFill>
+                  <a:srgbClr val="FFFFFF"/>
                 </a:solidFill>
                 <a:effectLst>
                   <a:outerShdw blurRad="38100" dist="38100" dir="2700000" algn="tl">
@@ -10283,12 +10486,15 @@
                   </a:outerShdw>
                 </a:effectLst>
               </a:rPr>
-              <a:t>  </a:t>
+              <a:t>)</a:t>
             </a:r>
             <a:r>
               <a:rPr lang="bg-BG" sz="2800" b="1" dirty="0">
                 <a:solidFill>
-                  <a:srgbClr val="FFFFFF"/>
+                  <a:schemeClr val="bg1">
+                    <a:lumMod val="60000"/>
+                    <a:lumOff val="40000"/>
+                  </a:schemeClr>
                 </a:solidFill>
                 <a:effectLst>
                   <a:outerShdw blurRad="38100" dist="38100" dir="2700000" algn="tl">
@@ -10298,7 +10504,22 @@
                   </a:outerShdw>
                 </a:effectLst>
               </a:rPr>
-              <a:t>и пишем името на програмата, която искаме да добавим на </a:t>
+              <a:t> </a:t>
+            </a:r>
+            <a:r>
+              <a:rPr lang="bg-BG" sz="2800" b="1" dirty="0">
+                <a:solidFill>
+                  <a:srgbClr val="FFFFFF"/>
+                </a:solidFill>
+                <a:effectLst>
+                  <a:outerShdw blurRad="38100" dist="38100" dir="2700000" algn="tl">
+                    <a:srgbClr val="000000">
+                      <a:alpha val="43137"/>
+                    </a:srgbClr>
+                  </a:outerShdw>
+                </a:effectLst>
+              </a:rPr>
+              <a:t>и пишем името на програмата, която искаме да добавим в </a:t>
             </a:r>
             <a:r>
               <a:rPr lang="en-US" sz="2800" b="1" dirty="0">
@@ -10326,13 +10547,13 @@
         </p:nvSpPr>
         <p:spPr bwMode="auto">
           <a:xfrm>
-            <a:off x="7536000" y="4869000"/>
-            <a:ext cx="2745000" cy="1170000"/>
+            <a:off x="7941000" y="4351500"/>
+            <a:ext cx="3608400" cy="1935000"/>
           </a:xfrm>
           <a:prstGeom prst="wedgeRoundRectCallout">
             <a:avLst>
-              <a:gd name="adj1" fmla="val -70959"/>
-              <a:gd name="adj2" fmla="val -72222"/>
+              <a:gd name="adj1" fmla="val -76834"/>
+              <a:gd name="adj2" fmla="val -39937"/>
               <a:gd name="adj3" fmla="val 16667"/>
             </a:avLst>
           </a:prstGeom>
@@ -10408,7 +10629,7 @@
           <a:p>
             <a:pPr algn="ctr"/>
             <a:r>
-              <a:rPr lang="en-US" sz="2800" dirty="0">
+              <a:rPr lang="en-US" sz="2800" b="1" dirty="0">
                 <a:solidFill>
                   <a:schemeClr val="bg2"/>
                 </a:solidFill>
@@ -10441,7 +10662,7 @@
               <a:t>Pin to taskbar</a:t>
             </a:r>
             <a:r>
-              <a:rPr lang="en-US" sz="2800" dirty="0">
+              <a:rPr lang="en-US" sz="2800" b="1" dirty="0">
                 <a:solidFill>
                   <a:schemeClr val="bg2"/>
                 </a:solidFill>
@@ -10454,6 +10675,51 @@
                 </a:effectLst>
               </a:rPr>
               <a:t>]</a:t>
+            </a:r>
+            <a:r>
+              <a:rPr lang="bg-BG" sz="2800" dirty="0">
+                <a:solidFill>
+                  <a:schemeClr val="bg2"/>
+                </a:solidFill>
+                <a:effectLst>
+                  <a:outerShdw blurRad="38100" dist="38100" dir="2700000" algn="tl">
+                    <a:srgbClr val="000000">
+                      <a:alpha val="43137"/>
+                    </a:srgbClr>
+                  </a:outerShdw>
+                </a:effectLst>
+              </a:rPr>
+              <a:t> </a:t>
+            </a:r>
+            <a:r>
+              <a:rPr lang="bg-BG" sz="2800" b="1" dirty="0">
+                <a:solidFill>
+                  <a:schemeClr val="bg2"/>
+                </a:solidFill>
+                <a:effectLst>
+                  <a:outerShdw blurRad="38100" dist="38100" dir="2700000" algn="tl">
+                    <a:srgbClr val="000000">
+                      <a:alpha val="43137"/>
+                    </a:srgbClr>
+                  </a:outerShdw>
+                </a:effectLst>
+              </a:rPr>
+              <a:t>за да закачим програма в </a:t>
+            </a:r>
+            <a:r>
+              <a:rPr lang="en-US" sz="2800" b="1" dirty="0">
+                <a:solidFill>
+                  <a:schemeClr val="bg2"/>
+                </a:solidFill>
+                <a:effectLst>
+                  <a:outerShdw blurRad="38100" dist="38100" dir="2700000" algn="tl">
+                    <a:srgbClr val="000000">
+                      <a:alpha val="43137"/>
+                    </a:srgbClr>
+                  </a:outerShdw>
+                </a:effectLst>
+              </a:rPr>
+              <a:t>Taskbar</a:t>
             </a:r>
           </a:p>
         </p:txBody>
@@ -10466,13 +10732,13 @@
         </p:nvSpPr>
         <p:spPr bwMode="auto">
           <a:xfrm>
-            <a:off x="7536000" y="1944000"/>
-            <a:ext cx="3825000" cy="1665000"/>
+            <a:off x="7941000" y="2462135"/>
+            <a:ext cx="3608400" cy="1530000"/>
           </a:xfrm>
           <a:prstGeom prst="wedgeRoundRectCallout">
             <a:avLst>
-              <a:gd name="adj1" fmla="val -69146"/>
-              <a:gd name="adj2" fmla="val 90951"/>
+              <a:gd name="adj1" fmla="val -77968"/>
+              <a:gd name="adj2" fmla="val 68895"/>
               <a:gd name="adj3" fmla="val 16667"/>
             </a:avLst>
           </a:prstGeom>
@@ -10530,7 +10796,7 @@
                   </a:outerShdw>
                 </a:effectLst>
               </a:rPr>
-              <a:t>Оттук може и да добавим програмата в </a:t>
+              <a:t>Оттук може и да закачим програмата за </a:t>
             </a:r>
             <a:r>
               <a:rPr lang="bg-BG" sz="2800" b="1" dirty="0">
@@ -10934,7 +11200,10 @@
               <a:rPr lang="bg-BG" b="1" dirty="0"/>
               <a:t>Операционна система</a:t>
             </a:r>
-            <a:endParaRPr lang="bg-BG" dirty="0"/>
+            <a:r>
+              <a:rPr lang="bg-BG" dirty="0"/>
+              <a:t> (ОС)</a:t>
+            </a:r>
           </a:p>
           <a:p>
             <a:r>
@@ -10945,6 +11214,11 @@
               <a:rPr lang="bg-BG" b="1" dirty="0"/>
               <a:t>потребителски интерфейс</a:t>
             </a:r>
+            <a:r>
+              <a:rPr lang="bg-BG" dirty="0"/>
+              <a:t> на ОС</a:t>
+            </a:r>
+            <a:endParaRPr lang="bg-BG" b="1" dirty="0"/>
           </a:p>
           <a:p>
             <a:endParaRPr lang="en-US" dirty="0"/>
@@ -12276,6 +12550,17 @@
                 </a:solidFill>
               </a:rPr>
               <a:t>Операционна система</a:t>
+            </a:r>
+            <a:r>
+              <a:rPr lang="en-US" sz="3200" b="1" dirty="0">
+                <a:solidFill>
+                  <a:schemeClr val="bg1">
+                    <a:lumMod val="60000"/>
+                    <a:lumOff val="40000"/>
+                  </a:schemeClr>
+                </a:solidFill>
+              </a:rPr>
+              <a:t> </a:t>
             </a:r>
             <a:r>
               <a:rPr lang="bg-BG" sz="3200" dirty="0">
@@ -12915,7 +13200,7 @@
                 <a:hlinkClick r:id="rId3">
                   <a:extLst>
                     <a:ext uri="{A12FA001-AC4F-418D-AE19-62706E023703}">
-                      <ahyp:hlinkClr xmlns:ahyp="http://schemas.microsoft.com/office/drawing/2018/hyperlinkcolor" xmlns="" val="tx"/>
+                      <ahyp:hlinkClr xmlns:ahyp="http://schemas.microsoft.com/office/drawing/2018/hyperlinkcolor" val="tx"/>
                     </a:ext>
                   </a:extLst>
                 </a:hlinkClick>
@@ -12992,7 +13277,7 @@
 </file>
 
 <file path=ppt/slides/slide23.xml><?xml version="1.0" encoding="utf-8"?>
-<p:sld xmlns:a="http://schemas.openxmlformats.org/drawingml/2006/main" xmlns:r="http://schemas.openxmlformats.org/officeDocument/2006/relationships" xmlns:p="http://schemas.openxmlformats.org/presentationml/2006/main">
+<p:sld xmlns:a="http://schemas.openxmlformats.org/drawingml/2006/main" xmlns:r="http://schemas.openxmlformats.org/officeDocument/2006/relationships" xmlns:p="http://schemas.openxmlformats.org/presentationml/2006/main" show="0">
   <p:cSld>
     <p:spTree>
       <p:nvGrpSpPr>
@@ -13431,7 +13716,7 @@
           <a:p>
             <a:r>
               <a:rPr lang="bg-BG" dirty="0"/>
-              <a:t>͏Операционна система</a:t>
+              <a:t>͏Операционна система (ОС)</a:t>
             </a:r>
             <a:endParaRPr lang="en-US" dirty="0"/>
           </a:p>
@@ -13542,16 +13827,86 @@
             </a:r>
             <a:r>
               <a:rPr lang="bg-BG" dirty="0"/>
-              <a:t>) – набор от програми за управление на компютърната система</a:t>
+              <a:t>) – системни програми за управление на компютърната система</a:t>
             </a:r>
           </a:p>
           <a:p>
             <a:pPr lvl="1"/>
             <a:r>
-              <a:rPr lang="ru-RU" dirty="0"/>
-              <a:t>Действа като посредник между хардуерните компоненти на компютъра и софтуерните приложения</a:t>
-            </a:r>
-            <a:endParaRPr lang="en-US" dirty="0"/>
+              <a:rPr lang="bg-BG" dirty="0"/>
+              <a:t>Примери:</a:t>
+            </a:r>
+          </a:p>
+          <a:p>
+            <a:pPr lvl="2"/>
+            <a:r>
+              <a:rPr lang="en-US" b="1" dirty="0"/>
+              <a:t>Windows</a:t>
+            </a:r>
+            <a:r>
+              <a:rPr lang="en-US" dirty="0"/>
+              <a:t> </a:t>
+            </a:r>
+            <a:r>
+              <a:rPr lang="bg-BG" dirty="0"/>
+              <a:t>– ОС за лаптопи</a:t>
+            </a:r>
+          </a:p>
+          <a:p>
+            <a:pPr lvl="2"/>
+            <a:r>
+              <a:rPr lang="en-US" b="1" dirty="0"/>
+              <a:t>Android</a:t>
+            </a:r>
+            <a:r>
+              <a:rPr lang="en-US" dirty="0"/>
+              <a:t> – </a:t>
+            </a:r>
+            <a:r>
+              <a:rPr lang="bg-BG" dirty="0"/>
+              <a:t>ОС за телефони</a:t>
+            </a:r>
+          </a:p>
+          <a:p>
+            <a:pPr lvl="1"/>
+            <a:r>
+              <a:rPr lang="bg-BG" dirty="0"/>
+              <a:t>ОС действа като </a:t>
+            </a:r>
+            <a:r>
+              <a:rPr lang="bg-BG" b="1" dirty="0"/>
+              <a:t>посредник</a:t>
+            </a:r>
+            <a:br>
+              <a:rPr lang="bg-BG" dirty="0"/>
+            </a:br>
+            <a:r>
+              <a:rPr lang="bg-BG" dirty="0"/>
+              <a:t>между </a:t>
+            </a:r>
+            <a:r>
+              <a:rPr lang="bg-BG" b="1" dirty="0"/>
+              <a:t>хардуера</a:t>
+            </a:r>
+            <a:r>
+              <a:rPr lang="bg-BG" dirty="0"/>
+              <a:t> на компютъра</a:t>
+            </a:r>
+            <a:br>
+              <a:rPr lang="bg-BG" dirty="0"/>
+            </a:br>
+            <a:r>
+              <a:rPr lang="bg-BG" dirty="0"/>
+              <a:t>и </a:t>
+            </a:r>
+            <a:r>
+              <a:rPr lang="bg-BG" b="1" dirty="0"/>
+              <a:t>софтуерните</a:t>
+            </a:r>
+            <a:r>
+              <a:rPr lang="bg-BG" dirty="0"/>
+              <a:t> приложения</a:t>
+            </a:r>
           </a:p>
         </p:txBody>
       </p:sp>
@@ -13601,8 +13956,8 @@
         </p:blipFill>
         <p:spPr bwMode="auto">
           <a:xfrm>
-            <a:off x="3688500" y="3834000"/>
-            <a:ext cx="4815000" cy="2708438"/>
+            <a:off x="7176000" y="2676784"/>
+            <a:ext cx="4377273" cy="2462216"/>
           </a:xfrm>
           <a:prstGeom prst="rect">
             <a:avLst/>
@@ -13695,26 +14050,39 @@
                                   </p:childTnLst>
                                 </p:cTn>
                               </p:par>
-                            </p:childTnLst>
-                          </p:cTn>
-                        </p:par>
-                      </p:childTnLst>
-                    </p:cTn>
-                  </p:par>
-                  <p:par>
-                    <p:cTn id="7" fill="hold">
-                      <p:stCondLst>
-                        <p:cond delay="indefinite"/>
-                      </p:stCondLst>
-                      <p:childTnLst>
-                        <p:par>
-                          <p:cTn id="8" fill="hold">
-                            <p:stCondLst>
-                              <p:cond delay="0"/>
-                            </p:stCondLst>
-                            <p:childTnLst>
                               <p:par>
-                                <p:cTn id="9" presetID="1" presetClass="entr" presetSubtype="0" fill="hold" nodeType="clickEffect">
+                                <p:cTn id="7" presetID="1" presetClass="entr" presetSubtype="0" fill="hold" nodeType="withEffect">
+                                  <p:stCondLst>
+                                    <p:cond delay="0"/>
+                                  </p:stCondLst>
+                                  <p:childTnLst>
+                                    <p:set>
+                                      <p:cBhvr>
+                                        <p:cTn id="8" dur="1" fill="hold">
+                                          <p:stCondLst>
+                                            <p:cond delay="0"/>
+                                          </p:stCondLst>
+                                        </p:cTn>
+                                        <p:tgtEl>
+                                          <p:spTgt spid="5">
+                                            <p:txEl>
+                                              <p:pRg st="2" end="2"/>
+                                            </p:txEl>
+                                          </p:spTgt>
+                                        </p:tgtEl>
+                                        <p:attrNameLst>
+                                          <p:attrName>style.visibility</p:attrName>
+                                        </p:attrNameLst>
+                                      </p:cBhvr>
+                                      <p:to>
+                                        <p:strVal val="visible"/>
+                                      </p:to>
+                                    </p:set>
+                                  </p:childTnLst>
+                                </p:cTn>
+                              </p:par>
+                              <p:par>
+                                <p:cTn id="9" presetID="1" presetClass="entr" presetSubtype="0" fill="hold" nodeType="withEffect">
                                   <p:stCondLst>
                                     <p:cond delay="0"/>
                                   </p:stCondLst>
@@ -13727,7 +14095,60 @@
                                           </p:stCondLst>
                                         </p:cTn>
                                         <p:tgtEl>
-                                          <p:spTgt spid="1026"/>
+                                          <p:spTgt spid="5">
+                                            <p:txEl>
+                                              <p:pRg st="3" end="3"/>
+                                            </p:txEl>
+                                          </p:spTgt>
+                                        </p:tgtEl>
+                                        <p:attrNameLst>
+                                          <p:attrName>style.visibility</p:attrName>
+                                        </p:attrNameLst>
+                                      </p:cBhvr>
+                                      <p:to>
+                                        <p:strVal val="visible"/>
+                                      </p:to>
+                                    </p:set>
+                                  </p:childTnLst>
+                                </p:cTn>
+                              </p:par>
+                            </p:childTnLst>
+                          </p:cTn>
+                        </p:par>
+                      </p:childTnLst>
+                    </p:cTn>
+                  </p:par>
+                  <p:par>
+                    <p:cTn id="11" fill="hold">
+                      <p:stCondLst>
+                        <p:cond delay="indefinite"/>
+                      </p:stCondLst>
+                      <p:childTnLst>
+                        <p:par>
+                          <p:cTn id="12" fill="hold">
+                            <p:stCondLst>
+                              <p:cond delay="0"/>
+                            </p:stCondLst>
+                            <p:childTnLst>
+                              <p:par>
+                                <p:cTn id="13" presetID="1" presetClass="entr" presetSubtype="0" fill="hold" nodeType="clickEffect">
+                                  <p:stCondLst>
+                                    <p:cond delay="0"/>
+                                  </p:stCondLst>
+                                  <p:childTnLst>
+                                    <p:set>
+                                      <p:cBhvr>
+                                        <p:cTn id="14" dur="1" fill="hold">
+                                          <p:stCondLst>
+                                            <p:cond delay="0"/>
+                                          </p:stCondLst>
+                                        </p:cTn>
+                                        <p:tgtEl>
+                                          <p:spTgt spid="5">
+                                            <p:txEl>
+                                              <p:pRg st="4" end="4"/>
+                                            </p:txEl>
+                                          </p:spTgt>
                                         </p:tgtEl>
                                         <p:attrNameLst>
                                           <p:attrName>style.visibility</p:attrName>
@@ -13825,7 +14246,7 @@
         <p:spPr/>
         <p:txBody>
           <a:bodyPr>
-            <a:normAutofit/>
+            <a:normAutofit lnSpcReduction="10000"/>
           </a:bodyPr>
           <a:lstStyle/>
           <a:p>
@@ -13845,98 +14266,96 @@
           <a:p>
             <a:pPr lvl="1"/>
             <a:r>
-              <a:rPr lang="ru-RU" dirty="0"/>
-              <a:t>Осигурява среда и възможност за </a:t>
-            </a:r>
-            <a:r>
-              <a:rPr lang="ru-RU" b="1" dirty="0"/>
-              <a:t>изпълнение</a:t>
-            </a:r>
-            <a:r>
-              <a:rPr lang="ru-RU" dirty="0"/>
-              <a:t> на </a:t>
-            </a:r>
-            <a:r>
-              <a:rPr lang="ru-RU" b="1" dirty="0"/>
+              <a:rPr lang="bg-BG" dirty="0"/>
+              <a:t>Изпълнява </a:t>
+            </a:r>
+            <a:r>
+              <a:rPr lang="bg-BG" b="1" dirty="0"/>
               <a:t>софтуерни приложния</a:t>
             </a:r>
             <a:r>
-              <a:rPr lang="ru-RU" dirty="0"/>
-              <a:t> от компютъра</a:t>
+              <a:rPr lang="bg-BG" dirty="0"/>
+              <a:t> (програми) на компютъра</a:t>
+            </a:r>
+          </a:p>
+          <a:p>
+            <a:pPr lvl="2"/>
+            <a:r>
+              <a:rPr lang="bg-BG" dirty="0"/>
+              <a:t>Стартира / спира приложения, превключва между тях</a:t>
             </a:r>
           </a:p>
           <a:p>
             <a:pPr lvl="1"/>
             <a:r>
-              <a:rPr lang="ru-RU" dirty="0"/>
-              <a:t>Управлява и разпределя </a:t>
-            </a:r>
-            <a:r>
-              <a:rPr lang="ru-RU" b="1" dirty="0"/>
+              <a:rPr lang="bg-BG" dirty="0"/>
+              <a:t>Контролира </a:t>
+            </a:r>
+            <a:r>
+              <a:rPr lang="bg-BG" b="1" dirty="0"/>
               <a:t>използването </a:t>
             </a:r>
             <a:r>
-              <a:rPr lang="ru-RU" dirty="0"/>
+              <a:rPr lang="bg-BG" dirty="0"/>
               <a:t>на</a:t>
             </a:r>
             <a:r>
-              <a:rPr lang="ru-RU" b="1" dirty="0"/>
+              <a:rPr lang="bg-BG" b="1" dirty="0"/>
               <a:t> процесора </a:t>
             </a:r>
             <a:r>
-              <a:rPr lang="ru-RU" dirty="0"/>
+              <a:rPr lang="bg-BG" dirty="0"/>
               <a:t>и </a:t>
             </a:r>
             <a:r>
-              <a:rPr lang="ru-RU" b="1" dirty="0"/>
+              <a:rPr lang="bg-BG" b="1" dirty="0"/>
               <a:t>паметта</a:t>
             </a:r>
             <a:r>
-              <a:rPr lang="ru-RU" dirty="0"/>
+              <a:rPr lang="bg-BG" dirty="0"/>
               <a:t> от различните приложения</a:t>
             </a:r>
           </a:p>
           <a:p>
             <a:pPr lvl="1"/>
             <a:r>
-              <a:rPr lang="ru-RU" dirty="0"/>
+              <a:rPr lang="bg-BG" dirty="0"/>
               <a:t>Позволява на </a:t>
             </a:r>
             <a:r>
-              <a:rPr lang="ru-RU" b="1" dirty="0"/>
+              <a:rPr lang="bg-BG" b="1" dirty="0"/>
               <a:t>човек</a:t>
             </a:r>
             <a:r>
-              <a:rPr lang="ru-RU" dirty="0"/>
+              <a:rPr lang="bg-BG" dirty="0"/>
               <a:t> да </a:t>
             </a:r>
             <a:r>
-              <a:rPr lang="ru-RU" b="1" dirty="0"/>
-              <a:t>управлява компютъра </a:t>
-            </a:r>
-            <a:r>
-              <a:rPr lang="ru-RU" dirty="0"/>
+              <a:rPr lang="bg-BG" b="1" dirty="0"/>
+              <a:t>взаимодейства с компютъра </a:t>
+            </a:r>
+            <a:r>
+              <a:rPr lang="bg-BG" dirty="0"/>
               <a:t>чрез потребителския интерфейс</a:t>
             </a:r>
           </a:p>
           <a:p>
             <a:pPr lvl="1"/>
             <a:r>
-              <a:rPr lang="ru-RU" dirty="0"/>
+              <a:rPr lang="bg-BG" dirty="0"/>
               <a:t>Управлява работата на </a:t>
             </a:r>
             <a:r>
-              <a:rPr lang="ru-RU" b="1" dirty="0"/>
+              <a:rPr lang="bg-BG" b="1" dirty="0"/>
               <a:t>периферните устройства </a:t>
             </a:r>
           </a:p>
           <a:p>
             <a:pPr lvl="2"/>
             <a:r>
-              <a:rPr lang="ru-RU" dirty="0"/>
+              <a:rPr lang="bg-BG" dirty="0"/>
               <a:t>Клавиатура, мишка, монитор, скенер, принтер и др.</a:t>
             </a:r>
-            <a:endParaRPr lang="en-US" dirty="0"/>
           </a:p>
         </p:txBody>
       </p:sp>
@@ -14234,6 +14653,55 @@
                       </p:childTnLst>
                     </p:cTn>
                   </p:par>
+                  <p:par>
+                    <p:cTn id="23" fill="hold">
+                      <p:stCondLst>
+                        <p:cond delay="indefinite"/>
+                      </p:stCondLst>
+                      <p:childTnLst>
+                        <p:par>
+                          <p:cTn id="24" fill="hold">
+                            <p:stCondLst>
+                              <p:cond delay="0"/>
+                            </p:stCondLst>
+                            <p:childTnLst>
+                              <p:par>
+                                <p:cTn id="25" presetID="1" presetClass="entr" presetSubtype="0" fill="hold" nodeType="clickEffect">
+                                  <p:stCondLst>
+                                    <p:cond delay="0"/>
+                                  </p:stCondLst>
+                                  <p:childTnLst>
+                                    <p:set>
+                                      <p:cBhvr>
+                                        <p:cTn id="26" dur="1" fill="hold">
+                                          <p:stCondLst>
+                                            <p:cond delay="0"/>
+                                          </p:stCondLst>
+                                        </p:cTn>
+                                        <p:tgtEl>
+                                          <p:spTgt spid="3">
+                                            <p:txEl>
+                                              <p:pRg st="6" end="6"/>
+                                            </p:txEl>
+                                          </p:spTgt>
+                                        </p:tgtEl>
+                                        <p:attrNameLst>
+                                          <p:attrName>style.visibility</p:attrName>
+                                        </p:attrNameLst>
+                                      </p:cBhvr>
+                                      <p:to>
+                                        <p:strVal val="visible"/>
+                                      </p:to>
+                                    </p:set>
+                                  </p:childTnLst>
+                                </p:cTn>
+                              </p:par>
+                            </p:childTnLst>
+                          </p:cTn>
+                        </p:par>
+                      </p:childTnLst>
+                    </p:cTn>
+                  </p:par>
                 </p:childTnLst>
               </p:cTn>
               <p:prevCondLst>
@@ -14315,6 +14783,11 @@
           <a:bodyPr/>
           <a:lstStyle/>
           <a:p>
+            <a:pPr>
+              <a:lnSpc>
+                <a:spcPct val="120000"/>
+              </a:lnSpc>
+            </a:pPr>
             <a:r>
               <a:rPr lang="bg-BG" dirty="0"/>
               <a:t>Едни от </a:t>
@@ -14329,43 +14802,59 @@
             </a:r>
           </a:p>
           <a:p>
-            <a:pPr lvl="1"/>
+            <a:pPr lvl="1">
+              <a:lnSpc>
+                <a:spcPct val="120000"/>
+              </a:lnSpc>
+            </a:pPr>
             <a:r>
               <a:rPr lang="en-US" dirty="0"/>
-              <a:t>Microsoft Windows</a:t>
-            </a:r>
-          </a:p>
-          <a:p>
-            <a:pPr lvl="1"/>
+              <a:t>Windows</a:t>
+            </a:r>
+          </a:p>
+          <a:p>
+            <a:pPr lvl="1">
+              <a:lnSpc>
+                <a:spcPct val="120000"/>
+              </a:lnSpc>
+            </a:pPr>
             <a:r>
               <a:rPr lang="en-US" dirty="0"/>
               <a:t>Linux</a:t>
             </a:r>
           </a:p>
           <a:p>
-            <a:pPr lvl="1"/>
+            <a:pPr lvl="1">
+              <a:lnSpc>
+                <a:spcPct val="120000"/>
+              </a:lnSpc>
+            </a:pPr>
             <a:r>
               <a:rPr lang="en-US" dirty="0"/>
               <a:t>macOS</a:t>
             </a:r>
           </a:p>
           <a:p>
-            <a:pPr lvl="1"/>
+            <a:pPr lvl="1">
+              <a:lnSpc>
+                <a:spcPct val="120000"/>
+              </a:lnSpc>
+            </a:pPr>
             <a:r>
               <a:rPr lang="en-US" dirty="0"/>
               <a:t>iOS</a:t>
             </a:r>
           </a:p>
           <a:p>
-            <a:pPr lvl="1"/>
+            <a:pPr lvl="1">
+              <a:lnSpc>
+                <a:spcPct val="120000"/>
+              </a:lnSpc>
+            </a:pPr>
             <a:r>
               <a:rPr lang="en-US" dirty="0"/>
               <a:t>Android</a:t>
             </a:r>
-          </a:p>
-          <a:p>
-            <a:pPr lvl="1"/>
-            <a:endParaRPr lang="en-US" dirty="0"/>
           </a:p>
         </p:txBody>
       </p:sp>
@@ -15146,47 +15635,53 @@
               <a:rPr lang="bg-BG" dirty="0"/>
               <a:t>)</a:t>
             </a:r>
-            <a:r>
-              <a:rPr lang="bg-BG" b="1" dirty="0">
-                <a:solidFill>
-                  <a:schemeClr val="bg1"/>
-                </a:solidFill>
-              </a:rPr>
-              <a:t> </a:t>
-            </a:r>
+          </a:p>
+          <a:p>
+            <a:pPr lvl="1"/>
             <a:r>
               <a:rPr lang="bg-BG" dirty="0"/>
-              <a:t>– п</a:t>
-            </a:r>
-            <a:r>
-              <a:rPr lang="ru-RU" dirty="0"/>
-              <a:t>рограмните средства, с помощта на които </a:t>
-            </a:r>
-            <a:r>
-              <a:rPr lang="ru-RU" b="1" dirty="0"/>
+              <a:t>Програмни средства, с които </a:t>
+            </a:r>
+            <a:r>
+              <a:rPr lang="bg-BG" b="1" dirty="0"/>
               <a:t>потребителят общува </a:t>
             </a:r>
             <a:r>
-              <a:rPr lang="ru-RU" dirty="0"/>
+              <a:rPr lang="bg-BG" dirty="0"/>
               <a:t>с </a:t>
             </a:r>
             <a:r>
-              <a:rPr lang="ru-RU" b="1" dirty="0"/>
-              <a:t>компютърната</a:t>
-            </a:r>
-            <a:r>
-              <a:rPr lang="ru-RU" dirty="0"/>
-              <a:t> </a:t>
-            </a:r>
-            <a:r>
-              <a:rPr lang="ru-RU" b="1" dirty="0"/>
-              <a:t>система</a:t>
-            </a:r>
-            <a:r>
-              <a:rPr lang="ru-RU" dirty="0"/>
-              <a:t> </a:t>
-            </a:r>
-            <a:endParaRPr lang="en-US" dirty="0"/>
+              <a:rPr lang="bg-BG" b="1" dirty="0"/>
+              <a:t>компютъра</a:t>
+            </a:r>
+          </a:p>
+          <a:p>
+            <a:pPr lvl="1"/>
+            <a:r>
+              <a:rPr lang="bg-BG" dirty="0"/>
+              <a:t>Примери:</a:t>
+            </a:r>
+          </a:p>
+          <a:p>
+            <a:pPr lvl="2"/>
+            <a:r>
+              <a:rPr lang="bg-BG" dirty="0"/>
+              <a:t>Бутон за натискане</a:t>
+            </a:r>
+          </a:p>
+          <a:p>
+            <a:pPr lvl="2"/>
+            <a:r>
+              <a:rPr lang="bg-BG" dirty="0"/>
+              <a:t>Гласова команда</a:t>
+            </a:r>
+          </a:p>
+          <a:p>
+            <a:pPr lvl="2"/>
+            <a:r>
+              <a:rPr lang="bg-BG" dirty="0"/>
+              <a:t>Текстова команда</a:t>
+            </a:r>
           </a:p>
         </p:txBody>
       </p:sp>
@@ -15235,8 +15730,8 @@
         </p:blipFill>
         <p:spPr>
           <a:xfrm>
-            <a:off x="1627192" y="2979000"/>
-            <a:ext cx="8937615" cy="3650575"/>
+            <a:off x="4699764" y="2647004"/>
+            <a:ext cx="7156236" cy="2922970"/>
           </a:xfrm>
           <a:prstGeom prst="rect">
             <a:avLst/>
@@ -15314,6 +15809,148 @@
                       </p:childTnLst>
                     </p:cTn>
                   </p:par>
+                  <p:par>
+                    <p:cTn id="7" fill="hold">
+                      <p:stCondLst>
+                        <p:cond delay="indefinite"/>
+                      </p:stCondLst>
+                      <p:childTnLst>
+                        <p:par>
+                          <p:cTn id="8" fill="hold">
+                            <p:stCondLst>
+                              <p:cond delay="0"/>
+                            </p:stCondLst>
+                            <p:childTnLst>
+                              <p:par>
+                                <p:cTn id="9" presetID="1" presetClass="entr" presetSubtype="0" fill="hold" nodeType="clickEffect">
+                                  <p:stCondLst>
+                                    <p:cond delay="0"/>
+                                  </p:stCondLst>
+                                  <p:childTnLst>
+                                    <p:set>
+                                      <p:cBhvr>
+                                        <p:cTn id="10" dur="1" fill="hold">
+                                          <p:stCondLst>
+                                            <p:cond delay="0"/>
+                                          </p:stCondLst>
+                                        </p:cTn>
+                                        <p:tgtEl>
+                                          <p:spTgt spid="5">
+                                            <p:txEl>
+                                              <p:pRg st="2" end="2"/>
+                                            </p:txEl>
+                                          </p:spTgt>
+                                        </p:tgtEl>
+                                        <p:attrNameLst>
+                                          <p:attrName>style.visibility</p:attrName>
+                                        </p:attrNameLst>
+                                      </p:cBhvr>
+                                      <p:to>
+                                        <p:strVal val="visible"/>
+                                      </p:to>
+                                    </p:set>
+                                  </p:childTnLst>
+                                </p:cTn>
+                              </p:par>
+                              <p:par>
+                                <p:cTn id="11" presetID="1" presetClass="entr" presetSubtype="0" fill="hold" nodeType="withEffect">
+                                  <p:stCondLst>
+                                    <p:cond delay="0"/>
+                                  </p:stCondLst>
+                                  <p:childTnLst>
+                                    <p:set>
+                                      <p:cBhvr>
+                                        <p:cTn id="12" dur="1" fill="hold">
+                                          <p:stCondLst>
+                                            <p:cond delay="0"/>
+                                          </p:stCondLst>
+                                        </p:cTn>
+                                        <p:tgtEl>
+                                          <p:spTgt spid="5">
+                                            <p:txEl>
+                                              <p:pRg st="3" end="3"/>
+                                            </p:txEl>
+                                          </p:spTgt>
+                                        </p:tgtEl>
+                                        <p:attrNameLst>
+                                          <p:attrName>style.visibility</p:attrName>
+                                        </p:attrNameLst>
+                                      </p:cBhvr>
+                                      <p:to>
+                                        <p:strVal val="visible"/>
+                                      </p:to>
+                                    </p:set>
+                                  </p:childTnLst>
+                                </p:cTn>
+                              </p:par>
+                              <p:par>
+                                <p:cTn id="13" presetID="1" presetClass="entr" presetSubtype="0" fill="hold" nodeType="withEffect">
+                                  <p:stCondLst>
+                                    <p:cond delay="0"/>
+                                  </p:stCondLst>
+                                  <p:childTnLst>
+                                    <p:set>
+                                      <p:cBhvr>
+                                        <p:cTn id="14" dur="1" fill="hold">
+                                          <p:stCondLst>
+                                            <p:cond delay="0"/>
+                                          </p:stCondLst>
+                                        </p:cTn>
+                                        <p:tgtEl>
+                                          <p:spTgt spid="5">
+                                            <p:txEl>
+                                              <p:pRg st="4" end="4"/>
+                                            </p:txEl>
+                                          </p:spTgt>
+                                        </p:tgtEl>
+                                        <p:attrNameLst>
+                                          <p:attrName>style.visibility</p:attrName>
+                                        </p:attrNameLst>
+                                      </p:cBhvr>
+                                      <p:to>
+                                        <p:strVal val="visible"/>
+                                      </p:to>
+                                    </p:set>
+                                  </p:childTnLst>
+                                </p:cTn>
+                              </p:par>
+                              <p:par>
+                                <p:cTn id="15" presetID="1" presetClass="entr" presetSubtype="0" fill="hold" nodeType="withEffect">
+                                  <p:stCondLst>
+                                    <p:cond delay="0"/>
+                                  </p:stCondLst>
+                                  <p:childTnLst>
+                                    <p:set>
+                                      <p:cBhvr>
+                                        <p:cTn id="16" dur="1" fill="hold">
+                                          <p:stCondLst>
+                                            <p:cond delay="0"/>
+                                          </p:stCondLst>
+                                        </p:cTn>
+                                        <p:tgtEl>
+                                          <p:spTgt spid="5">
+                                            <p:txEl>
+                                              <p:pRg st="5" end="5"/>
+                                            </p:txEl>
+                                          </p:spTgt>
+                                        </p:tgtEl>
+                                        <p:attrNameLst>
+                                          <p:attrName>style.visibility</p:attrName>
+                                        </p:attrNameLst>
+                                      </p:cBhvr>
+                                      <p:to>
+                                        <p:strVal val="visible"/>
+                                      </p:to>
+                                    </p:set>
+                                  </p:childTnLst>
+                                </p:cTn>
+                              </p:par>
+                            </p:childTnLst>
+                          </p:cTn>
+                        </p:par>
+                      </p:childTnLst>
+                    </p:cTn>
+                  </p:par>
                 </p:childTnLst>
               </p:cTn>
               <p:prevCondLst>
@@ -15473,6 +16110,32 @@
               <a:rPr lang="bg-BG" dirty="0"/>
               <a:t>.</a:t>
             </a:r>
+          </a:p>
+          <a:p>
+            <a:pPr lvl="1">
+              <a:buClr>
+                <a:schemeClr val="tx1"/>
+              </a:buClr>
+            </a:pPr>
+            <a:r>
+              <a:rPr lang="bg-BG" b="1" dirty="0">
+                <a:solidFill>
+                  <a:schemeClr val="bg1"/>
+                </a:solidFill>
+              </a:rPr>
+              <a:t>Гласов</a:t>
+            </a:r>
+            <a:r>
+              <a:rPr lang="bg-BG" dirty="0"/>
+              <a:t> – чрез</a:t>
+            </a:r>
+            <a:br>
+              <a:rPr lang="bg-BG" dirty="0"/>
+            </a:br>
+            <a:r>
+              <a:rPr lang="bg-BG" dirty="0"/>
+              <a:t>гласови команди</a:t>
+            </a:r>
             <a:endParaRPr lang="en-US" dirty="0"/>
           </a:p>
         </p:txBody>
@@ -15521,8 +16184,8 @@
         </p:blipFill>
         <p:spPr bwMode="auto">
           <a:xfrm>
-            <a:off x="1130240" y="3755361"/>
-            <a:ext cx="3765291" cy="2962030"/>
+            <a:off x="4452742" y="4149000"/>
+            <a:ext cx="2870124" cy="2257832"/>
           </a:xfrm>
           <a:prstGeom prst="rect">
             <a:avLst/>
@@ -15569,8 +16232,8 @@
         </p:blipFill>
         <p:spPr bwMode="auto">
           <a:xfrm>
-            <a:off x="5817813" y="3755361"/>
-            <a:ext cx="5268403" cy="2962030"/>
+            <a:off x="7705116" y="4149000"/>
+            <a:ext cx="4015884" cy="2257832"/>
           </a:xfrm>
           <a:prstGeom prst="rect">
             <a:avLst/>
@@ -15754,6 +16417,55 @@
                                         </p:cTn>
                                         <p:tgtEl>
                                           <p:spTgt spid="5126"/>
+                                        </p:tgtEl>
+                                        <p:attrNameLst>
+                                          <p:attrName>style.visibility</p:attrName>
+                                        </p:attrNameLst>
+                                      </p:cBhvr>
+                                      <p:to>
+                                        <p:strVal val="visible"/>
+                                      </p:to>
+                                    </p:set>
+                                  </p:childTnLst>
+                                </p:cTn>
+                              </p:par>
+                            </p:childTnLst>
+                          </p:cTn>
+                        </p:par>
+                      </p:childTnLst>
+                    </p:cTn>
+                  </p:par>
+                  <p:par>
+                    <p:cTn id="15" fill="hold">
+                      <p:stCondLst>
+                        <p:cond delay="indefinite"/>
+                      </p:stCondLst>
+                      <p:childTnLst>
+                        <p:par>
+                          <p:cTn id="16" fill="hold">
+                            <p:stCondLst>
+                              <p:cond delay="0"/>
+                            </p:stCondLst>
+                            <p:childTnLst>
+                              <p:par>
+                                <p:cTn id="17" presetID="1" presetClass="entr" presetSubtype="0" fill="hold" nodeType="clickEffect">
+                                  <p:stCondLst>
+                                    <p:cond delay="0"/>
+                                  </p:stCondLst>
+                                  <p:childTnLst>
+                                    <p:set>
+                                      <p:cBhvr>
+                                        <p:cTn id="18" dur="1" fill="hold">
+                                          <p:stCondLst>
+                                            <p:cond delay="0"/>
+                                          </p:stCondLst>
+                                        </p:cTn>
+                                        <p:tgtEl>
+                                          <p:spTgt spid="3">
+                                            <p:txEl>
+                                              <p:pRg st="3" end="3"/>
+                                            </p:txEl>
+                                          </p:spTgt>
                                         </p:tgtEl>
                                         <p:attrNameLst>
                                           <p:attrName>style.visibility</p:attrName>
